--- a/Slide.pptx
+++ b/Slide.pptx
@@ -5,7 +5,7 @@
     <p:sldMasterId id="2147483648" r:id="rId1"/>
   </p:sldMasterIdLst>
   <p:notesMasterIdLst>
-    <p:notesMasterId r:id="rId16"/>
+    <p:notesMasterId r:id="rId19"/>
   </p:notesMasterIdLst>
   <p:sldIdLst>
     <p:sldId id="256" r:id="rId2"/>
@@ -22,6 +22,9 @@
     <p:sldId id="267" r:id="rId13"/>
     <p:sldId id="268" r:id="rId14"/>
     <p:sldId id="269" r:id="rId15"/>
+    <p:sldId id="271" r:id="rId16"/>
+    <p:sldId id="270" r:id="rId17"/>
+    <p:sldId id="272" r:id="rId18"/>
   </p:sldIdLst>
   <p:sldSz cx="12192000" cy="6858000"/>
   <p:notesSz cx="6858000" cy="9144000"/>
@@ -120,6 +123,11 @@
       </a:defRPr>
     </a:lvl9pPr>
   </p:defaultTextStyle>
+  <p:extLst>
+    <p:ext uri="{EFAFB233-063F-42B5-8137-9DF3F51BA10A}">
+      <p15:sldGuideLst xmlns:p15="http://schemas.microsoft.com/office/powerpoint/2012/main"/>
+    </p:ext>
+  </p:extLst>
 </p:presentation>
 </file>
 
@@ -205,7 +213,7 @@
           <a:p>
             <a:fld id="{636539AC-B433-4144-BF82-571F8E79E096}" type="datetimeFigureOut">
               <a:rPr lang="en-US" smtClean="0"/>
-              <a:t>3/12/2015</a:t>
+              <a:t>5/12/2015</a:t>
             </a:fld>
             <a:endParaRPr lang="en-US"/>
           </a:p>
@@ -701,9 +709,30 @@
             </a:r>
             <a:r>
               <a:rPr lang="en-US" baseline="0" smtClean="0"/>
-              <a:t> thực là ntn.</a:t>
-            </a:r>
-            <a:endParaRPr lang="en-US"/>
+              <a:t> thực là </a:t>
+            </a:r>
+            <a:r>
+              <a:rPr lang="en-US" baseline="0" smtClean="0"/>
+              <a:t>: năm nhuận, số ngày trong tháng…</a:t>
+            </a:r>
+          </a:p>
+          <a:p>
+            <a:r>
+              <a:rPr lang="en-US" baseline="0" smtClean="0"/>
+              <a:t>Địa chỉ email phải có tên miền hợp chuẩn dạng email @....com</a:t>
+            </a:r>
+          </a:p>
+          <a:p>
+            <a:r>
+              <a:rPr lang="en-US" baseline="0" smtClean="0"/>
+              <a:t>Các nhà cung cấp không được trùng nhau để tránh sự nhầm lẫn thêm 2 lần.</a:t>
+            </a:r>
+          </a:p>
+          <a:p>
+            <a:r>
+              <a:rPr lang="en-US" baseline="0" smtClean="0"/>
+              <a:t>Số điện thoại kiểu việt nam &gt;8 và nhỏ hơn 11</a:t>
+            </a:r>
           </a:p>
         </p:txBody>
       </p:sp>
@@ -787,15 +816,40 @@
           <a:bodyPr/>
           <a:lstStyle/>
           <a:p>
-            <a:r>
-              <a:rPr lang="en-US" smtClean="0"/>
-              <a:t>Có</a:t>
-            </a:r>
-            <a:r>
-              <a:rPr lang="en-US" baseline="0" smtClean="0"/>
-              <a:t> thực là ntn.</a:t>
-            </a:r>
-            <a:endParaRPr lang="en-US"/>
+            <a:pPr rtl="0"/>
+            <a:r>
+              <a:rPr lang="vi-VN" sz="1200" b="0" i="0" u="none" strike="noStrike" kern="1200" smtClean="0">
+                <a:solidFill>
+                  <a:schemeClr val="tx1"/>
+                </a:solidFill>
+                <a:effectLst/>
+                <a:latin typeface="+mn-lt"/>
+                <a:ea typeface="+mn-ea"/>
+                <a:cs typeface="+mn-cs"/>
+              </a:rPr>
+              <a:t> Với một cơ sở dữ liệu lớn như quản lý siêu thị thì việc sử dụng index sẽ giups cải thiện đáng kể tốc độ truy suất bảng, hay duyệt tìm kiếm các gía trị.</a:t>
+            </a:r>
+            <a:endParaRPr lang="vi-VN" b="0" smtClean="0">
+              <a:effectLst/>
+            </a:endParaRPr>
+          </a:p>
+          <a:p>
+            <a:pPr rtl="0"/>
+            <a:r>
+              <a:rPr lang="vi-VN" sz="1200" b="0" i="0" u="none" strike="noStrike" kern="1200" smtClean="0">
+                <a:solidFill>
+                  <a:schemeClr val="tx1"/>
+                </a:solidFill>
+                <a:effectLst/>
+                <a:latin typeface="+mn-lt"/>
+                <a:ea typeface="+mn-ea"/>
+                <a:cs typeface="+mn-cs"/>
+              </a:rPr>
+              <a:t>- Cụ thể, đánh index tại các bảng account, mat_hang, nhomhang và ncc. Tất cả các câu lệnh thêm index được lưu trữ trong 1 store procedure.</a:t>
+            </a:r>
+            <a:endParaRPr lang="vi-VN" b="0" smtClean="0">
+              <a:effectLst/>
+            </a:endParaRPr>
           </a:p>
         </p:txBody>
       </p:sp>
@@ -826,6 +880,279 @@
     <p:extLst>
       <p:ext uri="{BB962C8B-B14F-4D97-AF65-F5344CB8AC3E}">
         <p14:creationId xmlns:p14="http://schemas.microsoft.com/office/powerpoint/2010/main" val="549014082"/>
+      </p:ext>
+    </p:extLst>
+  </p:cSld>
+  <p:clrMapOvr>
+    <a:masterClrMapping/>
+  </p:clrMapOvr>
+</p:notes>
+</file>
+
+<file path=ppt/notesSlides/notesSlide13.xml><?xml version="1.0" encoding="utf-8"?>
+<p:notes xmlns:a="http://schemas.openxmlformats.org/drawingml/2006/main" xmlns:r="http://schemas.openxmlformats.org/officeDocument/2006/relationships" xmlns:p="http://schemas.openxmlformats.org/presentationml/2006/main">
+  <p:cSld>
+    <p:spTree>
+      <p:nvGrpSpPr>
+        <p:cNvPr id="1" name=""/>
+        <p:cNvGrpSpPr/>
+        <p:nvPr/>
+      </p:nvGrpSpPr>
+      <p:grpSpPr>
+        <a:xfrm>
+          <a:off x="0" y="0"/>
+          <a:ext cx="0" cy="0"/>
+          <a:chOff x="0" y="0"/>
+          <a:chExt cx="0" cy="0"/>
+        </a:xfrm>
+      </p:grpSpPr>
+      <p:sp>
+        <p:nvSpPr>
+          <p:cNvPr id="2" name="Slide Image Placeholder 1"/>
+          <p:cNvSpPr>
+            <a:spLocks noGrp="1" noRot="1" noChangeAspect="1"/>
+          </p:cNvSpPr>
+          <p:nvPr>
+            <p:ph type="sldImg"/>
+          </p:nvPr>
+        </p:nvSpPr>
+        <p:spPr/>
+      </p:sp>
+      <p:sp>
+        <p:nvSpPr>
+          <p:cNvPr id="3" name="Notes Placeholder 2"/>
+          <p:cNvSpPr>
+            <a:spLocks noGrp="1"/>
+          </p:cNvSpPr>
+          <p:nvPr>
+            <p:ph type="body" idx="1"/>
+          </p:nvPr>
+        </p:nvSpPr>
+        <p:spPr/>
+        <p:txBody>
+          <a:bodyPr/>
+          <a:lstStyle/>
+          <a:p>
+            <a:pPr rtl="0"/>
+            <a:r>
+              <a:rPr lang="vi-VN" sz="1200" b="0" i="0" u="none" strike="noStrike" kern="1200" smtClean="0">
+                <a:solidFill>
+                  <a:schemeClr val="tx1"/>
+                </a:solidFill>
+                <a:effectLst/>
+                <a:latin typeface="+mn-lt"/>
+                <a:ea typeface="+mn-ea"/>
+                <a:cs typeface="+mn-cs"/>
+              </a:rPr>
+              <a:t>một tài khoản người sử dụng có 3 trạng thái ( gồm online, offline, deleted) nên trước và sau mỗi phiên làm việc của từng account, việc update lại trạng thái tài khoản diễn ra thường xuyên. Câu lệnh này được đặt vào 1 store procedure để tăng hiệu suất sử dụng.</a:t>
+            </a:r>
+            <a:endParaRPr lang="vi-VN" b="0" smtClean="0">
+              <a:effectLst/>
+            </a:endParaRPr>
+          </a:p>
+        </p:txBody>
+      </p:sp>
+      <p:sp>
+        <p:nvSpPr>
+          <p:cNvPr id="4" name="Slide Number Placeholder 3"/>
+          <p:cNvSpPr>
+            <a:spLocks noGrp="1"/>
+          </p:cNvSpPr>
+          <p:nvPr>
+            <p:ph type="sldNum" sz="quarter" idx="10"/>
+          </p:nvPr>
+        </p:nvSpPr>
+        <p:spPr/>
+        <p:txBody>
+          <a:bodyPr/>
+          <a:lstStyle/>
+          <a:p>
+            <a:fld id="{A098E700-4659-44EB-9520-5D39C5C5C2CD}" type="slidenum">
+              <a:rPr lang="en-US" smtClean="0"/>
+              <a:t>15</a:t>
+            </a:fld>
+            <a:endParaRPr lang="en-US"/>
+          </a:p>
+        </p:txBody>
+      </p:sp>
+    </p:spTree>
+    <p:extLst>
+      <p:ext uri="{BB962C8B-B14F-4D97-AF65-F5344CB8AC3E}">
+        <p14:creationId xmlns:p14="http://schemas.microsoft.com/office/powerpoint/2010/main" val="3238160361"/>
+      </p:ext>
+    </p:extLst>
+  </p:cSld>
+  <p:clrMapOvr>
+    <a:masterClrMapping/>
+  </p:clrMapOvr>
+</p:notes>
+</file>
+
+<file path=ppt/notesSlides/notesSlide14.xml><?xml version="1.0" encoding="utf-8"?>
+<p:notes xmlns:a="http://schemas.openxmlformats.org/drawingml/2006/main" xmlns:r="http://schemas.openxmlformats.org/officeDocument/2006/relationships" xmlns:p="http://schemas.openxmlformats.org/presentationml/2006/main">
+  <p:cSld>
+    <p:spTree>
+      <p:nvGrpSpPr>
+        <p:cNvPr id="1" name=""/>
+        <p:cNvGrpSpPr/>
+        <p:nvPr/>
+      </p:nvGrpSpPr>
+      <p:grpSpPr>
+        <a:xfrm>
+          <a:off x="0" y="0"/>
+          <a:ext cx="0" cy="0"/>
+          <a:chOff x="0" y="0"/>
+          <a:chExt cx="0" cy="0"/>
+        </a:xfrm>
+      </p:grpSpPr>
+      <p:sp>
+        <p:nvSpPr>
+          <p:cNvPr id="2" name="Slide Image Placeholder 1"/>
+          <p:cNvSpPr>
+            <a:spLocks noGrp="1" noRot="1" noChangeAspect="1"/>
+          </p:cNvSpPr>
+          <p:nvPr>
+            <p:ph type="sldImg"/>
+          </p:nvPr>
+        </p:nvSpPr>
+        <p:spPr/>
+      </p:sp>
+      <p:sp>
+        <p:nvSpPr>
+          <p:cNvPr id="3" name="Notes Placeholder 2"/>
+          <p:cNvSpPr>
+            <a:spLocks noGrp="1"/>
+          </p:cNvSpPr>
+          <p:nvPr>
+            <p:ph type="body" idx="1"/>
+          </p:nvPr>
+        </p:nvSpPr>
+        <p:spPr/>
+        <p:txBody>
+          <a:bodyPr/>
+          <a:lstStyle/>
+          <a:p>
+            <a:pPr rtl="0"/>
+            <a:endParaRPr lang="vi-VN" b="0" smtClean="0">
+              <a:effectLst/>
+            </a:endParaRPr>
+          </a:p>
+        </p:txBody>
+      </p:sp>
+      <p:sp>
+        <p:nvSpPr>
+          <p:cNvPr id="4" name="Slide Number Placeholder 3"/>
+          <p:cNvSpPr>
+            <a:spLocks noGrp="1"/>
+          </p:cNvSpPr>
+          <p:nvPr>
+            <p:ph type="sldNum" sz="quarter" idx="10"/>
+          </p:nvPr>
+        </p:nvSpPr>
+        <p:spPr/>
+        <p:txBody>
+          <a:bodyPr/>
+          <a:lstStyle/>
+          <a:p>
+            <a:fld id="{A098E700-4659-44EB-9520-5D39C5C5C2CD}" type="slidenum">
+              <a:rPr lang="en-US" smtClean="0"/>
+              <a:t>16</a:t>
+            </a:fld>
+            <a:endParaRPr lang="en-US"/>
+          </a:p>
+        </p:txBody>
+      </p:sp>
+    </p:spTree>
+    <p:extLst>
+      <p:ext uri="{BB962C8B-B14F-4D97-AF65-F5344CB8AC3E}">
+        <p14:creationId xmlns:p14="http://schemas.microsoft.com/office/powerpoint/2010/main" val="347266451"/>
+      </p:ext>
+    </p:extLst>
+  </p:cSld>
+  <p:clrMapOvr>
+    <a:masterClrMapping/>
+  </p:clrMapOvr>
+</p:notes>
+</file>
+
+<file path=ppt/notesSlides/notesSlide15.xml><?xml version="1.0" encoding="utf-8"?>
+<p:notes xmlns:a="http://schemas.openxmlformats.org/drawingml/2006/main" xmlns:r="http://schemas.openxmlformats.org/officeDocument/2006/relationships" xmlns:p="http://schemas.openxmlformats.org/presentationml/2006/main">
+  <p:cSld>
+    <p:spTree>
+      <p:nvGrpSpPr>
+        <p:cNvPr id="1" name=""/>
+        <p:cNvGrpSpPr/>
+        <p:nvPr/>
+      </p:nvGrpSpPr>
+      <p:grpSpPr>
+        <a:xfrm>
+          <a:off x="0" y="0"/>
+          <a:ext cx="0" cy="0"/>
+          <a:chOff x="0" y="0"/>
+          <a:chExt cx="0" cy="0"/>
+        </a:xfrm>
+      </p:grpSpPr>
+      <p:sp>
+        <p:nvSpPr>
+          <p:cNvPr id="2" name="Slide Image Placeholder 1"/>
+          <p:cNvSpPr>
+            <a:spLocks noGrp="1" noRot="1" noChangeAspect="1"/>
+          </p:cNvSpPr>
+          <p:nvPr>
+            <p:ph type="sldImg"/>
+          </p:nvPr>
+        </p:nvSpPr>
+        <p:spPr/>
+      </p:sp>
+      <p:sp>
+        <p:nvSpPr>
+          <p:cNvPr id="3" name="Notes Placeholder 2"/>
+          <p:cNvSpPr>
+            <a:spLocks noGrp="1"/>
+          </p:cNvSpPr>
+          <p:nvPr>
+            <p:ph type="body" idx="1"/>
+          </p:nvPr>
+        </p:nvSpPr>
+        <p:spPr/>
+        <p:txBody>
+          <a:bodyPr/>
+          <a:lstStyle/>
+          <a:p>
+            <a:pPr rtl="0"/>
+            <a:endParaRPr lang="vi-VN" b="0" smtClean="0">
+              <a:effectLst/>
+            </a:endParaRPr>
+          </a:p>
+        </p:txBody>
+      </p:sp>
+      <p:sp>
+        <p:nvSpPr>
+          <p:cNvPr id="4" name="Slide Number Placeholder 3"/>
+          <p:cNvSpPr>
+            <a:spLocks noGrp="1"/>
+          </p:cNvSpPr>
+          <p:nvPr>
+            <p:ph type="sldNum" sz="quarter" idx="10"/>
+          </p:nvPr>
+        </p:nvSpPr>
+        <p:spPr/>
+        <p:txBody>
+          <a:bodyPr/>
+          <a:lstStyle/>
+          <a:p>
+            <a:fld id="{A098E700-4659-44EB-9520-5D39C5C5C2CD}" type="slidenum">
+              <a:rPr lang="en-US" smtClean="0"/>
+              <a:t>17</a:t>
+            </a:fld>
+            <a:endParaRPr lang="en-US"/>
+          </a:p>
+        </p:txBody>
+      </p:sp>
+    </p:spTree>
+    <p:extLst>
+      <p:ext uri="{BB962C8B-B14F-4D97-AF65-F5344CB8AC3E}">
+        <p14:creationId xmlns:p14="http://schemas.microsoft.com/office/powerpoint/2010/main" val="1628140314"/>
       </p:ext>
     </p:extLst>
   </p:cSld>
@@ -1461,8 +1788,65 @@
                 <a:ea typeface="+mn-ea"/>
                 <a:cs typeface="+mn-cs"/>
               </a:rPr>
-              <a:t>Để quản lý và phân quyền làm việc cho các nhân viên, ta tạo ra các tài khoản đăng nhập vào hệ thống. Gồm các thông tin: mã nhân viên, tên tài khoản, mật khẩu sử dụng, tên nhân viên, thông tin liên hệ, trạng thái hoạt động.</a:t>
-            </a:r>
+              <a:t>Để quản lý và phân quyền làm việc cho các nhân viên, ta tạo ra các tài khoản đăng nhập vào hệ thống. Gồm các thông tin: mã nhân viên, tên tài khoản, mật khẩu sử dụng, tên nhân viên, thông tin liên hệ, trạng thái hoạt động</a:t>
+            </a:r>
+            <a:r>
+              <a:rPr lang="vi-VN" sz="1200" b="0" i="0" u="none" strike="noStrike" kern="1200" smtClean="0">
+                <a:solidFill>
+                  <a:schemeClr val="tx1"/>
+                </a:solidFill>
+                <a:effectLst/>
+                <a:latin typeface="+mn-lt"/>
+                <a:ea typeface="+mn-ea"/>
+                <a:cs typeface="+mn-cs"/>
+              </a:rPr>
+              <a:t>.</a:t>
+            </a:r>
+            <a:endParaRPr lang="en-US" sz="1200" b="0" i="0" u="none" strike="noStrike" kern="1200" smtClean="0">
+              <a:solidFill>
+                <a:schemeClr val="tx1"/>
+              </a:solidFill>
+              <a:effectLst/>
+              <a:latin typeface="+mn-lt"/>
+              <a:ea typeface="+mn-ea"/>
+              <a:cs typeface="+mn-cs"/>
+            </a:endParaRPr>
+          </a:p>
+          <a:p>
+            <a:pPr rtl="0" fontAlgn="base"/>
+            <a:r>
+              <a:rPr lang="en-US" sz="1200" b="0" i="0" u="none" strike="noStrike" kern="1200" smtClean="0">
+                <a:solidFill>
+                  <a:schemeClr val="tx1"/>
+                </a:solidFill>
+                <a:effectLst/>
+                <a:latin typeface="+mn-lt"/>
+                <a:ea typeface="+mn-ea"/>
+                <a:cs typeface="+mn-cs"/>
+              </a:rPr>
+              <a:t>Bọn</a:t>
+            </a:r>
+            <a:r>
+              <a:rPr lang="en-US" sz="1200" b="0" i="0" u="none" strike="noStrike" kern="1200" baseline="0" smtClean="0">
+                <a:solidFill>
+                  <a:schemeClr val="tx1"/>
+                </a:solidFill>
+                <a:effectLst/>
+                <a:latin typeface="+mn-lt"/>
+                <a:ea typeface="+mn-ea"/>
+                <a:cs typeface="+mn-cs"/>
+              </a:rPr>
+              <a:t> em để trạng thái của nhân viên Trạng thái =1 nếu tài khoản đang được đăng nhập trên một máy nào đó, =0 nếu tài khoản đang rỗi. Bằng -1 nếu đã bị xóa. Sử dụng cách này thì sẽ tránh được 2 máy cùng đăng nhập 1 tài khoản. và tránh được việc mất hóa đơn khi bị xóa thông tin nhân viên.</a:t>
+            </a:r>
+            <a:endParaRPr lang="vi-VN" sz="1200" b="0" i="0" u="none" strike="noStrike" kern="1200" smtClean="0">
+              <a:solidFill>
+                <a:schemeClr val="tx1"/>
+              </a:solidFill>
+              <a:effectLst/>
+              <a:latin typeface="+mn-lt"/>
+              <a:ea typeface="+mn-ea"/>
+              <a:cs typeface="+mn-cs"/>
+            </a:endParaRPr>
           </a:p>
           <a:p>
             <a:endParaRPr lang="en-US"/>
@@ -1980,7 +2364,7 @@
           <a:p>
             <a:fld id="{4AAD347D-5ACD-4C99-B74B-A9C85AD731AF}" type="datetimeFigureOut">
               <a:rPr lang="en-US" dirty="0"/>
-              <a:t>3/12/2015</a:t>
+              <a:t>5/12/2015</a:t>
             </a:fld>
             <a:endParaRPr lang="en-US" dirty="0"/>
           </a:p>
@@ -2250,7 +2634,7 @@
           <a:p>
             <a:fld id="{4509A250-FF31-4206-8172-F9D3106AACB1}" type="datetimeFigureOut">
               <a:rPr lang="en-US" dirty="0"/>
-              <a:t>3/12/2015</a:t>
+              <a:t>5/12/2015</a:t>
             </a:fld>
             <a:endParaRPr lang="en-US" dirty="0"/>
           </a:p>
@@ -2439,7 +2823,7 @@
           <a:p>
             <a:fld id="{4509A250-FF31-4206-8172-F9D3106AACB1}" type="datetimeFigureOut">
               <a:rPr lang="en-US" dirty="0"/>
-              <a:t>3/12/2015</a:t>
+              <a:t>5/12/2015</a:t>
             </a:fld>
             <a:endParaRPr lang="en-US" dirty="0"/>
           </a:p>
@@ -2707,7 +3091,7 @@
           <a:p>
             <a:fld id="{4509A250-FF31-4206-8172-F9D3106AACB1}" type="datetimeFigureOut">
               <a:rPr lang="en-US" dirty="0"/>
-              <a:t>3/12/2015</a:t>
+              <a:t>5/12/2015</a:t>
             </a:fld>
             <a:endParaRPr lang="en-US" dirty="0"/>
           </a:p>
@@ -3043,7 +3427,7 @@
           <a:p>
             <a:fld id="{4509A250-FF31-4206-8172-F9D3106AACB1}" type="datetimeFigureOut">
               <a:rPr lang="en-US" dirty="0"/>
-              <a:t>3/12/2015</a:t>
+              <a:t>5/12/2015</a:t>
             </a:fld>
             <a:endParaRPr lang="en-US" dirty="0"/>
           </a:p>
@@ -3661,7 +4045,7 @@
           <a:p>
             <a:fld id="{4509A250-FF31-4206-8172-F9D3106AACB1}" type="datetimeFigureOut">
               <a:rPr lang="en-US" dirty="0"/>
-              <a:t>3/12/2015</a:t>
+              <a:t>5/12/2015</a:t>
             </a:fld>
             <a:endParaRPr lang="en-US" dirty="0"/>
           </a:p>
@@ -4516,7 +4900,7 @@
           <a:p>
             <a:fld id="{4509A250-FF31-4206-8172-F9D3106AACB1}" type="datetimeFigureOut">
               <a:rPr lang="en-US" dirty="0"/>
-              <a:t>3/12/2015</a:t>
+              <a:t>5/12/2015</a:t>
             </a:fld>
             <a:endParaRPr lang="en-US" dirty="0"/>
           </a:p>
@@ -4681,7 +5065,7 @@
           <a:p>
             <a:fld id="{4509A250-FF31-4206-8172-F9D3106AACB1}" type="datetimeFigureOut">
               <a:rPr lang="en-US" dirty="0"/>
-              <a:t>3/12/2015</a:t>
+              <a:t>5/12/2015</a:t>
             </a:fld>
             <a:endParaRPr lang="en-US" dirty="0"/>
           </a:p>
@@ -4856,7 +5240,7 @@
           <a:p>
             <a:fld id="{4509A250-FF31-4206-8172-F9D3106AACB1}" type="datetimeFigureOut">
               <a:rPr lang="en-US" dirty="0"/>
-              <a:t>3/12/2015</a:t>
+              <a:t>5/12/2015</a:t>
             </a:fld>
             <a:endParaRPr lang="en-US" dirty="0"/>
           </a:p>
@@ -5021,7 +5405,7 @@
           <a:p>
             <a:fld id="{4509A250-FF31-4206-8172-F9D3106AACB1}" type="datetimeFigureOut">
               <a:rPr lang="en-US" dirty="0"/>
-              <a:t>3/12/2015</a:t>
+              <a:t>5/12/2015</a:t>
             </a:fld>
             <a:endParaRPr lang="en-US" dirty="0"/>
           </a:p>
@@ -5263,7 +5647,7 @@
           <a:p>
             <a:fld id="{9796027F-7875-4030-9381-8BD8C4F21935}" type="datetimeFigureOut">
               <a:rPr lang="en-US" dirty="0"/>
-              <a:t>3/12/2015</a:t>
+              <a:t>5/12/2015</a:t>
             </a:fld>
             <a:endParaRPr lang="en-US" dirty="0"/>
           </a:p>
@@ -5550,7 +5934,7 @@
           <a:p>
             <a:fld id="{9796027F-7875-4030-9381-8BD8C4F21935}" type="datetimeFigureOut">
               <a:rPr lang="en-US" dirty="0"/>
-              <a:t>3/12/2015</a:t>
+              <a:t>5/12/2015</a:t>
             </a:fld>
             <a:endParaRPr lang="en-US" dirty="0"/>
           </a:p>
@@ -5989,7 +6373,7 @@
           <a:p>
             <a:fld id="{9796027F-7875-4030-9381-8BD8C4F21935}" type="datetimeFigureOut">
               <a:rPr lang="en-US" dirty="0"/>
-              <a:t>3/12/2015</a:t>
+              <a:t>5/12/2015</a:t>
             </a:fld>
             <a:endParaRPr lang="en-US" dirty="0"/>
           </a:p>
@@ -6102,7 +6486,7 @@
           <a:p>
             <a:fld id="{4509A250-FF31-4206-8172-F9D3106AACB1}" type="datetimeFigureOut">
               <a:rPr lang="en-US" dirty="0"/>
-              <a:t>3/12/2015</a:t>
+              <a:t>5/12/2015</a:t>
             </a:fld>
             <a:endParaRPr lang="en-US" dirty="0"/>
           </a:p>
@@ -6192,7 +6576,7 @@
           <a:p>
             <a:fld id="{4509A250-FF31-4206-8172-F9D3106AACB1}" type="datetimeFigureOut">
               <a:rPr lang="en-US" dirty="0"/>
-              <a:t>3/12/2015</a:t>
+              <a:t>5/12/2015</a:t>
             </a:fld>
             <a:endParaRPr lang="en-US" dirty="0"/>
           </a:p>
@@ -6466,7 +6850,7 @@
           <a:p>
             <a:fld id="{4509A250-FF31-4206-8172-F9D3106AACB1}" type="datetimeFigureOut">
               <a:rPr lang="en-US" dirty="0"/>
-              <a:t>3/12/2015</a:t>
+              <a:t>5/12/2015</a:t>
             </a:fld>
             <a:endParaRPr lang="en-US" dirty="0"/>
           </a:p>
@@ -6736,7 +7120,7 @@
           <a:p>
             <a:fld id="{4509A250-FF31-4206-8172-F9D3106AACB1}" type="datetimeFigureOut">
               <a:rPr lang="en-US" dirty="0"/>
-              <a:t>3/12/2015</a:t>
+              <a:t>5/12/2015</a:t>
             </a:fld>
             <a:endParaRPr lang="en-US" dirty="0"/>
           </a:p>
@@ -7160,7 +7544,7 @@
           <a:p>
             <a:fld id="{4AAD347D-5ACD-4C99-B74B-A9C85AD731AF}" type="datetimeFigureOut">
               <a:rPr lang="en-US" dirty="0"/>
-              <a:t>3/12/2015</a:t>
+              <a:t>5/12/2015</a:t>
             </a:fld>
             <a:endParaRPr lang="en-US" dirty="0"/>
           </a:p>
@@ -8340,7 +8724,7 @@
           <p:nvPr>
             <p:extLst>
               <p:ext uri="{D42A27DB-BD31-4B8C-83A1-F6EECF244321}">
-                <p14:modId xmlns:p14="http://schemas.microsoft.com/office/powerpoint/2010/main" val="1580099444"/>
+                <p14:modId xmlns:p14="http://schemas.microsoft.com/office/powerpoint/2010/main" val="2178223501"/>
               </p:ext>
             </p:extLst>
           </p:nvPr>
@@ -8814,7 +9198,31 @@
                           <a:ea typeface="+mn-ea"/>
                           <a:cs typeface="+mn-cs"/>
                         </a:rPr>
-                        <a:t> điện thoại &lt; 11 số.</a:t>
+                        <a:t> điện </a:t>
+                      </a:r>
+                      <a:r>
+                        <a:rPr lang="en-US" sz="1600" b="0" i="0" u="none" strike="noStrike" kern="1200" baseline="0" smtClean="0">
+                          <a:solidFill>
+                            <a:schemeClr val="dk1"/>
+                          </a:solidFill>
+                          <a:effectLst/>
+                          <a:latin typeface="Palatino Linotype" panose="02040502050505030304" pitchFamily="18" charset="0"/>
+                          <a:ea typeface="+mn-ea"/>
+                          <a:cs typeface="+mn-cs"/>
+                        </a:rPr>
+                        <a:t>thoại &gt;8 và </a:t>
+                      </a:r>
+                      <a:r>
+                        <a:rPr lang="en-US" sz="1600" b="0" i="0" u="none" strike="noStrike" kern="1200" baseline="0" smtClean="0">
+                          <a:solidFill>
+                            <a:schemeClr val="dk1"/>
+                          </a:solidFill>
+                          <a:effectLst/>
+                          <a:latin typeface="Palatino Linotype" panose="02040502050505030304" pitchFamily="18" charset="0"/>
+                          <a:ea typeface="+mn-ea"/>
+                          <a:cs typeface="+mn-cs"/>
+                        </a:rPr>
+                        <a:t>&lt; 11 số.</a:t>
                       </a:r>
                     </a:p>
                     <a:p>
@@ -9089,492 +9497,448 @@
               <a:rPr lang="en-US" sz="2800" smtClean="0">
                 <a:latin typeface="Palatino Linotype" panose="02040502050505030304" pitchFamily="18" charset="0"/>
               </a:rPr>
-              <a:t>Một số trigger tiêu biểu.	</a:t>
-            </a:r>
-            <a:endParaRPr lang="en-US" sz="2600" smtClean="0">
+              <a:t>Tăng hiệu năng của cơ sở dữ liệu.</a:t>
+            </a:r>
+          </a:p>
+          <a:p>
+            <a:pPr marL="457200" lvl="1" indent="0">
+              <a:buNone/>
+            </a:pPr>
+            <a:endParaRPr lang="en-US" sz="2800">
               <a:latin typeface="Palatino Linotype" panose="02040502050505030304" pitchFamily="18" charset="0"/>
             </a:endParaRPr>
           </a:p>
-        </p:txBody>
-      </p:sp>
-      <p:graphicFrame>
-        <p:nvGraphicFramePr>
-          <p:cNvPr id="4" name="Table 3"/>
-          <p:cNvGraphicFramePr>
-            <a:graphicFrameLocks noGrp="1"/>
-          </p:cNvGraphicFramePr>
-          <p:nvPr>
-            <p:extLst>
-              <p:ext uri="{D42A27DB-BD31-4B8C-83A1-F6EECF244321}">
-                <p14:modId xmlns:p14="http://schemas.microsoft.com/office/powerpoint/2010/main" val="550765941"/>
-              </p:ext>
-            </p:extLst>
-          </p:nvPr>
-        </p:nvGraphicFramePr>
-        <p:xfrm>
-          <a:off x="1261239" y="2701655"/>
-          <a:ext cx="9648496" cy="2508323"/>
-        </p:xfrm>
-        <a:graphic>
-          <a:graphicData uri="http://schemas.openxmlformats.org/drawingml/2006/table">
-            <a:tbl>
-              <a:tblPr firstRow="1" bandRow="1">
-                <a:tableStyleId>{1FECB4D8-DB02-4DC6-A0A2-4F2EBAE1DC90}</a:tableStyleId>
-              </a:tblPr>
-              <a:tblGrid>
-                <a:gridCol w="2822028"/>
-                <a:gridCol w="6826468"/>
-              </a:tblGrid>
-              <a:tr h="440174">
-                <a:tc>
-                  <a:txBody>
-                    <a:bodyPr/>
-                    <a:lstStyle/>
-                    <a:p>
-                      <a:pPr algn="ctr"/>
-                      <a:r>
-                        <a:rPr lang="en-US" sz="2400" b="1" i="0" smtClean="0">
-                          <a:latin typeface="Palatino Linotype" panose="02040502050505030304" pitchFamily="18" charset="0"/>
-                        </a:rPr>
-                        <a:t>Bảng áp</a:t>
-                      </a:r>
-                      <a:r>
-                        <a:rPr lang="en-US" sz="2400" b="1" i="0" baseline="0" smtClean="0">
-                          <a:latin typeface="Palatino Linotype" panose="02040502050505030304" pitchFamily="18" charset="0"/>
-                        </a:rPr>
-                        <a:t> dụng</a:t>
-                      </a:r>
-                      <a:endParaRPr lang="en-US" sz="2400" b="1" i="0">
-                        <a:latin typeface="Palatino Linotype" panose="02040502050505030304" pitchFamily="18" charset="0"/>
-                      </a:endParaRPr>
-                    </a:p>
-                  </a:txBody>
-                  <a:tcPr/>
-                </a:tc>
-                <a:tc>
-                  <a:txBody>
-                    <a:bodyPr/>
-                    <a:lstStyle/>
-                    <a:p>
-                      <a:pPr algn="ctr"/>
-                      <a:r>
-                        <a:rPr lang="en-US" sz="2400" b="1" i="0" smtClean="0">
-                          <a:latin typeface="Palatino Linotype" panose="02040502050505030304" pitchFamily="18" charset="0"/>
-                        </a:rPr>
-                        <a:t>Nội</a:t>
-                      </a:r>
-                      <a:r>
-                        <a:rPr lang="en-US" sz="2400" b="1" i="0" baseline="0" smtClean="0">
-                          <a:latin typeface="Palatino Linotype" panose="02040502050505030304" pitchFamily="18" charset="0"/>
-                        </a:rPr>
-                        <a:t> dung trigger</a:t>
-                      </a:r>
-                      <a:endParaRPr lang="en-US" sz="2400" b="1" i="0">
-                        <a:latin typeface="Palatino Linotype" panose="02040502050505030304" pitchFamily="18" charset="0"/>
-                      </a:endParaRPr>
-                    </a:p>
-                  </a:txBody>
-                  <a:tcPr/>
-                </a:tc>
-              </a:tr>
-              <a:tr h="892883">
-                <a:tc>
-                  <a:txBody>
-                    <a:bodyPr/>
-                    <a:lstStyle/>
-                    <a:p>
-                      <a:r>
-                        <a:rPr lang="en-US" sz="1400" smtClean="0">
-                          <a:latin typeface="Palatino Linotype" panose="02040502050505030304" pitchFamily="18" charset="0"/>
-                        </a:rPr>
-                        <a:t>Khuyến</a:t>
-                      </a:r>
-                      <a:r>
-                        <a:rPr lang="en-US" sz="1400" baseline="0" smtClean="0">
-                          <a:latin typeface="Palatino Linotype" panose="02040502050505030304" pitchFamily="18" charset="0"/>
-                        </a:rPr>
-                        <a:t> mại</a:t>
-                      </a:r>
-                      <a:endParaRPr lang="en-US" sz="1400">
-                        <a:latin typeface="Palatino Linotype" panose="02040502050505030304" pitchFamily="18" charset="0"/>
-                      </a:endParaRPr>
-                    </a:p>
-                  </a:txBody>
-                  <a:tcPr/>
-                </a:tc>
-                <a:tc>
-                  <a:txBody>
-                    <a:bodyPr/>
-                    <a:lstStyle/>
-                    <a:p>
-                      <a:pPr lvl="1" rtl="0" fontAlgn="base"/>
-                      <a:r>
-                        <a:rPr lang="vi-VN" sz="1400" b="0" i="0" u="none" strike="noStrike" kern="1200" smtClean="0">
-                          <a:solidFill>
-                            <a:schemeClr val="dk1"/>
-                          </a:solidFill>
-                          <a:effectLst/>
-                          <a:latin typeface="Palatino Linotype" panose="02040502050505030304" pitchFamily="18" charset="0"/>
-                          <a:ea typeface="+mn-ea"/>
-                          <a:cs typeface="+mn-cs"/>
-                        </a:rPr>
-                        <a:t>Các trường không được để trống.</a:t>
-                      </a:r>
-                    </a:p>
-                    <a:p>
-                      <a:pPr lvl="1" rtl="0" fontAlgn="base"/>
-                      <a:r>
-                        <a:rPr lang="vi-VN" sz="1400" b="0" i="0" u="none" strike="noStrike" kern="1200" smtClean="0">
-                          <a:solidFill>
-                            <a:schemeClr val="dk1"/>
-                          </a:solidFill>
-                          <a:effectLst/>
-                          <a:latin typeface="Palatino Linotype" panose="02040502050505030304" pitchFamily="18" charset="0"/>
-                          <a:ea typeface="+mn-ea"/>
-                          <a:cs typeface="+mn-cs"/>
-                        </a:rPr>
-                        <a:t>TGDR và TGKT theo đúng dạng năm/tháng/ngày</a:t>
-                      </a:r>
-                      <a:r>
-                        <a:rPr lang="en-US" sz="1400" b="0" i="0" u="none" strike="noStrike" kern="1200" smtClean="0">
-                          <a:solidFill>
-                            <a:schemeClr val="dk1"/>
-                          </a:solidFill>
-                          <a:effectLst/>
-                          <a:latin typeface="Palatino Linotype" panose="02040502050505030304" pitchFamily="18" charset="0"/>
-                          <a:ea typeface="+mn-ea"/>
-                          <a:cs typeface="+mn-cs"/>
-                        </a:rPr>
-                        <a:t>,</a:t>
-                      </a:r>
-                      <a:r>
-                        <a:rPr lang="en-US" sz="1400" b="0" i="0" u="none" strike="noStrike" kern="1200" baseline="0" smtClean="0">
-                          <a:solidFill>
-                            <a:schemeClr val="dk1"/>
-                          </a:solidFill>
-                          <a:effectLst/>
-                          <a:latin typeface="Palatino Linotype" panose="02040502050505030304" pitchFamily="18" charset="0"/>
-                          <a:ea typeface="+mn-ea"/>
-                          <a:cs typeface="+mn-cs"/>
-                        </a:rPr>
-                        <a:t> và là thời gian có thực.</a:t>
-                      </a:r>
-                      <a:endParaRPr lang="vi-VN" sz="1400" b="0" i="0" u="none" strike="noStrike" kern="1200" smtClean="0">
-                        <a:solidFill>
-                          <a:schemeClr val="dk1"/>
-                        </a:solidFill>
-                        <a:effectLst/>
-                        <a:latin typeface="Palatino Linotype" panose="02040502050505030304" pitchFamily="18" charset="0"/>
-                        <a:ea typeface="+mn-ea"/>
-                        <a:cs typeface="+mn-cs"/>
-                      </a:endParaRPr>
-                    </a:p>
-                    <a:p>
-                      <a:pPr lvl="1" rtl="0" fontAlgn="base"/>
-                      <a:r>
-                        <a:rPr lang="vi-VN" sz="1400" b="0" i="0" u="none" strike="noStrike" kern="1200" smtClean="0">
-                          <a:solidFill>
-                            <a:schemeClr val="dk1"/>
-                          </a:solidFill>
-                          <a:effectLst/>
-                          <a:latin typeface="Palatino Linotype" panose="02040502050505030304" pitchFamily="18" charset="0"/>
-                          <a:ea typeface="+mn-ea"/>
-                          <a:cs typeface="+mn-cs"/>
-                        </a:rPr>
-                        <a:t>TGDR </a:t>
-                      </a:r>
-                      <a:r>
-                        <a:rPr lang="en-US" sz="1400" b="0" i="0" u="none" strike="noStrike" kern="1200" smtClean="0">
-                          <a:solidFill>
-                            <a:schemeClr val="dk1"/>
-                          </a:solidFill>
-                          <a:effectLst/>
-                          <a:latin typeface="Palatino Linotype" panose="02040502050505030304" pitchFamily="18" charset="0"/>
-                          <a:ea typeface="+mn-ea"/>
-                          <a:cs typeface="+mn-cs"/>
-                        </a:rPr>
-                        <a:t>phải</a:t>
-                      </a:r>
-                      <a:r>
-                        <a:rPr lang="en-US" sz="1400" b="0" i="0" u="none" strike="noStrike" kern="1200" baseline="0" smtClean="0">
-                          <a:solidFill>
-                            <a:schemeClr val="dk1"/>
-                          </a:solidFill>
-                          <a:effectLst/>
-                          <a:latin typeface="Palatino Linotype" panose="02040502050505030304" pitchFamily="18" charset="0"/>
-                          <a:ea typeface="+mn-ea"/>
-                          <a:cs typeface="+mn-cs"/>
-                        </a:rPr>
-                        <a:t> trước</a:t>
-                      </a:r>
-                      <a:r>
-                        <a:rPr lang="vi-VN" sz="1400" b="0" i="0" u="none" strike="noStrike" kern="1200" smtClean="0">
-                          <a:solidFill>
-                            <a:schemeClr val="dk1"/>
-                          </a:solidFill>
-                          <a:effectLst/>
-                          <a:latin typeface="Palatino Linotype" panose="02040502050505030304" pitchFamily="18" charset="0"/>
-                          <a:ea typeface="+mn-ea"/>
-                          <a:cs typeface="+mn-cs"/>
-                        </a:rPr>
-                        <a:t> TGKT</a:t>
-                      </a:r>
-                      <a:r>
-                        <a:rPr lang="en-US" sz="1400" b="0" i="0" u="none" strike="noStrike" kern="1200" smtClean="0">
-                          <a:solidFill>
-                            <a:schemeClr val="dk1"/>
-                          </a:solidFill>
-                          <a:effectLst/>
-                          <a:latin typeface="Palatino Linotype" panose="02040502050505030304" pitchFamily="18" charset="0"/>
-                          <a:ea typeface="+mn-ea"/>
-                          <a:cs typeface="+mn-cs"/>
-                        </a:rPr>
-                        <a:t>.</a:t>
-                      </a:r>
-                      <a:endParaRPr lang="vi-VN" sz="1400" b="0" i="0" u="none" strike="noStrike" kern="1200" smtClean="0">
-                        <a:solidFill>
-                          <a:schemeClr val="dk1"/>
-                        </a:solidFill>
-                        <a:effectLst/>
-                        <a:latin typeface="Palatino Linotype" panose="02040502050505030304" pitchFamily="18" charset="0"/>
-                        <a:ea typeface="+mn-ea"/>
-                        <a:cs typeface="+mn-cs"/>
-                      </a:endParaRPr>
-                    </a:p>
-                  </a:txBody>
-                  <a:tcPr/>
-                </a:tc>
-              </a:tr>
-              <a:tr h="880347">
-                <a:tc>
-                  <a:txBody>
-                    <a:bodyPr/>
-                    <a:lstStyle/>
-                    <a:p>
-                      <a:r>
-                        <a:rPr lang="en-US" sz="1400" smtClean="0">
-                          <a:latin typeface="Palatino Linotype" panose="02040502050505030304" pitchFamily="18" charset="0"/>
-                        </a:rPr>
-                        <a:t>Nhà</a:t>
-                      </a:r>
-                      <a:r>
-                        <a:rPr lang="en-US" sz="1400" baseline="0" smtClean="0">
-                          <a:latin typeface="Palatino Linotype" panose="02040502050505030304" pitchFamily="18" charset="0"/>
-                        </a:rPr>
-                        <a:t> cung cấp.</a:t>
-                      </a:r>
-                      <a:endParaRPr lang="en-US" sz="1400">
-                        <a:latin typeface="Palatino Linotype" panose="02040502050505030304" pitchFamily="18" charset="0"/>
-                      </a:endParaRPr>
-                    </a:p>
-                  </a:txBody>
-                  <a:tcPr/>
-                </a:tc>
-                <a:tc>
-                  <a:txBody>
-                    <a:bodyPr/>
-                    <a:lstStyle/>
-                    <a:p>
-                      <a:pPr lvl="1" rtl="0" fontAlgn="base"/>
-                      <a:r>
-                        <a:rPr lang="vi-VN" sz="1400" b="0" i="0" u="none" strike="noStrike" kern="1200" smtClean="0">
-                          <a:solidFill>
-                            <a:schemeClr val="dk1"/>
-                          </a:solidFill>
-                          <a:effectLst/>
-                          <a:latin typeface="Palatino Linotype" panose="02040502050505030304" pitchFamily="18" charset="0"/>
-                          <a:ea typeface="+mn-ea"/>
-                          <a:cs typeface="+mn-cs"/>
-                        </a:rPr>
-                        <a:t>Các trường không được trống.</a:t>
-                      </a:r>
-                    </a:p>
-                    <a:p>
-                      <a:pPr lvl="1" rtl="0" fontAlgn="base"/>
-                      <a:r>
-                        <a:rPr lang="en-US" sz="1400" b="0" i="0" u="none" strike="noStrike" kern="1200" smtClean="0">
-                          <a:solidFill>
-                            <a:schemeClr val="dk1"/>
-                          </a:solidFill>
-                          <a:effectLst/>
-                          <a:latin typeface="Palatino Linotype" panose="02040502050505030304" pitchFamily="18" charset="0"/>
-                          <a:ea typeface="+mn-ea"/>
-                          <a:cs typeface="+mn-cs"/>
-                        </a:rPr>
-                        <a:t>Mã</a:t>
-                      </a:r>
-                      <a:r>
-                        <a:rPr lang="en-US" sz="1400" b="0" i="0" u="none" strike="noStrike" kern="1200" baseline="0" smtClean="0">
-                          <a:solidFill>
-                            <a:schemeClr val="dk1"/>
-                          </a:solidFill>
-                          <a:effectLst/>
-                          <a:latin typeface="Palatino Linotype" panose="02040502050505030304" pitchFamily="18" charset="0"/>
-                          <a:ea typeface="+mn-ea"/>
-                          <a:cs typeface="+mn-cs"/>
-                        </a:rPr>
-                        <a:t> số nhà cung cấp</a:t>
-                      </a:r>
-                      <a:r>
-                        <a:rPr lang="vi-VN" sz="1400" b="0" i="0" u="none" strike="noStrike" kern="1200" smtClean="0">
-                          <a:solidFill>
-                            <a:schemeClr val="dk1"/>
-                          </a:solidFill>
-                          <a:effectLst/>
-                          <a:latin typeface="Palatino Linotype" panose="02040502050505030304" pitchFamily="18" charset="0"/>
-                          <a:ea typeface="+mn-ea"/>
-                          <a:cs typeface="+mn-cs"/>
-                        </a:rPr>
-                        <a:t> </a:t>
-                      </a:r>
-                      <a:r>
-                        <a:rPr lang="en-US" sz="1400" b="0" i="0" u="none" strike="noStrike" kern="1200" smtClean="0">
-                          <a:solidFill>
-                            <a:schemeClr val="dk1"/>
-                          </a:solidFill>
-                          <a:effectLst/>
-                          <a:latin typeface="Palatino Linotype" panose="02040502050505030304" pitchFamily="18" charset="0"/>
-                          <a:ea typeface="+mn-ea"/>
-                          <a:cs typeface="+mn-cs"/>
-                        </a:rPr>
-                        <a:t>phải</a:t>
-                      </a:r>
-                      <a:r>
-                        <a:rPr lang="en-US" sz="1400" b="0" i="0" u="none" strike="noStrike" kern="1200" baseline="0" smtClean="0">
-                          <a:solidFill>
-                            <a:schemeClr val="dk1"/>
-                          </a:solidFill>
-                          <a:effectLst/>
-                          <a:latin typeface="Palatino Linotype" panose="02040502050505030304" pitchFamily="18" charset="0"/>
-                          <a:ea typeface="+mn-ea"/>
-                          <a:cs typeface="+mn-cs"/>
-                        </a:rPr>
-                        <a:t> lớn hơn</a:t>
-                      </a:r>
-                      <a:r>
-                        <a:rPr lang="vi-VN" sz="1400" b="0" i="0" u="none" strike="noStrike" kern="1200" smtClean="0">
-                          <a:solidFill>
-                            <a:schemeClr val="dk1"/>
-                          </a:solidFill>
-                          <a:effectLst/>
-                          <a:latin typeface="Palatino Linotype" panose="02040502050505030304" pitchFamily="18" charset="0"/>
-                          <a:ea typeface="+mn-ea"/>
-                          <a:cs typeface="+mn-cs"/>
-                        </a:rPr>
-                        <a:t> 0</a:t>
-                      </a:r>
-                      <a:r>
-                        <a:rPr lang="en-US" sz="1400" b="0" i="0" u="none" strike="noStrike" kern="1200" smtClean="0">
-                          <a:solidFill>
-                            <a:schemeClr val="dk1"/>
-                          </a:solidFill>
-                          <a:effectLst/>
-                          <a:latin typeface="Palatino Linotype" panose="02040502050505030304" pitchFamily="18" charset="0"/>
-                          <a:ea typeface="+mn-ea"/>
-                          <a:cs typeface="+mn-cs"/>
-                        </a:rPr>
-                        <a:t>.</a:t>
-                      </a:r>
-                    </a:p>
-                    <a:p>
-                      <a:pPr lvl="1" rtl="0" fontAlgn="base"/>
-                      <a:r>
-                        <a:rPr lang="en-US" sz="1400" b="0" i="0" u="none" strike="noStrike" kern="1200" smtClean="0">
-                          <a:solidFill>
-                            <a:schemeClr val="dk1"/>
-                          </a:solidFill>
-                          <a:effectLst/>
-                          <a:latin typeface="Palatino Linotype" panose="02040502050505030304" pitchFamily="18" charset="0"/>
-                          <a:ea typeface="+mn-ea"/>
-                          <a:cs typeface="+mn-cs"/>
-                        </a:rPr>
-                        <a:t>Mã</a:t>
-                      </a:r>
-                      <a:r>
-                        <a:rPr lang="en-US" sz="1400" b="0" i="0" u="none" strike="noStrike" kern="1200" baseline="0" smtClean="0">
-                          <a:solidFill>
-                            <a:schemeClr val="dk1"/>
-                          </a:solidFill>
-                          <a:effectLst/>
-                          <a:latin typeface="Palatino Linotype" panose="02040502050505030304" pitchFamily="18" charset="0"/>
-                          <a:ea typeface="+mn-ea"/>
-                          <a:cs typeface="+mn-cs"/>
-                        </a:rPr>
-                        <a:t> số  và tên của các nhà cung cấp không được trùng nhau.</a:t>
-                      </a:r>
-                      <a:endParaRPr lang="en-US" sz="1400" b="0" i="0" u="none" strike="noStrike" kern="1200" smtClean="0">
-                        <a:solidFill>
-                          <a:schemeClr val="dk1"/>
-                        </a:solidFill>
-                        <a:effectLst/>
-                        <a:latin typeface="Palatino Linotype" panose="02040502050505030304" pitchFamily="18" charset="0"/>
-                        <a:ea typeface="+mn-ea"/>
-                        <a:cs typeface="+mn-cs"/>
-                      </a:endParaRPr>
-                    </a:p>
-                    <a:p>
-                      <a:pPr lvl="1" rtl="0" fontAlgn="base"/>
-                      <a:r>
-                        <a:rPr lang="en-US" sz="1400" b="0" i="0" u="none" strike="noStrike" kern="1200" smtClean="0">
-                          <a:solidFill>
-                            <a:schemeClr val="dk1"/>
-                          </a:solidFill>
-                          <a:effectLst/>
-                          <a:latin typeface="Palatino Linotype" panose="02040502050505030304" pitchFamily="18" charset="0"/>
-                          <a:ea typeface="+mn-ea"/>
-                          <a:cs typeface="+mn-cs"/>
-                        </a:rPr>
-                        <a:t>Số</a:t>
-                      </a:r>
-                      <a:r>
-                        <a:rPr lang="en-US" sz="1400" b="0" i="0" u="none" strike="noStrike" kern="1200" baseline="0" smtClean="0">
-                          <a:solidFill>
-                            <a:schemeClr val="dk1"/>
-                          </a:solidFill>
-                          <a:effectLst/>
-                          <a:latin typeface="Palatino Linotype" panose="02040502050505030304" pitchFamily="18" charset="0"/>
-                          <a:ea typeface="+mn-ea"/>
-                          <a:cs typeface="+mn-cs"/>
-                        </a:rPr>
-                        <a:t> điện thoại &lt; 11 số.</a:t>
-                      </a:r>
-                    </a:p>
-                    <a:p>
-                      <a:pPr lvl="1" rtl="0" fontAlgn="base"/>
-                      <a:r>
-                        <a:rPr lang="en-US" sz="1400" b="0" i="0" u="none" strike="noStrike" kern="1200" baseline="0" smtClean="0">
-                          <a:solidFill>
-                            <a:schemeClr val="dk1"/>
-                          </a:solidFill>
-                          <a:effectLst/>
-                          <a:latin typeface="Palatino Linotype" panose="02040502050505030304" pitchFamily="18" charset="0"/>
-                          <a:ea typeface="+mn-ea"/>
-                          <a:cs typeface="+mn-cs"/>
-                        </a:rPr>
-                        <a:t>Địa chỉ Email phải theo dạng ….@...com</a:t>
-                      </a:r>
-                      <a:endParaRPr lang="vi-VN" sz="1400" b="0" i="0" u="none" strike="noStrike" kern="1200" smtClean="0">
-                        <a:solidFill>
-                          <a:schemeClr val="dk1"/>
-                        </a:solidFill>
-                        <a:effectLst/>
-                        <a:latin typeface="Palatino Linotype" panose="02040502050505030304" pitchFamily="18" charset="0"/>
-                        <a:ea typeface="+mn-ea"/>
-                        <a:cs typeface="+mn-cs"/>
-                      </a:endParaRPr>
-                    </a:p>
-                  </a:txBody>
-                  <a:tcPr/>
-                </a:tc>
-              </a:tr>
-            </a:tbl>
-          </a:graphicData>
-        </a:graphic>
-      </p:graphicFrame>
+          <a:p>
+            <a:pPr lvl="1">
+              <a:buFont typeface="Arial" panose="020B0604020202020204" pitchFamily="34" charset="0"/>
+              <a:buChar char="•"/>
+            </a:pPr>
+            <a:r>
+              <a:rPr lang="en-US" sz="2800" b="1" smtClean="0">
+                <a:latin typeface="Palatino Linotype" panose="02040502050505030304" pitchFamily="18" charset="0"/>
+              </a:rPr>
+              <a:t>procedure setindex </a:t>
+            </a:r>
+            <a:r>
+              <a:rPr lang="en-US" sz="2800" smtClean="0">
+                <a:latin typeface="Palatino Linotype" panose="02040502050505030304" pitchFamily="18" charset="0"/>
+              </a:rPr>
+              <a:t>: </a:t>
+            </a:r>
+            <a:r>
+              <a:rPr lang="en-US" sz="2400">
+                <a:latin typeface="Palatino Linotype" panose="02040502050505030304" pitchFamily="18" charset="0"/>
+              </a:rPr>
+              <a:t>nhận đầu vào là một chuỗi kí tự, nếu trùng với tên của 1 trong 4 bảng account, ncc, mat_hang, nhomhang thì sẽ thực hiện lệnh  add </a:t>
+            </a:r>
+            <a:r>
+              <a:rPr lang="en-US" sz="2400">
+                <a:latin typeface="Palatino Linotype" panose="02040502050505030304" pitchFamily="18" charset="0"/>
+              </a:rPr>
+              <a:t>index</a:t>
+            </a:r>
+            <a:r>
+              <a:rPr lang="en-US" sz="2400" smtClean="0">
+                <a:latin typeface="Palatino Linotype" panose="02040502050505030304" pitchFamily="18" charset="0"/>
+              </a:rPr>
+              <a:t>.</a:t>
+            </a:r>
+          </a:p>
+          <a:p>
+            <a:pPr lvl="1">
+              <a:buFont typeface="Arial" panose="020B0604020202020204" pitchFamily="34" charset="0"/>
+              <a:buChar char="•"/>
+            </a:pPr>
+            <a:endParaRPr lang="en-US" sz="2400" smtClean="0">
+              <a:latin typeface="Palatino Linotype" panose="02040502050505030304" pitchFamily="18" charset="0"/>
+            </a:endParaRPr>
+          </a:p>
+        </p:txBody>
+      </p:sp>
     </p:spTree>
     <p:extLst>
       <p:ext uri="{BB962C8B-B14F-4D97-AF65-F5344CB8AC3E}">
         <p14:creationId xmlns:p14="http://schemas.microsoft.com/office/powerpoint/2010/main" val="1937665327"/>
+      </p:ext>
+    </p:extLst>
+  </p:cSld>
+  <p:clrMapOvr>
+    <a:masterClrMapping/>
+  </p:clrMapOvr>
+  <p:timing>
+    <p:tnLst>
+      <p:par>
+        <p:cTn id="1" dur="indefinite" restart="never" nodeType="tmRoot"/>
+      </p:par>
+    </p:tnLst>
+  </p:timing>
+</p:sld>
+</file>
+
+<file path=ppt/slides/slide15.xml><?xml version="1.0" encoding="utf-8"?>
+<p:sld xmlns:a="http://schemas.openxmlformats.org/drawingml/2006/main" xmlns:r="http://schemas.openxmlformats.org/officeDocument/2006/relationships" xmlns:p="http://schemas.openxmlformats.org/presentationml/2006/main">
+  <p:cSld>
+    <p:spTree>
+      <p:nvGrpSpPr>
+        <p:cNvPr id="1" name=""/>
+        <p:cNvGrpSpPr/>
+        <p:nvPr/>
+      </p:nvGrpSpPr>
+      <p:grpSpPr>
+        <a:xfrm>
+          <a:off x="0" y="0"/>
+          <a:ext cx="0" cy="0"/>
+          <a:chOff x="0" y="0"/>
+          <a:chExt cx="0" cy="0"/>
+        </a:xfrm>
+      </p:grpSpPr>
+      <p:sp>
+        <p:nvSpPr>
+          <p:cNvPr id="2" name="Title 1"/>
+          <p:cNvSpPr>
+            <a:spLocks noGrp="1"/>
+          </p:cNvSpPr>
+          <p:nvPr>
+            <p:ph type="title"/>
+          </p:nvPr>
+        </p:nvSpPr>
+        <p:spPr/>
+        <p:txBody>
+          <a:bodyPr/>
+          <a:lstStyle/>
+          <a:p>
+            <a:r>
+              <a:rPr lang="en-US" smtClean="0">
+                <a:latin typeface="Palatino Linotype" panose="02040502050505030304" pitchFamily="18" charset="0"/>
+              </a:rPr>
+              <a:t>Phần 2: Nghiên cứu, xây dựng</a:t>
+            </a:r>
+            <a:br>
+              <a:rPr lang="en-US" smtClean="0">
+                <a:latin typeface="Palatino Linotype" panose="02040502050505030304" pitchFamily="18" charset="0"/>
+              </a:rPr>
+            </a:br>
+            <a:r>
+              <a:rPr lang="en-US">
+                <a:latin typeface="Palatino Linotype" panose="02040502050505030304" pitchFamily="18" charset="0"/>
+              </a:rPr>
+              <a:t>	</a:t>
+            </a:r>
+            <a:r>
+              <a:rPr lang="en-US" smtClean="0">
+                <a:latin typeface="Palatino Linotype" panose="02040502050505030304" pitchFamily="18" charset="0"/>
+              </a:rPr>
+              <a:t>hệ cơ sở dữ liệu.</a:t>
+            </a:r>
+            <a:endParaRPr lang="en-US">
+              <a:latin typeface="Palatino Linotype" panose="02040502050505030304" pitchFamily="18" charset="0"/>
+            </a:endParaRPr>
+          </a:p>
+        </p:txBody>
+      </p:sp>
+      <p:sp>
+        <p:nvSpPr>
+          <p:cNvPr id="3" name="Content Placeholder 2"/>
+          <p:cNvSpPr>
+            <a:spLocks noGrp="1"/>
+          </p:cNvSpPr>
+          <p:nvPr>
+            <p:ph idx="1"/>
+          </p:nvPr>
+        </p:nvSpPr>
+        <p:spPr/>
+        <p:txBody>
+          <a:bodyPr>
+            <a:normAutofit/>
+          </a:bodyPr>
+          <a:lstStyle/>
+          <a:p>
+            <a:pPr marL="457200" lvl="1" indent="0">
+              <a:buNone/>
+            </a:pPr>
+            <a:r>
+              <a:rPr lang="en-US" sz="2800" smtClean="0">
+                <a:latin typeface="Palatino Linotype" panose="02040502050505030304" pitchFamily="18" charset="0"/>
+              </a:rPr>
+              <a:t>Tăng hiệu năng của cơ sở dữ liệu.</a:t>
+            </a:r>
+          </a:p>
+          <a:p>
+            <a:pPr marL="457200" lvl="1" indent="0">
+              <a:buNone/>
+            </a:pPr>
+            <a:endParaRPr lang="en-US" sz="2800">
+              <a:latin typeface="Palatino Linotype" panose="02040502050505030304" pitchFamily="18" charset="0"/>
+            </a:endParaRPr>
+          </a:p>
+          <a:p>
+            <a:pPr lvl="1">
+              <a:buFont typeface="Arial" panose="020B0604020202020204" pitchFamily="34" charset="0"/>
+              <a:buChar char="•"/>
+            </a:pPr>
+            <a:r>
+              <a:rPr lang="en-US" sz="2800" b="1">
+                <a:latin typeface="Palatino Linotype" panose="02040502050505030304" pitchFamily="18" charset="0"/>
+              </a:rPr>
+              <a:t>procedure </a:t>
+            </a:r>
+            <a:r>
+              <a:rPr lang="en-US" sz="2800" b="1" smtClean="0">
+                <a:latin typeface="Palatino Linotype" panose="02040502050505030304" pitchFamily="18" charset="0"/>
+              </a:rPr>
+              <a:t>updateflag</a:t>
+            </a:r>
+            <a:r>
+              <a:rPr lang="en-US" sz="2800" smtClean="0">
+                <a:latin typeface="Palatino Linotype" panose="02040502050505030304" pitchFamily="18" charset="0"/>
+              </a:rPr>
+              <a:t> : </a:t>
+            </a:r>
+            <a:r>
+              <a:rPr lang="en-US" sz="2400">
+                <a:latin typeface="Palatino Linotype" panose="02040502050505030304" pitchFamily="18" charset="0"/>
+              </a:rPr>
+              <a:t>nhận đầu vào là 2 tham số kiểu nguyên. Tham số đầu tiên đại diện cho id của tài khoản và tham số thứ 2 là trạng thái mới của tài khoản. (1 là online, 0 là offline, -1 là deleted</a:t>
+            </a:r>
+            <a:r>
+              <a:rPr lang="en-US" sz="2400">
+                <a:latin typeface="Palatino Linotype" panose="02040502050505030304" pitchFamily="18" charset="0"/>
+              </a:rPr>
+              <a:t>) </a:t>
+            </a:r>
+            <a:r>
+              <a:rPr lang="en-US" sz="2400">
+                <a:latin typeface="Palatino Linotype" panose="02040502050505030304" pitchFamily="18" charset="0"/>
+              </a:rPr>
+              <a:t>.</a:t>
+            </a:r>
+            <a:endParaRPr lang="en-US" sz="2400">
+              <a:latin typeface="Palatino Linotype" panose="02040502050505030304" pitchFamily="18" charset="0"/>
+            </a:endParaRPr>
+          </a:p>
+        </p:txBody>
+      </p:sp>
+    </p:spTree>
+    <p:extLst>
+      <p:ext uri="{BB962C8B-B14F-4D97-AF65-F5344CB8AC3E}">
+        <p14:creationId xmlns:p14="http://schemas.microsoft.com/office/powerpoint/2010/main" val="385444045"/>
+      </p:ext>
+    </p:extLst>
+  </p:cSld>
+  <p:clrMapOvr>
+    <a:masterClrMapping/>
+  </p:clrMapOvr>
+  <p:timing>
+    <p:tnLst>
+      <p:par>
+        <p:cTn id="1" dur="indefinite" restart="never" nodeType="tmRoot"/>
+      </p:par>
+    </p:tnLst>
+  </p:timing>
+</p:sld>
+</file>
+
+<file path=ppt/slides/slide16.xml><?xml version="1.0" encoding="utf-8"?>
+<p:sld xmlns:a="http://schemas.openxmlformats.org/drawingml/2006/main" xmlns:r="http://schemas.openxmlformats.org/officeDocument/2006/relationships" xmlns:p="http://schemas.openxmlformats.org/presentationml/2006/main">
+  <p:cSld>
+    <p:spTree>
+      <p:nvGrpSpPr>
+        <p:cNvPr id="1" name=""/>
+        <p:cNvGrpSpPr/>
+        <p:nvPr/>
+      </p:nvGrpSpPr>
+      <p:grpSpPr>
+        <a:xfrm>
+          <a:off x="0" y="0"/>
+          <a:ext cx="0" cy="0"/>
+          <a:chOff x="0" y="0"/>
+          <a:chExt cx="0" cy="0"/>
+        </a:xfrm>
+      </p:grpSpPr>
+      <p:sp>
+        <p:nvSpPr>
+          <p:cNvPr id="2" name="Title 1"/>
+          <p:cNvSpPr>
+            <a:spLocks noGrp="1"/>
+          </p:cNvSpPr>
+          <p:nvPr>
+            <p:ph type="title"/>
+          </p:nvPr>
+        </p:nvSpPr>
+        <p:spPr/>
+        <p:txBody>
+          <a:bodyPr/>
+          <a:lstStyle/>
+          <a:p>
+            <a:r>
+              <a:rPr lang="en-US" smtClean="0">
+                <a:latin typeface="Palatino Linotype" panose="02040502050505030304" pitchFamily="18" charset="0"/>
+              </a:rPr>
+              <a:t>Phần 2: Nghiên cứu, xây dựng</a:t>
+            </a:r>
+            <a:br>
+              <a:rPr lang="en-US" smtClean="0">
+                <a:latin typeface="Palatino Linotype" panose="02040502050505030304" pitchFamily="18" charset="0"/>
+              </a:rPr>
+            </a:br>
+            <a:r>
+              <a:rPr lang="en-US">
+                <a:latin typeface="Palatino Linotype" panose="02040502050505030304" pitchFamily="18" charset="0"/>
+              </a:rPr>
+              <a:t>	</a:t>
+            </a:r>
+            <a:r>
+              <a:rPr lang="en-US" smtClean="0">
+                <a:latin typeface="Palatino Linotype" panose="02040502050505030304" pitchFamily="18" charset="0"/>
+              </a:rPr>
+              <a:t>hệ cơ sở dữ liệu.</a:t>
+            </a:r>
+            <a:endParaRPr lang="en-US">
+              <a:latin typeface="Palatino Linotype" panose="02040502050505030304" pitchFamily="18" charset="0"/>
+            </a:endParaRPr>
+          </a:p>
+        </p:txBody>
+      </p:sp>
+      <p:sp>
+        <p:nvSpPr>
+          <p:cNvPr id="3" name="Content Placeholder 2"/>
+          <p:cNvSpPr>
+            <a:spLocks noGrp="1"/>
+          </p:cNvSpPr>
+          <p:nvPr>
+            <p:ph idx="1"/>
+          </p:nvPr>
+        </p:nvSpPr>
+        <p:spPr/>
+        <p:txBody>
+          <a:bodyPr>
+            <a:normAutofit/>
+          </a:bodyPr>
+          <a:lstStyle/>
+          <a:p>
+            <a:pPr marL="457200" lvl="1" indent="0">
+              <a:buNone/>
+            </a:pPr>
+            <a:r>
+              <a:rPr lang="en-US" sz="2800" smtClean="0">
+                <a:latin typeface="Palatino Linotype" panose="02040502050505030304" pitchFamily="18" charset="0"/>
+              </a:rPr>
+              <a:t>Tăng hiệu năng của cơ sở dữ liệu.</a:t>
+            </a:r>
+            <a:endParaRPr lang="en-US" sz="2800">
+              <a:latin typeface="Palatino Linotype" panose="02040502050505030304" pitchFamily="18" charset="0"/>
+            </a:endParaRPr>
+          </a:p>
+          <a:p>
+            <a:pPr marL="457200" lvl="1" indent="0">
+              <a:buNone/>
+            </a:pPr>
+            <a:endParaRPr lang="en-US" sz="2600" smtClean="0">
+              <a:latin typeface="Palatino Linotype" panose="02040502050505030304" pitchFamily="18" charset="0"/>
+            </a:endParaRPr>
+          </a:p>
+        </p:txBody>
+      </p:sp>
+    </p:spTree>
+    <p:extLst>
+      <p:ext uri="{BB962C8B-B14F-4D97-AF65-F5344CB8AC3E}">
+        <p14:creationId xmlns:p14="http://schemas.microsoft.com/office/powerpoint/2010/main" val="1848806026"/>
+      </p:ext>
+    </p:extLst>
+  </p:cSld>
+  <p:clrMapOvr>
+    <a:masterClrMapping/>
+  </p:clrMapOvr>
+  <p:timing>
+    <p:tnLst>
+      <p:par>
+        <p:cTn id="1" dur="indefinite" restart="never" nodeType="tmRoot"/>
+      </p:par>
+    </p:tnLst>
+  </p:timing>
+</p:sld>
+</file>
+
+<file path=ppt/slides/slide17.xml><?xml version="1.0" encoding="utf-8"?>
+<p:sld xmlns:a="http://schemas.openxmlformats.org/drawingml/2006/main" xmlns:r="http://schemas.openxmlformats.org/officeDocument/2006/relationships" xmlns:p="http://schemas.openxmlformats.org/presentationml/2006/main">
+  <p:cSld>
+    <p:spTree>
+      <p:nvGrpSpPr>
+        <p:cNvPr id="1" name=""/>
+        <p:cNvGrpSpPr/>
+        <p:nvPr/>
+      </p:nvGrpSpPr>
+      <p:grpSpPr>
+        <a:xfrm>
+          <a:off x="0" y="0"/>
+          <a:ext cx="0" cy="0"/>
+          <a:chOff x="0" y="0"/>
+          <a:chExt cx="0" cy="0"/>
+        </a:xfrm>
+      </p:grpSpPr>
+      <p:sp>
+        <p:nvSpPr>
+          <p:cNvPr id="2" name="Title 1"/>
+          <p:cNvSpPr>
+            <a:spLocks noGrp="1"/>
+          </p:cNvSpPr>
+          <p:nvPr>
+            <p:ph type="title"/>
+          </p:nvPr>
+        </p:nvSpPr>
+        <p:spPr/>
+        <p:txBody>
+          <a:bodyPr/>
+          <a:lstStyle/>
+          <a:p>
+            <a:r>
+              <a:rPr lang="en-US" smtClean="0">
+                <a:latin typeface="Palatino Linotype" panose="02040502050505030304" pitchFamily="18" charset="0"/>
+              </a:rPr>
+              <a:t>Phần </a:t>
+            </a:r>
+            <a:r>
+              <a:rPr lang="en-US" smtClean="0">
+                <a:latin typeface="Palatino Linotype" panose="02040502050505030304" pitchFamily="18" charset="0"/>
+              </a:rPr>
+              <a:t>3: Giới thiệu ứng dụng.</a:t>
+            </a:r>
+            <a:endParaRPr lang="en-US">
+              <a:latin typeface="Palatino Linotype" panose="02040502050505030304" pitchFamily="18" charset="0"/>
+            </a:endParaRPr>
+          </a:p>
+        </p:txBody>
+      </p:sp>
+      <p:sp>
+        <p:nvSpPr>
+          <p:cNvPr id="3" name="Content Placeholder 2"/>
+          <p:cNvSpPr>
+            <a:spLocks noGrp="1"/>
+          </p:cNvSpPr>
+          <p:nvPr>
+            <p:ph idx="1"/>
+          </p:nvPr>
+        </p:nvSpPr>
+        <p:spPr/>
+        <p:txBody>
+          <a:bodyPr>
+            <a:normAutofit/>
+          </a:bodyPr>
+          <a:lstStyle/>
+          <a:p>
+            <a:pPr marL="457200" lvl="1" indent="0">
+              <a:buNone/>
+            </a:pPr>
+            <a:endParaRPr lang="en-US" sz="2600" smtClean="0">
+              <a:latin typeface="Palatino Linotype" panose="02040502050505030304" pitchFamily="18" charset="0"/>
+            </a:endParaRPr>
+          </a:p>
+        </p:txBody>
+      </p:sp>
+    </p:spTree>
+    <p:extLst>
+      <p:ext uri="{BB962C8B-B14F-4D97-AF65-F5344CB8AC3E}">
+        <p14:creationId xmlns:p14="http://schemas.microsoft.com/office/powerpoint/2010/main" val="3423261724"/>
       </p:ext>
     </p:extLst>
   </p:cSld>
@@ -10074,13 +10438,7 @@
               <a:rPr lang="en-US" sz="2400">
                 <a:latin typeface="Palatino Linotype" panose="02040502050505030304" pitchFamily="18" charset="0"/>
               </a:rPr>
-              <a:t>Hỗ trợ </a:t>
-            </a:r>
-            <a:r>
-              <a:rPr lang="en-US" sz="2400">
-                <a:latin typeface="Palatino Linotype" panose="02040502050505030304" pitchFamily="18" charset="0"/>
-              </a:rPr>
-              <a:t>tạo </a:t>
+              <a:t>Hỗ trợ tạo </a:t>
             </a:r>
             <a:r>
               <a:rPr lang="en-US" sz="2400" smtClean="0">
@@ -10219,13 +10577,7 @@
               <a:rPr lang="en-US" sz="2400">
                 <a:latin typeface="Palatino Linotype" panose="02040502050505030304" pitchFamily="18" charset="0"/>
               </a:rPr>
-              <a:t>Tất cả các </a:t>
-            </a:r>
-            <a:r>
-              <a:rPr lang="en-US" sz="2400">
-                <a:latin typeface="Palatino Linotype" panose="02040502050505030304" pitchFamily="18" charset="0"/>
-              </a:rPr>
-              <a:t>cửa </a:t>
+              <a:t>Tất cả các cửa </a:t>
             </a:r>
             <a:r>
               <a:rPr lang="en-US" sz="2400" smtClean="0">
@@ -10261,13 +10613,7 @@
               <a:rPr lang="en-US" sz="2200">
                 <a:latin typeface="Palatino Linotype" panose="02040502050505030304" pitchFamily="18" charset="0"/>
               </a:rPr>
-              <a:t>Bán những hàng hóa đếm được, có giá bán cố định</a:t>
-            </a:r>
-            <a:r>
-              <a:rPr lang="en-US" sz="2200">
-                <a:latin typeface="Palatino Linotype" panose="02040502050505030304" pitchFamily="18" charset="0"/>
-              </a:rPr>
-              <a:t>. </a:t>
+              <a:t>Bán những hàng hóa đếm được, có giá bán cố định. </a:t>
             </a:r>
             <a:endParaRPr lang="en-US" sz="2200" smtClean="0">
               <a:latin typeface="Palatino Linotype" panose="02040502050505030304" pitchFamily="18" charset="0"/>
@@ -10396,13 +10742,7 @@
               <a:rPr lang="vi-VN" sz="2400">
                 <a:latin typeface="Palatino Linotype" panose="02040502050505030304" pitchFamily="18" charset="0"/>
               </a:rPr>
-              <a:t>Thiết kế, xây 1 cơ sở dữ liệu trên hệ quản trị cơ sở dữ </a:t>
-            </a:r>
-            <a:r>
-              <a:rPr lang="vi-VN" sz="2400">
-                <a:latin typeface="Palatino Linotype" panose="02040502050505030304" pitchFamily="18" charset="0"/>
-              </a:rPr>
-              <a:t>liệu </a:t>
+              <a:t>Thiết kế, xây 1 cơ sở dữ liệu trên hệ quản trị cơ sở dữ liệu </a:t>
             </a:r>
             <a:r>
               <a:rPr lang="vi-VN" sz="2400" smtClean="0">
@@ -10431,9 +10771,6 @@
               </a:rPr>
               <a:t>Thiết kế 1 bộ giao diện phần mềm, thân thiện, dễ tương tác.</a:t>
             </a:r>
-            <a:endParaRPr lang="vi-VN" sz="2400">
-              <a:latin typeface="Palatino Linotype" panose="02040502050505030304" pitchFamily="18" charset="0"/>
-            </a:endParaRPr>
           </a:p>
           <a:p>
             <a:pPr lvl="1">
@@ -10446,9 +10783,6 @@
               </a:rPr>
               <a:t>Tăng hiệu suất, bảo mật,tính toàn vẹn cho cơ sở dữ liệu.</a:t>
             </a:r>
-            <a:endParaRPr lang="vi-VN" sz="2400">
-              <a:latin typeface="Palatino Linotype" panose="02040502050505030304" pitchFamily="18" charset="0"/>
-            </a:endParaRPr>
           </a:p>
           <a:p>
             <a:pPr lvl="1">
@@ -10643,9 +10977,9 @@
       </p:sp>
       <p:pic>
         <p:nvPicPr>
-          <p:cNvPr id="1026" name="Picture 2" descr="https://lh5.googleusercontent.com/BXZ78p7lM-P09ZF-GJK5jhl67U4hmkRyD173SOgzEe1c3kmQJJuHW966HykY4PjcXcfEk2_QkUzfy37Zh2M5VgSoPkfzp-yex3UKAHZIvFFvLRTNdOl1gMIRWJcbgfeQftmxH3nu"/>
+          <p:cNvPr id="4" name="Content Placeholder 3"/>
           <p:cNvPicPr>
-            <a:picLocks noGrp="1" noChangeAspect="1" noChangeArrowheads="1"/>
+            <a:picLocks noGrp="1" noChangeAspect="1"/>
           </p:cNvPicPr>
           <p:nvPr>
             <p:ph idx="1"/>
@@ -10659,29 +10993,15 @@
               </a:ext>
             </a:extLst>
           </a:blip>
-          <a:srcRect/>
           <a:stretch>
             <a:fillRect/>
           </a:stretch>
         </p:blipFill>
-        <p:spPr bwMode="auto">
+        <p:spPr>
           <a:xfrm>
-            <a:off x="1513490" y="2052637"/>
-            <a:ext cx="9033641" cy="4505817"/>
+            <a:off x="1261241" y="2084169"/>
+            <a:ext cx="9553903" cy="4195762"/>
           </a:xfrm>
-          <a:prstGeom prst="rect">
-            <a:avLst/>
-          </a:prstGeom>
-          <a:noFill/>
-          <a:extLst>
-            <a:ext uri="{909E8E84-426E-40DD-AFC4-6F175D3DCCD1}">
-              <a14:hiddenFill xmlns:a14="http://schemas.microsoft.com/office/drawing/2010/main">
-                <a:solidFill>
-                  <a:srgbClr val="FFFFFF"/>
-                </a:solidFill>
-              </a14:hiddenFill>
-            </a:ext>
-          </a:extLst>
         </p:spPr>
       </p:pic>
     </p:spTree>

--- a/Slide.pptx
+++ b/Slide.pptx
@@ -5,7 +5,7 @@
     <p:sldMasterId id="2147483648" r:id="rId1"/>
   </p:sldMasterIdLst>
   <p:notesMasterIdLst>
-    <p:notesMasterId r:id="rId19"/>
+    <p:notesMasterId r:id="rId26"/>
   </p:notesMasterIdLst>
   <p:sldIdLst>
     <p:sldId id="256" r:id="rId2"/>
@@ -25,6 +25,13 @@
     <p:sldId id="271" r:id="rId16"/>
     <p:sldId id="270" r:id="rId17"/>
     <p:sldId id="272" r:id="rId18"/>
+    <p:sldId id="274" r:id="rId19"/>
+    <p:sldId id="275" r:id="rId20"/>
+    <p:sldId id="276" r:id="rId21"/>
+    <p:sldId id="273" r:id="rId22"/>
+    <p:sldId id="277" r:id="rId23"/>
+    <p:sldId id="278" r:id="rId24"/>
+    <p:sldId id="279" r:id="rId25"/>
   </p:sldIdLst>
   <p:sldSz cx="12192000" cy="6858000"/>
   <p:notesSz cx="6858000" cy="9144000"/>
@@ -213,7 +220,7 @@
           <a:p>
             <a:fld id="{636539AC-B433-4144-BF82-571F8E79E096}" type="datetimeFigureOut">
               <a:rPr lang="en-US" smtClean="0"/>
-              <a:t>5/12/2015</a:t>
+              <a:t>7/12/2015</a:t>
             </a:fld>
             <a:endParaRPr lang="en-US"/>
           </a:p>
@@ -709,11 +716,7 @@
             </a:r>
             <a:r>
               <a:rPr lang="en-US" baseline="0" smtClean="0"/>
-              <a:t> thực là </a:t>
-            </a:r>
-            <a:r>
-              <a:rPr lang="en-US" baseline="0" smtClean="0"/>
-              <a:t>: năm nhuận, số ngày trong tháng…</a:t>
+              <a:t> thực là : năm nhuận, số ngày trong tháng…</a:t>
             </a:r>
           </a:p>
           <a:p>
@@ -1120,6 +1123,27 @@
           <a:lstStyle/>
           <a:p>
             <a:pPr rtl="0"/>
+            <a:r>
+              <a:rPr lang="en-US" b="0" smtClean="0">
+                <a:effectLst/>
+              </a:rPr>
+              <a:t>Xây</a:t>
+            </a:r>
+            <a:r>
+              <a:rPr lang="en-US" b="0" baseline="0" smtClean="0">
+                <a:effectLst/>
+              </a:rPr>
+              <a:t> dựng phần mềm này bọn em hướng tới là mục tiêu người dùng phổ thông, không cần qua đào tạo mà vẫn dễ dàng hiểu và sử dụng được. </a:t>
+            </a:r>
+          </a:p>
+          <a:p>
+            <a:pPr rtl="0"/>
+            <a:r>
+              <a:rPr lang="en-US" b="0" baseline="0" smtClean="0">
+                <a:effectLst/>
+              </a:rPr>
+              <a:t>Sau đây là 1 số thiết kế về giao diện chính.</a:t>
+            </a:r>
             <a:endParaRPr lang="vi-VN" b="0" smtClean="0">
               <a:effectLst/>
             </a:endParaRPr>
@@ -1153,6 +1177,366 @@
     <p:extLst>
       <p:ext uri="{BB962C8B-B14F-4D97-AF65-F5344CB8AC3E}">
         <p14:creationId xmlns:p14="http://schemas.microsoft.com/office/powerpoint/2010/main" val="1628140314"/>
+      </p:ext>
+    </p:extLst>
+  </p:cSld>
+  <p:clrMapOvr>
+    <a:masterClrMapping/>
+  </p:clrMapOvr>
+</p:notes>
+</file>
+
+<file path=ppt/notesSlides/notesSlide16.xml><?xml version="1.0" encoding="utf-8"?>
+<p:notes xmlns:a="http://schemas.openxmlformats.org/drawingml/2006/main" xmlns:r="http://schemas.openxmlformats.org/officeDocument/2006/relationships" xmlns:p="http://schemas.openxmlformats.org/presentationml/2006/main">
+  <p:cSld>
+    <p:spTree>
+      <p:nvGrpSpPr>
+        <p:cNvPr id="1" name=""/>
+        <p:cNvGrpSpPr/>
+        <p:nvPr/>
+      </p:nvGrpSpPr>
+      <p:grpSpPr>
+        <a:xfrm>
+          <a:off x="0" y="0"/>
+          <a:ext cx="0" cy="0"/>
+          <a:chOff x="0" y="0"/>
+          <a:chExt cx="0" cy="0"/>
+        </a:xfrm>
+      </p:grpSpPr>
+      <p:sp>
+        <p:nvSpPr>
+          <p:cNvPr id="2" name="Slide Image Placeholder 1"/>
+          <p:cNvSpPr>
+            <a:spLocks noGrp="1" noRot="1" noChangeAspect="1"/>
+          </p:cNvSpPr>
+          <p:nvPr>
+            <p:ph type="sldImg"/>
+          </p:nvPr>
+        </p:nvSpPr>
+        <p:spPr/>
+      </p:sp>
+      <p:sp>
+        <p:nvSpPr>
+          <p:cNvPr id="3" name="Notes Placeholder 2"/>
+          <p:cNvSpPr>
+            <a:spLocks noGrp="1"/>
+          </p:cNvSpPr>
+          <p:nvPr>
+            <p:ph type="body" idx="1"/>
+          </p:nvPr>
+        </p:nvSpPr>
+        <p:spPr/>
+        <p:txBody>
+          <a:bodyPr/>
+          <a:lstStyle/>
+          <a:p>
+            <a:pPr rtl="0"/>
+            <a:endParaRPr lang="vi-VN" b="0" smtClean="0">
+              <a:effectLst/>
+            </a:endParaRPr>
+          </a:p>
+        </p:txBody>
+      </p:sp>
+      <p:sp>
+        <p:nvSpPr>
+          <p:cNvPr id="4" name="Slide Number Placeholder 3"/>
+          <p:cNvSpPr>
+            <a:spLocks noGrp="1"/>
+          </p:cNvSpPr>
+          <p:nvPr>
+            <p:ph type="sldNum" sz="quarter" idx="10"/>
+          </p:nvPr>
+        </p:nvSpPr>
+        <p:spPr/>
+        <p:txBody>
+          <a:bodyPr/>
+          <a:lstStyle/>
+          <a:p>
+            <a:fld id="{A098E700-4659-44EB-9520-5D39C5C5C2CD}" type="slidenum">
+              <a:rPr lang="en-US" smtClean="0"/>
+              <a:t>18</a:t>
+            </a:fld>
+            <a:endParaRPr lang="en-US"/>
+          </a:p>
+        </p:txBody>
+      </p:sp>
+    </p:spTree>
+    <p:extLst>
+      <p:ext uri="{BB962C8B-B14F-4D97-AF65-F5344CB8AC3E}">
+        <p14:creationId xmlns:p14="http://schemas.microsoft.com/office/powerpoint/2010/main" val="2925412260"/>
+      </p:ext>
+    </p:extLst>
+  </p:cSld>
+  <p:clrMapOvr>
+    <a:masterClrMapping/>
+  </p:clrMapOvr>
+</p:notes>
+</file>
+
+<file path=ppt/notesSlides/notesSlide17.xml><?xml version="1.0" encoding="utf-8"?>
+<p:notes xmlns:a="http://schemas.openxmlformats.org/drawingml/2006/main" xmlns:r="http://schemas.openxmlformats.org/officeDocument/2006/relationships" xmlns:p="http://schemas.openxmlformats.org/presentationml/2006/main">
+  <p:cSld>
+    <p:spTree>
+      <p:nvGrpSpPr>
+        <p:cNvPr id="1" name=""/>
+        <p:cNvGrpSpPr/>
+        <p:nvPr/>
+      </p:nvGrpSpPr>
+      <p:grpSpPr>
+        <a:xfrm>
+          <a:off x="0" y="0"/>
+          <a:ext cx="0" cy="0"/>
+          <a:chOff x="0" y="0"/>
+          <a:chExt cx="0" cy="0"/>
+        </a:xfrm>
+      </p:grpSpPr>
+      <p:sp>
+        <p:nvSpPr>
+          <p:cNvPr id="2" name="Slide Image Placeholder 1"/>
+          <p:cNvSpPr>
+            <a:spLocks noGrp="1" noRot="1" noChangeAspect="1"/>
+          </p:cNvSpPr>
+          <p:nvPr>
+            <p:ph type="sldImg"/>
+          </p:nvPr>
+        </p:nvSpPr>
+        <p:spPr/>
+      </p:sp>
+      <p:sp>
+        <p:nvSpPr>
+          <p:cNvPr id="3" name="Notes Placeholder 2"/>
+          <p:cNvSpPr>
+            <a:spLocks noGrp="1"/>
+          </p:cNvSpPr>
+          <p:nvPr>
+            <p:ph type="body" idx="1"/>
+          </p:nvPr>
+        </p:nvSpPr>
+        <p:spPr/>
+        <p:txBody>
+          <a:bodyPr/>
+          <a:lstStyle/>
+          <a:p>
+            <a:pPr rtl="0"/>
+            <a:endParaRPr lang="vi-VN" b="0" smtClean="0">
+              <a:effectLst/>
+            </a:endParaRPr>
+          </a:p>
+        </p:txBody>
+      </p:sp>
+      <p:sp>
+        <p:nvSpPr>
+          <p:cNvPr id="4" name="Slide Number Placeholder 3"/>
+          <p:cNvSpPr>
+            <a:spLocks noGrp="1"/>
+          </p:cNvSpPr>
+          <p:nvPr>
+            <p:ph type="sldNum" sz="quarter" idx="10"/>
+          </p:nvPr>
+        </p:nvSpPr>
+        <p:spPr/>
+        <p:txBody>
+          <a:bodyPr/>
+          <a:lstStyle/>
+          <a:p>
+            <a:fld id="{A098E700-4659-44EB-9520-5D39C5C5C2CD}" type="slidenum">
+              <a:rPr lang="en-US" smtClean="0"/>
+              <a:t>19</a:t>
+            </a:fld>
+            <a:endParaRPr lang="en-US"/>
+          </a:p>
+        </p:txBody>
+      </p:sp>
+    </p:spTree>
+    <p:extLst>
+      <p:ext uri="{BB962C8B-B14F-4D97-AF65-F5344CB8AC3E}">
+        <p14:creationId xmlns:p14="http://schemas.microsoft.com/office/powerpoint/2010/main" val="330539562"/>
+      </p:ext>
+    </p:extLst>
+  </p:cSld>
+  <p:clrMapOvr>
+    <a:masterClrMapping/>
+  </p:clrMapOvr>
+</p:notes>
+</file>
+
+<file path=ppt/notesSlides/notesSlide18.xml><?xml version="1.0" encoding="utf-8"?>
+<p:notes xmlns:a="http://schemas.openxmlformats.org/drawingml/2006/main" xmlns:r="http://schemas.openxmlformats.org/officeDocument/2006/relationships" xmlns:p="http://schemas.openxmlformats.org/presentationml/2006/main">
+  <p:cSld>
+    <p:spTree>
+      <p:nvGrpSpPr>
+        <p:cNvPr id="1" name=""/>
+        <p:cNvGrpSpPr/>
+        <p:nvPr/>
+      </p:nvGrpSpPr>
+      <p:grpSpPr>
+        <a:xfrm>
+          <a:off x="0" y="0"/>
+          <a:ext cx="0" cy="0"/>
+          <a:chOff x="0" y="0"/>
+          <a:chExt cx="0" cy="0"/>
+        </a:xfrm>
+      </p:grpSpPr>
+      <p:sp>
+        <p:nvSpPr>
+          <p:cNvPr id="2" name="Slide Image Placeholder 1"/>
+          <p:cNvSpPr>
+            <a:spLocks noGrp="1" noRot="1" noChangeAspect="1"/>
+          </p:cNvSpPr>
+          <p:nvPr>
+            <p:ph type="sldImg"/>
+          </p:nvPr>
+        </p:nvSpPr>
+        <p:spPr/>
+      </p:sp>
+      <p:sp>
+        <p:nvSpPr>
+          <p:cNvPr id="3" name="Notes Placeholder 2"/>
+          <p:cNvSpPr>
+            <a:spLocks noGrp="1"/>
+          </p:cNvSpPr>
+          <p:nvPr>
+            <p:ph type="body" idx="1"/>
+          </p:nvPr>
+        </p:nvSpPr>
+        <p:spPr/>
+        <p:txBody>
+          <a:bodyPr/>
+          <a:lstStyle/>
+          <a:p>
+            <a:pPr rtl="0"/>
+            <a:r>
+              <a:rPr lang="en-US" b="0" smtClean="0">
+                <a:effectLst/>
+              </a:rPr>
+              <a:t>Chi tiết</a:t>
+            </a:r>
+            <a:r>
+              <a:rPr lang="en-US" b="0" baseline="0" smtClean="0">
+                <a:effectLst/>
+              </a:rPr>
+              <a:t> cụ thể tất cả các mokup bọn em đã viết như trong báo cáo.</a:t>
+            </a:r>
+            <a:endParaRPr lang="vi-VN" b="0" smtClean="0">
+              <a:effectLst/>
+            </a:endParaRPr>
+          </a:p>
+        </p:txBody>
+      </p:sp>
+      <p:sp>
+        <p:nvSpPr>
+          <p:cNvPr id="4" name="Slide Number Placeholder 3"/>
+          <p:cNvSpPr>
+            <a:spLocks noGrp="1"/>
+          </p:cNvSpPr>
+          <p:nvPr>
+            <p:ph type="sldNum" sz="quarter" idx="10"/>
+          </p:nvPr>
+        </p:nvSpPr>
+        <p:spPr/>
+        <p:txBody>
+          <a:bodyPr/>
+          <a:lstStyle/>
+          <a:p>
+            <a:fld id="{A098E700-4659-44EB-9520-5D39C5C5C2CD}" type="slidenum">
+              <a:rPr lang="en-US" smtClean="0"/>
+              <a:t>20</a:t>
+            </a:fld>
+            <a:endParaRPr lang="en-US"/>
+          </a:p>
+        </p:txBody>
+      </p:sp>
+    </p:spTree>
+    <p:extLst>
+      <p:ext uri="{BB962C8B-B14F-4D97-AF65-F5344CB8AC3E}">
+        <p14:creationId xmlns:p14="http://schemas.microsoft.com/office/powerpoint/2010/main" val="4132202153"/>
+      </p:ext>
+    </p:extLst>
+  </p:cSld>
+  <p:clrMapOvr>
+    <a:masterClrMapping/>
+  </p:clrMapOvr>
+</p:notes>
+</file>
+
+<file path=ppt/notesSlides/notesSlide19.xml><?xml version="1.0" encoding="utf-8"?>
+<p:notes xmlns:a="http://schemas.openxmlformats.org/drawingml/2006/main" xmlns:r="http://schemas.openxmlformats.org/officeDocument/2006/relationships" xmlns:p="http://schemas.openxmlformats.org/presentationml/2006/main">
+  <p:cSld>
+    <p:spTree>
+      <p:nvGrpSpPr>
+        <p:cNvPr id="1" name=""/>
+        <p:cNvGrpSpPr/>
+        <p:nvPr/>
+      </p:nvGrpSpPr>
+      <p:grpSpPr>
+        <a:xfrm>
+          <a:off x="0" y="0"/>
+          <a:ext cx="0" cy="0"/>
+          <a:chOff x="0" y="0"/>
+          <a:chExt cx="0" cy="0"/>
+        </a:xfrm>
+      </p:grpSpPr>
+      <p:sp>
+        <p:nvSpPr>
+          <p:cNvPr id="2" name="Slide Image Placeholder 1"/>
+          <p:cNvSpPr>
+            <a:spLocks noGrp="1" noRot="1" noChangeAspect="1"/>
+          </p:cNvSpPr>
+          <p:nvPr>
+            <p:ph type="sldImg"/>
+          </p:nvPr>
+        </p:nvSpPr>
+        <p:spPr/>
+      </p:sp>
+      <p:sp>
+        <p:nvSpPr>
+          <p:cNvPr id="3" name="Notes Placeholder 2"/>
+          <p:cNvSpPr>
+            <a:spLocks noGrp="1"/>
+          </p:cNvSpPr>
+          <p:nvPr>
+            <p:ph type="body" idx="1"/>
+          </p:nvPr>
+        </p:nvSpPr>
+        <p:spPr/>
+        <p:txBody>
+          <a:bodyPr/>
+          <a:lstStyle/>
+          <a:p>
+            <a:pPr rtl="0"/>
+            <a:endParaRPr lang="vi-VN" b="0" smtClean="0">
+              <a:effectLst/>
+            </a:endParaRPr>
+          </a:p>
+        </p:txBody>
+      </p:sp>
+      <p:sp>
+        <p:nvSpPr>
+          <p:cNvPr id="4" name="Slide Number Placeholder 3"/>
+          <p:cNvSpPr>
+            <a:spLocks noGrp="1"/>
+          </p:cNvSpPr>
+          <p:nvPr>
+            <p:ph type="sldNum" sz="quarter" idx="10"/>
+          </p:nvPr>
+        </p:nvSpPr>
+        <p:spPr/>
+        <p:txBody>
+          <a:bodyPr/>
+          <a:lstStyle/>
+          <a:p>
+            <a:fld id="{A098E700-4659-44EB-9520-5D39C5C5C2CD}" type="slidenum">
+              <a:rPr lang="en-US" smtClean="0"/>
+              <a:t>21</a:t>
+            </a:fld>
+            <a:endParaRPr lang="en-US"/>
+          </a:p>
+        </p:txBody>
+      </p:sp>
+    </p:spTree>
+    <p:extLst>
+      <p:ext uri="{BB962C8B-B14F-4D97-AF65-F5344CB8AC3E}">
+        <p14:creationId xmlns:p14="http://schemas.microsoft.com/office/powerpoint/2010/main" val="185324333"/>
       </p:ext>
     </p:extLst>
   </p:cSld>
@@ -1268,6 +1652,403 @@
     <p:extLst>
       <p:ext uri="{BB962C8B-B14F-4D97-AF65-F5344CB8AC3E}">
         <p14:creationId xmlns:p14="http://schemas.microsoft.com/office/powerpoint/2010/main" val="3523975222"/>
+      </p:ext>
+    </p:extLst>
+  </p:cSld>
+  <p:clrMapOvr>
+    <a:masterClrMapping/>
+  </p:clrMapOvr>
+</p:notes>
+</file>
+
+<file path=ppt/notesSlides/notesSlide20.xml><?xml version="1.0" encoding="utf-8"?>
+<p:notes xmlns:a="http://schemas.openxmlformats.org/drawingml/2006/main" xmlns:r="http://schemas.openxmlformats.org/officeDocument/2006/relationships" xmlns:p="http://schemas.openxmlformats.org/presentationml/2006/main">
+  <p:cSld>
+    <p:spTree>
+      <p:nvGrpSpPr>
+        <p:cNvPr id="1" name=""/>
+        <p:cNvGrpSpPr/>
+        <p:nvPr/>
+      </p:nvGrpSpPr>
+      <p:grpSpPr>
+        <a:xfrm>
+          <a:off x="0" y="0"/>
+          <a:ext cx="0" cy="0"/>
+          <a:chOff x="0" y="0"/>
+          <a:chExt cx="0" cy="0"/>
+        </a:xfrm>
+      </p:grpSpPr>
+      <p:sp>
+        <p:nvSpPr>
+          <p:cNvPr id="2" name="Slide Image Placeholder 1"/>
+          <p:cNvSpPr>
+            <a:spLocks noGrp="1" noRot="1" noChangeAspect="1"/>
+          </p:cNvSpPr>
+          <p:nvPr>
+            <p:ph type="sldImg"/>
+          </p:nvPr>
+        </p:nvSpPr>
+        <p:spPr/>
+      </p:sp>
+      <p:sp>
+        <p:nvSpPr>
+          <p:cNvPr id="3" name="Notes Placeholder 2"/>
+          <p:cNvSpPr>
+            <a:spLocks noGrp="1"/>
+          </p:cNvSpPr>
+          <p:nvPr>
+            <p:ph type="body" idx="1"/>
+          </p:nvPr>
+        </p:nvSpPr>
+        <p:spPr/>
+        <p:txBody>
+          <a:bodyPr/>
+          <a:lstStyle/>
+          <a:p>
+            <a:pPr rtl="0"/>
+            <a:endParaRPr lang="vi-VN" b="0" smtClean="0">
+              <a:effectLst/>
+            </a:endParaRPr>
+          </a:p>
+        </p:txBody>
+      </p:sp>
+      <p:sp>
+        <p:nvSpPr>
+          <p:cNvPr id="4" name="Slide Number Placeholder 3"/>
+          <p:cNvSpPr>
+            <a:spLocks noGrp="1"/>
+          </p:cNvSpPr>
+          <p:nvPr>
+            <p:ph type="sldNum" sz="quarter" idx="10"/>
+          </p:nvPr>
+        </p:nvSpPr>
+        <p:spPr/>
+        <p:txBody>
+          <a:bodyPr/>
+          <a:lstStyle/>
+          <a:p>
+            <a:fld id="{A098E700-4659-44EB-9520-5D39C5C5C2CD}" type="slidenum">
+              <a:rPr lang="en-US" smtClean="0"/>
+              <a:t>22</a:t>
+            </a:fld>
+            <a:endParaRPr lang="en-US"/>
+          </a:p>
+        </p:txBody>
+      </p:sp>
+    </p:spTree>
+    <p:extLst>
+      <p:ext uri="{BB962C8B-B14F-4D97-AF65-F5344CB8AC3E}">
+        <p14:creationId xmlns:p14="http://schemas.microsoft.com/office/powerpoint/2010/main" val="263064199"/>
+      </p:ext>
+    </p:extLst>
+  </p:cSld>
+  <p:clrMapOvr>
+    <a:masterClrMapping/>
+  </p:clrMapOvr>
+</p:notes>
+</file>
+
+<file path=ppt/notesSlides/notesSlide21.xml><?xml version="1.0" encoding="utf-8"?>
+<p:notes xmlns:a="http://schemas.openxmlformats.org/drawingml/2006/main" xmlns:r="http://schemas.openxmlformats.org/officeDocument/2006/relationships" xmlns:p="http://schemas.openxmlformats.org/presentationml/2006/main">
+  <p:cSld>
+    <p:spTree>
+      <p:nvGrpSpPr>
+        <p:cNvPr id="1" name=""/>
+        <p:cNvGrpSpPr/>
+        <p:nvPr/>
+      </p:nvGrpSpPr>
+      <p:grpSpPr>
+        <a:xfrm>
+          <a:off x="0" y="0"/>
+          <a:ext cx="0" cy="0"/>
+          <a:chOff x="0" y="0"/>
+          <a:chExt cx="0" cy="0"/>
+        </a:xfrm>
+      </p:grpSpPr>
+      <p:sp>
+        <p:nvSpPr>
+          <p:cNvPr id="2" name="Slide Image Placeholder 1"/>
+          <p:cNvSpPr>
+            <a:spLocks noGrp="1" noRot="1" noChangeAspect="1"/>
+          </p:cNvSpPr>
+          <p:nvPr>
+            <p:ph type="sldImg"/>
+          </p:nvPr>
+        </p:nvSpPr>
+        <p:spPr/>
+      </p:sp>
+      <p:sp>
+        <p:nvSpPr>
+          <p:cNvPr id="3" name="Notes Placeholder 2"/>
+          <p:cNvSpPr>
+            <a:spLocks noGrp="1"/>
+          </p:cNvSpPr>
+          <p:nvPr>
+            <p:ph type="body" idx="1"/>
+          </p:nvPr>
+        </p:nvSpPr>
+        <p:spPr/>
+        <p:txBody>
+          <a:bodyPr/>
+          <a:lstStyle/>
+          <a:p>
+            <a:pPr rtl="0"/>
+            <a:endParaRPr lang="vi-VN" b="0" smtClean="0">
+              <a:effectLst/>
+            </a:endParaRPr>
+          </a:p>
+        </p:txBody>
+      </p:sp>
+      <p:sp>
+        <p:nvSpPr>
+          <p:cNvPr id="4" name="Slide Number Placeholder 3"/>
+          <p:cNvSpPr>
+            <a:spLocks noGrp="1"/>
+          </p:cNvSpPr>
+          <p:nvPr>
+            <p:ph type="sldNum" sz="quarter" idx="10"/>
+          </p:nvPr>
+        </p:nvSpPr>
+        <p:spPr/>
+        <p:txBody>
+          <a:bodyPr/>
+          <a:lstStyle/>
+          <a:p>
+            <a:fld id="{A098E700-4659-44EB-9520-5D39C5C5C2CD}" type="slidenum">
+              <a:rPr lang="en-US" smtClean="0"/>
+              <a:t>23</a:t>
+            </a:fld>
+            <a:endParaRPr lang="en-US"/>
+          </a:p>
+        </p:txBody>
+      </p:sp>
+    </p:spTree>
+    <p:extLst>
+      <p:ext uri="{BB962C8B-B14F-4D97-AF65-F5344CB8AC3E}">
+        <p14:creationId xmlns:p14="http://schemas.microsoft.com/office/powerpoint/2010/main" val="3422486900"/>
+      </p:ext>
+    </p:extLst>
+  </p:cSld>
+  <p:clrMapOvr>
+    <a:masterClrMapping/>
+  </p:clrMapOvr>
+</p:notes>
+</file>
+
+<file path=ppt/notesSlides/notesSlide22.xml><?xml version="1.0" encoding="utf-8"?>
+<p:notes xmlns:a="http://schemas.openxmlformats.org/drawingml/2006/main" xmlns:r="http://schemas.openxmlformats.org/officeDocument/2006/relationships" xmlns:p="http://schemas.openxmlformats.org/presentationml/2006/main">
+  <p:cSld>
+    <p:spTree>
+      <p:nvGrpSpPr>
+        <p:cNvPr id="1" name=""/>
+        <p:cNvGrpSpPr/>
+        <p:nvPr/>
+      </p:nvGrpSpPr>
+      <p:grpSpPr>
+        <a:xfrm>
+          <a:off x="0" y="0"/>
+          <a:ext cx="0" cy="0"/>
+          <a:chOff x="0" y="0"/>
+          <a:chExt cx="0" cy="0"/>
+        </a:xfrm>
+      </p:grpSpPr>
+      <p:sp>
+        <p:nvSpPr>
+          <p:cNvPr id="2" name="Slide Image Placeholder 1"/>
+          <p:cNvSpPr>
+            <a:spLocks noGrp="1" noRot="1" noChangeAspect="1"/>
+          </p:cNvSpPr>
+          <p:nvPr>
+            <p:ph type="sldImg"/>
+          </p:nvPr>
+        </p:nvSpPr>
+        <p:spPr/>
+      </p:sp>
+      <p:sp>
+        <p:nvSpPr>
+          <p:cNvPr id="3" name="Notes Placeholder 2"/>
+          <p:cNvSpPr>
+            <a:spLocks noGrp="1"/>
+          </p:cNvSpPr>
+          <p:nvPr>
+            <p:ph type="body" idx="1"/>
+          </p:nvPr>
+        </p:nvSpPr>
+        <p:spPr/>
+        <p:txBody>
+          <a:bodyPr/>
+          <a:lstStyle/>
+          <a:p>
+            <a:pPr marL="0" marR="0" lvl="2" indent="0" algn="l" defTabSz="914400" rtl="0" eaLnBrk="1" fontAlgn="auto" latinLnBrk="0" hangingPunct="1">
+              <a:lnSpc>
+                <a:spcPct val="100000"/>
+              </a:lnSpc>
+              <a:spcBef>
+                <a:spcPts val="0"/>
+              </a:spcBef>
+              <a:spcAft>
+                <a:spcPts val="0"/>
+              </a:spcAft>
+              <a:buClrTx/>
+              <a:buSzTx/>
+              <a:buFontTx/>
+              <a:buNone/>
+              <a:tabLst/>
+              <a:defRPr/>
+            </a:pPr>
+            <a:r>
+              <a:rPr lang="en-US" sz="2400" smtClean="0">
+                <a:latin typeface="Palatino Linotype" panose="02040502050505030304" pitchFamily="18" charset="0"/>
+              </a:rPr>
+              <a:t>Phần mềm sẽ cần phải mở rộng them các chức năng để phù hợp với nhiều loại cửa hàng hơn.</a:t>
+            </a:r>
+            <a:r>
+              <a:rPr lang="en-US" sz="1200" b="0" baseline="0" smtClean="0">
+                <a:effectLst/>
+                <a:latin typeface="+mn-lt"/>
+              </a:rPr>
+              <a:t> Ví dụ với quán ăn thì phải thêm các nhận xét, các gợi ý món ăn đi kèm. Hoặc nguồn gốc xuất sứ của món ăn, của thực phẩm chế biến.</a:t>
+            </a:r>
+          </a:p>
+          <a:p>
+            <a:pPr marL="0" marR="0" lvl="2" indent="0" algn="l" defTabSz="914400" rtl="0" eaLnBrk="1" fontAlgn="auto" latinLnBrk="0" hangingPunct="1">
+              <a:lnSpc>
+                <a:spcPct val="100000"/>
+              </a:lnSpc>
+              <a:spcBef>
+                <a:spcPts val="0"/>
+              </a:spcBef>
+              <a:spcAft>
+                <a:spcPts val="0"/>
+              </a:spcAft>
+              <a:buClrTx/>
+              <a:buSzTx/>
+              <a:buFontTx/>
+              <a:buNone/>
+              <a:tabLst/>
+              <a:defRPr/>
+            </a:pPr>
+            <a:r>
+              <a:rPr lang="en-US" sz="1200" smtClean="0">
+                <a:latin typeface="Palatino Linotype" panose="02040502050505030304" pitchFamily="18" charset="0"/>
+              </a:rPr>
+              <a:t>Phát triển chức năng online để một cửa hàng có nhiều chi nhánh thì vẫn đồng nhất được một cơ sở dữ liệu. Dễ</a:t>
+            </a:r>
+            <a:r>
+              <a:rPr lang="en-US" sz="1200" baseline="0" smtClean="0">
+                <a:latin typeface="Palatino Linotype" panose="02040502050505030304" pitchFamily="18" charset="0"/>
+              </a:rPr>
+              <a:t> nhận thấy là hiện tại những của hàng ăn hay quần áo thì có rất nhiều chi nhánh, ví dụ như cửu hàng quần áo. Chúng ta có thể dễ dàng quản lý trong kho hàng còn những gì và hiện tại nó đang có ở chi nhánh nào. Như thế sẽ tiện hơn cho người bán và người mua.</a:t>
+            </a:r>
+          </a:p>
+          <a:p>
+            <a:pPr marL="0" marR="0" lvl="2" indent="0" algn="l" defTabSz="914400" rtl="0" eaLnBrk="1" fontAlgn="auto" latinLnBrk="0" hangingPunct="1">
+              <a:lnSpc>
+                <a:spcPct val="100000"/>
+              </a:lnSpc>
+              <a:spcBef>
+                <a:spcPts val="0"/>
+              </a:spcBef>
+              <a:spcAft>
+                <a:spcPts val="0"/>
+              </a:spcAft>
+              <a:buClrTx/>
+              <a:buSzTx/>
+              <a:buFontTx/>
+              <a:buNone/>
+              <a:tabLst/>
+              <a:defRPr/>
+            </a:pPr>
+            <a:r>
+              <a:rPr lang="en-US" sz="1200" smtClean="0">
+                <a:latin typeface="Palatino Linotype" panose="02040502050505030304" pitchFamily="18" charset="0"/>
+              </a:rPr>
+              <a:t>Phát triển thêm chức năng để người mua cũng có thể xem sản phẩm. Như</a:t>
+            </a:r>
+            <a:r>
+              <a:rPr lang="en-US" sz="1200" baseline="0" smtClean="0">
+                <a:latin typeface="Palatino Linotype" panose="02040502050505030304" pitchFamily="18" charset="0"/>
+              </a:rPr>
+              <a:t> thế sẽ đồng nhất được 2 ứng dụng mua bán online giảm được dữ liệu thừa, lãng phí tài nguyên và dễ quản lý.</a:t>
+            </a:r>
+            <a:endParaRPr lang="en-US" sz="1200" smtClean="0">
+              <a:latin typeface="Palatino Linotype" panose="02040502050505030304" pitchFamily="18" charset="0"/>
+            </a:endParaRPr>
+          </a:p>
+          <a:p>
+            <a:pPr marL="0" marR="0" lvl="2" indent="0" algn="l" defTabSz="914400" rtl="0" eaLnBrk="1" fontAlgn="auto" latinLnBrk="0" hangingPunct="1">
+              <a:lnSpc>
+                <a:spcPct val="100000"/>
+              </a:lnSpc>
+              <a:spcBef>
+                <a:spcPts val="0"/>
+              </a:spcBef>
+              <a:spcAft>
+                <a:spcPts val="0"/>
+              </a:spcAft>
+              <a:buClrTx/>
+              <a:buSzTx/>
+              <a:buFontTx/>
+              <a:buNone/>
+              <a:tabLst/>
+              <a:defRPr/>
+            </a:pPr>
+            <a:endParaRPr lang="en-US" sz="1200" b="0" baseline="0" smtClean="0">
+              <a:effectLst/>
+              <a:latin typeface="+mn-lt"/>
+            </a:endParaRPr>
+          </a:p>
+          <a:p>
+            <a:pPr marL="0" marR="0" lvl="2" indent="0" algn="l" defTabSz="914400" rtl="0" eaLnBrk="1" fontAlgn="auto" latinLnBrk="0" hangingPunct="1">
+              <a:lnSpc>
+                <a:spcPct val="100000"/>
+              </a:lnSpc>
+              <a:spcBef>
+                <a:spcPts val="0"/>
+              </a:spcBef>
+              <a:spcAft>
+                <a:spcPts val="0"/>
+              </a:spcAft>
+              <a:buClrTx/>
+              <a:buSzTx/>
+              <a:buFontTx/>
+              <a:buNone/>
+              <a:tabLst/>
+              <a:defRPr/>
+            </a:pPr>
+            <a:endParaRPr lang="en-US" sz="2400" smtClean="0">
+              <a:latin typeface="Palatino Linotype" panose="02040502050505030304" pitchFamily="18" charset="0"/>
+            </a:endParaRPr>
+          </a:p>
+        </p:txBody>
+      </p:sp>
+      <p:sp>
+        <p:nvSpPr>
+          <p:cNvPr id="4" name="Slide Number Placeholder 3"/>
+          <p:cNvSpPr>
+            <a:spLocks noGrp="1"/>
+          </p:cNvSpPr>
+          <p:nvPr>
+            <p:ph type="sldNum" sz="quarter" idx="10"/>
+          </p:nvPr>
+        </p:nvSpPr>
+        <p:spPr/>
+        <p:txBody>
+          <a:bodyPr/>
+          <a:lstStyle/>
+          <a:p>
+            <a:fld id="{A098E700-4659-44EB-9520-5D39C5C5C2CD}" type="slidenum">
+              <a:rPr lang="en-US" smtClean="0"/>
+              <a:t>24</a:t>
+            </a:fld>
+            <a:endParaRPr lang="en-US"/>
+          </a:p>
+        </p:txBody>
+      </p:sp>
+    </p:spTree>
+    <p:extLst>
+      <p:ext uri="{BB962C8B-B14F-4D97-AF65-F5344CB8AC3E}">
+        <p14:creationId xmlns:p14="http://schemas.microsoft.com/office/powerpoint/2010/main" val="1106233949"/>
       </p:ext>
     </p:extLst>
   </p:cSld>
@@ -1788,19 +2569,7 @@
                 <a:ea typeface="+mn-ea"/>
                 <a:cs typeface="+mn-cs"/>
               </a:rPr>
-              <a:t>Để quản lý và phân quyền làm việc cho các nhân viên, ta tạo ra các tài khoản đăng nhập vào hệ thống. Gồm các thông tin: mã nhân viên, tên tài khoản, mật khẩu sử dụng, tên nhân viên, thông tin liên hệ, trạng thái hoạt động</a:t>
-            </a:r>
-            <a:r>
-              <a:rPr lang="vi-VN" sz="1200" b="0" i="0" u="none" strike="noStrike" kern="1200" smtClean="0">
-                <a:solidFill>
-                  <a:schemeClr val="tx1"/>
-                </a:solidFill>
-                <a:effectLst/>
-                <a:latin typeface="+mn-lt"/>
-                <a:ea typeface="+mn-ea"/>
-                <a:cs typeface="+mn-cs"/>
-              </a:rPr>
-              <a:t>.</a:t>
+              <a:t>Để quản lý và phân quyền làm việc cho các nhân viên, ta tạo ra các tài khoản đăng nhập vào hệ thống. Gồm các thông tin: mã nhân viên, tên tài khoản, mật khẩu sử dụng, tên nhân viên, thông tin liên hệ, trạng thái hoạt động.</a:t>
             </a:r>
             <a:endParaRPr lang="en-US" sz="1200" b="0" i="0" u="none" strike="noStrike" kern="1200" smtClean="0">
               <a:solidFill>
@@ -2364,7 +3133,7 @@
           <a:p>
             <a:fld id="{4AAD347D-5ACD-4C99-B74B-A9C85AD731AF}" type="datetimeFigureOut">
               <a:rPr lang="en-US" dirty="0"/>
-              <a:t>5/12/2015</a:t>
+              <a:t>7/12/2015</a:t>
             </a:fld>
             <a:endParaRPr lang="en-US" dirty="0"/>
           </a:p>
@@ -2634,7 +3403,7 @@
           <a:p>
             <a:fld id="{4509A250-FF31-4206-8172-F9D3106AACB1}" type="datetimeFigureOut">
               <a:rPr lang="en-US" dirty="0"/>
-              <a:t>5/12/2015</a:t>
+              <a:t>7/12/2015</a:t>
             </a:fld>
             <a:endParaRPr lang="en-US" dirty="0"/>
           </a:p>
@@ -2823,7 +3592,7 @@
           <a:p>
             <a:fld id="{4509A250-FF31-4206-8172-F9D3106AACB1}" type="datetimeFigureOut">
               <a:rPr lang="en-US" dirty="0"/>
-              <a:t>5/12/2015</a:t>
+              <a:t>7/12/2015</a:t>
             </a:fld>
             <a:endParaRPr lang="en-US" dirty="0"/>
           </a:p>
@@ -3091,7 +3860,7 @@
           <a:p>
             <a:fld id="{4509A250-FF31-4206-8172-F9D3106AACB1}" type="datetimeFigureOut">
               <a:rPr lang="en-US" dirty="0"/>
-              <a:t>5/12/2015</a:t>
+              <a:t>7/12/2015</a:t>
             </a:fld>
             <a:endParaRPr lang="en-US" dirty="0"/>
           </a:p>
@@ -3427,7 +4196,7 @@
           <a:p>
             <a:fld id="{4509A250-FF31-4206-8172-F9D3106AACB1}" type="datetimeFigureOut">
               <a:rPr lang="en-US" dirty="0"/>
-              <a:t>5/12/2015</a:t>
+              <a:t>7/12/2015</a:t>
             </a:fld>
             <a:endParaRPr lang="en-US" dirty="0"/>
           </a:p>
@@ -4045,7 +4814,7 @@
           <a:p>
             <a:fld id="{4509A250-FF31-4206-8172-F9D3106AACB1}" type="datetimeFigureOut">
               <a:rPr lang="en-US" dirty="0"/>
-              <a:t>5/12/2015</a:t>
+              <a:t>7/12/2015</a:t>
             </a:fld>
             <a:endParaRPr lang="en-US" dirty="0"/>
           </a:p>
@@ -4900,7 +5669,7 @@
           <a:p>
             <a:fld id="{4509A250-FF31-4206-8172-F9D3106AACB1}" type="datetimeFigureOut">
               <a:rPr lang="en-US" dirty="0"/>
-              <a:t>5/12/2015</a:t>
+              <a:t>7/12/2015</a:t>
             </a:fld>
             <a:endParaRPr lang="en-US" dirty="0"/>
           </a:p>
@@ -5065,7 +5834,7 @@
           <a:p>
             <a:fld id="{4509A250-FF31-4206-8172-F9D3106AACB1}" type="datetimeFigureOut">
               <a:rPr lang="en-US" dirty="0"/>
-              <a:t>5/12/2015</a:t>
+              <a:t>7/12/2015</a:t>
             </a:fld>
             <a:endParaRPr lang="en-US" dirty="0"/>
           </a:p>
@@ -5240,7 +6009,7 @@
           <a:p>
             <a:fld id="{4509A250-FF31-4206-8172-F9D3106AACB1}" type="datetimeFigureOut">
               <a:rPr lang="en-US" dirty="0"/>
-              <a:t>5/12/2015</a:t>
+              <a:t>7/12/2015</a:t>
             </a:fld>
             <a:endParaRPr lang="en-US" dirty="0"/>
           </a:p>
@@ -5405,7 +6174,7 @@
           <a:p>
             <a:fld id="{4509A250-FF31-4206-8172-F9D3106AACB1}" type="datetimeFigureOut">
               <a:rPr lang="en-US" dirty="0"/>
-              <a:t>5/12/2015</a:t>
+              <a:t>7/12/2015</a:t>
             </a:fld>
             <a:endParaRPr lang="en-US" dirty="0"/>
           </a:p>
@@ -5647,7 +6416,7 @@
           <a:p>
             <a:fld id="{9796027F-7875-4030-9381-8BD8C4F21935}" type="datetimeFigureOut">
               <a:rPr lang="en-US" dirty="0"/>
-              <a:t>5/12/2015</a:t>
+              <a:t>7/12/2015</a:t>
             </a:fld>
             <a:endParaRPr lang="en-US" dirty="0"/>
           </a:p>
@@ -5934,7 +6703,7 @@
           <a:p>
             <a:fld id="{9796027F-7875-4030-9381-8BD8C4F21935}" type="datetimeFigureOut">
               <a:rPr lang="en-US" dirty="0"/>
-              <a:t>5/12/2015</a:t>
+              <a:t>7/12/2015</a:t>
             </a:fld>
             <a:endParaRPr lang="en-US" dirty="0"/>
           </a:p>
@@ -6373,7 +7142,7 @@
           <a:p>
             <a:fld id="{9796027F-7875-4030-9381-8BD8C4F21935}" type="datetimeFigureOut">
               <a:rPr lang="en-US" dirty="0"/>
-              <a:t>5/12/2015</a:t>
+              <a:t>7/12/2015</a:t>
             </a:fld>
             <a:endParaRPr lang="en-US" dirty="0"/>
           </a:p>
@@ -6486,7 +7255,7 @@
           <a:p>
             <a:fld id="{4509A250-FF31-4206-8172-F9D3106AACB1}" type="datetimeFigureOut">
               <a:rPr lang="en-US" dirty="0"/>
-              <a:t>5/12/2015</a:t>
+              <a:t>7/12/2015</a:t>
             </a:fld>
             <a:endParaRPr lang="en-US" dirty="0"/>
           </a:p>
@@ -6576,7 +7345,7 @@
           <a:p>
             <a:fld id="{4509A250-FF31-4206-8172-F9D3106AACB1}" type="datetimeFigureOut">
               <a:rPr lang="en-US" dirty="0"/>
-              <a:t>5/12/2015</a:t>
+              <a:t>7/12/2015</a:t>
             </a:fld>
             <a:endParaRPr lang="en-US" dirty="0"/>
           </a:p>
@@ -6850,7 +7619,7 @@
           <a:p>
             <a:fld id="{4509A250-FF31-4206-8172-F9D3106AACB1}" type="datetimeFigureOut">
               <a:rPr lang="en-US" dirty="0"/>
-              <a:t>5/12/2015</a:t>
+              <a:t>7/12/2015</a:t>
             </a:fld>
             <a:endParaRPr lang="en-US" dirty="0"/>
           </a:p>
@@ -7120,7 +7889,7 @@
           <a:p>
             <a:fld id="{4509A250-FF31-4206-8172-F9D3106AACB1}" type="datetimeFigureOut">
               <a:rPr lang="en-US" dirty="0"/>
-              <a:t>5/12/2015</a:t>
+              <a:t>7/12/2015</a:t>
             </a:fld>
             <a:endParaRPr lang="en-US" dirty="0"/>
           </a:p>
@@ -7544,7 +8313,7 @@
           <a:p>
             <a:fld id="{4AAD347D-5ACD-4C99-B74B-A9C85AD731AF}" type="datetimeFigureOut">
               <a:rPr lang="en-US" dirty="0"/>
-              <a:t>5/12/2015</a:t>
+              <a:t>7/12/2015</a:t>
             </a:fld>
             <a:endParaRPr lang="en-US" dirty="0"/>
           </a:p>
@@ -8083,46 +8852,54 @@
           <a:bodyPr/>
           <a:lstStyle/>
           <a:p>
-            <a:r>
-              <a:rPr lang="en-US" sz="5400" smtClean="0">
+            <a:pPr algn="ctr"/>
+            <a:r>
+              <a:rPr lang="en-US" sz="4800" smtClean="0">
                 <a:latin typeface="Palatino Linotype" panose="02040502050505030304" pitchFamily="18" charset="0"/>
                 <a:cs typeface="Times New Roman" panose="02020603050405020304" pitchFamily="18" charset="0"/>
               </a:rPr>
-              <a:t>Giới thiệu phần mềm.</a:t>
+              <a:t>Báo cáo bài tập lớn</a:t>
             </a:r>
             <a:br>
-              <a:rPr lang="en-US" sz="5400" smtClean="0">
+              <a:rPr lang="en-US" sz="4800" smtClean="0">
                 <a:latin typeface="Palatino Linotype" panose="02040502050505030304" pitchFamily="18" charset="0"/>
                 <a:cs typeface="Times New Roman" panose="02020603050405020304" pitchFamily="18" charset="0"/>
               </a:rPr>
             </a:br>
             <a:r>
-              <a:rPr lang="en-US" sz="5400" smtClean="0">
+              <a:rPr lang="en-US" sz="4800" smtClean="0">
                 <a:latin typeface="Palatino Linotype" panose="02040502050505030304" pitchFamily="18" charset="0"/>
                 <a:cs typeface="Times New Roman" panose="02020603050405020304" pitchFamily="18" charset="0"/>
               </a:rPr>
-              <a:t/>
-            </a:r>
-            <a:br>
-              <a:rPr lang="en-US" sz="5400" smtClean="0">
+              <a:t>Xây dựng phần mềm quản lý cửa hàng.</a:t>
+            </a:r>
+            <a:r>
+              <a:rPr lang="en-US" sz="4000" smtClean="0">
                 <a:latin typeface="Palatino Linotype" panose="02040502050505030304" pitchFamily="18" charset="0"/>
                 <a:cs typeface="Times New Roman" panose="02020603050405020304" pitchFamily="18" charset="0"/>
               </a:rPr>
-            </a:br>
-            <a:r>
-              <a:rPr lang="en-US" sz="5400" smtClean="0">
+              <a:t/>
+            </a:r>
+            <a:br>
+              <a:rPr lang="en-US" sz="4000" smtClean="0">
                 <a:latin typeface="Palatino Linotype" panose="02040502050505030304" pitchFamily="18" charset="0"/>
                 <a:cs typeface="Times New Roman" panose="02020603050405020304" pitchFamily="18" charset="0"/>
               </a:rPr>
-              <a:t/>
-            </a:r>
-            <a:br>
-              <a:rPr lang="en-US" sz="5400" smtClean="0">
+            </a:br>
+            <a:r>
+              <a:rPr lang="en-US" sz="4000" smtClean="0">
                 <a:latin typeface="Palatino Linotype" panose="02040502050505030304" pitchFamily="18" charset="0"/>
                 <a:cs typeface="Times New Roman" panose="02020603050405020304" pitchFamily="18" charset="0"/>
               </a:rPr>
+              <a:t/>
+            </a:r>
+            <a:br>
+              <a:rPr lang="en-US" sz="4000" smtClean="0">
+                <a:latin typeface="Palatino Linotype" panose="02040502050505030304" pitchFamily="18" charset="0"/>
+                <a:cs typeface="Times New Roman" panose="02020603050405020304" pitchFamily="18" charset="0"/>
+              </a:rPr>
             </a:br>
-            <a:endParaRPr lang="en-US" sz="5400">
+            <a:endParaRPr lang="en-US" sz="4000">
               <a:latin typeface="Palatino Linotype" panose="02040502050505030304" pitchFamily="18" charset="0"/>
               <a:cs typeface="Times New Roman" panose="02020603050405020304" pitchFamily="18" charset="0"/>
             </a:endParaRPr>
@@ -8141,8 +8918,8 @@
         </p:nvSpPr>
         <p:spPr>
           <a:xfrm>
-            <a:off x="1154955" y="3451538"/>
-            <a:ext cx="8825658" cy="2187262"/>
+            <a:off x="1154955" y="4633953"/>
+            <a:ext cx="8825658" cy="1751082"/>
           </a:xfrm>
         </p:spPr>
         <p:txBody>
@@ -8152,50 +8929,50 @@
           <a:lstStyle/>
           <a:p>
             <a:r>
-              <a:rPr lang="en-US" smtClean="0"/>
+              <a:rPr lang="en-US" sz="1400" smtClean="0"/>
               <a:t>Nhóm 2: 	Lê Đình Phúc (Trưởng nhóm)	20132979</a:t>
             </a:r>
           </a:p>
           <a:p>
             <a:r>
-              <a:rPr lang="en-US"/>
+              <a:rPr lang="en-US" sz="1400"/>
               <a:t>	</a:t>
             </a:r>
             <a:r>
-              <a:rPr lang="en-US" smtClean="0"/>
-              <a:t>		Nguyễn Tiến Trường				</a:t>
-            </a:r>
-          </a:p>
-          <a:p>
-            <a:r>
-              <a:rPr lang="en-US"/>
+              <a:rPr lang="en-US" sz="1400" smtClean="0"/>
+              <a:t>	Nguyễn Tiến Trường				</a:t>
+            </a:r>
+          </a:p>
+          <a:p>
+            <a:r>
+              <a:rPr lang="en-US" sz="1400"/>
               <a:t>	</a:t>
             </a:r>
             <a:r>
-              <a:rPr lang="en-US" smtClean="0"/>
-              <a:t>		Trần Mạnh linh.</a:t>
-            </a:r>
-          </a:p>
-          <a:p>
-            <a:r>
-              <a:rPr lang="en-US"/>
+              <a:rPr lang="en-US" sz="1400" smtClean="0"/>
+              <a:t>	Trần Mạnh linh.</a:t>
+            </a:r>
+          </a:p>
+          <a:p>
+            <a:r>
+              <a:rPr lang="en-US" sz="1400"/>
               <a:t>	</a:t>
             </a:r>
             <a:r>
-              <a:rPr lang="en-US" smtClean="0"/>
-              <a:t>		Lê Đình Hoàng Sơn.</a:t>
-            </a:r>
-          </a:p>
-          <a:p>
-            <a:r>
-              <a:rPr lang="en-US"/>
+              <a:rPr lang="en-US" sz="1400" smtClean="0"/>
+              <a:t>	Lê Đình Hoàng Sơn.</a:t>
+            </a:r>
+          </a:p>
+          <a:p>
+            <a:r>
+              <a:rPr lang="en-US" sz="1400"/>
               <a:t>	</a:t>
             </a:r>
             <a:r>
-              <a:rPr lang="en-US" smtClean="0"/>
+              <a:rPr lang="en-US" sz="1400" smtClean="0"/>
               <a:t>		</a:t>
             </a:r>
-            <a:endParaRPr lang="en-US"/>
+            <a:endParaRPr lang="en-US" sz="1400"/>
           </a:p>
         </p:txBody>
       </p:sp>
@@ -8209,6 +8986,13 @@
   <p:clrMapOvr>
     <a:masterClrMapping/>
   </p:clrMapOvr>
+  <p:timing>
+    <p:tnLst>
+      <p:par>
+        <p:cTn id="1" dur="indefinite" restart="never" nodeType="tmRoot"/>
+      </p:par>
+    </p:tnLst>
+  </p:timing>
 </p:sld>
 </file>
 
@@ -9198,31 +9982,7 @@
                           <a:ea typeface="+mn-ea"/>
                           <a:cs typeface="+mn-cs"/>
                         </a:rPr>
-                        <a:t> điện </a:t>
-                      </a:r>
-                      <a:r>
-                        <a:rPr lang="en-US" sz="1600" b="0" i="0" u="none" strike="noStrike" kern="1200" baseline="0" smtClean="0">
-                          <a:solidFill>
-                            <a:schemeClr val="dk1"/>
-                          </a:solidFill>
-                          <a:effectLst/>
-                          <a:latin typeface="Palatino Linotype" panose="02040502050505030304" pitchFamily="18" charset="0"/>
-                          <a:ea typeface="+mn-ea"/>
-                          <a:cs typeface="+mn-cs"/>
-                        </a:rPr>
-                        <a:t>thoại &gt;8 và </a:t>
-                      </a:r>
-                      <a:r>
-                        <a:rPr lang="en-US" sz="1600" b="0" i="0" u="none" strike="noStrike" kern="1200" baseline="0" smtClean="0">
-                          <a:solidFill>
-                            <a:schemeClr val="dk1"/>
-                          </a:solidFill>
-                          <a:effectLst/>
-                          <a:latin typeface="Palatino Linotype" panose="02040502050505030304" pitchFamily="18" charset="0"/>
-                          <a:ea typeface="+mn-ea"/>
-                          <a:cs typeface="+mn-cs"/>
-                        </a:rPr>
-                        <a:t>&lt; 11 số.</a:t>
+                        <a:t> điện thoại &gt;8 và &lt; 11 số.</a:t>
                       </a:r>
                     </a:p>
                     <a:p>
@@ -9529,13 +10289,7 @@
               <a:rPr lang="en-US" sz="2400">
                 <a:latin typeface="Palatino Linotype" panose="02040502050505030304" pitchFamily="18" charset="0"/>
               </a:rPr>
-              <a:t>nhận đầu vào là một chuỗi kí tự, nếu trùng với tên của 1 trong 4 bảng account, ncc, mat_hang, nhomhang thì sẽ thực hiện lệnh  add </a:t>
-            </a:r>
-            <a:r>
-              <a:rPr lang="en-US" sz="2400">
-                <a:latin typeface="Palatino Linotype" panose="02040502050505030304" pitchFamily="18" charset="0"/>
-              </a:rPr>
-              <a:t>index</a:t>
+              <a:t>nhận đầu vào là một chuỗi kí tự, nếu trùng với tên của 1 trong 4 bảng account, ncc, mat_hang, nhomhang thì sẽ thực hiện lệnh  add index</a:t>
             </a:r>
             <a:r>
               <a:rPr lang="en-US" sz="2400" smtClean="0">
@@ -9698,23 +10452,8 @@
               <a:rPr lang="en-US" sz="2400">
                 <a:latin typeface="Palatino Linotype" panose="02040502050505030304" pitchFamily="18" charset="0"/>
               </a:rPr>
-              <a:t>nhận đầu vào là 2 tham số kiểu nguyên. Tham số đầu tiên đại diện cho id của tài khoản và tham số thứ 2 là trạng thái mới của tài khoản. (1 là online, 0 là offline, -1 là deleted</a:t>
-            </a:r>
-            <a:r>
-              <a:rPr lang="en-US" sz="2400">
-                <a:latin typeface="Palatino Linotype" panose="02040502050505030304" pitchFamily="18" charset="0"/>
-              </a:rPr>
-              <a:t>) </a:t>
-            </a:r>
-            <a:r>
-              <a:rPr lang="en-US" sz="2400">
-                <a:latin typeface="Palatino Linotype" panose="02040502050505030304" pitchFamily="18" charset="0"/>
-              </a:rPr>
-              <a:t>.</a:t>
-            </a:r>
-            <a:endParaRPr lang="en-US" sz="2400">
-              <a:latin typeface="Palatino Linotype" panose="02040502050505030304" pitchFamily="18" charset="0"/>
-            </a:endParaRPr>
+              <a:t>nhận đầu vào là 2 tham số kiểu nguyên. Tham số đầu tiên đại diện cho id của tài khoản và tham số thứ 2 là trạng thái mới của tài khoản. (1 là online, 0 là offline, -1 là deleted) .</a:t>
+            </a:r>
           </a:p>
         </p:txBody>
       </p:sp>
@@ -9895,13 +10634,7 @@
               <a:rPr lang="en-US" smtClean="0">
                 <a:latin typeface="Palatino Linotype" panose="02040502050505030304" pitchFamily="18" charset="0"/>
               </a:rPr>
-              <a:t>Phần </a:t>
-            </a:r>
-            <a:r>
-              <a:rPr lang="en-US" smtClean="0">
-                <a:latin typeface="Palatino Linotype" panose="02040502050505030304" pitchFamily="18" charset="0"/>
-              </a:rPr>
-              <a:t>3: Giới thiệu ứng dụng.</a:t>
+              <a:t>Phần 3: Xây dựng ứng dụng.</a:t>
             </a:r>
             <a:endParaRPr lang="en-US">
               <a:latin typeface="Palatino Linotype" panose="02040502050505030304" pitchFamily="18" charset="0"/>
@@ -9939,6 +10672,294 @@
     <p:extLst>
       <p:ext uri="{BB962C8B-B14F-4D97-AF65-F5344CB8AC3E}">
         <p14:creationId xmlns:p14="http://schemas.microsoft.com/office/powerpoint/2010/main" val="3423261724"/>
+      </p:ext>
+    </p:extLst>
+  </p:cSld>
+  <p:clrMapOvr>
+    <a:masterClrMapping/>
+  </p:clrMapOvr>
+  <p:timing>
+    <p:tnLst>
+      <p:par>
+        <p:cTn id="1" dur="indefinite" restart="never" nodeType="tmRoot"/>
+      </p:par>
+    </p:tnLst>
+  </p:timing>
+</p:sld>
+</file>
+
+<file path=ppt/slides/slide18.xml><?xml version="1.0" encoding="utf-8"?>
+<p:sld xmlns:a="http://schemas.openxmlformats.org/drawingml/2006/main" xmlns:r="http://schemas.openxmlformats.org/officeDocument/2006/relationships" xmlns:p="http://schemas.openxmlformats.org/presentationml/2006/main">
+  <p:cSld>
+    <p:spTree>
+      <p:nvGrpSpPr>
+        <p:cNvPr id="1" name=""/>
+        <p:cNvGrpSpPr/>
+        <p:nvPr/>
+      </p:nvGrpSpPr>
+      <p:grpSpPr>
+        <a:xfrm>
+          <a:off x="0" y="0"/>
+          <a:ext cx="0" cy="0"/>
+          <a:chOff x="0" y="0"/>
+          <a:chExt cx="0" cy="0"/>
+        </a:xfrm>
+      </p:grpSpPr>
+      <p:sp>
+        <p:nvSpPr>
+          <p:cNvPr id="2" name="Title 1"/>
+          <p:cNvSpPr>
+            <a:spLocks noGrp="1"/>
+          </p:cNvSpPr>
+          <p:nvPr>
+            <p:ph type="title"/>
+          </p:nvPr>
+        </p:nvSpPr>
+        <p:spPr/>
+        <p:txBody>
+          <a:bodyPr/>
+          <a:lstStyle/>
+          <a:p>
+            <a:r>
+              <a:rPr lang="en-US" smtClean="0">
+                <a:latin typeface="Palatino Linotype" panose="02040502050505030304" pitchFamily="18" charset="0"/>
+              </a:rPr>
+              <a:t>Phần 3: Xây dựng ứng dụng.</a:t>
+            </a:r>
+            <a:endParaRPr lang="en-US">
+              <a:latin typeface="Palatino Linotype" panose="02040502050505030304" pitchFamily="18" charset="0"/>
+            </a:endParaRPr>
+          </a:p>
+        </p:txBody>
+      </p:sp>
+      <p:pic>
+        <p:nvPicPr>
+          <p:cNvPr id="1026" name="Picture 2" descr="màn hình đăng nhập tài khoản.png"/>
+          <p:cNvPicPr>
+            <a:picLocks noGrp="1" noChangeAspect="1" noChangeArrowheads="1"/>
+          </p:cNvPicPr>
+          <p:nvPr>
+            <p:ph idx="1"/>
+          </p:nvPr>
+        </p:nvPicPr>
+        <p:blipFill>
+          <a:blip r:embed="rId3">
+            <a:extLst>
+              <a:ext uri="{28A0092B-C50C-407E-A947-70E740481C1C}">
+                <a14:useLocalDpi xmlns:a14="http://schemas.microsoft.com/office/drawing/2010/main" val="0"/>
+              </a:ext>
+            </a:extLst>
+          </a:blip>
+          <a:srcRect/>
+          <a:stretch>
+            <a:fillRect/>
+          </a:stretch>
+        </p:blipFill>
+        <p:spPr bwMode="auto">
+          <a:xfrm>
+            <a:off x="3486110" y="2194613"/>
+            <a:ext cx="5421407" cy="2564967"/>
+          </a:xfrm>
+          <a:prstGeom prst="rect">
+            <a:avLst/>
+          </a:prstGeom>
+          <a:noFill/>
+          <a:extLst>
+            <a:ext uri="{909E8E84-426E-40DD-AFC4-6F175D3DCCD1}">
+              <a14:hiddenFill xmlns:a14="http://schemas.microsoft.com/office/drawing/2010/main">
+                <a:solidFill>
+                  <a:srgbClr val="FFFFFF"/>
+                </a:solidFill>
+              </a14:hiddenFill>
+            </a:ext>
+          </a:extLst>
+        </p:spPr>
+      </p:pic>
+      <p:sp>
+        <p:nvSpPr>
+          <p:cNvPr id="6" name="TextBox 5"/>
+          <p:cNvSpPr txBox="1"/>
+          <p:nvPr/>
+        </p:nvSpPr>
+        <p:spPr>
+          <a:xfrm>
+            <a:off x="3208600" y="5218387"/>
+            <a:ext cx="8229600" cy="369332"/>
+          </a:xfrm>
+          <a:prstGeom prst="rect">
+            <a:avLst/>
+          </a:prstGeom>
+          <a:noFill/>
+        </p:spPr>
+        <p:txBody>
+          <a:bodyPr wrap="square" rtlCol="0">
+            <a:spAutoFit/>
+          </a:bodyPr>
+          <a:lstStyle/>
+          <a:p>
+            <a:r>
+              <a:rPr lang="en-US" smtClean="0">
+                <a:latin typeface="Palatino Linotype" panose="02040502050505030304" pitchFamily="18" charset="0"/>
+              </a:rPr>
+              <a:t>Phần giao diện liên quan đến đăng nhập của người dùng.</a:t>
+            </a:r>
+            <a:endParaRPr lang="en-US">
+              <a:latin typeface="Palatino Linotype" panose="02040502050505030304" pitchFamily="18" charset="0"/>
+            </a:endParaRPr>
+          </a:p>
+        </p:txBody>
+      </p:sp>
+    </p:spTree>
+    <p:extLst>
+      <p:ext uri="{BB962C8B-B14F-4D97-AF65-F5344CB8AC3E}">
+        <p14:creationId xmlns:p14="http://schemas.microsoft.com/office/powerpoint/2010/main" val="4104415139"/>
+      </p:ext>
+    </p:extLst>
+  </p:cSld>
+  <p:clrMapOvr>
+    <a:masterClrMapping/>
+  </p:clrMapOvr>
+  <p:timing>
+    <p:tnLst>
+      <p:par>
+        <p:cTn id="1" dur="indefinite" restart="never" nodeType="tmRoot"/>
+      </p:par>
+    </p:tnLst>
+  </p:timing>
+</p:sld>
+</file>
+
+<file path=ppt/slides/slide19.xml><?xml version="1.0" encoding="utf-8"?>
+<p:sld xmlns:a="http://schemas.openxmlformats.org/drawingml/2006/main" xmlns:r="http://schemas.openxmlformats.org/officeDocument/2006/relationships" xmlns:p="http://schemas.openxmlformats.org/presentationml/2006/main">
+  <p:cSld>
+    <p:spTree>
+      <p:nvGrpSpPr>
+        <p:cNvPr id="1" name=""/>
+        <p:cNvGrpSpPr/>
+        <p:nvPr/>
+      </p:nvGrpSpPr>
+      <p:grpSpPr>
+        <a:xfrm>
+          <a:off x="0" y="0"/>
+          <a:ext cx="0" cy="0"/>
+          <a:chOff x="0" y="0"/>
+          <a:chExt cx="0" cy="0"/>
+        </a:xfrm>
+      </p:grpSpPr>
+      <p:sp>
+        <p:nvSpPr>
+          <p:cNvPr id="2" name="Title 1"/>
+          <p:cNvSpPr>
+            <a:spLocks noGrp="1"/>
+          </p:cNvSpPr>
+          <p:nvPr>
+            <p:ph type="title"/>
+          </p:nvPr>
+        </p:nvSpPr>
+        <p:spPr/>
+        <p:txBody>
+          <a:bodyPr/>
+          <a:lstStyle/>
+          <a:p>
+            <a:r>
+              <a:rPr lang="en-US" smtClean="0">
+                <a:latin typeface="Palatino Linotype" panose="02040502050505030304" pitchFamily="18" charset="0"/>
+              </a:rPr>
+              <a:t>Phần 3: Xây dựng ứng dụng.</a:t>
+            </a:r>
+            <a:endParaRPr lang="en-US">
+              <a:latin typeface="Palatino Linotype" panose="02040502050505030304" pitchFamily="18" charset="0"/>
+            </a:endParaRPr>
+          </a:p>
+        </p:txBody>
+      </p:sp>
+      <p:sp>
+        <p:nvSpPr>
+          <p:cNvPr id="6" name="TextBox 5"/>
+          <p:cNvSpPr txBox="1"/>
+          <p:nvPr/>
+        </p:nvSpPr>
+        <p:spPr>
+          <a:xfrm>
+            <a:off x="3571206" y="5691352"/>
+            <a:ext cx="8229600" cy="369332"/>
+          </a:xfrm>
+          <a:prstGeom prst="rect">
+            <a:avLst/>
+          </a:prstGeom>
+          <a:noFill/>
+        </p:spPr>
+        <p:txBody>
+          <a:bodyPr wrap="square" rtlCol="0">
+            <a:spAutoFit/>
+          </a:bodyPr>
+          <a:lstStyle/>
+          <a:p>
+            <a:r>
+              <a:rPr lang="en-US" smtClean="0">
+                <a:latin typeface="Palatino Linotype" panose="02040502050505030304" pitchFamily="18" charset="0"/>
+              </a:rPr>
+              <a:t>Phần giao diện </a:t>
+            </a:r>
+            <a:r>
+              <a:rPr lang="en-US" smtClean="0">
+                <a:latin typeface="Palatino Linotype" panose="02040502050505030304" pitchFamily="18" charset="0"/>
+              </a:rPr>
+              <a:t>chọn các chứn năng quản lý.</a:t>
+            </a:r>
+            <a:endParaRPr lang="en-US">
+              <a:latin typeface="Palatino Linotype" panose="02040502050505030304" pitchFamily="18" charset="0"/>
+            </a:endParaRPr>
+          </a:p>
+        </p:txBody>
+      </p:sp>
+      <p:pic>
+        <p:nvPicPr>
+          <p:cNvPr id="1026" name="Picture 2" descr="màn hình store manager.png"/>
+          <p:cNvPicPr>
+            <a:picLocks noGrp="1" noChangeAspect="1" noChangeArrowheads="1"/>
+          </p:cNvPicPr>
+          <p:nvPr>
+            <p:ph idx="1"/>
+          </p:nvPr>
+        </p:nvPicPr>
+        <p:blipFill>
+          <a:blip r:embed="rId3">
+            <a:extLst>
+              <a:ext uri="{28A0092B-C50C-407E-A947-70E740481C1C}">
+                <a14:useLocalDpi xmlns:a14="http://schemas.microsoft.com/office/drawing/2010/main" val="0"/>
+              </a:ext>
+            </a:extLst>
+          </a:blip>
+          <a:srcRect/>
+          <a:stretch>
+            <a:fillRect/>
+          </a:stretch>
+        </p:blipFill>
+        <p:spPr bwMode="auto">
+          <a:xfrm>
+            <a:off x="3044715" y="1853247"/>
+            <a:ext cx="5878568" cy="3669985"/>
+          </a:xfrm>
+          <a:prstGeom prst="rect">
+            <a:avLst/>
+          </a:prstGeom>
+          <a:noFill/>
+          <a:extLst>
+            <a:ext uri="{909E8E84-426E-40DD-AFC4-6F175D3DCCD1}">
+              <a14:hiddenFill xmlns:a14="http://schemas.microsoft.com/office/drawing/2010/main">
+                <a:solidFill>
+                  <a:srgbClr val="FFFFFF"/>
+                </a:solidFill>
+              </a14:hiddenFill>
+            </a:ext>
+          </a:extLst>
+        </p:spPr>
+      </p:pic>
+    </p:spTree>
+    <p:extLst>
+      <p:ext uri="{BB962C8B-B14F-4D97-AF65-F5344CB8AC3E}">
+        <p14:creationId xmlns:p14="http://schemas.microsoft.com/office/powerpoint/2010/main" val="3688964667"/>
       </p:ext>
     </p:extLst>
   </p:cSld>
@@ -10012,7 +11033,7 @@
         <p:spPr/>
         <p:txBody>
           <a:bodyPr>
-            <a:normAutofit/>
+            <a:normAutofit fontScale="92500" lnSpcReduction="20000"/>
           </a:bodyPr>
           <a:lstStyle/>
           <a:p>
@@ -10061,7 +11082,45 @@
               <a:rPr lang="en-US" sz="2800" smtClean="0">
                 <a:latin typeface="Palatino Linotype" panose="02040502050505030304" pitchFamily="18" charset="0"/>
               </a:rPr>
-              <a:t>Phần 3: Giới thiệu sản phẩm.</a:t>
+              <a:t>Phần 3: Thiết kế, xây dựng phần mềm.</a:t>
+            </a:r>
+          </a:p>
+          <a:p>
+            <a:pPr marL="457200" lvl="1" indent="0">
+              <a:buNone/>
+            </a:pPr>
+            <a:endParaRPr lang="en-US" sz="2800" smtClean="0">
+              <a:latin typeface="Palatino Linotype" panose="02040502050505030304" pitchFamily="18" charset="0"/>
+            </a:endParaRPr>
+          </a:p>
+          <a:p>
+            <a:pPr marL="457200" lvl="1" indent="0">
+              <a:buNone/>
+            </a:pPr>
+            <a:r>
+              <a:rPr lang="en-US" sz="2800" smtClean="0">
+                <a:latin typeface="Palatino Linotype" panose="02040502050505030304" pitchFamily="18" charset="0"/>
+              </a:rPr>
+              <a:t>Phần 4: Giới thiệu sản phẩm.</a:t>
+            </a:r>
+          </a:p>
+          <a:p>
+            <a:pPr marL="457200" lvl="1" indent="0">
+              <a:buNone/>
+            </a:pPr>
+            <a:endParaRPr lang="en-US" sz="2800" smtClean="0">
+              <a:latin typeface="Palatino Linotype" panose="02040502050505030304" pitchFamily="18" charset="0"/>
+            </a:endParaRPr>
+          </a:p>
+          <a:p>
+            <a:pPr marL="457200" lvl="1" indent="0">
+              <a:buNone/>
+            </a:pPr>
+            <a:r>
+              <a:rPr lang="en-US" sz="2800" smtClean="0">
+                <a:latin typeface="Palatino Linotype" panose="02040502050505030304" pitchFamily="18" charset="0"/>
+              </a:rPr>
+              <a:t>Phần 5: Hướng phát triển phần mềm.</a:t>
             </a:r>
           </a:p>
           <a:p>
@@ -10085,6 +11144,685 @@
   <p:clrMapOvr>
     <a:masterClrMapping/>
   </p:clrMapOvr>
+  <p:timing>
+    <p:tnLst>
+      <p:par>
+        <p:cTn id="1" dur="indefinite" restart="never" nodeType="tmRoot"/>
+      </p:par>
+    </p:tnLst>
+  </p:timing>
+</p:sld>
+</file>
+
+<file path=ppt/slides/slide20.xml><?xml version="1.0" encoding="utf-8"?>
+<p:sld xmlns:a="http://schemas.openxmlformats.org/drawingml/2006/main" xmlns:r="http://schemas.openxmlformats.org/officeDocument/2006/relationships" xmlns:p="http://schemas.openxmlformats.org/presentationml/2006/main">
+  <p:cSld>
+    <p:spTree>
+      <p:nvGrpSpPr>
+        <p:cNvPr id="1" name=""/>
+        <p:cNvGrpSpPr/>
+        <p:nvPr/>
+      </p:nvGrpSpPr>
+      <p:grpSpPr>
+        <a:xfrm>
+          <a:off x="0" y="0"/>
+          <a:ext cx="0" cy="0"/>
+          <a:chOff x="0" y="0"/>
+          <a:chExt cx="0" cy="0"/>
+        </a:xfrm>
+      </p:grpSpPr>
+      <p:sp>
+        <p:nvSpPr>
+          <p:cNvPr id="2" name="Title 1"/>
+          <p:cNvSpPr>
+            <a:spLocks noGrp="1"/>
+          </p:cNvSpPr>
+          <p:nvPr>
+            <p:ph type="title"/>
+          </p:nvPr>
+        </p:nvSpPr>
+        <p:spPr/>
+        <p:txBody>
+          <a:bodyPr/>
+          <a:lstStyle/>
+          <a:p>
+            <a:r>
+              <a:rPr lang="en-US" smtClean="0">
+                <a:latin typeface="Palatino Linotype" panose="02040502050505030304" pitchFamily="18" charset="0"/>
+              </a:rPr>
+              <a:t>Phần 3: Xây dựng ứng dụng.</a:t>
+            </a:r>
+            <a:endParaRPr lang="en-US">
+              <a:latin typeface="Palatino Linotype" panose="02040502050505030304" pitchFamily="18" charset="0"/>
+            </a:endParaRPr>
+          </a:p>
+        </p:txBody>
+      </p:sp>
+      <p:sp>
+        <p:nvSpPr>
+          <p:cNvPr id="6" name="TextBox 5"/>
+          <p:cNvSpPr txBox="1"/>
+          <p:nvPr/>
+        </p:nvSpPr>
+        <p:spPr>
+          <a:xfrm>
+            <a:off x="1504417" y="5691353"/>
+            <a:ext cx="9113975" cy="369332"/>
+          </a:xfrm>
+          <a:prstGeom prst="rect">
+            <a:avLst/>
+          </a:prstGeom>
+          <a:noFill/>
+        </p:spPr>
+        <p:txBody>
+          <a:bodyPr wrap="square" rtlCol="0">
+            <a:spAutoFit/>
+          </a:bodyPr>
+          <a:lstStyle/>
+          <a:p>
+            <a:r>
+              <a:rPr lang="en-US" smtClean="0">
+                <a:latin typeface="Palatino Linotype" panose="02040502050505030304" pitchFamily="18" charset="0"/>
+              </a:rPr>
+              <a:t>Phần giao diện liên quan đến các chức năng thanh toán, đưa ra các thông tin dạng bảng.</a:t>
+            </a:r>
+            <a:endParaRPr lang="en-US">
+              <a:latin typeface="Palatino Linotype" panose="02040502050505030304" pitchFamily="18" charset="0"/>
+            </a:endParaRPr>
+          </a:p>
+        </p:txBody>
+      </p:sp>
+      <p:pic>
+        <p:nvPicPr>
+          <p:cNvPr id="3074" name="Picture 2" descr="màn hình tính tiền.png"/>
+          <p:cNvPicPr>
+            <a:picLocks noGrp="1" noChangeAspect="1" noChangeArrowheads="1"/>
+          </p:cNvPicPr>
+          <p:nvPr>
+            <p:ph idx="1"/>
+          </p:nvPr>
+        </p:nvPicPr>
+        <p:blipFill>
+          <a:blip r:embed="rId3">
+            <a:extLst>
+              <a:ext uri="{28A0092B-C50C-407E-A947-70E740481C1C}">
+                <a14:useLocalDpi xmlns:a14="http://schemas.microsoft.com/office/drawing/2010/main" val="0"/>
+              </a:ext>
+            </a:extLst>
+          </a:blip>
+          <a:srcRect/>
+          <a:stretch>
+            <a:fillRect/>
+          </a:stretch>
+        </p:blipFill>
+        <p:spPr bwMode="auto">
+          <a:xfrm>
+            <a:off x="1977383" y="1311659"/>
+            <a:ext cx="7861160" cy="4195762"/>
+          </a:xfrm>
+          <a:prstGeom prst="rect">
+            <a:avLst/>
+          </a:prstGeom>
+          <a:noFill/>
+          <a:extLst>
+            <a:ext uri="{909E8E84-426E-40DD-AFC4-6F175D3DCCD1}">
+              <a14:hiddenFill xmlns:a14="http://schemas.microsoft.com/office/drawing/2010/main">
+                <a:solidFill>
+                  <a:srgbClr val="FFFFFF"/>
+                </a:solidFill>
+              </a14:hiddenFill>
+            </a:ext>
+          </a:extLst>
+        </p:spPr>
+      </p:pic>
+    </p:spTree>
+    <p:extLst>
+      <p:ext uri="{BB962C8B-B14F-4D97-AF65-F5344CB8AC3E}">
+        <p14:creationId xmlns:p14="http://schemas.microsoft.com/office/powerpoint/2010/main" val="435639022"/>
+      </p:ext>
+    </p:extLst>
+  </p:cSld>
+  <p:clrMapOvr>
+    <a:masterClrMapping/>
+  </p:clrMapOvr>
+  <p:timing>
+    <p:tnLst>
+      <p:par>
+        <p:cTn id="1" dur="indefinite" restart="never" nodeType="tmRoot"/>
+      </p:par>
+    </p:tnLst>
+  </p:timing>
+</p:sld>
+</file>
+
+<file path=ppt/slides/slide21.xml><?xml version="1.0" encoding="utf-8"?>
+<p:sld xmlns:a="http://schemas.openxmlformats.org/drawingml/2006/main" xmlns:r="http://schemas.openxmlformats.org/officeDocument/2006/relationships" xmlns:p="http://schemas.openxmlformats.org/presentationml/2006/main">
+  <p:cSld>
+    <p:spTree>
+      <p:nvGrpSpPr>
+        <p:cNvPr id="1" name=""/>
+        <p:cNvGrpSpPr/>
+        <p:nvPr/>
+      </p:nvGrpSpPr>
+      <p:grpSpPr>
+        <a:xfrm>
+          <a:off x="0" y="0"/>
+          <a:ext cx="0" cy="0"/>
+          <a:chOff x="0" y="0"/>
+          <a:chExt cx="0" cy="0"/>
+        </a:xfrm>
+      </p:grpSpPr>
+      <p:sp>
+        <p:nvSpPr>
+          <p:cNvPr id="2" name="Title 1"/>
+          <p:cNvSpPr>
+            <a:spLocks noGrp="1"/>
+          </p:cNvSpPr>
+          <p:nvPr>
+            <p:ph type="title"/>
+          </p:nvPr>
+        </p:nvSpPr>
+        <p:spPr/>
+        <p:txBody>
+          <a:bodyPr/>
+          <a:lstStyle/>
+          <a:p>
+            <a:r>
+              <a:rPr lang="en-US">
+                <a:latin typeface="Palatino Linotype" panose="02040502050505030304" pitchFamily="18" charset="0"/>
+              </a:rPr>
+              <a:t>Phần 3: Xây dựng ứng dụng.</a:t>
+            </a:r>
+          </a:p>
+        </p:txBody>
+      </p:sp>
+      <p:sp>
+        <p:nvSpPr>
+          <p:cNvPr id="3" name="Content Placeholder 2"/>
+          <p:cNvSpPr>
+            <a:spLocks noGrp="1"/>
+          </p:cNvSpPr>
+          <p:nvPr>
+            <p:ph idx="1"/>
+          </p:nvPr>
+        </p:nvSpPr>
+        <p:spPr/>
+        <p:txBody>
+          <a:bodyPr>
+            <a:normAutofit/>
+          </a:bodyPr>
+          <a:lstStyle/>
+          <a:p>
+            <a:pPr lvl="1">
+              <a:buFont typeface="Wingdings" panose="05000000000000000000" pitchFamily="2" charset="2"/>
+              <a:buChar char="v"/>
+            </a:pPr>
+            <a:r>
+              <a:rPr lang="en-US" sz="3200" smtClean="0">
+                <a:latin typeface="Palatino Linotype" panose="02040502050505030304" pitchFamily="18" charset="0"/>
+              </a:rPr>
+              <a:t>Kiến thức sử dụng.</a:t>
+            </a:r>
+          </a:p>
+          <a:p>
+            <a:pPr lvl="2">
+              <a:buFont typeface="Wingdings" panose="05000000000000000000" pitchFamily="2" charset="2"/>
+              <a:buChar char="v"/>
+            </a:pPr>
+            <a:r>
+              <a:rPr lang="en-US" sz="2800" smtClean="0">
+                <a:latin typeface="Palatino Linotype" panose="02040502050505030304" pitchFamily="18" charset="0"/>
+              </a:rPr>
+              <a:t>Lập trình hướng đối tượng.</a:t>
+            </a:r>
+          </a:p>
+          <a:p>
+            <a:pPr lvl="2">
+              <a:buFont typeface="Wingdings" panose="05000000000000000000" pitchFamily="2" charset="2"/>
+              <a:buChar char="v"/>
+            </a:pPr>
+            <a:r>
+              <a:rPr lang="en-US" sz="2800" smtClean="0">
+                <a:latin typeface="Palatino Linotype" panose="02040502050505030304" pitchFamily="18" charset="0"/>
+              </a:rPr>
+              <a:t>Ngôn ngữ lập trình Java.</a:t>
+            </a:r>
+          </a:p>
+          <a:p>
+            <a:pPr lvl="2">
+              <a:buFont typeface="Wingdings" panose="05000000000000000000" pitchFamily="2" charset="2"/>
+              <a:buChar char="v"/>
+            </a:pPr>
+            <a:r>
+              <a:rPr lang="en-US" sz="2800" smtClean="0">
+                <a:latin typeface="Palatino Linotype" panose="02040502050505030304" pitchFamily="18" charset="0"/>
+              </a:rPr>
+              <a:t>Thư viện đồ họa Swing.</a:t>
+            </a:r>
+          </a:p>
+          <a:p>
+            <a:pPr lvl="2">
+              <a:buFont typeface="Wingdings" panose="05000000000000000000" pitchFamily="2" charset="2"/>
+              <a:buChar char="v"/>
+            </a:pPr>
+            <a:r>
+              <a:rPr lang="en-US" sz="2800" smtClean="0">
+                <a:latin typeface="Palatino Linotype" panose="02040502050505030304" pitchFamily="18" charset="0"/>
+              </a:rPr>
+              <a:t>Kết nối cơ sở dữ liệu bằng JDBC.</a:t>
+            </a:r>
+          </a:p>
+          <a:p>
+            <a:pPr lvl="2">
+              <a:buFont typeface="Wingdings" panose="05000000000000000000" pitchFamily="2" charset="2"/>
+              <a:buChar char="v"/>
+            </a:pPr>
+            <a:r>
+              <a:rPr lang="en-US" sz="2800" smtClean="0">
+                <a:latin typeface="Palatino Linotype" panose="02040502050505030304" pitchFamily="18" charset="0"/>
+              </a:rPr>
+              <a:t>Gửi nhận dữ liệu qua mạng LAN sử dụng socket.</a:t>
+            </a:r>
+          </a:p>
+          <a:p>
+            <a:pPr lvl="2">
+              <a:buFont typeface="Wingdings" panose="05000000000000000000" pitchFamily="2" charset="2"/>
+              <a:buChar char="v"/>
+            </a:pPr>
+            <a:endParaRPr lang="en-US" sz="2400" smtClean="0">
+              <a:latin typeface="Palatino Linotype" panose="02040502050505030304" pitchFamily="18" charset="0"/>
+            </a:endParaRPr>
+          </a:p>
+        </p:txBody>
+      </p:sp>
+    </p:spTree>
+    <p:extLst>
+      <p:ext uri="{BB962C8B-B14F-4D97-AF65-F5344CB8AC3E}">
+        <p14:creationId xmlns:p14="http://schemas.microsoft.com/office/powerpoint/2010/main" val="3470720185"/>
+      </p:ext>
+    </p:extLst>
+  </p:cSld>
+  <p:clrMapOvr>
+    <a:masterClrMapping/>
+  </p:clrMapOvr>
+  <p:timing>
+    <p:tnLst>
+      <p:par>
+        <p:cTn id="1" dur="indefinite" restart="never" nodeType="tmRoot"/>
+      </p:par>
+    </p:tnLst>
+  </p:timing>
+</p:sld>
+</file>
+
+<file path=ppt/slides/slide22.xml><?xml version="1.0" encoding="utf-8"?>
+<p:sld xmlns:a="http://schemas.openxmlformats.org/drawingml/2006/main" xmlns:r="http://schemas.openxmlformats.org/officeDocument/2006/relationships" xmlns:p="http://schemas.openxmlformats.org/presentationml/2006/main">
+  <p:cSld>
+    <p:spTree>
+      <p:nvGrpSpPr>
+        <p:cNvPr id="1" name=""/>
+        <p:cNvGrpSpPr/>
+        <p:nvPr/>
+      </p:nvGrpSpPr>
+      <p:grpSpPr>
+        <a:xfrm>
+          <a:off x="0" y="0"/>
+          <a:ext cx="0" cy="0"/>
+          <a:chOff x="0" y="0"/>
+          <a:chExt cx="0" cy="0"/>
+        </a:xfrm>
+      </p:grpSpPr>
+      <p:sp>
+        <p:nvSpPr>
+          <p:cNvPr id="2" name="Title 1"/>
+          <p:cNvSpPr>
+            <a:spLocks noGrp="1"/>
+          </p:cNvSpPr>
+          <p:nvPr>
+            <p:ph type="title"/>
+          </p:nvPr>
+        </p:nvSpPr>
+        <p:spPr/>
+        <p:txBody>
+          <a:bodyPr/>
+          <a:lstStyle/>
+          <a:p>
+            <a:r>
+              <a:rPr lang="en-US" smtClean="0">
+                <a:latin typeface="Palatino Linotype" panose="02040502050505030304" pitchFamily="18" charset="0"/>
+              </a:rPr>
+              <a:t>Phần 4: Giới thiệu ứng dụng.</a:t>
+            </a:r>
+            <a:endParaRPr lang="en-US">
+              <a:latin typeface="Palatino Linotype" panose="02040502050505030304" pitchFamily="18" charset="0"/>
+            </a:endParaRPr>
+          </a:p>
+        </p:txBody>
+      </p:sp>
+      <p:sp>
+        <p:nvSpPr>
+          <p:cNvPr id="3" name="Content Placeholder 2"/>
+          <p:cNvSpPr>
+            <a:spLocks noGrp="1"/>
+          </p:cNvSpPr>
+          <p:nvPr>
+            <p:ph idx="1"/>
+          </p:nvPr>
+        </p:nvSpPr>
+        <p:spPr/>
+        <p:txBody>
+          <a:bodyPr>
+            <a:normAutofit/>
+          </a:bodyPr>
+          <a:lstStyle/>
+          <a:p>
+            <a:pPr marL="457200" lvl="1" indent="0">
+              <a:buNone/>
+            </a:pPr>
+            <a:endParaRPr lang="en-US" sz="2600" smtClean="0">
+              <a:latin typeface="Palatino Linotype" panose="02040502050505030304" pitchFamily="18" charset="0"/>
+            </a:endParaRPr>
+          </a:p>
+        </p:txBody>
+      </p:sp>
+    </p:spTree>
+    <p:extLst>
+      <p:ext uri="{BB962C8B-B14F-4D97-AF65-F5344CB8AC3E}">
+        <p14:creationId xmlns:p14="http://schemas.microsoft.com/office/powerpoint/2010/main" val="1733864808"/>
+      </p:ext>
+    </p:extLst>
+  </p:cSld>
+  <p:clrMapOvr>
+    <a:masterClrMapping/>
+  </p:clrMapOvr>
+  <p:timing>
+    <p:tnLst>
+      <p:par>
+        <p:cTn id="1" dur="indefinite" restart="never" nodeType="tmRoot"/>
+      </p:par>
+    </p:tnLst>
+  </p:timing>
+</p:sld>
+</file>
+
+<file path=ppt/slides/slide23.xml><?xml version="1.0" encoding="utf-8"?>
+<p:sld xmlns:a="http://schemas.openxmlformats.org/drawingml/2006/main" xmlns:r="http://schemas.openxmlformats.org/officeDocument/2006/relationships" xmlns:p="http://schemas.openxmlformats.org/presentationml/2006/main">
+  <p:cSld>
+    <p:spTree>
+      <p:nvGrpSpPr>
+        <p:cNvPr id="1" name=""/>
+        <p:cNvGrpSpPr/>
+        <p:nvPr/>
+      </p:nvGrpSpPr>
+      <p:grpSpPr>
+        <a:xfrm>
+          <a:off x="0" y="0"/>
+          <a:ext cx="0" cy="0"/>
+          <a:chOff x="0" y="0"/>
+          <a:chExt cx="0" cy="0"/>
+        </a:xfrm>
+      </p:grpSpPr>
+      <p:sp>
+        <p:nvSpPr>
+          <p:cNvPr id="2" name="Title 1"/>
+          <p:cNvSpPr>
+            <a:spLocks noGrp="1"/>
+          </p:cNvSpPr>
+          <p:nvPr>
+            <p:ph type="title"/>
+          </p:nvPr>
+        </p:nvSpPr>
+        <p:spPr/>
+        <p:txBody>
+          <a:bodyPr/>
+          <a:lstStyle/>
+          <a:p>
+            <a:r>
+              <a:rPr lang="en-US" smtClean="0">
+                <a:latin typeface="Palatino Linotype" panose="02040502050505030304" pitchFamily="18" charset="0"/>
+              </a:rPr>
+              <a:t>Phần </a:t>
+            </a:r>
+            <a:r>
+              <a:rPr lang="en-US">
+                <a:latin typeface="Palatino Linotype" panose="02040502050505030304" pitchFamily="18" charset="0"/>
+              </a:rPr>
+              <a:t>5</a:t>
+            </a:r>
+            <a:r>
+              <a:rPr lang="en-US" smtClean="0">
+                <a:latin typeface="Palatino Linotype" panose="02040502050505030304" pitchFamily="18" charset="0"/>
+              </a:rPr>
+              <a:t>: Hướng phát triển phần mềm.</a:t>
+            </a:r>
+            <a:endParaRPr lang="en-US">
+              <a:latin typeface="Palatino Linotype" panose="02040502050505030304" pitchFamily="18" charset="0"/>
+            </a:endParaRPr>
+          </a:p>
+        </p:txBody>
+      </p:sp>
+      <p:sp>
+        <p:nvSpPr>
+          <p:cNvPr id="3" name="Content Placeholder 2"/>
+          <p:cNvSpPr>
+            <a:spLocks noGrp="1"/>
+          </p:cNvSpPr>
+          <p:nvPr>
+            <p:ph idx="1"/>
+          </p:nvPr>
+        </p:nvSpPr>
+        <p:spPr/>
+        <p:txBody>
+          <a:bodyPr>
+            <a:normAutofit/>
+          </a:bodyPr>
+          <a:lstStyle/>
+          <a:p>
+            <a:pPr lvl="1">
+              <a:buFont typeface="Wingdings" panose="05000000000000000000" pitchFamily="2" charset="2"/>
+              <a:buChar char="v"/>
+            </a:pPr>
+            <a:r>
+              <a:rPr lang="en-US" sz="2600" smtClean="0">
+                <a:latin typeface="Palatino Linotype" panose="02040502050505030304" pitchFamily="18" charset="0"/>
+              </a:rPr>
+              <a:t>Hướng phát triển mở rộng của cơ sở dữ liệu.</a:t>
+            </a:r>
+          </a:p>
+          <a:p>
+            <a:pPr lvl="2">
+              <a:buFont typeface="Wingdings" panose="05000000000000000000" pitchFamily="2" charset="2"/>
+              <a:buChar char="v"/>
+            </a:pPr>
+            <a:r>
+              <a:rPr lang="en-US" sz="2400" smtClean="0">
+                <a:latin typeface="Palatino Linotype" panose="02040502050505030304" pitchFamily="18" charset="0"/>
+              </a:rPr>
+              <a:t>Tùy thuộc theo mục đích của mỗi của hàng. Cho phép quản lý thêm các trường dữ liệu cho phù hợp.</a:t>
+            </a:r>
+          </a:p>
+          <a:p>
+            <a:pPr lvl="2">
+              <a:buFont typeface="Wingdings" panose="05000000000000000000" pitchFamily="2" charset="2"/>
+              <a:buChar char="v"/>
+            </a:pPr>
+            <a:r>
+              <a:rPr lang="en-US" sz="2400" smtClean="0">
+                <a:latin typeface="Palatino Linotype" panose="02040502050505030304" pitchFamily="18" charset="0"/>
+              </a:rPr>
+              <a:t>Khi lượng dữ liệu trở nên lớn hơn thì ta có thể thuê sử dụng các máy chủ ảo, điện toán đám mây để làm tăng không gian lưu trữ cũng như hiệu năng phần cứng.</a:t>
+            </a:r>
+          </a:p>
+        </p:txBody>
+      </p:sp>
+    </p:spTree>
+    <p:extLst>
+      <p:ext uri="{BB962C8B-B14F-4D97-AF65-F5344CB8AC3E}">
+        <p14:creationId xmlns:p14="http://schemas.microsoft.com/office/powerpoint/2010/main" val="2142150559"/>
+      </p:ext>
+    </p:extLst>
+  </p:cSld>
+  <p:clrMapOvr>
+    <a:masterClrMapping/>
+  </p:clrMapOvr>
+  <p:timing>
+    <p:tnLst>
+      <p:par>
+        <p:cTn id="1" dur="indefinite" restart="never" nodeType="tmRoot"/>
+      </p:par>
+    </p:tnLst>
+  </p:timing>
+</p:sld>
+</file>
+
+<file path=ppt/slides/slide24.xml><?xml version="1.0" encoding="utf-8"?>
+<p:sld xmlns:a="http://schemas.openxmlformats.org/drawingml/2006/main" xmlns:r="http://schemas.openxmlformats.org/officeDocument/2006/relationships" xmlns:p="http://schemas.openxmlformats.org/presentationml/2006/main">
+  <p:cSld>
+    <p:spTree>
+      <p:nvGrpSpPr>
+        <p:cNvPr id="1" name=""/>
+        <p:cNvGrpSpPr/>
+        <p:nvPr/>
+      </p:nvGrpSpPr>
+      <p:grpSpPr>
+        <a:xfrm>
+          <a:off x="0" y="0"/>
+          <a:ext cx="0" cy="0"/>
+          <a:chOff x="0" y="0"/>
+          <a:chExt cx="0" cy="0"/>
+        </a:xfrm>
+      </p:grpSpPr>
+      <p:sp>
+        <p:nvSpPr>
+          <p:cNvPr id="2" name="Title 1"/>
+          <p:cNvSpPr>
+            <a:spLocks noGrp="1"/>
+          </p:cNvSpPr>
+          <p:nvPr>
+            <p:ph type="title"/>
+          </p:nvPr>
+        </p:nvSpPr>
+        <p:spPr/>
+        <p:txBody>
+          <a:bodyPr/>
+          <a:lstStyle/>
+          <a:p>
+            <a:r>
+              <a:rPr lang="en-US" smtClean="0">
+                <a:latin typeface="Palatino Linotype" panose="02040502050505030304" pitchFamily="18" charset="0"/>
+              </a:rPr>
+              <a:t>Phần </a:t>
+            </a:r>
+            <a:r>
+              <a:rPr lang="en-US">
+                <a:latin typeface="Palatino Linotype" panose="02040502050505030304" pitchFamily="18" charset="0"/>
+              </a:rPr>
+              <a:t>5</a:t>
+            </a:r>
+            <a:r>
+              <a:rPr lang="en-US" smtClean="0">
+                <a:latin typeface="Palatino Linotype" panose="02040502050505030304" pitchFamily="18" charset="0"/>
+              </a:rPr>
+              <a:t>: Hướng phát triển phần mềm.</a:t>
+            </a:r>
+            <a:endParaRPr lang="en-US">
+              <a:latin typeface="Palatino Linotype" panose="02040502050505030304" pitchFamily="18" charset="0"/>
+            </a:endParaRPr>
+          </a:p>
+        </p:txBody>
+      </p:sp>
+      <p:sp>
+        <p:nvSpPr>
+          <p:cNvPr id="3" name="Content Placeholder 2"/>
+          <p:cNvSpPr>
+            <a:spLocks noGrp="1"/>
+          </p:cNvSpPr>
+          <p:nvPr>
+            <p:ph idx="1"/>
+          </p:nvPr>
+        </p:nvSpPr>
+        <p:spPr/>
+        <p:txBody>
+          <a:bodyPr>
+            <a:normAutofit/>
+          </a:bodyPr>
+          <a:lstStyle/>
+          <a:p>
+            <a:pPr lvl="1">
+              <a:buFont typeface="Wingdings" panose="05000000000000000000" pitchFamily="2" charset="2"/>
+              <a:buChar char="v"/>
+            </a:pPr>
+            <a:r>
+              <a:rPr lang="en-US" sz="2600" smtClean="0">
+                <a:latin typeface="Palatino Linotype" panose="02040502050505030304" pitchFamily="18" charset="0"/>
+              </a:rPr>
+              <a:t>Hướng phát triển chức năng của phần mềm.</a:t>
+            </a:r>
+          </a:p>
+          <a:p>
+            <a:pPr lvl="2">
+              <a:buFont typeface="Wingdings" panose="05000000000000000000" pitchFamily="2" charset="2"/>
+              <a:buChar char="v"/>
+            </a:pPr>
+            <a:r>
+              <a:rPr lang="en-US" sz="2400" smtClean="0">
+                <a:latin typeface="Palatino Linotype" panose="02040502050505030304" pitchFamily="18" charset="0"/>
+              </a:rPr>
+              <a:t>Phần mềm sẽ cần phải mở rộng them các chức năng để phù hợp với nhiều loại cửa hàng hơn.</a:t>
+            </a:r>
+          </a:p>
+          <a:p>
+            <a:pPr lvl="2">
+              <a:buFont typeface="Wingdings" panose="05000000000000000000" pitchFamily="2" charset="2"/>
+              <a:buChar char="v"/>
+            </a:pPr>
+            <a:r>
+              <a:rPr lang="en-US" sz="2400" smtClean="0">
+                <a:latin typeface="Palatino Linotype" panose="02040502050505030304" pitchFamily="18" charset="0"/>
+              </a:rPr>
+              <a:t>Phát triển chức năng online để một cửa hàng có nhiều chi nhánh thì vẫn đồng nhất được một cơ sở dữ liệu.</a:t>
+            </a:r>
+          </a:p>
+          <a:p>
+            <a:pPr lvl="2">
+              <a:buFont typeface="Wingdings" panose="05000000000000000000" pitchFamily="2" charset="2"/>
+              <a:buChar char="v"/>
+            </a:pPr>
+            <a:r>
+              <a:rPr lang="en-US" sz="2400" smtClean="0">
+                <a:latin typeface="Palatino Linotype" panose="02040502050505030304" pitchFamily="18" charset="0"/>
+              </a:rPr>
+              <a:t>Phát triển thêm chức năng để người mua cũng có thể xem sản phẩm.</a:t>
+            </a:r>
+          </a:p>
+          <a:p>
+            <a:pPr lvl="2">
+              <a:buFont typeface="Wingdings" panose="05000000000000000000" pitchFamily="2" charset="2"/>
+              <a:buChar char="v"/>
+            </a:pPr>
+            <a:endParaRPr lang="en-US" sz="2400" smtClean="0">
+              <a:latin typeface="Palatino Linotype" panose="02040502050505030304" pitchFamily="18" charset="0"/>
+            </a:endParaRPr>
+          </a:p>
+        </p:txBody>
+      </p:sp>
+    </p:spTree>
+    <p:extLst>
+      <p:ext uri="{BB962C8B-B14F-4D97-AF65-F5344CB8AC3E}">
+        <p14:creationId xmlns:p14="http://schemas.microsoft.com/office/powerpoint/2010/main" val="3226113422"/>
+      </p:ext>
+    </p:extLst>
+  </p:cSld>
+  <p:clrMapOvr>
+    <a:masterClrMapping/>
+  </p:clrMapOvr>
+  <p:timing>
+    <p:tnLst>
+      <p:par>
+        <p:cTn id="1" dur="indefinite" restart="never" nodeType="tmRoot"/>
+      </p:par>
+    </p:tnLst>
+  </p:timing>
 </p:sld>
 </file>
 

--- a/Slide.pptx
+++ b/Slide.pptx
@@ -220,7 +220,7 @@
           <a:p>
             <a:fld id="{636539AC-B433-4144-BF82-571F8E79E096}" type="datetimeFigureOut">
               <a:rPr lang="en-US" smtClean="0"/>
-              <a:t>7/12/2015</a:t>
+              <a:t>9/12/2015</a:t>
             </a:fld>
             <a:endParaRPr lang="en-US"/>
           </a:p>
@@ -3133,7 +3133,7 @@
           <a:p>
             <a:fld id="{4AAD347D-5ACD-4C99-B74B-A9C85AD731AF}" type="datetimeFigureOut">
               <a:rPr lang="en-US" dirty="0"/>
-              <a:t>7/12/2015</a:t>
+              <a:t>9/12/2015</a:t>
             </a:fld>
             <a:endParaRPr lang="en-US" dirty="0"/>
           </a:p>
@@ -3403,7 +3403,7 @@
           <a:p>
             <a:fld id="{4509A250-FF31-4206-8172-F9D3106AACB1}" type="datetimeFigureOut">
               <a:rPr lang="en-US" dirty="0"/>
-              <a:t>7/12/2015</a:t>
+              <a:t>9/12/2015</a:t>
             </a:fld>
             <a:endParaRPr lang="en-US" dirty="0"/>
           </a:p>
@@ -3592,7 +3592,7 @@
           <a:p>
             <a:fld id="{4509A250-FF31-4206-8172-F9D3106AACB1}" type="datetimeFigureOut">
               <a:rPr lang="en-US" dirty="0"/>
-              <a:t>7/12/2015</a:t>
+              <a:t>9/12/2015</a:t>
             </a:fld>
             <a:endParaRPr lang="en-US" dirty="0"/>
           </a:p>
@@ -3860,7 +3860,7 @@
           <a:p>
             <a:fld id="{4509A250-FF31-4206-8172-F9D3106AACB1}" type="datetimeFigureOut">
               <a:rPr lang="en-US" dirty="0"/>
-              <a:t>7/12/2015</a:t>
+              <a:t>9/12/2015</a:t>
             </a:fld>
             <a:endParaRPr lang="en-US" dirty="0"/>
           </a:p>
@@ -4196,7 +4196,7 @@
           <a:p>
             <a:fld id="{4509A250-FF31-4206-8172-F9D3106AACB1}" type="datetimeFigureOut">
               <a:rPr lang="en-US" dirty="0"/>
-              <a:t>7/12/2015</a:t>
+              <a:t>9/12/2015</a:t>
             </a:fld>
             <a:endParaRPr lang="en-US" dirty="0"/>
           </a:p>
@@ -4814,7 +4814,7 @@
           <a:p>
             <a:fld id="{4509A250-FF31-4206-8172-F9D3106AACB1}" type="datetimeFigureOut">
               <a:rPr lang="en-US" dirty="0"/>
-              <a:t>7/12/2015</a:t>
+              <a:t>9/12/2015</a:t>
             </a:fld>
             <a:endParaRPr lang="en-US" dirty="0"/>
           </a:p>
@@ -5669,7 +5669,7 @@
           <a:p>
             <a:fld id="{4509A250-FF31-4206-8172-F9D3106AACB1}" type="datetimeFigureOut">
               <a:rPr lang="en-US" dirty="0"/>
-              <a:t>7/12/2015</a:t>
+              <a:t>9/12/2015</a:t>
             </a:fld>
             <a:endParaRPr lang="en-US" dirty="0"/>
           </a:p>
@@ -5834,7 +5834,7 @@
           <a:p>
             <a:fld id="{4509A250-FF31-4206-8172-F9D3106AACB1}" type="datetimeFigureOut">
               <a:rPr lang="en-US" dirty="0"/>
-              <a:t>7/12/2015</a:t>
+              <a:t>9/12/2015</a:t>
             </a:fld>
             <a:endParaRPr lang="en-US" dirty="0"/>
           </a:p>
@@ -6009,7 +6009,7 @@
           <a:p>
             <a:fld id="{4509A250-FF31-4206-8172-F9D3106AACB1}" type="datetimeFigureOut">
               <a:rPr lang="en-US" dirty="0"/>
-              <a:t>7/12/2015</a:t>
+              <a:t>9/12/2015</a:t>
             </a:fld>
             <a:endParaRPr lang="en-US" dirty="0"/>
           </a:p>
@@ -6174,7 +6174,7 @@
           <a:p>
             <a:fld id="{4509A250-FF31-4206-8172-F9D3106AACB1}" type="datetimeFigureOut">
               <a:rPr lang="en-US" dirty="0"/>
-              <a:t>7/12/2015</a:t>
+              <a:t>9/12/2015</a:t>
             </a:fld>
             <a:endParaRPr lang="en-US" dirty="0"/>
           </a:p>
@@ -6416,7 +6416,7 @@
           <a:p>
             <a:fld id="{9796027F-7875-4030-9381-8BD8C4F21935}" type="datetimeFigureOut">
               <a:rPr lang="en-US" dirty="0"/>
-              <a:t>7/12/2015</a:t>
+              <a:t>9/12/2015</a:t>
             </a:fld>
             <a:endParaRPr lang="en-US" dirty="0"/>
           </a:p>
@@ -6703,7 +6703,7 @@
           <a:p>
             <a:fld id="{9796027F-7875-4030-9381-8BD8C4F21935}" type="datetimeFigureOut">
               <a:rPr lang="en-US" dirty="0"/>
-              <a:t>7/12/2015</a:t>
+              <a:t>9/12/2015</a:t>
             </a:fld>
             <a:endParaRPr lang="en-US" dirty="0"/>
           </a:p>
@@ -7142,7 +7142,7 @@
           <a:p>
             <a:fld id="{9796027F-7875-4030-9381-8BD8C4F21935}" type="datetimeFigureOut">
               <a:rPr lang="en-US" dirty="0"/>
-              <a:t>7/12/2015</a:t>
+              <a:t>9/12/2015</a:t>
             </a:fld>
             <a:endParaRPr lang="en-US" dirty="0"/>
           </a:p>
@@ -7255,7 +7255,7 @@
           <a:p>
             <a:fld id="{4509A250-FF31-4206-8172-F9D3106AACB1}" type="datetimeFigureOut">
               <a:rPr lang="en-US" dirty="0"/>
-              <a:t>7/12/2015</a:t>
+              <a:t>9/12/2015</a:t>
             </a:fld>
             <a:endParaRPr lang="en-US" dirty="0"/>
           </a:p>
@@ -7345,7 +7345,7 @@
           <a:p>
             <a:fld id="{4509A250-FF31-4206-8172-F9D3106AACB1}" type="datetimeFigureOut">
               <a:rPr lang="en-US" dirty="0"/>
-              <a:t>7/12/2015</a:t>
+              <a:t>9/12/2015</a:t>
             </a:fld>
             <a:endParaRPr lang="en-US" dirty="0"/>
           </a:p>
@@ -7619,7 +7619,7 @@
           <a:p>
             <a:fld id="{4509A250-FF31-4206-8172-F9D3106AACB1}" type="datetimeFigureOut">
               <a:rPr lang="en-US" dirty="0"/>
-              <a:t>7/12/2015</a:t>
+              <a:t>9/12/2015</a:t>
             </a:fld>
             <a:endParaRPr lang="en-US" dirty="0"/>
           </a:p>
@@ -7889,7 +7889,7 @@
           <a:p>
             <a:fld id="{4509A250-FF31-4206-8172-F9D3106AACB1}" type="datetimeFigureOut">
               <a:rPr lang="en-US" dirty="0"/>
-              <a:t>7/12/2015</a:t>
+              <a:t>9/12/2015</a:t>
             </a:fld>
             <a:endParaRPr lang="en-US" dirty="0"/>
           </a:p>
@@ -8313,7 +8313,7 @@
           <a:p>
             <a:fld id="{4AAD347D-5ACD-4C99-B74B-A9C85AD731AF}" type="datetimeFigureOut">
               <a:rPr lang="en-US" dirty="0"/>
-              <a:t>7/12/2015</a:t>
+              <a:t>9/12/2015</a:t>
             </a:fld>
             <a:endParaRPr lang="en-US" dirty="0"/>
           </a:p>
@@ -10899,13 +10899,7 @@
               <a:rPr lang="en-US" smtClean="0">
                 <a:latin typeface="Palatino Linotype" panose="02040502050505030304" pitchFamily="18" charset="0"/>
               </a:rPr>
-              <a:t>Phần giao diện </a:t>
-            </a:r>
-            <a:r>
-              <a:rPr lang="en-US" smtClean="0">
-                <a:latin typeface="Palatino Linotype" panose="02040502050505030304" pitchFamily="18" charset="0"/>
-              </a:rPr>
-              <a:t>chọn các chứn năng quản lý.</a:t>
+              <a:t>Phần giao diện chọn các chứn năng quản lý.</a:t>
             </a:r>
             <a:endParaRPr lang="en-US">
               <a:latin typeface="Palatino Linotype" panose="02040502050505030304" pitchFamily="18" charset="0"/>
@@ -11792,7 +11786,13 @@
               <a:rPr lang="en-US" sz="2400" smtClean="0">
                 <a:latin typeface="Palatino Linotype" panose="02040502050505030304" pitchFamily="18" charset="0"/>
               </a:rPr>
-              <a:t>Phát triển thêm chức năng để người mua cũng có thể xem sản phẩm.</a:t>
+              <a:t>Phát triển thêm chức năng để người mua cũng có thể xem sản phẩm</a:t>
+            </a:r>
+            <a:r>
+              <a:rPr lang="en-US" sz="2400" smtClean="0">
+                <a:latin typeface="Palatino Linotype" panose="02040502050505030304" pitchFamily="18" charset="0"/>
+              </a:rPr>
+              <a:t>.</a:t>
             </a:r>
           </a:p>
           <a:p>
@@ -11800,6 +11800,12 @@
               <a:buFont typeface="Wingdings" panose="05000000000000000000" pitchFamily="2" charset="2"/>
               <a:buChar char="v"/>
             </a:pPr>
+            <a:r>
+              <a:rPr lang="en-US" sz="2400" smtClean="0">
+                <a:latin typeface="Palatino Linotype" panose="02040502050505030304" pitchFamily="18" charset="0"/>
+              </a:rPr>
+              <a:t>Phát triển ứng dụng thu ngân trên các nền tảng di động.</a:t>
+            </a:r>
             <a:endParaRPr lang="en-US" sz="2400" smtClean="0">
               <a:latin typeface="Palatino Linotype" panose="02040502050505030304" pitchFamily="18" charset="0"/>
             </a:endParaRPr>

--- a/Slide.pptx
+++ b/Slide.pptx
@@ -5,7 +5,7 @@
     <p:sldMasterId id="2147483648" r:id="rId1"/>
   </p:sldMasterIdLst>
   <p:notesMasterIdLst>
-    <p:notesMasterId r:id="rId26"/>
+    <p:notesMasterId r:id="rId28"/>
   </p:notesMasterIdLst>
   <p:sldIdLst>
     <p:sldId id="256" r:id="rId2"/>
@@ -21,17 +21,19 @@
     <p:sldId id="266" r:id="rId12"/>
     <p:sldId id="267" r:id="rId13"/>
     <p:sldId id="268" r:id="rId14"/>
-    <p:sldId id="269" r:id="rId15"/>
-    <p:sldId id="271" r:id="rId16"/>
-    <p:sldId id="270" r:id="rId17"/>
-    <p:sldId id="272" r:id="rId18"/>
-    <p:sldId id="274" r:id="rId19"/>
-    <p:sldId id="275" r:id="rId20"/>
-    <p:sldId id="276" r:id="rId21"/>
-    <p:sldId id="273" r:id="rId22"/>
-    <p:sldId id="277" r:id="rId23"/>
-    <p:sldId id="278" r:id="rId24"/>
-    <p:sldId id="279" r:id="rId25"/>
+    <p:sldId id="280" r:id="rId15"/>
+    <p:sldId id="269" r:id="rId16"/>
+    <p:sldId id="281" r:id="rId17"/>
+    <p:sldId id="271" r:id="rId18"/>
+    <p:sldId id="270" r:id="rId19"/>
+    <p:sldId id="272" r:id="rId20"/>
+    <p:sldId id="274" r:id="rId21"/>
+    <p:sldId id="275" r:id="rId22"/>
+    <p:sldId id="276" r:id="rId23"/>
+    <p:sldId id="273" r:id="rId24"/>
+    <p:sldId id="277" r:id="rId25"/>
+    <p:sldId id="278" r:id="rId26"/>
+    <p:sldId id="279" r:id="rId27"/>
   </p:sldIdLst>
   <p:sldSz cx="12192000" cy="6858000"/>
   <p:notesSz cx="6858000" cy="9144000"/>
@@ -819,40 +821,7 @@
           <a:bodyPr/>
           <a:lstStyle/>
           <a:p>
-            <a:pPr rtl="0"/>
-            <a:r>
-              <a:rPr lang="vi-VN" sz="1200" b="0" i="0" u="none" strike="noStrike" kern="1200" smtClean="0">
-                <a:solidFill>
-                  <a:schemeClr val="tx1"/>
-                </a:solidFill>
-                <a:effectLst/>
-                <a:latin typeface="+mn-lt"/>
-                <a:ea typeface="+mn-ea"/>
-                <a:cs typeface="+mn-cs"/>
-              </a:rPr>
-              <a:t> Với một cơ sở dữ liệu lớn như quản lý siêu thị thì việc sử dụng index sẽ giups cải thiện đáng kể tốc độ truy suất bảng, hay duyệt tìm kiếm các gía trị.</a:t>
-            </a:r>
-            <a:endParaRPr lang="vi-VN" b="0" smtClean="0">
-              <a:effectLst/>
-            </a:endParaRPr>
-          </a:p>
-          <a:p>
-            <a:pPr rtl="0"/>
-            <a:r>
-              <a:rPr lang="vi-VN" sz="1200" b="0" i="0" u="none" strike="noStrike" kern="1200" smtClean="0">
-                <a:solidFill>
-                  <a:schemeClr val="tx1"/>
-                </a:solidFill>
-                <a:effectLst/>
-                <a:latin typeface="+mn-lt"/>
-                <a:ea typeface="+mn-ea"/>
-                <a:cs typeface="+mn-cs"/>
-              </a:rPr>
-              <a:t>- Cụ thể, đánh index tại các bảng account, mat_hang, nhomhang và ncc. Tất cả các câu lệnh thêm index được lưu trữ trong 1 store procedure.</a:t>
-            </a:r>
-            <a:endParaRPr lang="vi-VN" b="0" smtClean="0">
-              <a:effectLst/>
-            </a:endParaRPr>
+            <a:endParaRPr lang="en-US"/>
           </a:p>
         </p:txBody>
       </p:sp>
@@ -882,7 +851,7 @@
     </p:spTree>
     <p:extLst>
       <p:ext uri="{BB962C8B-B14F-4D97-AF65-F5344CB8AC3E}">
-        <p14:creationId xmlns:p14="http://schemas.microsoft.com/office/powerpoint/2010/main" val="549014082"/>
+        <p14:creationId xmlns:p14="http://schemas.microsoft.com/office/powerpoint/2010/main" val="3087460461"/>
       </p:ext>
     </p:extLst>
   </p:cSld>
@@ -947,7 +916,25 @@
                 <a:ea typeface="+mn-ea"/>
                 <a:cs typeface="+mn-cs"/>
               </a:rPr>
-              <a:t>một tài khoản người sử dụng có 3 trạng thái ( gồm online, offline, deleted) nên trước và sau mỗi phiên làm việc của từng account, việc update lại trạng thái tài khoản diễn ra thường xuyên. Câu lệnh này được đặt vào 1 store procedure để tăng hiệu suất sử dụng.</a:t>
+              <a:t> Với một cơ sở dữ liệu lớn như quản lý siêu thị thì việc sử dụng index sẽ giups cải thiện đáng kể tốc độ truy suất bảng, hay duyệt tìm kiếm các gía trị.</a:t>
+            </a:r>
+            <a:endParaRPr lang="vi-VN" b="0" smtClean="0">
+              <a:effectLst/>
+            </a:endParaRPr>
+          </a:p>
+          <a:p>
+            <a:pPr rtl="0"/>
+            <a:r>
+              <a:rPr lang="vi-VN" sz="1200" b="0" i="0" u="none" strike="noStrike" kern="1200" smtClean="0">
+                <a:solidFill>
+                  <a:schemeClr val="tx1"/>
+                </a:solidFill>
+                <a:effectLst/>
+                <a:latin typeface="+mn-lt"/>
+                <a:ea typeface="+mn-ea"/>
+                <a:cs typeface="+mn-cs"/>
+              </a:rPr>
+              <a:t>- Cụ thể, đánh index tại các bảng account, mat_hang, nhomhang và ncc. Tất cả các câu lệnh thêm index được lưu trữ trong 1 store procedure.</a:t>
             </a:r>
             <a:endParaRPr lang="vi-VN" b="0" smtClean="0">
               <a:effectLst/>
@@ -981,7 +968,7 @@
     </p:spTree>
     <p:extLst>
       <p:ext uri="{BB962C8B-B14F-4D97-AF65-F5344CB8AC3E}">
-        <p14:creationId xmlns:p14="http://schemas.microsoft.com/office/powerpoint/2010/main" val="3238160361"/>
+        <p14:creationId xmlns:p14="http://schemas.microsoft.com/office/powerpoint/2010/main" val="549014082"/>
       </p:ext>
     </p:extLst>
   </p:cSld>
@@ -1036,6 +1023,36 @@
           <a:lstStyle/>
           <a:p>
             <a:pPr rtl="0"/>
+            <a:r>
+              <a:rPr lang="vi-VN" sz="1200" b="0" i="0" u="none" strike="noStrike" kern="1200" smtClean="0">
+                <a:solidFill>
+                  <a:schemeClr val="tx1"/>
+                </a:solidFill>
+                <a:effectLst/>
+                <a:latin typeface="+mn-lt"/>
+                <a:ea typeface="+mn-ea"/>
+                <a:cs typeface="+mn-cs"/>
+              </a:rPr>
+              <a:t> Với một cơ sở dữ liệu lớn như quản lý siêu thị thì việc sử dụng index sẽ giups cải thiện đáng kể tốc độ truy suất bảng, hay duyệt tìm kiếm các gía trị.</a:t>
+            </a:r>
+            <a:endParaRPr lang="vi-VN" b="0" smtClean="0">
+              <a:effectLst/>
+            </a:endParaRPr>
+          </a:p>
+          <a:p>
+            <a:pPr rtl="0"/>
+            <a:r>
+              <a:rPr lang="vi-VN" sz="1200" b="0" i="0" u="none" strike="noStrike" kern="1200" smtClean="0">
+                <a:solidFill>
+                  <a:schemeClr val="tx1"/>
+                </a:solidFill>
+                <a:effectLst/>
+                <a:latin typeface="+mn-lt"/>
+                <a:ea typeface="+mn-ea"/>
+                <a:cs typeface="+mn-cs"/>
+              </a:rPr>
+              <a:t>- Cụ thể, đánh index tại các bảng account, mat_hang, nhomhang và ncc. Tất cả các câu lệnh thêm index được lưu trữ trong 1 store procedure.</a:t>
+            </a:r>
             <a:endParaRPr lang="vi-VN" b="0" smtClean="0">
               <a:effectLst/>
             </a:endParaRPr>
@@ -1068,7 +1085,7 @@
     </p:spTree>
     <p:extLst>
       <p:ext uri="{BB962C8B-B14F-4D97-AF65-F5344CB8AC3E}">
-        <p14:creationId xmlns:p14="http://schemas.microsoft.com/office/powerpoint/2010/main" val="347266451"/>
+        <p14:creationId xmlns:p14="http://schemas.microsoft.com/office/powerpoint/2010/main" val="4209317343"/>
       </p:ext>
     </p:extLst>
   </p:cSld>
@@ -1124,25 +1141,16 @@
           <a:p>
             <a:pPr rtl="0"/>
             <a:r>
-              <a:rPr lang="en-US" b="0" smtClean="0">
+              <a:rPr lang="vi-VN" sz="1200" b="0" i="0" u="none" strike="noStrike" kern="1200" smtClean="0">
+                <a:solidFill>
+                  <a:schemeClr val="tx1"/>
+                </a:solidFill>
                 <a:effectLst/>
-              </a:rPr>
-              <a:t>Xây</a:t>
-            </a:r>
-            <a:r>
-              <a:rPr lang="en-US" b="0" baseline="0" smtClean="0">
-                <a:effectLst/>
-              </a:rPr>
-              <a:t> dựng phần mềm này bọn em hướng tới là mục tiêu người dùng phổ thông, không cần qua đào tạo mà vẫn dễ dàng hiểu và sử dụng được. </a:t>
-            </a:r>
-          </a:p>
-          <a:p>
-            <a:pPr rtl="0"/>
-            <a:r>
-              <a:rPr lang="en-US" b="0" baseline="0" smtClean="0">
-                <a:effectLst/>
-              </a:rPr>
-              <a:t>Sau đây là 1 số thiết kế về giao diện chính.</a:t>
+                <a:latin typeface="+mn-lt"/>
+                <a:ea typeface="+mn-ea"/>
+                <a:cs typeface="+mn-cs"/>
+              </a:rPr>
+              <a:t>một tài khoản người sử dụng có 3 trạng thái ( gồm online, offline, deleted) nên trước và sau mỗi phiên làm việc của từng account, việc update lại trạng thái tài khoản diễn ra thường xuyên. Câu lệnh này được đặt vào 1 store procedure để tăng hiệu suất sử dụng.</a:t>
             </a:r>
             <a:endParaRPr lang="vi-VN" b="0" smtClean="0">
               <a:effectLst/>
@@ -1176,7 +1184,7 @@
     </p:spTree>
     <p:extLst>
       <p:ext uri="{BB962C8B-B14F-4D97-AF65-F5344CB8AC3E}">
-        <p14:creationId xmlns:p14="http://schemas.microsoft.com/office/powerpoint/2010/main" val="1628140314"/>
+        <p14:creationId xmlns:p14="http://schemas.microsoft.com/office/powerpoint/2010/main" val="3238160361"/>
       </p:ext>
     </p:extLst>
   </p:cSld>
@@ -1263,7 +1271,7 @@
     </p:spTree>
     <p:extLst>
       <p:ext uri="{BB962C8B-B14F-4D97-AF65-F5344CB8AC3E}">
-        <p14:creationId xmlns:p14="http://schemas.microsoft.com/office/powerpoint/2010/main" val="2925412260"/>
+        <p14:creationId xmlns:p14="http://schemas.microsoft.com/office/powerpoint/2010/main" val="347266451"/>
       </p:ext>
     </p:extLst>
   </p:cSld>
@@ -1318,6 +1326,27 @@
           <a:lstStyle/>
           <a:p>
             <a:pPr rtl="0"/>
+            <a:r>
+              <a:rPr lang="en-US" b="0" smtClean="0">
+                <a:effectLst/>
+              </a:rPr>
+              <a:t>Xây</a:t>
+            </a:r>
+            <a:r>
+              <a:rPr lang="en-US" b="0" baseline="0" smtClean="0">
+                <a:effectLst/>
+              </a:rPr>
+              <a:t> dựng phần mềm này bọn em hướng tới là mục tiêu người dùng phổ thông, không cần qua đào tạo mà vẫn dễ dàng hiểu và sử dụng được. </a:t>
+            </a:r>
+          </a:p>
+          <a:p>
+            <a:pPr rtl="0"/>
+            <a:r>
+              <a:rPr lang="en-US" b="0" baseline="0" smtClean="0">
+                <a:effectLst/>
+              </a:rPr>
+              <a:t>Sau đây là 1 số thiết kế về giao diện chính.</a:t>
+            </a:r>
             <a:endParaRPr lang="vi-VN" b="0" smtClean="0">
               <a:effectLst/>
             </a:endParaRPr>
@@ -1350,7 +1379,7 @@
     </p:spTree>
     <p:extLst>
       <p:ext uri="{BB962C8B-B14F-4D97-AF65-F5344CB8AC3E}">
-        <p14:creationId xmlns:p14="http://schemas.microsoft.com/office/powerpoint/2010/main" val="330539562"/>
+        <p14:creationId xmlns:p14="http://schemas.microsoft.com/office/powerpoint/2010/main" val="1628140314"/>
       </p:ext>
     </p:extLst>
   </p:cSld>
@@ -1405,18 +1434,6 @@
           <a:lstStyle/>
           <a:p>
             <a:pPr rtl="0"/>
-            <a:r>
-              <a:rPr lang="en-US" b="0" smtClean="0">
-                <a:effectLst/>
-              </a:rPr>
-              <a:t>Chi tiết</a:t>
-            </a:r>
-            <a:r>
-              <a:rPr lang="en-US" b="0" baseline="0" smtClean="0">
-                <a:effectLst/>
-              </a:rPr>
-              <a:t> cụ thể tất cả các mokup bọn em đã viết như trong báo cáo.</a:t>
-            </a:r>
             <a:endParaRPr lang="vi-VN" b="0" smtClean="0">
               <a:effectLst/>
             </a:endParaRPr>
@@ -1449,7 +1466,7 @@
     </p:spTree>
     <p:extLst>
       <p:ext uri="{BB962C8B-B14F-4D97-AF65-F5344CB8AC3E}">
-        <p14:creationId xmlns:p14="http://schemas.microsoft.com/office/powerpoint/2010/main" val="4132202153"/>
+        <p14:creationId xmlns:p14="http://schemas.microsoft.com/office/powerpoint/2010/main" val="2925412260"/>
       </p:ext>
     </p:extLst>
   </p:cSld>
@@ -1536,7 +1553,7 @@
     </p:spTree>
     <p:extLst>
       <p:ext uri="{BB962C8B-B14F-4D97-AF65-F5344CB8AC3E}">
-        <p14:creationId xmlns:p14="http://schemas.microsoft.com/office/powerpoint/2010/main" val="185324333"/>
+        <p14:creationId xmlns:p14="http://schemas.microsoft.com/office/powerpoint/2010/main" val="330539562"/>
       </p:ext>
     </p:extLst>
   </p:cSld>
@@ -1706,6 +1723,18 @@
           <a:lstStyle/>
           <a:p>
             <a:pPr rtl="0"/>
+            <a:r>
+              <a:rPr lang="en-US" b="0" smtClean="0">
+                <a:effectLst/>
+              </a:rPr>
+              <a:t>Chi tiết</a:t>
+            </a:r>
+            <a:r>
+              <a:rPr lang="en-US" b="0" baseline="0" smtClean="0">
+                <a:effectLst/>
+              </a:rPr>
+              <a:t> cụ thể tất cả các mokup bọn em đã viết như trong báo cáo.</a:t>
+            </a:r>
             <a:endParaRPr lang="vi-VN" b="0" smtClean="0">
               <a:effectLst/>
             </a:endParaRPr>
@@ -1738,7 +1767,7 @@
     </p:spTree>
     <p:extLst>
       <p:ext uri="{BB962C8B-B14F-4D97-AF65-F5344CB8AC3E}">
-        <p14:creationId xmlns:p14="http://schemas.microsoft.com/office/powerpoint/2010/main" val="263064199"/>
+        <p14:creationId xmlns:p14="http://schemas.microsoft.com/office/powerpoint/2010/main" val="4132202153"/>
       </p:ext>
     </p:extLst>
   </p:cSld>
@@ -1825,7 +1854,7 @@
     </p:spTree>
     <p:extLst>
       <p:ext uri="{BB962C8B-B14F-4D97-AF65-F5344CB8AC3E}">
-        <p14:creationId xmlns:p14="http://schemas.microsoft.com/office/powerpoint/2010/main" val="3422486900"/>
+        <p14:creationId xmlns:p14="http://schemas.microsoft.com/office/powerpoint/2010/main" val="185324333"/>
       </p:ext>
     </p:extLst>
   </p:cSld>
@@ -1879,6 +1908,180 @@
           <a:bodyPr/>
           <a:lstStyle/>
           <a:p>
+            <a:pPr rtl="0"/>
+            <a:endParaRPr lang="vi-VN" b="0" smtClean="0">
+              <a:effectLst/>
+            </a:endParaRPr>
+          </a:p>
+        </p:txBody>
+      </p:sp>
+      <p:sp>
+        <p:nvSpPr>
+          <p:cNvPr id="4" name="Slide Number Placeholder 3"/>
+          <p:cNvSpPr>
+            <a:spLocks noGrp="1"/>
+          </p:cNvSpPr>
+          <p:nvPr>
+            <p:ph type="sldNum" sz="quarter" idx="10"/>
+          </p:nvPr>
+        </p:nvSpPr>
+        <p:spPr/>
+        <p:txBody>
+          <a:bodyPr/>
+          <a:lstStyle/>
+          <a:p>
+            <a:fld id="{A098E700-4659-44EB-9520-5D39C5C5C2CD}" type="slidenum">
+              <a:rPr lang="en-US" smtClean="0"/>
+              <a:t>24</a:t>
+            </a:fld>
+            <a:endParaRPr lang="en-US"/>
+          </a:p>
+        </p:txBody>
+      </p:sp>
+    </p:spTree>
+    <p:extLst>
+      <p:ext uri="{BB962C8B-B14F-4D97-AF65-F5344CB8AC3E}">
+        <p14:creationId xmlns:p14="http://schemas.microsoft.com/office/powerpoint/2010/main" val="263064199"/>
+      </p:ext>
+    </p:extLst>
+  </p:cSld>
+  <p:clrMapOvr>
+    <a:masterClrMapping/>
+  </p:clrMapOvr>
+</p:notes>
+</file>
+
+<file path=ppt/notesSlides/notesSlide23.xml><?xml version="1.0" encoding="utf-8"?>
+<p:notes xmlns:a="http://schemas.openxmlformats.org/drawingml/2006/main" xmlns:r="http://schemas.openxmlformats.org/officeDocument/2006/relationships" xmlns:p="http://schemas.openxmlformats.org/presentationml/2006/main">
+  <p:cSld>
+    <p:spTree>
+      <p:nvGrpSpPr>
+        <p:cNvPr id="1" name=""/>
+        <p:cNvGrpSpPr/>
+        <p:nvPr/>
+      </p:nvGrpSpPr>
+      <p:grpSpPr>
+        <a:xfrm>
+          <a:off x="0" y="0"/>
+          <a:ext cx="0" cy="0"/>
+          <a:chOff x="0" y="0"/>
+          <a:chExt cx="0" cy="0"/>
+        </a:xfrm>
+      </p:grpSpPr>
+      <p:sp>
+        <p:nvSpPr>
+          <p:cNvPr id="2" name="Slide Image Placeholder 1"/>
+          <p:cNvSpPr>
+            <a:spLocks noGrp="1" noRot="1" noChangeAspect="1"/>
+          </p:cNvSpPr>
+          <p:nvPr>
+            <p:ph type="sldImg"/>
+          </p:nvPr>
+        </p:nvSpPr>
+        <p:spPr/>
+      </p:sp>
+      <p:sp>
+        <p:nvSpPr>
+          <p:cNvPr id="3" name="Notes Placeholder 2"/>
+          <p:cNvSpPr>
+            <a:spLocks noGrp="1"/>
+          </p:cNvSpPr>
+          <p:nvPr>
+            <p:ph type="body" idx="1"/>
+          </p:nvPr>
+        </p:nvSpPr>
+        <p:spPr/>
+        <p:txBody>
+          <a:bodyPr/>
+          <a:lstStyle/>
+          <a:p>
+            <a:pPr rtl="0"/>
+            <a:endParaRPr lang="vi-VN" b="0" smtClean="0">
+              <a:effectLst/>
+            </a:endParaRPr>
+          </a:p>
+        </p:txBody>
+      </p:sp>
+      <p:sp>
+        <p:nvSpPr>
+          <p:cNvPr id="4" name="Slide Number Placeholder 3"/>
+          <p:cNvSpPr>
+            <a:spLocks noGrp="1"/>
+          </p:cNvSpPr>
+          <p:nvPr>
+            <p:ph type="sldNum" sz="quarter" idx="10"/>
+          </p:nvPr>
+        </p:nvSpPr>
+        <p:spPr/>
+        <p:txBody>
+          <a:bodyPr/>
+          <a:lstStyle/>
+          <a:p>
+            <a:fld id="{A098E700-4659-44EB-9520-5D39C5C5C2CD}" type="slidenum">
+              <a:rPr lang="en-US" smtClean="0"/>
+              <a:t>25</a:t>
+            </a:fld>
+            <a:endParaRPr lang="en-US"/>
+          </a:p>
+        </p:txBody>
+      </p:sp>
+    </p:spTree>
+    <p:extLst>
+      <p:ext uri="{BB962C8B-B14F-4D97-AF65-F5344CB8AC3E}">
+        <p14:creationId xmlns:p14="http://schemas.microsoft.com/office/powerpoint/2010/main" val="3422486900"/>
+      </p:ext>
+    </p:extLst>
+  </p:cSld>
+  <p:clrMapOvr>
+    <a:masterClrMapping/>
+  </p:clrMapOvr>
+</p:notes>
+</file>
+
+<file path=ppt/notesSlides/notesSlide24.xml><?xml version="1.0" encoding="utf-8"?>
+<p:notes xmlns:a="http://schemas.openxmlformats.org/drawingml/2006/main" xmlns:r="http://schemas.openxmlformats.org/officeDocument/2006/relationships" xmlns:p="http://schemas.openxmlformats.org/presentationml/2006/main">
+  <p:cSld>
+    <p:spTree>
+      <p:nvGrpSpPr>
+        <p:cNvPr id="1" name=""/>
+        <p:cNvGrpSpPr/>
+        <p:nvPr/>
+      </p:nvGrpSpPr>
+      <p:grpSpPr>
+        <a:xfrm>
+          <a:off x="0" y="0"/>
+          <a:ext cx="0" cy="0"/>
+          <a:chOff x="0" y="0"/>
+          <a:chExt cx="0" cy="0"/>
+        </a:xfrm>
+      </p:grpSpPr>
+      <p:sp>
+        <p:nvSpPr>
+          <p:cNvPr id="2" name="Slide Image Placeholder 1"/>
+          <p:cNvSpPr>
+            <a:spLocks noGrp="1" noRot="1" noChangeAspect="1"/>
+          </p:cNvSpPr>
+          <p:nvPr>
+            <p:ph type="sldImg"/>
+          </p:nvPr>
+        </p:nvSpPr>
+        <p:spPr/>
+      </p:sp>
+      <p:sp>
+        <p:nvSpPr>
+          <p:cNvPr id="3" name="Notes Placeholder 2"/>
+          <p:cNvSpPr>
+            <a:spLocks noGrp="1"/>
+          </p:cNvSpPr>
+          <p:nvPr>
+            <p:ph type="body" idx="1"/>
+          </p:nvPr>
+        </p:nvSpPr>
+        <p:spPr/>
+        <p:txBody>
+          <a:bodyPr/>
+          <a:lstStyle/>
+          <a:p>
             <a:pPr marL="0" marR="0" lvl="2" indent="0" algn="l" defTabSz="914400" rtl="0" eaLnBrk="1" fontAlgn="auto" latinLnBrk="0" hangingPunct="1">
               <a:lnSpc>
                 <a:spcPct val="100000"/>
@@ -2039,7 +2242,7 @@
           <a:p>
             <a:fld id="{A098E700-4659-44EB-9520-5D39C5C5C2CD}" type="slidenum">
               <a:rPr lang="en-US" smtClean="0"/>
-              <a:t>24</a:t>
+              <a:t>26</a:t>
             </a:fld>
             <a:endParaRPr lang="en-US"/>
           </a:p>
@@ -9508,14 +9711,14 @@
           <p:nvPr>
             <p:extLst>
               <p:ext uri="{D42A27DB-BD31-4B8C-83A1-F6EECF244321}">
-                <p14:modId xmlns:p14="http://schemas.microsoft.com/office/powerpoint/2010/main" val="2178223501"/>
+                <p14:modId xmlns:p14="http://schemas.microsoft.com/office/powerpoint/2010/main" val="3521216480"/>
               </p:ext>
             </p:extLst>
           </p:nvPr>
         </p:nvGraphicFramePr>
         <p:xfrm>
           <a:off x="1103310" y="2721886"/>
-          <a:ext cx="9822192" cy="3741976"/>
+          <a:ext cx="9822192" cy="3985816"/>
         </p:xfrm>
         <a:graphic>
           <a:graphicData uri="http://schemas.openxmlformats.org/drawingml/2006/table">
@@ -10081,7 +10284,58 @@
                           <a:ea typeface="+mn-ea"/>
                           <a:cs typeface="+mn-cs"/>
                         </a:rPr>
-                        <a:t> số  và tên của các nhà cung cấp không được trùng nhau.</a:t>
+                        <a:t> số  và tên của </a:t>
+                      </a:r>
+                      <a:r>
+                        <a:rPr lang="en-US" sz="1600" b="0" i="0" u="none" strike="noStrike" kern="1200" baseline="0" smtClean="0">
+                          <a:solidFill>
+                            <a:schemeClr val="dk1"/>
+                          </a:solidFill>
+                          <a:effectLst/>
+                          <a:latin typeface="Palatino Linotype" panose="02040502050505030304" pitchFamily="18" charset="0"/>
+                          <a:ea typeface="+mn-ea"/>
+                          <a:cs typeface="+mn-cs"/>
+                        </a:rPr>
+                        <a:t>tài khoản không </a:t>
+                      </a:r>
+                      <a:r>
+                        <a:rPr lang="en-US" sz="1600" b="0" i="0" u="none" strike="noStrike" kern="1200" baseline="0" smtClean="0">
+                          <a:solidFill>
+                            <a:schemeClr val="dk1"/>
+                          </a:solidFill>
+                          <a:effectLst/>
+                          <a:latin typeface="Palatino Linotype" panose="02040502050505030304" pitchFamily="18" charset="0"/>
+                          <a:ea typeface="+mn-ea"/>
+                          <a:cs typeface="+mn-cs"/>
+                        </a:rPr>
+                        <a:t>được trùng nhau</a:t>
+                      </a:r>
+                      <a:r>
+                        <a:rPr lang="en-US" sz="1600" b="0" i="0" u="none" strike="noStrike" kern="1200" baseline="0" smtClean="0">
+                          <a:solidFill>
+                            <a:schemeClr val="dk1"/>
+                          </a:solidFill>
+                          <a:effectLst/>
+                          <a:latin typeface="Palatino Linotype" panose="02040502050505030304" pitchFamily="18" charset="0"/>
+                          <a:ea typeface="+mn-ea"/>
+                          <a:cs typeface="+mn-cs"/>
+                        </a:rPr>
+                        <a:t>.</a:t>
+                      </a:r>
+                    </a:p>
+                    <a:p>
+                      <a:pPr lvl="1" rtl="0" fontAlgn="base"/>
+                      <a:r>
+                        <a:rPr lang="en-US" sz="1600" b="0" i="0" u="none" strike="noStrike" kern="1200" baseline="0" smtClean="0">
+                          <a:solidFill>
+                            <a:schemeClr val="dk1"/>
+                          </a:solidFill>
+                          <a:effectLst/>
+                          <a:latin typeface="Palatino Linotype" panose="02040502050505030304" pitchFamily="18" charset="0"/>
+                          <a:ea typeface="+mn-ea"/>
+                          <a:cs typeface="+mn-cs"/>
+                        </a:rPr>
+                        <a:t>Mật khẩu, tên tài khoản phải nhiều hơn 6 kí tự.</a:t>
                       </a:r>
                       <a:endParaRPr lang="en-US" sz="1600" b="0" i="0" u="none" strike="noStrike" kern="1200" smtClean="0">
                         <a:solidFill>
@@ -10132,7 +10386,7 @@
                           <a:ea typeface="+mn-ea"/>
                           <a:cs typeface="+mn-cs"/>
                         </a:rPr>
-                        <a:t>Địa chỉ Email phải theo dạng ….@...com</a:t>
+                        <a:t>Trạng thái phải thuộc 1 trong 3 giá trị -1,0,1.</a:t>
                       </a:r>
                       <a:endParaRPr lang="vi-VN" sz="1600" b="0" i="0" u="none" strike="noStrike" kern="1200" smtClean="0">
                         <a:solidFill>
@@ -10257,53 +10511,63 @@
               <a:rPr lang="en-US" sz="2800" smtClean="0">
                 <a:latin typeface="Palatino Linotype" panose="02040502050505030304" pitchFamily="18" charset="0"/>
               </a:rPr>
-              <a:t>Tăng hiệu năng của cơ sở dữ liệu.</a:t>
-            </a:r>
-          </a:p>
-          <a:p>
-            <a:pPr marL="457200" lvl="1" indent="0">
-              <a:buNone/>
+              <a:t>	Tăng hiệu suất, bảo mật, tính toàn vẹn của cơ sở dữ liệu.</a:t>
+            </a:r>
+          </a:p>
+          <a:p>
+            <a:pPr lvl="2">
+              <a:buFont typeface="Wingdings" panose="05000000000000000000" pitchFamily="2" charset="2"/>
+              <a:buChar char="v"/>
             </a:pPr>
-            <a:endParaRPr lang="en-US" sz="2800">
+            <a:r>
+              <a:rPr lang="en-US" sz="2600" smtClean="0">
+                <a:latin typeface="Palatino Linotype" panose="02040502050505030304" pitchFamily="18" charset="0"/>
+              </a:rPr>
+              <a:t>Thiết kế các trigger kiểm soát dữ liệu vào, ra.</a:t>
+            </a:r>
+          </a:p>
+          <a:p>
+            <a:pPr lvl="2">
+              <a:buFont typeface="Wingdings" panose="05000000000000000000" pitchFamily="2" charset="2"/>
+              <a:buChar char="v"/>
+            </a:pPr>
+            <a:r>
+              <a:rPr lang="en-US" sz="2600" smtClean="0">
+                <a:latin typeface="Palatino Linotype" panose="02040502050505030304" pitchFamily="18" charset="0"/>
+              </a:rPr>
+              <a:t>Thiết kế các stored procedure tăng hiệu suất chương trình.</a:t>
+            </a:r>
+          </a:p>
+          <a:p>
+            <a:pPr lvl="2">
+              <a:buFont typeface="Wingdings" panose="05000000000000000000" pitchFamily="2" charset="2"/>
+              <a:buChar char="v"/>
+            </a:pPr>
+            <a:r>
+              <a:rPr lang="en-US" sz="2600" smtClean="0">
+                <a:latin typeface="Palatino Linotype" panose="02040502050505030304" pitchFamily="18" charset="0"/>
+              </a:rPr>
+              <a:t>Thiết kế các set index tăng hiệu quả truy vấn dữ liệu.</a:t>
+            </a:r>
+            <a:endParaRPr lang="en-US">
               <a:latin typeface="Palatino Linotype" panose="02040502050505030304" pitchFamily="18" charset="0"/>
             </a:endParaRPr>
           </a:p>
           <a:p>
-            <a:pPr lvl="1">
-              <a:buFont typeface="Arial" panose="020B0604020202020204" pitchFamily="34" charset="0"/>
-              <a:buChar char="•"/>
+            <a:pPr lvl="2">
+              <a:buFont typeface="Wingdings" panose="05000000000000000000" pitchFamily="2" charset="2"/>
+              <a:buChar char="v"/>
             </a:pPr>
-            <a:r>
-              <a:rPr lang="en-US" sz="2800" b="1" smtClean="0">
-                <a:latin typeface="Palatino Linotype" panose="02040502050505030304" pitchFamily="18" charset="0"/>
-              </a:rPr>
-              <a:t>procedure setindex </a:t>
-            </a:r>
-            <a:r>
-              <a:rPr lang="en-US" sz="2800" smtClean="0">
-                <a:latin typeface="Palatino Linotype" panose="02040502050505030304" pitchFamily="18" charset="0"/>
-              </a:rPr>
-              <a:t>: </a:t>
-            </a:r>
-            <a:r>
-              <a:rPr lang="en-US" sz="2400">
-                <a:latin typeface="Palatino Linotype" panose="02040502050505030304" pitchFamily="18" charset="0"/>
-              </a:rPr>
-              <a:t>nhận đầu vào là một chuỗi kí tự, nếu trùng với tên của 1 trong 4 bảng account, ncc, mat_hang, nhomhang thì sẽ thực hiện lệnh  add index</a:t>
-            </a:r>
-            <a:r>
-              <a:rPr lang="en-US" sz="2400" smtClean="0">
-                <a:latin typeface="Palatino Linotype" panose="02040502050505030304" pitchFamily="18" charset="0"/>
-              </a:rPr>
-              <a:t>.</a:t>
-            </a:r>
-          </a:p>
-          <a:p>
-            <a:pPr lvl="1">
-              <a:buFont typeface="Arial" panose="020B0604020202020204" pitchFamily="34" charset="0"/>
-              <a:buChar char="•"/>
+            <a:endParaRPr lang="en-US" sz="2600" smtClean="0">
+              <a:latin typeface="Palatino Linotype" panose="02040502050505030304" pitchFamily="18" charset="0"/>
+            </a:endParaRPr>
+          </a:p>
+          <a:p>
+            <a:pPr lvl="2">
+              <a:buFont typeface="Wingdings" panose="05000000000000000000" pitchFamily="2" charset="2"/>
+              <a:buChar char="v"/>
             </a:pPr>
-            <a:endParaRPr lang="en-US" sz="2400" smtClean="0">
+            <a:endParaRPr lang="en-US" sz="2600" smtClean="0">
               <a:latin typeface="Palatino Linotype" panose="02040502050505030304" pitchFamily="18" charset="0"/>
             </a:endParaRPr>
           </a:p>
@@ -10312,7 +10576,7 @@
     </p:spTree>
     <p:extLst>
       <p:ext uri="{BB962C8B-B14F-4D97-AF65-F5344CB8AC3E}">
-        <p14:creationId xmlns:p14="http://schemas.microsoft.com/office/powerpoint/2010/main" val="1937665327"/>
+        <p14:creationId xmlns:p14="http://schemas.microsoft.com/office/powerpoint/2010/main" val="989422376"/>
       </p:ext>
     </p:extLst>
   </p:cSld>
@@ -10431,36 +10695,45 @@
               <a:buChar char="•"/>
             </a:pPr>
             <a:r>
-              <a:rPr lang="en-US" sz="2800" b="1">
-                <a:latin typeface="Palatino Linotype" panose="02040502050505030304" pitchFamily="18" charset="0"/>
-              </a:rPr>
-              <a:t>procedure </a:t>
-            </a:r>
-            <a:r>
               <a:rPr lang="en-US" sz="2800" b="1" smtClean="0">
                 <a:latin typeface="Palatino Linotype" panose="02040502050505030304" pitchFamily="18" charset="0"/>
               </a:rPr>
-              <a:t>updateflag</a:t>
+              <a:t>procedure setindex </a:t>
             </a:r>
             <a:r>
               <a:rPr lang="en-US" sz="2800" smtClean="0">
                 <a:latin typeface="Palatino Linotype" panose="02040502050505030304" pitchFamily="18" charset="0"/>
               </a:rPr>
-              <a:t> : </a:t>
+              <a:t>: </a:t>
             </a:r>
             <a:r>
               <a:rPr lang="en-US" sz="2400">
                 <a:latin typeface="Palatino Linotype" panose="02040502050505030304" pitchFamily="18" charset="0"/>
               </a:rPr>
-              <a:t>nhận đầu vào là 2 tham số kiểu nguyên. Tham số đầu tiên đại diện cho id của tài khoản và tham số thứ 2 là trạng thái mới của tài khoản. (1 là online, 0 là offline, -1 là deleted) .</a:t>
-            </a:r>
+              <a:t>nhận đầu vào là một chuỗi kí tự, nếu trùng với tên của 1 trong 4 bảng account, ncc, mat_hang, nhomhang thì sẽ thực hiện lệnh  add index</a:t>
+            </a:r>
+            <a:r>
+              <a:rPr lang="en-US" sz="2400" smtClean="0">
+                <a:latin typeface="Palatino Linotype" panose="02040502050505030304" pitchFamily="18" charset="0"/>
+              </a:rPr>
+              <a:t>.</a:t>
+            </a:r>
+          </a:p>
+          <a:p>
+            <a:pPr lvl="1">
+              <a:buFont typeface="Arial" panose="020B0604020202020204" pitchFamily="34" charset="0"/>
+              <a:buChar char="•"/>
+            </a:pPr>
+            <a:endParaRPr lang="en-US" sz="2400" smtClean="0">
+              <a:latin typeface="Palatino Linotype" panose="02040502050505030304" pitchFamily="18" charset="0"/>
+            </a:endParaRPr>
           </a:p>
         </p:txBody>
       </p:sp>
     </p:spTree>
     <p:extLst>
       <p:ext uri="{BB962C8B-B14F-4D97-AF65-F5344CB8AC3E}">
-        <p14:creationId xmlns:p14="http://schemas.microsoft.com/office/powerpoint/2010/main" val="385444045"/>
+        <p14:creationId xmlns:p14="http://schemas.microsoft.com/office/powerpoint/2010/main" val="1937665327"/>
       </p:ext>
     </p:extLst>
   </p:cSld>
@@ -10551,28 +10824,138 @@
         <p:spPr/>
         <p:txBody>
           <a:bodyPr>
-            <a:normAutofit/>
+            <a:normAutofit fontScale="77500" lnSpcReduction="20000"/>
           </a:bodyPr>
           <a:lstStyle/>
           <a:p>
-            <a:pPr marL="457200" lvl="1" indent="0">
+            <a:pPr marL="0" indent="0">
               <a:buNone/>
             </a:pPr>
-            <a:r>
-              <a:rPr lang="en-US" sz="2800" smtClean="0">
-                <a:latin typeface="Palatino Linotype" panose="02040502050505030304" pitchFamily="18" charset="0"/>
-              </a:rPr>
-              <a:t>Tăng hiệu năng của cơ sở dữ liệu.</a:t>
-            </a:r>
-            <a:endParaRPr lang="en-US" sz="2800">
-              <a:latin typeface="Palatino Linotype" panose="02040502050505030304" pitchFamily="18" charset="0"/>
-            </a:endParaRPr>
-          </a:p>
-          <a:p>
-            <a:pPr marL="457200" lvl="1" indent="0">
+            <a:endParaRPr lang="en-US" smtClean="0"/>
+          </a:p>
+          <a:p>
+            <a:pPr marL="0" indent="0">
               <a:buNone/>
             </a:pPr>
-            <a:endParaRPr lang="en-US" sz="2600" smtClean="0">
+            <a:r>
+              <a:rPr lang="en-US" smtClean="0"/>
+              <a:t>CREATE </a:t>
+            </a:r>
+            <a:r>
+              <a:rPr lang="en-US"/>
+              <a:t>PROCEDURE setindex ( in tablename varchar(20) )</a:t>
+            </a:r>
+            <a:endParaRPr lang="en-US"/>
+          </a:p>
+          <a:p>
+            <a:pPr marL="0" indent="0">
+              <a:buNone/>
+            </a:pPr>
+            <a:r>
+              <a:rPr lang="en-US"/>
+              <a:t>BEGIN</a:t>
+            </a:r>
+            <a:endParaRPr lang="en-US"/>
+          </a:p>
+          <a:p>
+            <a:pPr marL="400050" lvl="1" indent="0">
+              <a:buNone/>
+            </a:pPr>
+            <a:r>
+              <a:rPr lang="en-US"/>
+              <a:t>   IF(tablename ='account') THEN ALTER TABLE account ADD INDEX (ID_Account, username);</a:t>
+            </a:r>
+            <a:endParaRPr lang="en-US"/>
+          </a:p>
+          <a:p>
+            <a:pPr marL="400050" lvl="1" indent="0">
+              <a:buNone/>
+            </a:pPr>
+            <a:r>
+              <a:rPr lang="en-US"/>
+              <a:t>   END IF;</a:t>
+            </a:r>
+            <a:endParaRPr lang="en-US"/>
+          </a:p>
+          <a:p>
+            <a:pPr marL="400050" lvl="1" indent="0">
+              <a:buNone/>
+            </a:pPr>
+            <a:r>
+              <a:rPr lang="en-US"/>
+              <a:t>   IF(tablename = 'ncc') THEN ALTER TABLE ncc ADD INDEX (Id_NCC);</a:t>
+            </a:r>
+            <a:endParaRPr lang="en-US"/>
+          </a:p>
+          <a:p>
+            <a:pPr marL="400050" lvl="1" indent="0">
+              <a:buNone/>
+            </a:pPr>
+            <a:r>
+              <a:rPr lang="en-US"/>
+              <a:t>   END IF;</a:t>
+            </a:r>
+            <a:endParaRPr lang="en-US"/>
+          </a:p>
+          <a:p>
+            <a:pPr marL="400050" lvl="1" indent="0">
+              <a:buNone/>
+            </a:pPr>
+            <a:r>
+              <a:rPr lang="en-US"/>
+              <a:t>   IF (tablename ='mat_hang') THEN ALTER TABLE mat_hang ADD INDEX (ID_MatHang);</a:t>
+            </a:r>
+            <a:endParaRPr lang="en-US"/>
+          </a:p>
+          <a:p>
+            <a:pPr marL="400050" lvl="1" indent="0">
+              <a:buNone/>
+            </a:pPr>
+            <a:r>
+              <a:rPr lang="en-US"/>
+              <a:t>   END IF;</a:t>
+            </a:r>
+            <a:endParaRPr lang="en-US"/>
+          </a:p>
+          <a:p>
+            <a:pPr marL="400050" lvl="1" indent="0">
+              <a:buNone/>
+            </a:pPr>
+            <a:r>
+              <a:rPr lang="en-US"/>
+              <a:t>   IF (tablename = 'nhomhang') THEN ALTER TABLE nhomhang ADD INDEX (ID_NhomHang);</a:t>
+            </a:r>
+            <a:endParaRPr lang="en-US"/>
+          </a:p>
+          <a:p>
+            <a:pPr marL="400050" lvl="1" indent="0">
+              <a:buNone/>
+            </a:pPr>
+            <a:r>
+              <a:rPr lang="en-US"/>
+              <a:t>   END IF;</a:t>
+            </a:r>
+            <a:endParaRPr lang="en-US"/>
+          </a:p>
+          <a:p>
+            <a:pPr marL="0" indent="0">
+              <a:buNone/>
+            </a:pPr>
+            <a:r>
+              <a:rPr lang="en-US"/>
+              <a:t>END $$</a:t>
+            </a:r>
+            <a:endParaRPr lang="en-US"/>
+          </a:p>
+          <a:p>
+            <a:r>
+              <a:rPr lang="en-US"/>
+              <a:t/>
+            </a:r>
+            <a:br>
+              <a:rPr lang="en-US"/>
+            </a:br>
+            <a:endParaRPr lang="en-US" sz="2400" smtClean="0">
               <a:latin typeface="Palatino Linotype" panose="02040502050505030304" pitchFamily="18" charset="0"/>
             </a:endParaRPr>
           </a:p>
@@ -10581,7 +10964,7 @@
     </p:spTree>
     <p:extLst>
       <p:ext uri="{BB962C8B-B14F-4D97-AF65-F5344CB8AC3E}">
-        <p14:creationId xmlns:p14="http://schemas.microsoft.com/office/powerpoint/2010/main" val="1848806026"/>
+        <p14:creationId xmlns:p14="http://schemas.microsoft.com/office/powerpoint/2010/main" val="623012120"/>
       </p:ext>
     </p:extLst>
   </p:cSld>
@@ -10634,6 +11017,275 @@
               <a:rPr lang="en-US" smtClean="0">
                 <a:latin typeface="Palatino Linotype" panose="02040502050505030304" pitchFamily="18" charset="0"/>
               </a:rPr>
+              <a:t>Phần 2: Nghiên cứu, xây dựng</a:t>
+            </a:r>
+            <a:br>
+              <a:rPr lang="en-US" smtClean="0">
+                <a:latin typeface="Palatino Linotype" panose="02040502050505030304" pitchFamily="18" charset="0"/>
+              </a:rPr>
+            </a:br>
+            <a:r>
+              <a:rPr lang="en-US">
+                <a:latin typeface="Palatino Linotype" panose="02040502050505030304" pitchFamily="18" charset="0"/>
+              </a:rPr>
+              <a:t>	</a:t>
+            </a:r>
+            <a:r>
+              <a:rPr lang="en-US" smtClean="0">
+                <a:latin typeface="Palatino Linotype" panose="02040502050505030304" pitchFamily="18" charset="0"/>
+              </a:rPr>
+              <a:t>hệ cơ sở dữ liệu.</a:t>
+            </a:r>
+            <a:endParaRPr lang="en-US">
+              <a:latin typeface="Palatino Linotype" panose="02040502050505030304" pitchFamily="18" charset="0"/>
+            </a:endParaRPr>
+          </a:p>
+        </p:txBody>
+      </p:sp>
+      <p:sp>
+        <p:nvSpPr>
+          <p:cNvPr id="3" name="Content Placeholder 2"/>
+          <p:cNvSpPr>
+            <a:spLocks noGrp="1"/>
+          </p:cNvSpPr>
+          <p:nvPr>
+            <p:ph idx="1"/>
+          </p:nvPr>
+        </p:nvSpPr>
+        <p:spPr/>
+        <p:txBody>
+          <a:bodyPr>
+            <a:normAutofit/>
+          </a:bodyPr>
+          <a:lstStyle/>
+          <a:p>
+            <a:pPr marL="457200" lvl="1" indent="0">
+              <a:buNone/>
+            </a:pPr>
+            <a:r>
+              <a:rPr lang="en-US" sz="2800" smtClean="0">
+                <a:latin typeface="Palatino Linotype" panose="02040502050505030304" pitchFamily="18" charset="0"/>
+              </a:rPr>
+              <a:t>Tăng hiệu năng của cơ sở dữ liệu.</a:t>
+            </a:r>
+          </a:p>
+          <a:p>
+            <a:pPr marL="457200" lvl="1" indent="0">
+              <a:buNone/>
+            </a:pPr>
+            <a:endParaRPr lang="en-US" sz="2800">
+              <a:latin typeface="Palatino Linotype" panose="02040502050505030304" pitchFamily="18" charset="0"/>
+            </a:endParaRPr>
+          </a:p>
+          <a:p>
+            <a:pPr lvl="1">
+              <a:buFont typeface="Arial" panose="020B0604020202020204" pitchFamily="34" charset="0"/>
+              <a:buChar char="•"/>
+            </a:pPr>
+            <a:r>
+              <a:rPr lang="en-US" sz="2800" b="1">
+                <a:latin typeface="Palatino Linotype" panose="02040502050505030304" pitchFamily="18" charset="0"/>
+              </a:rPr>
+              <a:t>procedure </a:t>
+            </a:r>
+            <a:r>
+              <a:rPr lang="en-US" sz="2800" b="1" smtClean="0">
+                <a:latin typeface="Palatino Linotype" panose="02040502050505030304" pitchFamily="18" charset="0"/>
+              </a:rPr>
+              <a:t>updateflag</a:t>
+            </a:r>
+            <a:r>
+              <a:rPr lang="en-US" sz="2800" smtClean="0">
+                <a:latin typeface="Palatino Linotype" panose="02040502050505030304" pitchFamily="18" charset="0"/>
+              </a:rPr>
+              <a:t> : </a:t>
+            </a:r>
+            <a:r>
+              <a:rPr lang="en-US" sz="2400">
+                <a:latin typeface="Palatino Linotype" panose="02040502050505030304" pitchFamily="18" charset="0"/>
+              </a:rPr>
+              <a:t>nhận đầu vào là 2 tham số kiểu nguyên. Tham số đầu tiên đại diện cho id của tài khoản và tham số thứ 2 là trạng thái mới của tài khoản. (1 là online, 0 là offline, -1 là deleted) .</a:t>
+            </a:r>
+          </a:p>
+        </p:txBody>
+      </p:sp>
+    </p:spTree>
+    <p:extLst>
+      <p:ext uri="{BB962C8B-B14F-4D97-AF65-F5344CB8AC3E}">
+        <p14:creationId xmlns:p14="http://schemas.microsoft.com/office/powerpoint/2010/main" val="385444045"/>
+      </p:ext>
+    </p:extLst>
+  </p:cSld>
+  <p:clrMapOvr>
+    <a:masterClrMapping/>
+  </p:clrMapOvr>
+  <p:timing>
+    <p:tnLst>
+      <p:par>
+        <p:cTn id="1" dur="indefinite" restart="never" nodeType="tmRoot"/>
+      </p:par>
+    </p:tnLst>
+  </p:timing>
+</p:sld>
+</file>
+
+<file path=ppt/slides/slide18.xml><?xml version="1.0" encoding="utf-8"?>
+<p:sld xmlns:a="http://schemas.openxmlformats.org/drawingml/2006/main" xmlns:r="http://schemas.openxmlformats.org/officeDocument/2006/relationships" xmlns:p="http://schemas.openxmlformats.org/presentationml/2006/main">
+  <p:cSld>
+    <p:spTree>
+      <p:nvGrpSpPr>
+        <p:cNvPr id="1" name=""/>
+        <p:cNvGrpSpPr/>
+        <p:nvPr/>
+      </p:nvGrpSpPr>
+      <p:grpSpPr>
+        <a:xfrm>
+          <a:off x="0" y="0"/>
+          <a:ext cx="0" cy="0"/>
+          <a:chOff x="0" y="0"/>
+          <a:chExt cx="0" cy="0"/>
+        </a:xfrm>
+      </p:grpSpPr>
+      <p:sp>
+        <p:nvSpPr>
+          <p:cNvPr id="2" name="Title 1"/>
+          <p:cNvSpPr>
+            <a:spLocks noGrp="1"/>
+          </p:cNvSpPr>
+          <p:nvPr>
+            <p:ph type="title"/>
+          </p:nvPr>
+        </p:nvSpPr>
+        <p:spPr/>
+        <p:txBody>
+          <a:bodyPr/>
+          <a:lstStyle/>
+          <a:p>
+            <a:r>
+              <a:rPr lang="en-US" smtClean="0">
+                <a:latin typeface="Palatino Linotype" panose="02040502050505030304" pitchFamily="18" charset="0"/>
+              </a:rPr>
+              <a:t>Phần 2: Nghiên cứu, xây dựng</a:t>
+            </a:r>
+            <a:br>
+              <a:rPr lang="en-US" smtClean="0">
+                <a:latin typeface="Palatino Linotype" panose="02040502050505030304" pitchFamily="18" charset="0"/>
+              </a:rPr>
+            </a:br>
+            <a:r>
+              <a:rPr lang="en-US">
+                <a:latin typeface="Palatino Linotype" panose="02040502050505030304" pitchFamily="18" charset="0"/>
+              </a:rPr>
+              <a:t>	</a:t>
+            </a:r>
+            <a:r>
+              <a:rPr lang="en-US" smtClean="0">
+                <a:latin typeface="Palatino Linotype" panose="02040502050505030304" pitchFamily="18" charset="0"/>
+              </a:rPr>
+              <a:t>hệ cơ sở dữ liệu.</a:t>
+            </a:r>
+            <a:endParaRPr lang="en-US">
+              <a:latin typeface="Palatino Linotype" panose="02040502050505030304" pitchFamily="18" charset="0"/>
+            </a:endParaRPr>
+          </a:p>
+        </p:txBody>
+      </p:sp>
+      <p:sp>
+        <p:nvSpPr>
+          <p:cNvPr id="3" name="Content Placeholder 2"/>
+          <p:cNvSpPr>
+            <a:spLocks noGrp="1"/>
+          </p:cNvSpPr>
+          <p:nvPr>
+            <p:ph idx="1"/>
+          </p:nvPr>
+        </p:nvSpPr>
+        <p:spPr/>
+        <p:txBody>
+          <a:bodyPr>
+            <a:normAutofit/>
+          </a:bodyPr>
+          <a:lstStyle/>
+          <a:p>
+            <a:pPr marL="457200" lvl="1" indent="0">
+              <a:buNone/>
+            </a:pPr>
+            <a:r>
+              <a:rPr lang="en-US" sz="2800" smtClean="0">
+                <a:latin typeface="Palatino Linotype" panose="02040502050505030304" pitchFamily="18" charset="0"/>
+              </a:rPr>
+              <a:t>Tăng hiệu năng của cơ sở dữ liệu.</a:t>
+            </a:r>
+            <a:endParaRPr lang="en-US" sz="2800">
+              <a:latin typeface="Palatino Linotype" panose="02040502050505030304" pitchFamily="18" charset="0"/>
+            </a:endParaRPr>
+          </a:p>
+          <a:p>
+            <a:pPr marL="457200" lvl="1" indent="0">
+              <a:buNone/>
+            </a:pPr>
+            <a:endParaRPr lang="en-US" sz="2600" smtClean="0">
+              <a:latin typeface="Palatino Linotype" panose="02040502050505030304" pitchFamily="18" charset="0"/>
+            </a:endParaRPr>
+          </a:p>
+        </p:txBody>
+      </p:sp>
+    </p:spTree>
+    <p:extLst>
+      <p:ext uri="{BB962C8B-B14F-4D97-AF65-F5344CB8AC3E}">
+        <p14:creationId xmlns:p14="http://schemas.microsoft.com/office/powerpoint/2010/main" val="1848806026"/>
+      </p:ext>
+    </p:extLst>
+  </p:cSld>
+  <p:clrMapOvr>
+    <a:masterClrMapping/>
+  </p:clrMapOvr>
+  <p:timing>
+    <p:tnLst>
+      <p:par>
+        <p:cTn id="1" dur="indefinite" restart="never" nodeType="tmRoot"/>
+      </p:par>
+    </p:tnLst>
+  </p:timing>
+</p:sld>
+</file>
+
+<file path=ppt/slides/slide19.xml><?xml version="1.0" encoding="utf-8"?>
+<p:sld xmlns:a="http://schemas.openxmlformats.org/drawingml/2006/main" xmlns:r="http://schemas.openxmlformats.org/officeDocument/2006/relationships" xmlns:p="http://schemas.openxmlformats.org/presentationml/2006/main">
+  <p:cSld>
+    <p:spTree>
+      <p:nvGrpSpPr>
+        <p:cNvPr id="1" name=""/>
+        <p:cNvGrpSpPr/>
+        <p:nvPr/>
+      </p:nvGrpSpPr>
+      <p:grpSpPr>
+        <a:xfrm>
+          <a:off x="0" y="0"/>
+          <a:ext cx="0" cy="0"/>
+          <a:chOff x="0" y="0"/>
+          <a:chExt cx="0" cy="0"/>
+        </a:xfrm>
+      </p:grpSpPr>
+      <p:sp>
+        <p:nvSpPr>
+          <p:cNvPr id="2" name="Title 1"/>
+          <p:cNvSpPr>
+            <a:spLocks noGrp="1"/>
+          </p:cNvSpPr>
+          <p:nvPr>
+            <p:ph type="title"/>
+          </p:nvPr>
+        </p:nvSpPr>
+        <p:spPr/>
+        <p:txBody>
+          <a:bodyPr/>
+          <a:lstStyle/>
+          <a:p>
+            <a:r>
+              <a:rPr lang="en-US" smtClean="0">
+                <a:latin typeface="Palatino Linotype" panose="02040502050505030304" pitchFamily="18" charset="0"/>
+              </a:rPr>
               <a:t>Phần 3: Xây dựng ứng dụng.</a:t>
             </a:r>
             <a:endParaRPr lang="en-US">
@@ -10688,7 +11340,185 @@
 </p:sld>
 </file>
 
-<file path=ppt/slides/slide18.xml><?xml version="1.0" encoding="utf-8"?>
+<file path=ppt/slides/slide2.xml><?xml version="1.0" encoding="utf-8"?>
+<p:sld xmlns:a="http://schemas.openxmlformats.org/drawingml/2006/main" xmlns:r="http://schemas.openxmlformats.org/officeDocument/2006/relationships" xmlns:p="http://schemas.openxmlformats.org/presentationml/2006/main">
+  <p:cSld>
+    <p:spTree>
+      <p:nvGrpSpPr>
+        <p:cNvPr id="1" name=""/>
+        <p:cNvGrpSpPr/>
+        <p:nvPr/>
+      </p:nvGrpSpPr>
+      <p:grpSpPr>
+        <a:xfrm>
+          <a:off x="0" y="0"/>
+          <a:ext cx="0" cy="0"/>
+          <a:chOff x="0" y="0"/>
+          <a:chExt cx="0" cy="0"/>
+        </a:xfrm>
+      </p:grpSpPr>
+      <p:sp>
+        <p:nvSpPr>
+          <p:cNvPr id="2" name="Title 1"/>
+          <p:cNvSpPr>
+            <a:spLocks noGrp="1"/>
+          </p:cNvSpPr>
+          <p:nvPr>
+            <p:ph type="title"/>
+          </p:nvPr>
+        </p:nvSpPr>
+        <p:spPr/>
+        <p:txBody>
+          <a:bodyPr/>
+          <a:lstStyle/>
+          <a:p>
+            <a:r>
+              <a:rPr lang="en-US" smtClean="0">
+                <a:latin typeface="Palatino Linotype" panose="02040502050505030304" pitchFamily="18" charset="0"/>
+              </a:rPr>
+              <a:t>Nội dung:</a:t>
+            </a:r>
+            <a:endParaRPr lang="en-US">
+              <a:latin typeface="Palatino Linotype" panose="02040502050505030304" pitchFamily="18" charset="0"/>
+            </a:endParaRPr>
+          </a:p>
+        </p:txBody>
+      </p:sp>
+      <p:sp>
+        <p:nvSpPr>
+          <p:cNvPr id="3" name="Content Placeholder 2"/>
+          <p:cNvSpPr>
+            <a:spLocks noGrp="1"/>
+          </p:cNvSpPr>
+          <p:nvPr>
+            <p:ph idx="1"/>
+          </p:nvPr>
+        </p:nvSpPr>
+        <p:spPr/>
+        <p:txBody>
+          <a:bodyPr>
+            <a:normAutofit fontScale="92500" lnSpcReduction="20000"/>
+          </a:bodyPr>
+          <a:lstStyle/>
+          <a:p>
+            <a:pPr marL="0" indent="0">
+              <a:buNone/>
+            </a:pPr>
+            <a:r>
+              <a:rPr lang="en-US" sz="2800" smtClean="0">
+                <a:latin typeface="Palatino Linotype" panose="02040502050505030304" pitchFamily="18" charset="0"/>
+              </a:rPr>
+              <a:t>	Phần 1: Giới thiệu tổng quát đề tài nghiên cứu.</a:t>
+            </a:r>
+          </a:p>
+          <a:p>
+            <a:pPr marL="0" indent="0">
+              <a:buNone/>
+            </a:pPr>
+            <a:endParaRPr lang="en-US" sz="2800" smtClean="0">
+              <a:latin typeface="Palatino Linotype" panose="02040502050505030304" pitchFamily="18" charset="0"/>
+            </a:endParaRPr>
+          </a:p>
+          <a:p>
+            <a:pPr marL="457200" lvl="1" indent="0">
+              <a:buNone/>
+            </a:pPr>
+            <a:r>
+              <a:rPr lang="en-US" sz="2800" smtClean="0">
+                <a:latin typeface="Palatino Linotype" panose="02040502050505030304" pitchFamily="18" charset="0"/>
+              </a:rPr>
+              <a:t>Phần 2: Nghiên cứu, xây dựng hệ cơ sở dữ liệu.</a:t>
+            </a:r>
+          </a:p>
+          <a:p>
+            <a:pPr marL="457200" lvl="1" indent="0">
+              <a:buNone/>
+            </a:pPr>
+            <a:endParaRPr lang="en-US" sz="2800" smtClean="0">
+              <a:latin typeface="Palatino Linotype" panose="02040502050505030304" pitchFamily="18" charset="0"/>
+            </a:endParaRPr>
+          </a:p>
+          <a:p>
+            <a:pPr marL="457200" lvl="1" indent="0">
+              <a:buNone/>
+            </a:pPr>
+            <a:r>
+              <a:rPr lang="en-US" sz="2800" smtClean="0">
+                <a:latin typeface="Palatino Linotype" panose="02040502050505030304" pitchFamily="18" charset="0"/>
+              </a:rPr>
+              <a:t>Phần 3: Thiết kế, xây dựng phần mềm.</a:t>
+            </a:r>
+          </a:p>
+          <a:p>
+            <a:pPr marL="457200" lvl="1" indent="0">
+              <a:buNone/>
+            </a:pPr>
+            <a:endParaRPr lang="en-US" sz="2800" smtClean="0">
+              <a:latin typeface="Palatino Linotype" panose="02040502050505030304" pitchFamily="18" charset="0"/>
+            </a:endParaRPr>
+          </a:p>
+          <a:p>
+            <a:pPr marL="457200" lvl="1" indent="0">
+              <a:buNone/>
+            </a:pPr>
+            <a:r>
+              <a:rPr lang="en-US" sz="2800" smtClean="0">
+                <a:latin typeface="Palatino Linotype" panose="02040502050505030304" pitchFamily="18" charset="0"/>
+              </a:rPr>
+              <a:t>Phần 4: Giới thiệu sản phẩm.</a:t>
+            </a:r>
+          </a:p>
+          <a:p>
+            <a:pPr marL="457200" lvl="1" indent="0">
+              <a:buNone/>
+            </a:pPr>
+            <a:endParaRPr lang="en-US" sz="2800" smtClean="0">
+              <a:latin typeface="Palatino Linotype" panose="02040502050505030304" pitchFamily="18" charset="0"/>
+            </a:endParaRPr>
+          </a:p>
+          <a:p>
+            <a:pPr marL="457200" lvl="1" indent="0">
+              <a:buNone/>
+            </a:pPr>
+            <a:r>
+              <a:rPr lang="en-US" sz="2800" smtClean="0">
+                <a:latin typeface="Palatino Linotype" panose="02040502050505030304" pitchFamily="18" charset="0"/>
+              </a:rPr>
+              <a:t>Phần 5: Hướng phát triển phần mềm.</a:t>
+            </a:r>
+          </a:p>
+          <a:p>
+            <a:pPr lvl="1">
+              <a:buFont typeface="Wingdings" panose="05000000000000000000" pitchFamily="2" charset="2"/>
+              <a:buChar char="v"/>
+            </a:pPr>
+            <a:endParaRPr lang="en-US" sz="2800" smtClean="0">
+              <a:latin typeface="Palatino Linotype" panose="02040502050505030304" pitchFamily="18" charset="0"/>
+            </a:endParaRPr>
+          </a:p>
+        </p:txBody>
+      </p:sp>
+    </p:spTree>
+    <p:extLst>
+      <p:ext uri="{BB962C8B-B14F-4D97-AF65-F5344CB8AC3E}">
+        <p14:creationId xmlns:p14="http://schemas.microsoft.com/office/powerpoint/2010/main" val="2333538943"/>
+      </p:ext>
+    </p:extLst>
+  </p:cSld>
+  <p:clrMapOvr>
+    <a:masterClrMapping/>
+  </p:clrMapOvr>
+  <p:timing>
+    <p:tnLst>
+      <p:par>
+        <p:cTn id="1" dur="indefinite" restart="never" nodeType="tmRoot"/>
+      </p:par>
+    </p:tnLst>
+  </p:timing>
+</p:sld>
+</file>
+
+<file path=ppt/slides/slide20.xml><?xml version="1.0" encoding="utf-8"?>
 <p:sld xmlns:a="http://schemas.openxmlformats.org/drawingml/2006/main" xmlns:r="http://schemas.openxmlformats.org/officeDocument/2006/relationships" xmlns:p="http://schemas.openxmlformats.org/presentationml/2006/main">
   <p:cSld>
     <p:spTree>
@@ -10829,7 +11659,7 @@
 </p:sld>
 </file>
 
-<file path=ppt/slides/slide19.xml><?xml version="1.0" encoding="utf-8"?>
+<file path=ppt/slides/slide21.xml><?xml version="1.0" encoding="utf-8"?>
 <p:sld xmlns:a="http://schemas.openxmlformats.org/drawingml/2006/main" xmlns:r="http://schemas.openxmlformats.org/officeDocument/2006/relationships" xmlns:p="http://schemas.openxmlformats.org/presentationml/2006/main">
   <p:cSld>
     <p:spTree>
@@ -10970,185 +11800,7 @@
 </p:sld>
 </file>
 
-<file path=ppt/slides/slide2.xml><?xml version="1.0" encoding="utf-8"?>
-<p:sld xmlns:a="http://schemas.openxmlformats.org/drawingml/2006/main" xmlns:r="http://schemas.openxmlformats.org/officeDocument/2006/relationships" xmlns:p="http://schemas.openxmlformats.org/presentationml/2006/main">
-  <p:cSld>
-    <p:spTree>
-      <p:nvGrpSpPr>
-        <p:cNvPr id="1" name=""/>
-        <p:cNvGrpSpPr/>
-        <p:nvPr/>
-      </p:nvGrpSpPr>
-      <p:grpSpPr>
-        <a:xfrm>
-          <a:off x="0" y="0"/>
-          <a:ext cx="0" cy="0"/>
-          <a:chOff x="0" y="0"/>
-          <a:chExt cx="0" cy="0"/>
-        </a:xfrm>
-      </p:grpSpPr>
-      <p:sp>
-        <p:nvSpPr>
-          <p:cNvPr id="2" name="Title 1"/>
-          <p:cNvSpPr>
-            <a:spLocks noGrp="1"/>
-          </p:cNvSpPr>
-          <p:nvPr>
-            <p:ph type="title"/>
-          </p:nvPr>
-        </p:nvSpPr>
-        <p:spPr/>
-        <p:txBody>
-          <a:bodyPr/>
-          <a:lstStyle/>
-          <a:p>
-            <a:r>
-              <a:rPr lang="en-US" smtClean="0">
-                <a:latin typeface="Palatino Linotype" panose="02040502050505030304" pitchFamily="18" charset="0"/>
-              </a:rPr>
-              <a:t>Nội dung:</a:t>
-            </a:r>
-            <a:endParaRPr lang="en-US">
-              <a:latin typeface="Palatino Linotype" panose="02040502050505030304" pitchFamily="18" charset="0"/>
-            </a:endParaRPr>
-          </a:p>
-        </p:txBody>
-      </p:sp>
-      <p:sp>
-        <p:nvSpPr>
-          <p:cNvPr id="3" name="Content Placeholder 2"/>
-          <p:cNvSpPr>
-            <a:spLocks noGrp="1"/>
-          </p:cNvSpPr>
-          <p:nvPr>
-            <p:ph idx="1"/>
-          </p:nvPr>
-        </p:nvSpPr>
-        <p:spPr/>
-        <p:txBody>
-          <a:bodyPr>
-            <a:normAutofit fontScale="92500" lnSpcReduction="20000"/>
-          </a:bodyPr>
-          <a:lstStyle/>
-          <a:p>
-            <a:pPr marL="0" indent="0">
-              <a:buNone/>
-            </a:pPr>
-            <a:r>
-              <a:rPr lang="en-US" sz="2800" smtClean="0">
-                <a:latin typeface="Palatino Linotype" panose="02040502050505030304" pitchFamily="18" charset="0"/>
-              </a:rPr>
-              <a:t>	Phần 1: Giới thiệu tổng quát đề tài nghiên cứu.</a:t>
-            </a:r>
-          </a:p>
-          <a:p>
-            <a:pPr marL="0" indent="0">
-              <a:buNone/>
-            </a:pPr>
-            <a:endParaRPr lang="en-US" sz="2800" smtClean="0">
-              <a:latin typeface="Palatino Linotype" panose="02040502050505030304" pitchFamily="18" charset="0"/>
-            </a:endParaRPr>
-          </a:p>
-          <a:p>
-            <a:pPr marL="457200" lvl="1" indent="0">
-              <a:buNone/>
-            </a:pPr>
-            <a:r>
-              <a:rPr lang="en-US" sz="2800" smtClean="0">
-                <a:latin typeface="Palatino Linotype" panose="02040502050505030304" pitchFamily="18" charset="0"/>
-              </a:rPr>
-              <a:t>Phần 2: Nghiên cứu, xây dựng hệ cơ sở dữ liệu.</a:t>
-            </a:r>
-          </a:p>
-          <a:p>
-            <a:pPr marL="457200" lvl="1" indent="0">
-              <a:buNone/>
-            </a:pPr>
-            <a:endParaRPr lang="en-US" sz="2800" smtClean="0">
-              <a:latin typeface="Palatino Linotype" panose="02040502050505030304" pitchFamily="18" charset="0"/>
-            </a:endParaRPr>
-          </a:p>
-          <a:p>
-            <a:pPr marL="457200" lvl="1" indent="0">
-              <a:buNone/>
-            </a:pPr>
-            <a:r>
-              <a:rPr lang="en-US" sz="2800" smtClean="0">
-                <a:latin typeface="Palatino Linotype" panose="02040502050505030304" pitchFamily="18" charset="0"/>
-              </a:rPr>
-              <a:t>Phần 3: Thiết kế, xây dựng phần mềm.</a:t>
-            </a:r>
-          </a:p>
-          <a:p>
-            <a:pPr marL="457200" lvl="1" indent="0">
-              <a:buNone/>
-            </a:pPr>
-            <a:endParaRPr lang="en-US" sz="2800" smtClean="0">
-              <a:latin typeface="Palatino Linotype" panose="02040502050505030304" pitchFamily="18" charset="0"/>
-            </a:endParaRPr>
-          </a:p>
-          <a:p>
-            <a:pPr marL="457200" lvl="1" indent="0">
-              <a:buNone/>
-            </a:pPr>
-            <a:r>
-              <a:rPr lang="en-US" sz="2800" smtClean="0">
-                <a:latin typeface="Palatino Linotype" panose="02040502050505030304" pitchFamily="18" charset="0"/>
-              </a:rPr>
-              <a:t>Phần 4: Giới thiệu sản phẩm.</a:t>
-            </a:r>
-          </a:p>
-          <a:p>
-            <a:pPr marL="457200" lvl="1" indent="0">
-              <a:buNone/>
-            </a:pPr>
-            <a:endParaRPr lang="en-US" sz="2800" smtClean="0">
-              <a:latin typeface="Palatino Linotype" panose="02040502050505030304" pitchFamily="18" charset="0"/>
-            </a:endParaRPr>
-          </a:p>
-          <a:p>
-            <a:pPr marL="457200" lvl="1" indent="0">
-              <a:buNone/>
-            </a:pPr>
-            <a:r>
-              <a:rPr lang="en-US" sz="2800" smtClean="0">
-                <a:latin typeface="Palatino Linotype" panose="02040502050505030304" pitchFamily="18" charset="0"/>
-              </a:rPr>
-              <a:t>Phần 5: Hướng phát triển phần mềm.</a:t>
-            </a:r>
-          </a:p>
-          <a:p>
-            <a:pPr lvl="1">
-              <a:buFont typeface="Wingdings" panose="05000000000000000000" pitchFamily="2" charset="2"/>
-              <a:buChar char="v"/>
-            </a:pPr>
-            <a:endParaRPr lang="en-US" sz="2800" smtClean="0">
-              <a:latin typeface="Palatino Linotype" panose="02040502050505030304" pitchFamily="18" charset="0"/>
-            </a:endParaRPr>
-          </a:p>
-        </p:txBody>
-      </p:sp>
-    </p:spTree>
-    <p:extLst>
-      <p:ext uri="{BB962C8B-B14F-4D97-AF65-F5344CB8AC3E}">
-        <p14:creationId xmlns:p14="http://schemas.microsoft.com/office/powerpoint/2010/main" val="2333538943"/>
-      </p:ext>
-    </p:extLst>
-  </p:cSld>
-  <p:clrMapOvr>
-    <a:masterClrMapping/>
-  </p:clrMapOvr>
-  <p:timing>
-    <p:tnLst>
-      <p:par>
-        <p:cTn id="1" dur="indefinite" restart="never" nodeType="tmRoot"/>
-      </p:par>
-    </p:tnLst>
-  </p:timing>
-</p:sld>
-</file>
-
-<file path=ppt/slides/slide20.xml><?xml version="1.0" encoding="utf-8"?>
+<file path=ppt/slides/slide22.xml><?xml version="1.0" encoding="utf-8"?>
 <p:sld xmlns:a="http://schemas.openxmlformats.org/drawingml/2006/main" xmlns:r="http://schemas.openxmlformats.org/officeDocument/2006/relationships" xmlns:p="http://schemas.openxmlformats.org/presentationml/2006/main">
   <p:cSld>
     <p:spTree>
@@ -11289,256 +11941,6 @@
 </p:sld>
 </file>
 
-<file path=ppt/slides/slide21.xml><?xml version="1.0" encoding="utf-8"?>
-<p:sld xmlns:a="http://schemas.openxmlformats.org/drawingml/2006/main" xmlns:r="http://schemas.openxmlformats.org/officeDocument/2006/relationships" xmlns:p="http://schemas.openxmlformats.org/presentationml/2006/main">
-  <p:cSld>
-    <p:spTree>
-      <p:nvGrpSpPr>
-        <p:cNvPr id="1" name=""/>
-        <p:cNvGrpSpPr/>
-        <p:nvPr/>
-      </p:nvGrpSpPr>
-      <p:grpSpPr>
-        <a:xfrm>
-          <a:off x="0" y="0"/>
-          <a:ext cx="0" cy="0"/>
-          <a:chOff x="0" y="0"/>
-          <a:chExt cx="0" cy="0"/>
-        </a:xfrm>
-      </p:grpSpPr>
-      <p:sp>
-        <p:nvSpPr>
-          <p:cNvPr id="2" name="Title 1"/>
-          <p:cNvSpPr>
-            <a:spLocks noGrp="1"/>
-          </p:cNvSpPr>
-          <p:nvPr>
-            <p:ph type="title"/>
-          </p:nvPr>
-        </p:nvSpPr>
-        <p:spPr/>
-        <p:txBody>
-          <a:bodyPr/>
-          <a:lstStyle/>
-          <a:p>
-            <a:r>
-              <a:rPr lang="en-US">
-                <a:latin typeface="Palatino Linotype" panose="02040502050505030304" pitchFamily="18" charset="0"/>
-              </a:rPr>
-              <a:t>Phần 3: Xây dựng ứng dụng.</a:t>
-            </a:r>
-          </a:p>
-        </p:txBody>
-      </p:sp>
-      <p:sp>
-        <p:nvSpPr>
-          <p:cNvPr id="3" name="Content Placeholder 2"/>
-          <p:cNvSpPr>
-            <a:spLocks noGrp="1"/>
-          </p:cNvSpPr>
-          <p:nvPr>
-            <p:ph idx="1"/>
-          </p:nvPr>
-        </p:nvSpPr>
-        <p:spPr/>
-        <p:txBody>
-          <a:bodyPr>
-            <a:normAutofit/>
-          </a:bodyPr>
-          <a:lstStyle/>
-          <a:p>
-            <a:pPr lvl="1">
-              <a:buFont typeface="Wingdings" panose="05000000000000000000" pitchFamily="2" charset="2"/>
-              <a:buChar char="v"/>
-            </a:pPr>
-            <a:r>
-              <a:rPr lang="en-US" sz="3200" smtClean="0">
-                <a:latin typeface="Palatino Linotype" panose="02040502050505030304" pitchFamily="18" charset="0"/>
-              </a:rPr>
-              <a:t>Kiến thức sử dụng.</a:t>
-            </a:r>
-          </a:p>
-          <a:p>
-            <a:pPr lvl="2">
-              <a:buFont typeface="Wingdings" panose="05000000000000000000" pitchFamily="2" charset="2"/>
-              <a:buChar char="v"/>
-            </a:pPr>
-            <a:r>
-              <a:rPr lang="en-US" sz="2800" smtClean="0">
-                <a:latin typeface="Palatino Linotype" panose="02040502050505030304" pitchFamily="18" charset="0"/>
-              </a:rPr>
-              <a:t>Lập trình hướng đối tượng.</a:t>
-            </a:r>
-          </a:p>
-          <a:p>
-            <a:pPr lvl="2">
-              <a:buFont typeface="Wingdings" panose="05000000000000000000" pitchFamily="2" charset="2"/>
-              <a:buChar char="v"/>
-            </a:pPr>
-            <a:r>
-              <a:rPr lang="en-US" sz="2800" smtClean="0">
-                <a:latin typeface="Palatino Linotype" panose="02040502050505030304" pitchFamily="18" charset="0"/>
-              </a:rPr>
-              <a:t>Ngôn ngữ lập trình Java.</a:t>
-            </a:r>
-          </a:p>
-          <a:p>
-            <a:pPr lvl="2">
-              <a:buFont typeface="Wingdings" panose="05000000000000000000" pitchFamily="2" charset="2"/>
-              <a:buChar char="v"/>
-            </a:pPr>
-            <a:r>
-              <a:rPr lang="en-US" sz="2800" smtClean="0">
-                <a:latin typeface="Palatino Linotype" panose="02040502050505030304" pitchFamily="18" charset="0"/>
-              </a:rPr>
-              <a:t>Thư viện đồ họa Swing.</a:t>
-            </a:r>
-          </a:p>
-          <a:p>
-            <a:pPr lvl="2">
-              <a:buFont typeface="Wingdings" panose="05000000000000000000" pitchFamily="2" charset="2"/>
-              <a:buChar char="v"/>
-            </a:pPr>
-            <a:r>
-              <a:rPr lang="en-US" sz="2800" smtClean="0">
-                <a:latin typeface="Palatino Linotype" panose="02040502050505030304" pitchFamily="18" charset="0"/>
-              </a:rPr>
-              <a:t>Kết nối cơ sở dữ liệu bằng JDBC.</a:t>
-            </a:r>
-          </a:p>
-          <a:p>
-            <a:pPr lvl="2">
-              <a:buFont typeface="Wingdings" panose="05000000000000000000" pitchFamily="2" charset="2"/>
-              <a:buChar char="v"/>
-            </a:pPr>
-            <a:r>
-              <a:rPr lang="en-US" sz="2800" smtClean="0">
-                <a:latin typeface="Palatino Linotype" panose="02040502050505030304" pitchFamily="18" charset="0"/>
-              </a:rPr>
-              <a:t>Gửi nhận dữ liệu qua mạng LAN sử dụng socket.</a:t>
-            </a:r>
-          </a:p>
-          <a:p>
-            <a:pPr lvl="2">
-              <a:buFont typeface="Wingdings" panose="05000000000000000000" pitchFamily="2" charset="2"/>
-              <a:buChar char="v"/>
-            </a:pPr>
-            <a:endParaRPr lang="en-US" sz="2400" smtClean="0">
-              <a:latin typeface="Palatino Linotype" panose="02040502050505030304" pitchFamily="18" charset="0"/>
-            </a:endParaRPr>
-          </a:p>
-        </p:txBody>
-      </p:sp>
-    </p:spTree>
-    <p:extLst>
-      <p:ext uri="{BB962C8B-B14F-4D97-AF65-F5344CB8AC3E}">
-        <p14:creationId xmlns:p14="http://schemas.microsoft.com/office/powerpoint/2010/main" val="3470720185"/>
-      </p:ext>
-    </p:extLst>
-  </p:cSld>
-  <p:clrMapOvr>
-    <a:masterClrMapping/>
-  </p:clrMapOvr>
-  <p:timing>
-    <p:tnLst>
-      <p:par>
-        <p:cTn id="1" dur="indefinite" restart="never" nodeType="tmRoot"/>
-      </p:par>
-    </p:tnLst>
-  </p:timing>
-</p:sld>
-</file>
-
-<file path=ppt/slides/slide22.xml><?xml version="1.0" encoding="utf-8"?>
-<p:sld xmlns:a="http://schemas.openxmlformats.org/drawingml/2006/main" xmlns:r="http://schemas.openxmlformats.org/officeDocument/2006/relationships" xmlns:p="http://schemas.openxmlformats.org/presentationml/2006/main">
-  <p:cSld>
-    <p:spTree>
-      <p:nvGrpSpPr>
-        <p:cNvPr id="1" name=""/>
-        <p:cNvGrpSpPr/>
-        <p:nvPr/>
-      </p:nvGrpSpPr>
-      <p:grpSpPr>
-        <a:xfrm>
-          <a:off x="0" y="0"/>
-          <a:ext cx="0" cy="0"/>
-          <a:chOff x="0" y="0"/>
-          <a:chExt cx="0" cy="0"/>
-        </a:xfrm>
-      </p:grpSpPr>
-      <p:sp>
-        <p:nvSpPr>
-          <p:cNvPr id="2" name="Title 1"/>
-          <p:cNvSpPr>
-            <a:spLocks noGrp="1"/>
-          </p:cNvSpPr>
-          <p:nvPr>
-            <p:ph type="title"/>
-          </p:nvPr>
-        </p:nvSpPr>
-        <p:spPr/>
-        <p:txBody>
-          <a:bodyPr/>
-          <a:lstStyle/>
-          <a:p>
-            <a:r>
-              <a:rPr lang="en-US" smtClean="0">
-                <a:latin typeface="Palatino Linotype" panose="02040502050505030304" pitchFamily="18" charset="0"/>
-              </a:rPr>
-              <a:t>Phần 4: Giới thiệu ứng dụng.</a:t>
-            </a:r>
-            <a:endParaRPr lang="en-US">
-              <a:latin typeface="Palatino Linotype" panose="02040502050505030304" pitchFamily="18" charset="0"/>
-            </a:endParaRPr>
-          </a:p>
-        </p:txBody>
-      </p:sp>
-      <p:sp>
-        <p:nvSpPr>
-          <p:cNvPr id="3" name="Content Placeholder 2"/>
-          <p:cNvSpPr>
-            <a:spLocks noGrp="1"/>
-          </p:cNvSpPr>
-          <p:nvPr>
-            <p:ph idx="1"/>
-          </p:nvPr>
-        </p:nvSpPr>
-        <p:spPr/>
-        <p:txBody>
-          <a:bodyPr>
-            <a:normAutofit/>
-          </a:bodyPr>
-          <a:lstStyle/>
-          <a:p>
-            <a:pPr marL="457200" lvl="1" indent="0">
-              <a:buNone/>
-            </a:pPr>
-            <a:endParaRPr lang="en-US" sz="2600" smtClean="0">
-              <a:latin typeface="Palatino Linotype" panose="02040502050505030304" pitchFamily="18" charset="0"/>
-            </a:endParaRPr>
-          </a:p>
-        </p:txBody>
-      </p:sp>
-    </p:spTree>
-    <p:extLst>
-      <p:ext uri="{BB962C8B-B14F-4D97-AF65-F5344CB8AC3E}">
-        <p14:creationId xmlns:p14="http://schemas.microsoft.com/office/powerpoint/2010/main" val="1733864808"/>
-      </p:ext>
-    </p:extLst>
-  </p:cSld>
-  <p:clrMapOvr>
-    <a:masterClrMapping/>
-  </p:clrMapOvr>
-  <p:timing>
-    <p:tnLst>
-      <p:par>
-        <p:cTn id="1" dur="indefinite" restart="never" nodeType="tmRoot"/>
-      </p:par>
-    </p:tnLst>
-  </p:timing>
-</p:sld>
-</file>
-
 <file path=ppt/slides/slide23.xml><?xml version="1.0" encoding="utf-8"?>
 <p:sld xmlns:a="http://schemas.openxmlformats.org/drawingml/2006/main" xmlns:r="http://schemas.openxmlformats.org/officeDocument/2006/relationships" xmlns:p="http://schemas.openxmlformats.org/presentationml/2006/main">
   <p:cSld>
@@ -11572,26 +11974,11 @@
           <a:lstStyle/>
           <a:p>
             <a:r>
-              <a:rPr lang="en-US" smtClean="0">
-                <a:latin typeface="Palatino Linotype" panose="02040502050505030304" pitchFamily="18" charset="0"/>
-              </a:rPr>
-              <a:t>Phần </a:t>
-            </a:r>
-            <a:r>
               <a:rPr lang="en-US">
                 <a:latin typeface="Palatino Linotype" panose="02040502050505030304" pitchFamily="18" charset="0"/>
               </a:rPr>
-              <a:t>5</a:t>
-            </a:r>
-            <a:r>
-              <a:rPr lang="en-US" smtClean="0">
-                <a:latin typeface="Palatino Linotype" panose="02040502050505030304" pitchFamily="18" charset="0"/>
-              </a:rPr>
-              <a:t>: Hướng phát triển phần mềm.</a:t>
-            </a:r>
-            <a:endParaRPr lang="en-US">
-              <a:latin typeface="Palatino Linotype" panose="02040502050505030304" pitchFamily="18" charset="0"/>
-            </a:endParaRPr>
+              <a:t>Phần 3: Xây dựng ứng dụng.</a:t>
+            </a:r>
           </a:p>
         </p:txBody>
       </p:sp>
@@ -11617,10 +12004,10 @@
               <a:buChar char="v"/>
             </a:pPr>
             <a:r>
-              <a:rPr lang="en-US" sz="2600" smtClean="0">
-                <a:latin typeface="Palatino Linotype" panose="02040502050505030304" pitchFamily="18" charset="0"/>
-              </a:rPr>
-              <a:t>Hướng phát triển mở rộng của cơ sở dữ liệu.</a:t>
+              <a:rPr lang="en-US" sz="3200" smtClean="0">
+                <a:latin typeface="Palatino Linotype" panose="02040502050505030304" pitchFamily="18" charset="0"/>
+              </a:rPr>
+              <a:t>Kiến thức sử dụng.</a:t>
             </a:r>
           </a:p>
           <a:p>
@@ -11629,10 +12016,10 @@
               <a:buChar char="v"/>
             </a:pPr>
             <a:r>
-              <a:rPr lang="en-US" sz="2400" smtClean="0">
-                <a:latin typeface="Palatino Linotype" panose="02040502050505030304" pitchFamily="18" charset="0"/>
-              </a:rPr>
-              <a:t>Tùy thuộc theo mục đích của mỗi của hàng. Cho phép quản lý thêm các trường dữ liệu cho phù hợp.</a:t>
+              <a:rPr lang="en-US" sz="2800" smtClean="0">
+                <a:latin typeface="Palatino Linotype" panose="02040502050505030304" pitchFamily="18" charset="0"/>
+              </a:rPr>
+              <a:t>Lập trình hướng đối tượng.</a:t>
             </a:r>
           </a:p>
           <a:p>
@@ -11641,18 +12028,63 @@
               <a:buChar char="v"/>
             </a:pPr>
             <a:r>
-              <a:rPr lang="en-US" sz="2400" smtClean="0">
-                <a:latin typeface="Palatino Linotype" panose="02040502050505030304" pitchFamily="18" charset="0"/>
-              </a:rPr>
-              <a:t>Khi lượng dữ liệu trở nên lớn hơn thì ta có thể thuê sử dụng các máy chủ ảo, điện toán đám mây để làm tăng không gian lưu trữ cũng như hiệu năng phần cứng.</a:t>
-            </a:r>
+              <a:rPr lang="en-US" sz="2800" smtClean="0">
+                <a:latin typeface="Palatino Linotype" panose="02040502050505030304" pitchFamily="18" charset="0"/>
+              </a:rPr>
+              <a:t>Ngôn ngữ lập trình Java.</a:t>
+            </a:r>
+          </a:p>
+          <a:p>
+            <a:pPr lvl="2">
+              <a:buFont typeface="Wingdings" panose="05000000000000000000" pitchFamily="2" charset="2"/>
+              <a:buChar char="v"/>
+            </a:pPr>
+            <a:r>
+              <a:rPr lang="en-US" sz="2800" smtClean="0">
+                <a:latin typeface="Palatino Linotype" panose="02040502050505030304" pitchFamily="18" charset="0"/>
+              </a:rPr>
+              <a:t>Thư viện đồ họa Swing.</a:t>
+            </a:r>
+          </a:p>
+          <a:p>
+            <a:pPr lvl="2">
+              <a:buFont typeface="Wingdings" panose="05000000000000000000" pitchFamily="2" charset="2"/>
+              <a:buChar char="v"/>
+            </a:pPr>
+            <a:r>
+              <a:rPr lang="en-US" sz="2800" smtClean="0">
+                <a:latin typeface="Palatino Linotype" panose="02040502050505030304" pitchFamily="18" charset="0"/>
+              </a:rPr>
+              <a:t>Kết nối cơ sở dữ liệu bằng JDBC.</a:t>
+            </a:r>
+          </a:p>
+          <a:p>
+            <a:pPr lvl="2">
+              <a:buFont typeface="Wingdings" panose="05000000000000000000" pitchFamily="2" charset="2"/>
+              <a:buChar char="v"/>
+            </a:pPr>
+            <a:r>
+              <a:rPr lang="en-US" sz="2800" smtClean="0">
+                <a:latin typeface="Palatino Linotype" panose="02040502050505030304" pitchFamily="18" charset="0"/>
+              </a:rPr>
+              <a:t>Gửi nhận dữ liệu qua mạng LAN sử dụng socket.</a:t>
+            </a:r>
+          </a:p>
+          <a:p>
+            <a:pPr lvl="2">
+              <a:buFont typeface="Wingdings" panose="05000000000000000000" pitchFamily="2" charset="2"/>
+              <a:buChar char="v"/>
+            </a:pPr>
+            <a:endParaRPr lang="en-US" sz="2400" smtClean="0">
+              <a:latin typeface="Palatino Linotype" panose="02040502050505030304" pitchFamily="18" charset="0"/>
+            </a:endParaRPr>
           </a:p>
         </p:txBody>
       </p:sp>
     </p:spTree>
     <p:extLst>
       <p:ext uri="{BB962C8B-B14F-4D97-AF65-F5344CB8AC3E}">
-        <p14:creationId xmlns:p14="http://schemas.microsoft.com/office/powerpoint/2010/main" val="2142150559"/>
+        <p14:creationId xmlns:p14="http://schemas.microsoft.com/office/powerpoint/2010/main" val="3470720185"/>
       </p:ext>
     </p:extLst>
   </p:cSld>
@@ -11705,6 +12137,96 @@
               <a:rPr lang="en-US" smtClean="0">
                 <a:latin typeface="Palatino Linotype" panose="02040502050505030304" pitchFamily="18" charset="0"/>
               </a:rPr>
+              <a:t>Phần 4: Giới thiệu ứng dụng.</a:t>
+            </a:r>
+            <a:endParaRPr lang="en-US">
+              <a:latin typeface="Palatino Linotype" panose="02040502050505030304" pitchFamily="18" charset="0"/>
+            </a:endParaRPr>
+          </a:p>
+        </p:txBody>
+      </p:sp>
+      <p:sp>
+        <p:nvSpPr>
+          <p:cNvPr id="3" name="Content Placeholder 2"/>
+          <p:cNvSpPr>
+            <a:spLocks noGrp="1"/>
+          </p:cNvSpPr>
+          <p:nvPr>
+            <p:ph idx="1"/>
+          </p:nvPr>
+        </p:nvSpPr>
+        <p:spPr/>
+        <p:txBody>
+          <a:bodyPr>
+            <a:normAutofit/>
+          </a:bodyPr>
+          <a:lstStyle/>
+          <a:p>
+            <a:pPr marL="457200" lvl="1" indent="0">
+              <a:buNone/>
+            </a:pPr>
+            <a:endParaRPr lang="en-US" sz="2600" smtClean="0">
+              <a:latin typeface="Palatino Linotype" panose="02040502050505030304" pitchFamily="18" charset="0"/>
+            </a:endParaRPr>
+          </a:p>
+        </p:txBody>
+      </p:sp>
+    </p:spTree>
+    <p:extLst>
+      <p:ext uri="{BB962C8B-B14F-4D97-AF65-F5344CB8AC3E}">
+        <p14:creationId xmlns:p14="http://schemas.microsoft.com/office/powerpoint/2010/main" val="1733864808"/>
+      </p:ext>
+    </p:extLst>
+  </p:cSld>
+  <p:clrMapOvr>
+    <a:masterClrMapping/>
+  </p:clrMapOvr>
+  <p:timing>
+    <p:tnLst>
+      <p:par>
+        <p:cTn id="1" dur="indefinite" restart="never" nodeType="tmRoot"/>
+      </p:par>
+    </p:tnLst>
+  </p:timing>
+</p:sld>
+</file>
+
+<file path=ppt/slides/slide25.xml><?xml version="1.0" encoding="utf-8"?>
+<p:sld xmlns:a="http://schemas.openxmlformats.org/drawingml/2006/main" xmlns:r="http://schemas.openxmlformats.org/officeDocument/2006/relationships" xmlns:p="http://schemas.openxmlformats.org/presentationml/2006/main">
+  <p:cSld>
+    <p:spTree>
+      <p:nvGrpSpPr>
+        <p:cNvPr id="1" name=""/>
+        <p:cNvGrpSpPr/>
+        <p:nvPr/>
+      </p:nvGrpSpPr>
+      <p:grpSpPr>
+        <a:xfrm>
+          <a:off x="0" y="0"/>
+          <a:ext cx="0" cy="0"/>
+          <a:chOff x="0" y="0"/>
+          <a:chExt cx="0" cy="0"/>
+        </a:xfrm>
+      </p:grpSpPr>
+      <p:sp>
+        <p:nvSpPr>
+          <p:cNvPr id="2" name="Title 1"/>
+          <p:cNvSpPr>
+            <a:spLocks noGrp="1"/>
+          </p:cNvSpPr>
+          <p:nvPr>
+            <p:ph type="title"/>
+          </p:nvPr>
+        </p:nvSpPr>
+        <p:spPr/>
+        <p:txBody>
+          <a:bodyPr/>
+          <a:lstStyle/>
+          <a:p>
+            <a:r>
+              <a:rPr lang="en-US" smtClean="0">
+                <a:latin typeface="Palatino Linotype" panose="02040502050505030304" pitchFamily="18" charset="0"/>
+              </a:rPr>
               <a:t>Phần </a:t>
             </a:r>
             <a:r>
@@ -11750,7 +12272,7 @@
               <a:rPr lang="en-US" sz="2600" smtClean="0">
                 <a:latin typeface="Palatino Linotype" panose="02040502050505030304" pitchFamily="18" charset="0"/>
               </a:rPr>
-              <a:t>Hướng phát triển chức năng của phần mềm.</a:t>
+              <a:t>Hướng phát triển mở rộng của cơ sở dữ liệu.</a:t>
             </a:r>
           </a:p>
           <a:p>
@@ -11762,7 +12284,7 @@
               <a:rPr lang="en-US" sz="2400" smtClean="0">
                 <a:latin typeface="Palatino Linotype" panose="02040502050505030304" pitchFamily="18" charset="0"/>
               </a:rPr>
-              <a:t>Phần mềm sẽ cần phải mở rộng them các chức năng để phù hợp với nhiều loại cửa hàng hơn.</a:t>
+              <a:t>Tùy thuộc theo mục đích của mỗi của hàng. Cho phép quản lý thêm các trường dữ liệu cho phù hợp.</a:t>
             </a:r>
           </a:p>
           <a:p>
@@ -11774,7 +12296,113 @@
               <a:rPr lang="en-US" sz="2400" smtClean="0">
                 <a:latin typeface="Palatino Linotype" panose="02040502050505030304" pitchFamily="18" charset="0"/>
               </a:rPr>
-              <a:t>Phát triển chức năng online để một cửa hàng có nhiều chi nhánh thì vẫn đồng nhất được một cơ sở dữ liệu.</a:t>
+              <a:t>Khi lượng dữ liệu trở nên lớn hơn thì ta có thể thuê sử dụng các máy chủ ảo, điện toán đám mây để làm tăng không gian lưu trữ cũng như hiệu năng phần cứng.</a:t>
+            </a:r>
+          </a:p>
+        </p:txBody>
+      </p:sp>
+    </p:spTree>
+    <p:extLst>
+      <p:ext uri="{BB962C8B-B14F-4D97-AF65-F5344CB8AC3E}">
+        <p14:creationId xmlns:p14="http://schemas.microsoft.com/office/powerpoint/2010/main" val="2142150559"/>
+      </p:ext>
+    </p:extLst>
+  </p:cSld>
+  <p:clrMapOvr>
+    <a:masterClrMapping/>
+  </p:clrMapOvr>
+  <p:timing>
+    <p:tnLst>
+      <p:par>
+        <p:cTn id="1" dur="indefinite" restart="never" nodeType="tmRoot"/>
+      </p:par>
+    </p:tnLst>
+  </p:timing>
+</p:sld>
+</file>
+
+<file path=ppt/slides/slide26.xml><?xml version="1.0" encoding="utf-8"?>
+<p:sld xmlns:a="http://schemas.openxmlformats.org/drawingml/2006/main" xmlns:r="http://schemas.openxmlformats.org/officeDocument/2006/relationships" xmlns:p="http://schemas.openxmlformats.org/presentationml/2006/main">
+  <p:cSld>
+    <p:spTree>
+      <p:nvGrpSpPr>
+        <p:cNvPr id="1" name=""/>
+        <p:cNvGrpSpPr/>
+        <p:nvPr/>
+      </p:nvGrpSpPr>
+      <p:grpSpPr>
+        <a:xfrm>
+          <a:off x="0" y="0"/>
+          <a:ext cx="0" cy="0"/>
+          <a:chOff x="0" y="0"/>
+          <a:chExt cx="0" cy="0"/>
+        </a:xfrm>
+      </p:grpSpPr>
+      <p:sp>
+        <p:nvSpPr>
+          <p:cNvPr id="2" name="Title 1"/>
+          <p:cNvSpPr>
+            <a:spLocks noGrp="1"/>
+          </p:cNvSpPr>
+          <p:nvPr>
+            <p:ph type="title"/>
+          </p:nvPr>
+        </p:nvSpPr>
+        <p:spPr/>
+        <p:txBody>
+          <a:bodyPr/>
+          <a:lstStyle/>
+          <a:p>
+            <a:r>
+              <a:rPr lang="en-US" smtClean="0">
+                <a:latin typeface="Palatino Linotype" panose="02040502050505030304" pitchFamily="18" charset="0"/>
+              </a:rPr>
+              <a:t>Phần </a:t>
+            </a:r>
+            <a:r>
+              <a:rPr lang="en-US">
+                <a:latin typeface="Palatino Linotype" panose="02040502050505030304" pitchFamily="18" charset="0"/>
+              </a:rPr>
+              <a:t>5</a:t>
+            </a:r>
+            <a:r>
+              <a:rPr lang="en-US" smtClean="0">
+                <a:latin typeface="Palatino Linotype" panose="02040502050505030304" pitchFamily="18" charset="0"/>
+              </a:rPr>
+              <a:t>: Hướng phát triển phần mềm.</a:t>
+            </a:r>
+            <a:endParaRPr lang="en-US">
+              <a:latin typeface="Palatino Linotype" panose="02040502050505030304" pitchFamily="18" charset="0"/>
+            </a:endParaRPr>
+          </a:p>
+        </p:txBody>
+      </p:sp>
+      <p:sp>
+        <p:nvSpPr>
+          <p:cNvPr id="3" name="Content Placeholder 2"/>
+          <p:cNvSpPr>
+            <a:spLocks noGrp="1"/>
+          </p:cNvSpPr>
+          <p:nvPr>
+            <p:ph idx="1"/>
+          </p:nvPr>
+        </p:nvSpPr>
+        <p:spPr/>
+        <p:txBody>
+          <a:bodyPr>
+            <a:normAutofit/>
+          </a:bodyPr>
+          <a:lstStyle/>
+          <a:p>
+            <a:pPr lvl="1">
+              <a:buFont typeface="Wingdings" panose="05000000000000000000" pitchFamily="2" charset="2"/>
+              <a:buChar char="v"/>
+            </a:pPr>
+            <a:r>
+              <a:rPr lang="en-US" sz="2600" smtClean="0">
+                <a:latin typeface="Palatino Linotype" panose="02040502050505030304" pitchFamily="18" charset="0"/>
+              </a:rPr>
+              <a:t>Hướng phát triển chức năng của phần mềm.</a:t>
             </a:r>
           </a:p>
           <a:p>
@@ -11786,13 +12414,7 @@
               <a:rPr lang="en-US" sz="2400" smtClean="0">
                 <a:latin typeface="Palatino Linotype" panose="02040502050505030304" pitchFamily="18" charset="0"/>
               </a:rPr>
-              <a:t>Phát triển thêm chức năng để người mua cũng có thể xem sản phẩm</a:t>
-            </a:r>
-            <a:r>
-              <a:rPr lang="en-US" sz="2400" smtClean="0">
-                <a:latin typeface="Palatino Linotype" panose="02040502050505030304" pitchFamily="18" charset="0"/>
-              </a:rPr>
-              <a:t>.</a:t>
+              <a:t>Phần mềm sẽ cần phải mở rộng them các chức năng để phù hợp với nhiều loại cửa hàng hơn.</a:t>
             </a:r>
           </a:p>
           <a:p>
@@ -11804,11 +12426,32 @@
               <a:rPr lang="en-US" sz="2400" smtClean="0">
                 <a:latin typeface="Palatino Linotype" panose="02040502050505030304" pitchFamily="18" charset="0"/>
               </a:rPr>
+              <a:t>Phát triển chức năng online để một cửa hàng có nhiều chi nhánh thì vẫn đồng nhất được một cơ sở dữ liệu.</a:t>
+            </a:r>
+          </a:p>
+          <a:p>
+            <a:pPr lvl="2">
+              <a:buFont typeface="Wingdings" panose="05000000000000000000" pitchFamily="2" charset="2"/>
+              <a:buChar char="v"/>
+            </a:pPr>
+            <a:r>
+              <a:rPr lang="en-US" sz="2400" smtClean="0">
+                <a:latin typeface="Palatino Linotype" panose="02040502050505030304" pitchFamily="18" charset="0"/>
+              </a:rPr>
+              <a:t>Phát triển thêm chức năng để người mua cũng có thể xem sản phẩm.</a:t>
+            </a:r>
+          </a:p>
+          <a:p>
+            <a:pPr lvl="2">
+              <a:buFont typeface="Wingdings" panose="05000000000000000000" pitchFamily="2" charset="2"/>
+              <a:buChar char="v"/>
+            </a:pPr>
+            <a:r>
+              <a:rPr lang="en-US" sz="2400" smtClean="0">
+                <a:latin typeface="Palatino Linotype" panose="02040502050505030304" pitchFamily="18" charset="0"/>
+              </a:rPr>
               <a:t>Phát triển ứng dụng thu ngân trên các nền tảng di động.</a:t>
             </a:r>
-            <a:endParaRPr lang="en-US" sz="2400" smtClean="0">
-              <a:latin typeface="Palatino Linotype" panose="02040502050505030304" pitchFamily="18" charset="0"/>
-            </a:endParaRPr>
           </a:p>
         </p:txBody>
       </p:sp>

--- a/Slide.pptx
+++ b/Slide.pptx
@@ -5,7 +5,7 @@
     <p:sldMasterId id="2147483648" r:id="rId1"/>
   </p:sldMasterIdLst>
   <p:notesMasterIdLst>
-    <p:notesMasterId r:id="rId28"/>
+    <p:notesMasterId r:id="rId26"/>
   </p:notesMasterIdLst>
   <p:sldIdLst>
     <p:sldId id="256" r:id="rId2"/>
@@ -21,19 +21,17 @@
     <p:sldId id="266" r:id="rId12"/>
     <p:sldId id="267" r:id="rId13"/>
     <p:sldId id="268" r:id="rId14"/>
-    <p:sldId id="280" r:id="rId15"/>
-    <p:sldId id="269" r:id="rId16"/>
-    <p:sldId id="281" r:id="rId17"/>
-    <p:sldId id="271" r:id="rId18"/>
-    <p:sldId id="270" r:id="rId19"/>
-    <p:sldId id="272" r:id="rId20"/>
-    <p:sldId id="274" r:id="rId21"/>
-    <p:sldId id="275" r:id="rId22"/>
-    <p:sldId id="276" r:id="rId23"/>
-    <p:sldId id="273" r:id="rId24"/>
-    <p:sldId id="277" r:id="rId25"/>
-    <p:sldId id="278" r:id="rId26"/>
-    <p:sldId id="279" r:id="rId27"/>
+    <p:sldId id="269" r:id="rId15"/>
+    <p:sldId id="271" r:id="rId16"/>
+    <p:sldId id="270" r:id="rId17"/>
+    <p:sldId id="272" r:id="rId18"/>
+    <p:sldId id="274" r:id="rId19"/>
+    <p:sldId id="275" r:id="rId20"/>
+    <p:sldId id="276" r:id="rId21"/>
+    <p:sldId id="273" r:id="rId22"/>
+    <p:sldId id="277" r:id="rId23"/>
+    <p:sldId id="278" r:id="rId24"/>
+    <p:sldId id="279" r:id="rId25"/>
   </p:sldIdLst>
   <p:sldSz cx="12192000" cy="6858000"/>
   <p:notesSz cx="6858000" cy="9144000"/>
@@ -222,7 +220,7 @@
           <a:p>
             <a:fld id="{636539AC-B433-4144-BF82-571F8E79E096}" type="datetimeFigureOut">
               <a:rPr lang="en-US" smtClean="0"/>
-              <a:t>9/12/2015</a:t>
+              <a:t>7/12/2015</a:t>
             </a:fld>
             <a:endParaRPr lang="en-US"/>
           </a:p>
@@ -821,7 +819,40 @@
           <a:bodyPr/>
           <a:lstStyle/>
           <a:p>
-            <a:endParaRPr lang="en-US"/>
+            <a:pPr rtl="0"/>
+            <a:r>
+              <a:rPr lang="vi-VN" sz="1200" b="0" i="0" u="none" strike="noStrike" kern="1200" smtClean="0">
+                <a:solidFill>
+                  <a:schemeClr val="tx1"/>
+                </a:solidFill>
+                <a:effectLst/>
+                <a:latin typeface="+mn-lt"/>
+                <a:ea typeface="+mn-ea"/>
+                <a:cs typeface="+mn-cs"/>
+              </a:rPr>
+              <a:t> Với một cơ sở dữ liệu lớn như quản lý siêu thị thì việc sử dụng index sẽ giups cải thiện đáng kể tốc độ truy suất bảng, hay duyệt tìm kiếm các gía trị.</a:t>
+            </a:r>
+            <a:endParaRPr lang="vi-VN" b="0" smtClean="0">
+              <a:effectLst/>
+            </a:endParaRPr>
+          </a:p>
+          <a:p>
+            <a:pPr rtl="0"/>
+            <a:r>
+              <a:rPr lang="vi-VN" sz="1200" b="0" i="0" u="none" strike="noStrike" kern="1200" smtClean="0">
+                <a:solidFill>
+                  <a:schemeClr val="tx1"/>
+                </a:solidFill>
+                <a:effectLst/>
+                <a:latin typeface="+mn-lt"/>
+                <a:ea typeface="+mn-ea"/>
+                <a:cs typeface="+mn-cs"/>
+              </a:rPr>
+              <a:t>- Cụ thể, đánh index tại các bảng account, mat_hang, nhomhang và ncc. Tất cả các câu lệnh thêm index được lưu trữ trong 1 store procedure.</a:t>
+            </a:r>
+            <a:endParaRPr lang="vi-VN" b="0" smtClean="0">
+              <a:effectLst/>
+            </a:endParaRPr>
           </a:p>
         </p:txBody>
       </p:sp>
@@ -851,7 +882,7 @@
     </p:spTree>
     <p:extLst>
       <p:ext uri="{BB962C8B-B14F-4D97-AF65-F5344CB8AC3E}">
-        <p14:creationId xmlns:p14="http://schemas.microsoft.com/office/powerpoint/2010/main" val="3087460461"/>
+        <p14:creationId xmlns:p14="http://schemas.microsoft.com/office/powerpoint/2010/main" val="549014082"/>
       </p:ext>
     </p:extLst>
   </p:cSld>
@@ -916,25 +947,7 @@
                 <a:ea typeface="+mn-ea"/>
                 <a:cs typeface="+mn-cs"/>
               </a:rPr>
-              <a:t> Với một cơ sở dữ liệu lớn như quản lý siêu thị thì việc sử dụng index sẽ giups cải thiện đáng kể tốc độ truy suất bảng, hay duyệt tìm kiếm các gía trị.</a:t>
-            </a:r>
-            <a:endParaRPr lang="vi-VN" b="0" smtClean="0">
-              <a:effectLst/>
-            </a:endParaRPr>
-          </a:p>
-          <a:p>
-            <a:pPr rtl="0"/>
-            <a:r>
-              <a:rPr lang="vi-VN" sz="1200" b="0" i="0" u="none" strike="noStrike" kern="1200" smtClean="0">
-                <a:solidFill>
-                  <a:schemeClr val="tx1"/>
-                </a:solidFill>
-                <a:effectLst/>
-                <a:latin typeface="+mn-lt"/>
-                <a:ea typeface="+mn-ea"/>
-                <a:cs typeface="+mn-cs"/>
-              </a:rPr>
-              <a:t>- Cụ thể, đánh index tại các bảng account, mat_hang, nhomhang và ncc. Tất cả các câu lệnh thêm index được lưu trữ trong 1 store procedure.</a:t>
+              <a:t>một tài khoản người sử dụng có 3 trạng thái ( gồm online, offline, deleted) nên trước và sau mỗi phiên làm việc của từng account, việc update lại trạng thái tài khoản diễn ra thường xuyên. Câu lệnh này được đặt vào 1 store procedure để tăng hiệu suất sử dụng.</a:t>
             </a:r>
             <a:endParaRPr lang="vi-VN" b="0" smtClean="0">
               <a:effectLst/>
@@ -968,7 +981,7 @@
     </p:spTree>
     <p:extLst>
       <p:ext uri="{BB962C8B-B14F-4D97-AF65-F5344CB8AC3E}">
-        <p14:creationId xmlns:p14="http://schemas.microsoft.com/office/powerpoint/2010/main" val="549014082"/>
+        <p14:creationId xmlns:p14="http://schemas.microsoft.com/office/powerpoint/2010/main" val="3238160361"/>
       </p:ext>
     </p:extLst>
   </p:cSld>
@@ -1023,36 +1036,6 @@
           <a:lstStyle/>
           <a:p>
             <a:pPr rtl="0"/>
-            <a:r>
-              <a:rPr lang="vi-VN" sz="1200" b="0" i="0" u="none" strike="noStrike" kern="1200" smtClean="0">
-                <a:solidFill>
-                  <a:schemeClr val="tx1"/>
-                </a:solidFill>
-                <a:effectLst/>
-                <a:latin typeface="+mn-lt"/>
-                <a:ea typeface="+mn-ea"/>
-                <a:cs typeface="+mn-cs"/>
-              </a:rPr>
-              <a:t> Với một cơ sở dữ liệu lớn như quản lý siêu thị thì việc sử dụng index sẽ giups cải thiện đáng kể tốc độ truy suất bảng, hay duyệt tìm kiếm các gía trị.</a:t>
-            </a:r>
-            <a:endParaRPr lang="vi-VN" b="0" smtClean="0">
-              <a:effectLst/>
-            </a:endParaRPr>
-          </a:p>
-          <a:p>
-            <a:pPr rtl="0"/>
-            <a:r>
-              <a:rPr lang="vi-VN" sz="1200" b="0" i="0" u="none" strike="noStrike" kern="1200" smtClean="0">
-                <a:solidFill>
-                  <a:schemeClr val="tx1"/>
-                </a:solidFill>
-                <a:effectLst/>
-                <a:latin typeface="+mn-lt"/>
-                <a:ea typeface="+mn-ea"/>
-                <a:cs typeface="+mn-cs"/>
-              </a:rPr>
-              <a:t>- Cụ thể, đánh index tại các bảng account, mat_hang, nhomhang và ncc. Tất cả các câu lệnh thêm index được lưu trữ trong 1 store procedure.</a:t>
-            </a:r>
             <a:endParaRPr lang="vi-VN" b="0" smtClean="0">
               <a:effectLst/>
             </a:endParaRPr>
@@ -1085,7 +1068,7 @@
     </p:spTree>
     <p:extLst>
       <p:ext uri="{BB962C8B-B14F-4D97-AF65-F5344CB8AC3E}">
-        <p14:creationId xmlns:p14="http://schemas.microsoft.com/office/powerpoint/2010/main" val="4209317343"/>
+        <p14:creationId xmlns:p14="http://schemas.microsoft.com/office/powerpoint/2010/main" val="347266451"/>
       </p:ext>
     </p:extLst>
   </p:cSld>
@@ -1141,16 +1124,25 @@
           <a:p>
             <a:pPr rtl="0"/>
             <a:r>
-              <a:rPr lang="vi-VN" sz="1200" b="0" i="0" u="none" strike="noStrike" kern="1200" smtClean="0">
-                <a:solidFill>
-                  <a:schemeClr val="tx1"/>
-                </a:solidFill>
+              <a:rPr lang="en-US" b="0" smtClean="0">
                 <a:effectLst/>
-                <a:latin typeface="+mn-lt"/>
-                <a:ea typeface="+mn-ea"/>
-                <a:cs typeface="+mn-cs"/>
-              </a:rPr>
-              <a:t>một tài khoản người sử dụng có 3 trạng thái ( gồm online, offline, deleted) nên trước và sau mỗi phiên làm việc của từng account, việc update lại trạng thái tài khoản diễn ra thường xuyên. Câu lệnh này được đặt vào 1 store procedure để tăng hiệu suất sử dụng.</a:t>
+              </a:rPr>
+              <a:t>Xây</a:t>
+            </a:r>
+            <a:r>
+              <a:rPr lang="en-US" b="0" baseline="0" smtClean="0">
+                <a:effectLst/>
+              </a:rPr>
+              <a:t> dựng phần mềm này bọn em hướng tới là mục tiêu người dùng phổ thông, không cần qua đào tạo mà vẫn dễ dàng hiểu và sử dụng được. </a:t>
+            </a:r>
+          </a:p>
+          <a:p>
+            <a:pPr rtl="0"/>
+            <a:r>
+              <a:rPr lang="en-US" b="0" baseline="0" smtClean="0">
+                <a:effectLst/>
+              </a:rPr>
+              <a:t>Sau đây là 1 số thiết kế về giao diện chính.</a:t>
             </a:r>
             <a:endParaRPr lang="vi-VN" b="0" smtClean="0">
               <a:effectLst/>
@@ -1184,7 +1176,7 @@
     </p:spTree>
     <p:extLst>
       <p:ext uri="{BB962C8B-B14F-4D97-AF65-F5344CB8AC3E}">
-        <p14:creationId xmlns:p14="http://schemas.microsoft.com/office/powerpoint/2010/main" val="3238160361"/>
+        <p14:creationId xmlns:p14="http://schemas.microsoft.com/office/powerpoint/2010/main" val="1628140314"/>
       </p:ext>
     </p:extLst>
   </p:cSld>
@@ -1271,7 +1263,7 @@
     </p:spTree>
     <p:extLst>
       <p:ext uri="{BB962C8B-B14F-4D97-AF65-F5344CB8AC3E}">
-        <p14:creationId xmlns:p14="http://schemas.microsoft.com/office/powerpoint/2010/main" val="347266451"/>
+        <p14:creationId xmlns:p14="http://schemas.microsoft.com/office/powerpoint/2010/main" val="2925412260"/>
       </p:ext>
     </p:extLst>
   </p:cSld>
@@ -1326,27 +1318,6 @@
           <a:lstStyle/>
           <a:p>
             <a:pPr rtl="0"/>
-            <a:r>
-              <a:rPr lang="en-US" b="0" smtClean="0">
-                <a:effectLst/>
-              </a:rPr>
-              <a:t>Xây</a:t>
-            </a:r>
-            <a:r>
-              <a:rPr lang="en-US" b="0" baseline="0" smtClean="0">
-                <a:effectLst/>
-              </a:rPr>
-              <a:t> dựng phần mềm này bọn em hướng tới là mục tiêu người dùng phổ thông, không cần qua đào tạo mà vẫn dễ dàng hiểu và sử dụng được. </a:t>
-            </a:r>
-          </a:p>
-          <a:p>
-            <a:pPr rtl="0"/>
-            <a:r>
-              <a:rPr lang="en-US" b="0" baseline="0" smtClean="0">
-                <a:effectLst/>
-              </a:rPr>
-              <a:t>Sau đây là 1 số thiết kế về giao diện chính.</a:t>
-            </a:r>
             <a:endParaRPr lang="vi-VN" b="0" smtClean="0">
               <a:effectLst/>
             </a:endParaRPr>
@@ -1379,7 +1350,7 @@
     </p:spTree>
     <p:extLst>
       <p:ext uri="{BB962C8B-B14F-4D97-AF65-F5344CB8AC3E}">
-        <p14:creationId xmlns:p14="http://schemas.microsoft.com/office/powerpoint/2010/main" val="1628140314"/>
+        <p14:creationId xmlns:p14="http://schemas.microsoft.com/office/powerpoint/2010/main" val="330539562"/>
       </p:ext>
     </p:extLst>
   </p:cSld>
@@ -1434,6 +1405,18 @@
           <a:lstStyle/>
           <a:p>
             <a:pPr rtl="0"/>
+            <a:r>
+              <a:rPr lang="en-US" b="0" smtClean="0">
+                <a:effectLst/>
+              </a:rPr>
+              <a:t>Chi tiết</a:t>
+            </a:r>
+            <a:r>
+              <a:rPr lang="en-US" b="0" baseline="0" smtClean="0">
+                <a:effectLst/>
+              </a:rPr>
+              <a:t> cụ thể tất cả các mokup bọn em đã viết như trong báo cáo.</a:t>
+            </a:r>
             <a:endParaRPr lang="vi-VN" b="0" smtClean="0">
               <a:effectLst/>
             </a:endParaRPr>
@@ -1466,7 +1449,7 @@
     </p:spTree>
     <p:extLst>
       <p:ext uri="{BB962C8B-B14F-4D97-AF65-F5344CB8AC3E}">
-        <p14:creationId xmlns:p14="http://schemas.microsoft.com/office/powerpoint/2010/main" val="2925412260"/>
+        <p14:creationId xmlns:p14="http://schemas.microsoft.com/office/powerpoint/2010/main" val="4132202153"/>
       </p:ext>
     </p:extLst>
   </p:cSld>
@@ -1553,7 +1536,7 @@
     </p:spTree>
     <p:extLst>
       <p:ext uri="{BB962C8B-B14F-4D97-AF65-F5344CB8AC3E}">
-        <p14:creationId xmlns:p14="http://schemas.microsoft.com/office/powerpoint/2010/main" val="330539562"/>
+        <p14:creationId xmlns:p14="http://schemas.microsoft.com/office/powerpoint/2010/main" val="185324333"/>
       </p:ext>
     </p:extLst>
   </p:cSld>
@@ -1723,18 +1706,6 @@
           <a:lstStyle/>
           <a:p>
             <a:pPr rtl="0"/>
-            <a:r>
-              <a:rPr lang="en-US" b="0" smtClean="0">
-                <a:effectLst/>
-              </a:rPr>
-              <a:t>Chi tiết</a:t>
-            </a:r>
-            <a:r>
-              <a:rPr lang="en-US" b="0" baseline="0" smtClean="0">
-                <a:effectLst/>
-              </a:rPr>
-              <a:t> cụ thể tất cả các mokup bọn em đã viết như trong báo cáo.</a:t>
-            </a:r>
             <a:endParaRPr lang="vi-VN" b="0" smtClean="0">
               <a:effectLst/>
             </a:endParaRPr>
@@ -1767,7 +1738,7 @@
     </p:spTree>
     <p:extLst>
       <p:ext uri="{BB962C8B-B14F-4D97-AF65-F5344CB8AC3E}">
-        <p14:creationId xmlns:p14="http://schemas.microsoft.com/office/powerpoint/2010/main" val="4132202153"/>
+        <p14:creationId xmlns:p14="http://schemas.microsoft.com/office/powerpoint/2010/main" val="263064199"/>
       </p:ext>
     </p:extLst>
   </p:cSld>
@@ -1854,7 +1825,7 @@
     </p:spTree>
     <p:extLst>
       <p:ext uri="{BB962C8B-B14F-4D97-AF65-F5344CB8AC3E}">
-        <p14:creationId xmlns:p14="http://schemas.microsoft.com/office/powerpoint/2010/main" val="185324333"/>
+        <p14:creationId xmlns:p14="http://schemas.microsoft.com/office/powerpoint/2010/main" val="3422486900"/>
       </p:ext>
     </p:extLst>
   </p:cSld>
@@ -1908,180 +1879,6 @@
           <a:bodyPr/>
           <a:lstStyle/>
           <a:p>
-            <a:pPr rtl="0"/>
-            <a:endParaRPr lang="vi-VN" b="0" smtClean="0">
-              <a:effectLst/>
-            </a:endParaRPr>
-          </a:p>
-        </p:txBody>
-      </p:sp>
-      <p:sp>
-        <p:nvSpPr>
-          <p:cNvPr id="4" name="Slide Number Placeholder 3"/>
-          <p:cNvSpPr>
-            <a:spLocks noGrp="1"/>
-          </p:cNvSpPr>
-          <p:nvPr>
-            <p:ph type="sldNum" sz="quarter" idx="10"/>
-          </p:nvPr>
-        </p:nvSpPr>
-        <p:spPr/>
-        <p:txBody>
-          <a:bodyPr/>
-          <a:lstStyle/>
-          <a:p>
-            <a:fld id="{A098E700-4659-44EB-9520-5D39C5C5C2CD}" type="slidenum">
-              <a:rPr lang="en-US" smtClean="0"/>
-              <a:t>24</a:t>
-            </a:fld>
-            <a:endParaRPr lang="en-US"/>
-          </a:p>
-        </p:txBody>
-      </p:sp>
-    </p:spTree>
-    <p:extLst>
-      <p:ext uri="{BB962C8B-B14F-4D97-AF65-F5344CB8AC3E}">
-        <p14:creationId xmlns:p14="http://schemas.microsoft.com/office/powerpoint/2010/main" val="263064199"/>
-      </p:ext>
-    </p:extLst>
-  </p:cSld>
-  <p:clrMapOvr>
-    <a:masterClrMapping/>
-  </p:clrMapOvr>
-</p:notes>
-</file>
-
-<file path=ppt/notesSlides/notesSlide23.xml><?xml version="1.0" encoding="utf-8"?>
-<p:notes xmlns:a="http://schemas.openxmlformats.org/drawingml/2006/main" xmlns:r="http://schemas.openxmlformats.org/officeDocument/2006/relationships" xmlns:p="http://schemas.openxmlformats.org/presentationml/2006/main">
-  <p:cSld>
-    <p:spTree>
-      <p:nvGrpSpPr>
-        <p:cNvPr id="1" name=""/>
-        <p:cNvGrpSpPr/>
-        <p:nvPr/>
-      </p:nvGrpSpPr>
-      <p:grpSpPr>
-        <a:xfrm>
-          <a:off x="0" y="0"/>
-          <a:ext cx="0" cy="0"/>
-          <a:chOff x="0" y="0"/>
-          <a:chExt cx="0" cy="0"/>
-        </a:xfrm>
-      </p:grpSpPr>
-      <p:sp>
-        <p:nvSpPr>
-          <p:cNvPr id="2" name="Slide Image Placeholder 1"/>
-          <p:cNvSpPr>
-            <a:spLocks noGrp="1" noRot="1" noChangeAspect="1"/>
-          </p:cNvSpPr>
-          <p:nvPr>
-            <p:ph type="sldImg"/>
-          </p:nvPr>
-        </p:nvSpPr>
-        <p:spPr/>
-      </p:sp>
-      <p:sp>
-        <p:nvSpPr>
-          <p:cNvPr id="3" name="Notes Placeholder 2"/>
-          <p:cNvSpPr>
-            <a:spLocks noGrp="1"/>
-          </p:cNvSpPr>
-          <p:nvPr>
-            <p:ph type="body" idx="1"/>
-          </p:nvPr>
-        </p:nvSpPr>
-        <p:spPr/>
-        <p:txBody>
-          <a:bodyPr/>
-          <a:lstStyle/>
-          <a:p>
-            <a:pPr rtl="0"/>
-            <a:endParaRPr lang="vi-VN" b="0" smtClean="0">
-              <a:effectLst/>
-            </a:endParaRPr>
-          </a:p>
-        </p:txBody>
-      </p:sp>
-      <p:sp>
-        <p:nvSpPr>
-          <p:cNvPr id="4" name="Slide Number Placeholder 3"/>
-          <p:cNvSpPr>
-            <a:spLocks noGrp="1"/>
-          </p:cNvSpPr>
-          <p:nvPr>
-            <p:ph type="sldNum" sz="quarter" idx="10"/>
-          </p:nvPr>
-        </p:nvSpPr>
-        <p:spPr/>
-        <p:txBody>
-          <a:bodyPr/>
-          <a:lstStyle/>
-          <a:p>
-            <a:fld id="{A098E700-4659-44EB-9520-5D39C5C5C2CD}" type="slidenum">
-              <a:rPr lang="en-US" smtClean="0"/>
-              <a:t>25</a:t>
-            </a:fld>
-            <a:endParaRPr lang="en-US"/>
-          </a:p>
-        </p:txBody>
-      </p:sp>
-    </p:spTree>
-    <p:extLst>
-      <p:ext uri="{BB962C8B-B14F-4D97-AF65-F5344CB8AC3E}">
-        <p14:creationId xmlns:p14="http://schemas.microsoft.com/office/powerpoint/2010/main" val="3422486900"/>
-      </p:ext>
-    </p:extLst>
-  </p:cSld>
-  <p:clrMapOvr>
-    <a:masterClrMapping/>
-  </p:clrMapOvr>
-</p:notes>
-</file>
-
-<file path=ppt/notesSlides/notesSlide24.xml><?xml version="1.0" encoding="utf-8"?>
-<p:notes xmlns:a="http://schemas.openxmlformats.org/drawingml/2006/main" xmlns:r="http://schemas.openxmlformats.org/officeDocument/2006/relationships" xmlns:p="http://schemas.openxmlformats.org/presentationml/2006/main">
-  <p:cSld>
-    <p:spTree>
-      <p:nvGrpSpPr>
-        <p:cNvPr id="1" name=""/>
-        <p:cNvGrpSpPr/>
-        <p:nvPr/>
-      </p:nvGrpSpPr>
-      <p:grpSpPr>
-        <a:xfrm>
-          <a:off x="0" y="0"/>
-          <a:ext cx="0" cy="0"/>
-          <a:chOff x="0" y="0"/>
-          <a:chExt cx="0" cy="0"/>
-        </a:xfrm>
-      </p:grpSpPr>
-      <p:sp>
-        <p:nvSpPr>
-          <p:cNvPr id="2" name="Slide Image Placeholder 1"/>
-          <p:cNvSpPr>
-            <a:spLocks noGrp="1" noRot="1" noChangeAspect="1"/>
-          </p:cNvSpPr>
-          <p:nvPr>
-            <p:ph type="sldImg"/>
-          </p:nvPr>
-        </p:nvSpPr>
-        <p:spPr/>
-      </p:sp>
-      <p:sp>
-        <p:nvSpPr>
-          <p:cNvPr id="3" name="Notes Placeholder 2"/>
-          <p:cNvSpPr>
-            <a:spLocks noGrp="1"/>
-          </p:cNvSpPr>
-          <p:nvPr>
-            <p:ph type="body" idx="1"/>
-          </p:nvPr>
-        </p:nvSpPr>
-        <p:spPr/>
-        <p:txBody>
-          <a:bodyPr/>
-          <a:lstStyle/>
-          <a:p>
             <a:pPr marL="0" marR="0" lvl="2" indent="0" algn="l" defTabSz="914400" rtl="0" eaLnBrk="1" fontAlgn="auto" latinLnBrk="0" hangingPunct="1">
               <a:lnSpc>
                 <a:spcPct val="100000"/>
@@ -2242,7 +2039,7 @@
           <a:p>
             <a:fld id="{A098E700-4659-44EB-9520-5D39C5C5C2CD}" type="slidenum">
               <a:rPr lang="en-US" smtClean="0"/>
-              <a:t>26</a:t>
+              <a:t>24</a:t>
             </a:fld>
             <a:endParaRPr lang="en-US"/>
           </a:p>
@@ -3336,7 +3133,7 @@
           <a:p>
             <a:fld id="{4AAD347D-5ACD-4C99-B74B-A9C85AD731AF}" type="datetimeFigureOut">
               <a:rPr lang="en-US" dirty="0"/>
-              <a:t>9/12/2015</a:t>
+              <a:t>7/12/2015</a:t>
             </a:fld>
             <a:endParaRPr lang="en-US" dirty="0"/>
           </a:p>
@@ -3606,7 +3403,7 @@
           <a:p>
             <a:fld id="{4509A250-FF31-4206-8172-F9D3106AACB1}" type="datetimeFigureOut">
               <a:rPr lang="en-US" dirty="0"/>
-              <a:t>9/12/2015</a:t>
+              <a:t>7/12/2015</a:t>
             </a:fld>
             <a:endParaRPr lang="en-US" dirty="0"/>
           </a:p>
@@ -3795,7 +3592,7 @@
           <a:p>
             <a:fld id="{4509A250-FF31-4206-8172-F9D3106AACB1}" type="datetimeFigureOut">
               <a:rPr lang="en-US" dirty="0"/>
-              <a:t>9/12/2015</a:t>
+              <a:t>7/12/2015</a:t>
             </a:fld>
             <a:endParaRPr lang="en-US" dirty="0"/>
           </a:p>
@@ -4063,7 +3860,7 @@
           <a:p>
             <a:fld id="{4509A250-FF31-4206-8172-F9D3106AACB1}" type="datetimeFigureOut">
               <a:rPr lang="en-US" dirty="0"/>
-              <a:t>9/12/2015</a:t>
+              <a:t>7/12/2015</a:t>
             </a:fld>
             <a:endParaRPr lang="en-US" dirty="0"/>
           </a:p>
@@ -4399,7 +4196,7 @@
           <a:p>
             <a:fld id="{4509A250-FF31-4206-8172-F9D3106AACB1}" type="datetimeFigureOut">
               <a:rPr lang="en-US" dirty="0"/>
-              <a:t>9/12/2015</a:t>
+              <a:t>7/12/2015</a:t>
             </a:fld>
             <a:endParaRPr lang="en-US" dirty="0"/>
           </a:p>
@@ -5017,7 +4814,7 @@
           <a:p>
             <a:fld id="{4509A250-FF31-4206-8172-F9D3106AACB1}" type="datetimeFigureOut">
               <a:rPr lang="en-US" dirty="0"/>
-              <a:t>9/12/2015</a:t>
+              <a:t>7/12/2015</a:t>
             </a:fld>
             <a:endParaRPr lang="en-US" dirty="0"/>
           </a:p>
@@ -5872,7 +5669,7 @@
           <a:p>
             <a:fld id="{4509A250-FF31-4206-8172-F9D3106AACB1}" type="datetimeFigureOut">
               <a:rPr lang="en-US" dirty="0"/>
-              <a:t>9/12/2015</a:t>
+              <a:t>7/12/2015</a:t>
             </a:fld>
             <a:endParaRPr lang="en-US" dirty="0"/>
           </a:p>
@@ -6037,7 +5834,7 @@
           <a:p>
             <a:fld id="{4509A250-FF31-4206-8172-F9D3106AACB1}" type="datetimeFigureOut">
               <a:rPr lang="en-US" dirty="0"/>
-              <a:t>9/12/2015</a:t>
+              <a:t>7/12/2015</a:t>
             </a:fld>
             <a:endParaRPr lang="en-US" dirty="0"/>
           </a:p>
@@ -6212,7 +6009,7 @@
           <a:p>
             <a:fld id="{4509A250-FF31-4206-8172-F9D3106AACB1}" type="datetimeFigureOut">
               <a:rPr lang="en-US" dirty="0"/>
-              <a:t>9/12/2015</a:t>
+              <a:t>7/12/2015</a:t>
             </a:fld>
             <a:endParaRPr lang="en-US" dirty="0"/>
           </a:p>
@@ -6377,7 +6174,7 @@
           <a:p>
             <a:fld id="{4509A250-FF31-4206-8172-F9D3106AACB1}" type="datetimeFigureOut">
               <a:rPr lang="en-US" dirty="0"/>
-              <a:t>9/12/2015</a:t>
+              <a:t>7/12/2015</a:t>
             </a:fld>
             <a:endParaRPr lang="en-US" dirty="0"/>
           </a:p>
@@ -6619,7 +6416,7 @@
           <a:p>
             <a:fld id="{9796027F-7875-4030-9381-8BD8C4F21935}" type="datetimeFigureOut">
               <a:rPr lang="en-US" dirty="0"/>
-              <a:t>9/12/2015</a:t>
+              <a:t>7/12/2015</a:t>
             </a:fld>
             <a:endParaRPr lang="en-US" dirty="0"/>
           </a:p>
@@ -6906,7 +6703,7 @@
           <a:p>
             <a:fld id="{9796027F-7875-4030-9381-8BD8C4F21935}" type="datetimeFigureOut">
               <a:rPr lang="en-US" dirty="0"/>
-              <a:t>9/12/2015</a:t>
+              <a:t>7/12/2015</a:t>
             </a:fld>
             <a:endParaRPr lang="en-US" dirty="0"/>
           </a:p>
@@ -7345,7 +7142,7 @@
           <a:p>
             <a:fld id="{9796027F-7875-4030-9381-8BD8C4F21935}" type="datetimeFigureOut">
               <a:rPr lang="en-US" dirty="0"/>
-              <a:t>9/12/2015</a:t>
+              <a:t>7/12/2015</a:t>
             </a:fld>
             <a:endParaRPr lang="en-US" dirty="0"/>
           </a:p>
@@ -7458,7 +7255,7 @@
           <a:p>
             <a:fld id="{4509A250-FF31-4206-8172-F9D3106AACB1}" type="datetimeFigureOut">
               <a:rPr lang="en-US" dirty="0"/>
-              <a:t>9/12/2015</a:t>
+              <a:t>7/12/2015</a:t>
             </a:fld>
             <a:endParaRPr lang="en-US" dirty="0"/>
           </a:p>
@@ -7548,7 +7345,7 @@
           <a:p>
             <a:fld id="{4509A250-FF31-4206-8172-F9D3106AACB1}" type="datetimeFigureOut">
               <a:rPr lang="en-US" dirty="0"/>
-              <a:t>9/12/2015</a:t>
+              <a:t>7/12/2015</a:t>
             </a:fld>
             <a:endParaRPr lang="en-US" dirty="0"/>
           </a:p>
@@ -7822,7 +7619,7 @@
           <a:p>
             <a:fld id="{4509A250-FF31-4206-8172-F9D3106AACB1}" type="datetimeFigureOut">
               <a:rPr lang="en-US" dirty="0"/>
-              <a:t>9/12/2015</a:t>
+              <a:t>7/12/2015</a:t>
             </a:fld>
             <a:endParaRPr lang="en-US" dirty="0"/>
           </a:p>
@@ -8092,7 +7889,7 @@
           <a:p>
             <a:fld id="{4509A250-FF31-4206-8172-F9D3106AACB1}" type="datetimeFigureOut">
               <a:rPr lang="en-US" dirty="0"/>
-              <a:t>9/12/2015</a:t>
+              <a:t>7/12/2015</a:t>
             </a:fld>
             <a:endParaRPr lang="en-US" dirty="0"/>
           </a:p>
@@ -8516,7 +8313,7 @@
           <a:p>
             <a:fld id="{4AAD347D-5ACD-4C99-B74B-A9C85AD731AF}" type="datetimeFigureOut">
               <a:rPr lang="en-US" dirty="0"/>
-              <a:t>9/12/2015</a:t>
+              <a:t>7/12/2015</a:t>
             </a:fld>
             <a:endParaRPr lang="en-US" dirty="0"/>
           </a:p>
@@ -9133,7 +8930,11 @@
           <a:p>
             <a:r>
               <a:rPr lang="en-US" sz="1400" smtClean="0"/>
-              <a:t>Nhóm 2: 	Lê Đình Phúc (Trưởng nhóm)	20132979</a:t>
+              <a:t>Nhóm </a:t>
+            </a:r>
+            <a:r>
+              <a:rPr lang="en-US" sz="1400" smtClean="0"/>
+              <a:t>2: 	Lê Đình Phúc (Trưởng nhóm)	20132979</a:t>
             </a:r>
           </a:p>
           <a:p>
@@ -9143,7 +8944,15 @@
             </a:r>
             <a:r>
               <a:rPr lang="en-US" sz="1400" smtClean="0"/>
-              <a:t>	Nguyễn Tiến Trường				</a:t>
+              <a:t>	</a:t>
+            </a:r>
+            <a:r>
+              <a:rPr lang="en-US" sz="1400" smtClean="0"/>
+              <a:t>Nguyễn </a:t>
+            </a:r>
+            <a:r>
+              <a:rPr lang="en-US" sz="1400" smtClean="0"/>
+              <a:t>Tiến Trường				</a:t>
             </a:r>
           </a:p>
           <a:p>
@@ -9153,7 +8962,15 @@
             </a:r>
             <a:r>
               <a:rPr lang="en-US" sz="1400" smtClean="0"/>
-              <a:t>	Trần Mạnh linh.</a:t>
+              <a:t>	</a:t>
+            </a:r>
+            <a:r>
+              <a:rPr lang="en-US" sz="1400" smtClean="0"/>
+              <a:t>Trần </a:t>
+            </a:r>
+            <a:r>
+              <a:rPr lang="en-US" sz="1400" smtClean="0"/>
+              <a:t>Mạnh linh.</a:t>
             </a:r>
           </a:p>
           <a:p>
@@ -9163,7 +8980,15 @@
             </a:r>
             <a:r>
               <a:rPr lang="en-US" sz="1400" smtClean="0"/>
-              <a:t>	Lê Đình Hoàng Sơn.</a:t>
+              <a:t>	</a:t>
+            </a:r>
+            <a:r>
+              <a:rPr lang="en-US" sz="1400" smtClean="0"/>
+              <a:t>Lê </a:t>
+            </a:r>
+            <a:r>
+              <a:rPr lang="en-US" sz="1400" smtClean="0"/>
+              <a:t>Đình Hoàng Sơn.</a:t>
             </a:r>
           </a:p>
           <a:p>
@@ -9711,14 +9536,14 @@
           <p:nvPr>
             <p:extLst>
               <p:ext uri="{D42A27DB-BD31-4B8C-83A1-F6EECF244321}">
-                <p14:modId xmlns:p14="http://schemas.microsoft.com/office/powerpoint/2010/main" val="3521216480"/>
+                <p14:modId xmlns:p14="http://schemas.microsoft.com/office/powerpoint/2010/main" val="2178223501"/>
               </p:ext>
             </p:extLst>
           </p:nvPr>
         </p:nvGraphicFramePr>
         <p:xfrm>
           <a:off x="1103310" y="2721886"/>
-          <a:ext cx="9822192" cy="3985816"/>
+          <a:ext cx="9822192" cy="3741976"/>
         </p:xfrm>
         <a:graphic>
           <a:graphicData uri="http://schemas.openxmlformats.org/drawingml/2006/table">
@@ -10284,58 +10109,7 @@
                           <a:ea typeface="+mn-ea"/>
                           <a:cs typeface="+mn-cs"/>
                         </a:rPr>
-                        <a:t> số  và tên của </a:t>
-                      </a:r>
-                      <a:r>
-                        <a:rPr lang="en-US" sz="1600" b="0" i="0" u="none" strike="noStrike" kern="1200" baseline="0" smtClean="0">
-                          <a:solidFill>
-                            <a:schemeClr val="dk1"/>
-                          </a:solidFill>
-                          <a:effectLst/>
-                          <a:latin typeface="Palatino Linotype" panose="02040502050505030304" pitchFamily="18" charset="0"/>
-                          <a:ea typeface="+mn-ea"/>
-                          <a:cs typeface="+mn-cs"/>
-                        </a:rPr>
-                        <a:t>tài khoản không </a:t>
-                      </a:r>
-                      <a:r>
-                        <a:rPr lang="en-US" sz="1600" b="0" i="0" u="none" strike="noStrike" kern="1200" baseline="0" smtClean="0">
-                          <a:solidFill>
-                            <a:schemeClr val="dk1"/>
-                          </a:solidFill>
-                          <a:effectLst/>
-                          <a:latin typeface="Palatino Linotype" panose="02040502050505030304" pitchFamily="18" charset="0"/>
-                          <a:ea typeface="+mn-ea"/>
-                          <a:cs typeface="+mn-cs"/>
-                        </a:rPr>
-                        <a:t>được trùng nhau</a:t>
-                      </a:r>
-                      <a:r>
-                        <a:rPr lang="en-US" sz="1600" b="0" i="0" u="none" strike="noStrike" kern="1200" baseline="0" smtClean="0">
-                          <a:solidFill>
-                            <a:schemeClr val="dk1"/>
-                          </a:solidFill>
-                          <a:effectLst/>
-                          <a:latin typeface="Palatino Linotype" panose="02040502050505030304" pitchFamily="18" charset="0"/>
-                          <a:ea typeface="+mn-ea"/>
-                          <a:cs typeface="+mn-cs"/>
-                        </a:rPr>
-                        <a:t>.</a:t>
-                      </a:r>
-                    </a:p>
-                    <a:p>
-                      <a:pPr lvl="1" rtl="0" fontAlgn="base"/>
-                      <a:r>
-                        <a:rPr lang="en-US" sz="1600" b="0" i="0" u="none" strike="noStrike" kern="1200" baseline="0" smtClean="0">
-                          <a:solidFill>
-                            <a:schemeClr val="dk1"/>
-                          </a:solidFill>
-                          <a:effectLst/>
-                          <a:latin typeface="Palatino Linotype" panose="02040502050505030304" pitchFamily="18" charset="0"/>
-                          <a:ea typeface="+mn-ea"/>
-                          <a:cs typeface="+mn-cs"/>
-                        </a:rPr>
-                        <a:t>Mật khẩu, tên tài khoản phải nhiều hơn 6 kí tự.</a:t>
+                        <a:t> số  và tên của các nhà cung cấp không được trùng nhau.</a:t>
                       </a:r>
                       <a:endParaRPr lang="en-US" sz="1600" b="0" i="0" u="none" strike="noStrike" kern="1200" smtClean="0">
                         <a:solidFill>
@@ -10386,7 +10160,7 @@
                           <a:ea typeface="+mn-ea"/>
                           <a:cs typeface="+mn-cs"/>
                         </a:rPr>
-                        <a:t>Trạng thái phải thuộc 1 trong 3 giá trị -1,0,1.</a:t>
+                        <a:t>Địa chỉ Email phải theo dạng ….@...com</a:t>
                       </a:r>
                       <a:endParaRPr lang="vi-VN" sz="1600" b="0" i="0" u="none" strike="noStrike" kern="1200" smtClean="0">
                         <a:solidFill>
@@ -10511,63 +10285,53 @@
               <a:rPr lang="en-US" sz="2800" smtClean="0">
                 <a:latin typeface="Palatino Linotype" panose="02040502050505030304" pitchFamily="18" charset="0"/>
               </a:rPr>
-              <a:t>	Tăng hiệu suất, bảo mật, tính toàn vẹn của cơ sở dữ liệu.</a:t>
-            </a:r>
-          </a:p>
-          <a:p>
-            <a:pPr lvl="2">
-              <a:buFont typeface="Wingdings" panose="05000000000000000000" pitchFamily="2" charset="2"/>
-              <a:buChar char="v"/>
+              <a:t>Tăng hiệu năng của cơ sở dữ liệu.</a:t>
+            </a:r>
+          </a:p>
+          <a:p>
+            <a:pPr marL="457200" lvl="1" indent="0">
+              <a:buNone/>
             </a:pPr>
-            <a:r>
-              <a:rPr lang="en-US" sz="2600" smtClean="0">
-                <a:latin typeface="Palatino Linotype" panose="02040502050505030304" pitchFamily="18" charset="0"/>
-              </a:rPr>
-              <a:t>Thiết kế các trigger kiểm soát dữ liệu vào, ra.</a:t>
-            </a:r>
-          </a:p>
-          <a:p>
-            <a:pPr lvl="2">
-              <a:buFont typeface="Wingdings" panose="05000000000000000000" pitchFamily="2" charset="2"/>
-              <a:buChar char="v"/>
-            </a:pPr>
-            <a:r>
-              <a:rPr lang="en-US" sz="2600" smtClean="0">
-                <a:latin typeface="Palatino Linotype" panose="02040502050505030304" pitchFamily="18" charset="0"/>
-              </a:rPr>
-              <a:t>Thiết kế các stored procedure tăng hiệu suất chương trình.</a:t>
-            </a:r>
-          </a:p>
-          <a:p>
-            <a:pPr lvl="2">
-              <a:buFont typeface="Wingdings" panose="05000000000000000000" pitchFamily="2" charset="2"/>
-              <a:buChar char="v"/>
-            </a:pPr>
-            <a:r>
-              <a:rPr lang="en-US" sz="2600" smtClean="0">
-                <a:latin typeface="Palatino Linotype" panose="02040502050505030304" pitchFamily="18" charset="0"/>
-              </a:rPr>
-              <a:t>Thiết kế các set index tăng hiệu quả truy vấn dữ liệu.</a:t>
-            </a:r>
-            <a:endParaRPr lang="en-US">
+            <a:endParaRPr lang="en-US" sz="2800">
               <a:latin typeface="Palatino Linotype" panose="02040502050505030304" pitchFamily="18" charset="0"/>
             </a:endParaRPr>
           </a:p>
           <a:p>
-            <a:pPr lvl="2">
-              <a:buFont typeface="Wingdings" panose="05000000000000000000" pitchFamily="2" charset="2"/>
-              <a:buChar char="v"/>
+            <a:pPr lvl="1">
+              <a:buFont typeface="Arial" panose="020B0604020202020204" pitchFamily="34" charset="0"/>
+              <a:buChar char="•"/>
             </a:pPr>
-            <a:endParaRPr lang="en-US" sz="2600" smtClean="0">
-              <a:latin typeface="Palatino Linotype" panose="02040502050505030304" pitchFamily="18" charset="0"/>
-            </a:endParaRPr>
-          </a:p>
-          <a:p>
-            <a:pPr lvl="2">
-              <a:buFont typeface="Wingdings" panose="05000000000000000000" pitchFamily="2" charset="2"/>
-              <a:buChar char="v"/>
+            <a:r>
+              <a:rPr lang="en-US" sz="2800" b="1" smtClean="0">
+                <a:latin typeface="Palatino Linotype" panose="02040502050505030304" pitchFamily="18" charset="0"/>
+              </a:rPr>
+              <a:t>procedure setindex </a:t>
+            </a:r>
+            <a:r>
+              <a:rPr lang="en-US" sz="2800" smtClean="0">
+                <a:latin typeface="Palatino Linotype" panose="02040502050505030304" pitchFamily="18" charset="0"/>
+              </a:rPr>
+              <a:t>: </a:t>
+            </a:r>
+            <a:r>
+              <a:rPr lang="en-US" sz="2400">
+                <a:latin typeface="Palatino Linotype" panose="02040502050505030304" pitchFamily="18" charset="0"/>
+              </a:rPr>
+              <a:t>nhận đầu vào là một chuỗi kí tự, nếu trùng với tên của 1 trong 4 bảng account, ncc, mat_hang, nhomhang thì sẽ thực hiện lệnh  add index</a:t>
+            </a:r>
+            <a:r>
+              <a:rPr lang="en-US" sz="2400" smtClean="0">
+                <a:latin typeface="Palatino Linotype" panose="02040502050505030304" pitchFamily="18" charset="0"/>
+              </a:rPr>
+              <a:t>.</a:t>
+            </a:r>
+          </a:p>
+          <a:p>
+            <a:pPr lvl="1">
+              <a:buFont typeface="Arial" panose="020B0604020202020204" pitchFamily="34" charset="0"/>
+              <a:buChar char="•"/>
             </a:pPr>
-            <a:endParaRPr lang="en-US" sz="2600" smtClean="0">
+            <a:endParaRPr lang="en-US" sz="2400" smtClean="0">
               <a:latin typeface="Palatino Linotype" panose="02040502050505030304" pitchFamily="18" charset="0"/>
             </a:endParaRPr>
           </a:p>
@@ -10576,7 +10340,7 @@
     </p:spTree>
     <p:extLst>
       <p:ext uri="{BB962C8B-B14F-4D97-AF65-F5344CB8AC3E}">
-        <p14:creationId xmlns:p14="http://schemas.microsoft.com/office/powerpoint/2010/main" val="989422376"/>
+        <p14:creationId xmlns:p14="http://schemas.microsoft.com/office/powerpoint/2010/main" val="1937665327"/>
       </p:ext>
     </p:extLst>
   </p:cSld>
@@ -10695,45 +10459,36 @@
               <a:buChar char="•"/>
             </a:pPr>
             <a:r>
+              <a:rPr lang="en-US" sz="2800" b="1">
+                <a:latin typeface="Palatino Linotype" panose="02040502050505030304" pitchFamily="18" charset="0"/>
+              </a:rPr>
+              <a:t>procedure </a:t>
+            </a:r>
+            <a:r>
               <a:rPr lang="en-US" sz="2800" b="1" smtClean="0">
                 <a:latin typeface="Palatino Linotype" panose="02040502050505030304" pitchFamily="18" charset="0"/>
               </a:rPr>
-              <a:t>procedure setindex </a:t>
+              <a:t>updateflag</a:t>
             </a:r>
             <a:r>
               <a:rPr lang="en-US" sz="2800" smtClean="0">
                 <a:latin typeface="Palatino Linotype" panose="02040502050505030304" pitchFamily="18" charset="0"/>
               </a:rPr>
-              <a:t>: </a:t>
+              <a:t> : </a:t>
             </a:r>
             <a:r>
               <a:rPr lang="en-US" sz="2400">
                 <a:latin typeface="Palatino Linotype" panose="02040502050505030304" pitchFamily="18" charset="0"/>
               </a:rPr>
-              <a:t>nhận đầu vào là một chuỗi kí tự, nếu trùng với tên của 1 trong 4 bảng account, ncc, mat_hang, nhomhang thì sẽ thực hiện lệnh  add index</a:t>
-            </a:r>
-            <a:r>
-              <a:rPr lang="en-US" sz="2400" smtClean="0">
-                <a:latin typeface="Palatino Linotype" panose="02040502050505030304" pitchFamily="18" charset="0"/>
-              </a:rPr>
-              <a:t>.</a:t>
-            </a:r>
-          </a:p>
-          <a:p>
-            <a:pPr lvl="1">
-              <a:buFont typeface="Arial" panose="020B0604020202020204" pitchFamily="34" charset="0"/>
-              <a:buChar char="•"/>
-            </a:pPr>
-            <a:endParaRPr lang="en-US" sz="2400" smtClean="0">
-              <a:latin typeface="Palatino Linotype" panose="02040502050505030304" pitchFamily="18" charset="0"/>
-            </a:endParaRPr>
+              <a:t>nhận đầu vào là 2 tham số kiểu nguyên. Tham số đầu tiên đại diện cho id của tài khoản và tham số thứ 2 là trạng thái mới của tài khoản. (1 là online, 0 là offline, -1 là deleted) .</a:t>
+            </a:r>
           </a:p>
         </p:txBody>
       </p:sp>
     </p:spTree>
     <p:extLst>
       <p:ext uri="{BB962C8B-B14F-4D97-AF65-F5344CB8AC3E}">
-        <p14:creationId xmlns:p14="http://schemas.microsoft.com/office/powerpoint/2010/main" val="1937665327"/>
+        <p14:creationId xmlns:p14="http://schemas.microsoft.com/office/powerpoint/2010/main" val="385444045"/>
       </p:ext>
     </p:extLst>
   </p:cSld>
@@ -10824,138 +10579,28 @@
         <p:spPr/>
         <p:txBody>
           <a:bodyPr>
-            <a:normAutofit fontScale="77500" lnSpcReduction="20000"/>
+            <a:normAutofit/>
           </a:bodyPr>
           <a:lstStyle/>
           <a:p>
-            <a:pPr marL="0" indent="0">
+            <a:pPr marL="457200" lvl="1" indent="0">
               <a:buNone/>
             </a:pPr>
-            <a:endParaRPr lang="en-US" smtClean="0"/>
-          </a:p>
-          <a:p>
-            <a:pPr marL="0" indent="0">
+            <a:r>
+              <a:rPr lang="en-US" sz="2800" smtClean="0">
+                <a:latin typeface="Palatino Linotype" panose="02040502050505030304" pitchFamily="18" charset="0"/>
+              </a:rPr>
+              <a:t>Tăng hiệu năng của cơ sở dữ liệu.</a:t>
+            </a:r>
+            <a:endParaRPr lang="en-US" sz="2800">
+              <a:latin typeface="Palatino Linotype" panose="02040502050505030304" pitchFamily="18" charset="0"/>
+            </a:endParaRPr>
+          </a:p>
+          <a:p>
+            <a:pPr marL="457200" lvl="1" indent="0">
               <a:buNone/>
             </a:pPr>
-            <a:r>
-              <a:rPr lang="en-US" smtClean="0"/>
-              <a:t>CREATE </a:t>
-            </a:r>
-            <a:r>
-              <a:rPr lang="en-US"/>
-              <a:t>PROCEDURE setindex ( in tablename varchar(20) )</a:t>
-            </a:r>
-            <a:endParaRPr lang="en-US"/>
-          </a:p>
-          <a:p>
-            <a:pPr marL="0" indent="0">
-              <a:buNone/>
-            </a:pPr>
-            <a:r>
-              <a:rPr lang="en-US"/>
-              <a:t>BEGIN</a:t>
-            </a:r>
-            <a:endParaRPr lang="en-US"/>
-          </a:p>
-          <a:p>
-            <a:pPr marL="400050" lvl="1" indent="0">
-              <a:buNone/>
-            </a:pPr>
-            <a:r>
-              <a:rPr lang="en-US"/>
-              <a:t>   IF(tablename ='account') THEN ALTER TABLE account ADD INDEX (ID_Account, username);</a:t>
-            </a:r>
-            <a:endParaRPr lang="en-US"/>
-          </a:p>
-          <a:p>
-            <a:pPr marL="400050" lvl="1" indent="0">
-              <a:buNone/>
-            </a:pPr>
-            <a:r>
-              <a:rPr lang="en-US"/>
-              <a:t>   END IF;</a:t>
-            </a:r>
-            <a:endParaRPr lang="en-US"/>
-          </a:p>
-          <a:p>
-            <a:pPr marL="400050" lvl="1" indent="0">
-              <a:buNone/>
-            </a:pPr>
-            <a:r>
-              <a:rPr lang="en-US"/>
-              <a:t>   IF(tablename = 'ncc') THEN ALTER TABLE ncc ADD INDEX (Id_NCC);</a:t>
-            </a:r>
-            <a:endParaRPr lang="en-US"/>
-          </a:p>
-          <a:p>
-            <a:pPr marL="400050" lvl="1" indent="0">
-              <a:buNone/>
-            </a:pPr>
-            <a:r>
-              <a:rPr lang="en-US"/>
-              <a:t>   END IF;</a:t>
-            </a:r>
-            <a:endParaRPr lang="en-US"/>
-          </a:p>
-          <a:p>
-            <a:pPr marL="400050" lvl="1" indent="0">
-              <a:buNone/>
-            </a:pPr>
-            <a:r>
-              <a:rPr lang="en-US"/>
-              <a:t>   IF (tablename ='mat_hang') THEN ALTER TABLE mat_hang ADD INDEX (ID_MatHang);</a:t>
-            </a:r>
-            <a:endParaRPr lang="en-US"/>
-          </a:p>
-          <a:p>
-            <a:pPr marL="400050" lvl="1" indent="0">
-              <a:buNone/>
-            </a:pPr>
-            <a:r>
-              <a:rPr lang="en-US"/>
-              <a:t>   END IF;</a:t>
-            </a:r>
-            <a:endParaRPr lang="en-US"/>
-          </a:p>
-          <a:p>
-            <a:pPr marL="400050" lvl="1" indent="0">
-              <a:buNone/>
-            </a:pPr>
-            <a:r>
-              <a:rPr lang="en-US"/>
-              <a:t>   IF (tablename = 'nhomhang') THEN ALTER TABLE nhomhang ADD INDEX (ID_NhomHang);</a:t>
-            </a:r>
-            <a:endParaRPr lang="en-US"/>
-          </a:p>
-          <a:p>
-            <a:pPr marL="400050" lvl="1" indent="0">
-              <a:buNone/>
-            </a:pPr>
-            <a:r>
-              <a:rPr lang="en-US"/>
-              <a:t>   END IF;</a:t>
-            </a:r>
-            <a:endParaRPr lang="en-US"/>
-          </a:p>
-          <a:p>
-            <a:pPr marL="0" indent="0">
-              <a:buNone/>
-            </a:pPr>
-            <a:r>
-              <a:rPr lang="en-US"/>
-              <a:t>END $$</a:t>
-            </a:r>
-            <a:endParaRPr lang="en-US"/>
-          </a:p>
-          <a:p>
-            <a:r>
-              <a:rPr lang="en-US"/>
-              <a:t/>
-            </a:r>
-            <a:br>
-              <a:rPr lang="en-US"/>
-            </a:br>
-            <a:endParaRPr lang="en-US" sz="2400" smtClean="0">
+            <a:endParaRPr lang="en-US" sz="2600" smtClean="0">
               <a:latin typeface="Palatino Linotype" panose="02040502050505030304" pitchFamily="18" charset="0"/>
             </a:endParaRPr>
           </a:p>
@@ -10964,7 +10609,7 @@
     </p:spTree>
     <p:extLst>
       <p:ext uri="{BB962C8B-B14F-4D97-AF65-F5344CB8AC3E}">
-        <p14:creationId xmlns:p14="http://schemas.microsoft.com/office/powerpoint/2010/main" val="623012120"/>
+        <p14:creationId xmlns:p14="http://schemas.microsoft.com/office/powerpoint/2010/main" val="1848806026"/>
       </p:ext>
     </p:extLst>
   </p:cSld>
@@ -11017,24 +10662,13 @@
               <a:rPr lang="en-US" smtClean="0">
                 <a:latin typeface="Palatino Linotype" panose="02040502050505030304" pitchFamily="18" charset="0"/>
               </a:rPr>
-              <a:t>Phần 2: Nghiên cứu, xây dựng</a:t>
-            </a:r>
-            <a:br>
+              <a:t>Phần 3: </a:t>
+            </a:r>
+            <a:r>
               <a:rPr lang="en-US" smtClean="0">
                 <a:latin typeface="Palatino Linotype" panose="02040502050505030304" pitchFamily="18" charset="0"/>
               </a:rPr>
-            </a:br>
-            <a:r>
-              <a:rPr lang="en-US">
-                <a:latin typeface="Palatino Linotype" panose="02040502050505030304" pitchFamily="18" charset="0"/>
-              </a:rPr>
-              <a:t>	</a:t>
-            </a:r>
-            <a:r>
-              <a:rPr lang="en-US" smtClean="0">
-                <a:latin typeface="Palatino Linotype" panose="02040502050505030304" pitchFamily="18" charset="0"/>
-              </a:rPr>
-              <a:t>hệ cơ sở dữ liệu.</a:t>
+              <a:t>Xây dựng ứng dụng.</a:t>
             </a:r>
             <a:endParaRPr lang="en-US">
               <a:latin typeface="Palatino Linotype" panose="02040502050505030304" pitchFamily="18" charset="0"/>
@@ -11062,57 +10696,16 @@
             <a:pPr marL="457200" lvl="1" indent="0">
               <a:buNone/>
             </a:pPr>
-            <a:r>
-              <a:rPr lang="en-US" sz="2800" smtClean="0">
-                <a:latin typeface="Palatino Linotype" panose="02040502050505030304" pitchFamily="18" charset="0"/>
-              </a:rPr>
-              <a:t>Tăng hiệu năng của cơ sở dữ liệu.</a:t>
-            </a:r>
-          </a:p>
-          <a:p>
-            <a:pPr marL="457200" lvl="1" indent="0">
-              <a:buNone/>
-            </a:pPr>
-            <a:endParaRPr lang="en-US" sz="2800">
+            <a:endParaRPr lang="en-US" sz="2600" smtClean="0">
               <a:latin typeface="Palatino Linotype" panose="02040502050505030304" pitchFamily="18" charset="0"/>
             </a:endParaRPr>
-          </a:p>
-          <a:p>
-            <a:pPr lvl="1">
-              <a:buFont typeface="Arial" panose="020B0604020202020204" pitchFamily="34" charset="0"/>
-              <a:buChar char="•"/>
-            </a:pPr>
-            <a:r>
-              <a:rPr lang="en-US" sz="2800" b="1">
-                <a:latin typeface="Palatino Linotype" panose="02040502050505030304" pitchFamily="18" charset="0"/>
-              </a:rPr>
-              <a:t>procedure </a:t>
-            </a:r>
-            <a:r>
-              <a:rPr lang="en-US" sz="2800" b="1" smtClean="0">
-                <a:latin typeface="Palatino Linotype" panose="02040502050505030304" pitchFamily="18" charset="0"/>
-              </a:rPr>
-              <a:t>updateflag</a:t>
-            </a:r>
-            <a:r>
-              <a:rPr lang="en-US" sz="2800" smtClean="0">
-                <a:latin typeface="Palatino Linotype" panose="02040502050505030304" pitchFamily="18" charset="0"/>
-              </a:rPr>
-              <a:t> : </a:t>
-            </a:r>
-            <a:r>
-              <a:rPr lang="en-US" sz="2400">
-                <a:latin typeface="Palatino Linotype" panose="02040502050505030304" pitchFamily="18" charset="0"/>
-              </a:rPr>
-              <a:t>nhận đầu vào là 2 tham số kiểu nguyên. Tham số đầu tiên đại diện cho id của tài khoản và tham số thứ 2 là trạng thái mới của tài khoản. (1 là online, 0 là offline, -1 là deleted) .</a:t>
-            </a:r>
           </a:p>
         </p:txBody>
       </p:sp>
     </p:spTree>
     <p:extLst>
       <p:ext uri="{BB962C8B-B14F-4D97-AF65-F5344CB8AC3E}">
-        <p14:creationId xmlns:p14="http://schemas.microsoft.com/office/powerpoint/2010/main" val="385444045"/>
+        <p14:creationId xmlns:p14="http://schemas.microsoft.com/office/powerpoint/2010/main" val="3423261724"/>
       </p:ext>
     </p:extLst>
   </p:cSld>
@@ -11165,24 +10758,13 @@
               <a:rPr lang="en-US" smtClean="0">
                 <a:latin typeface="Palatino Linotype" panose="02040502050505030304" pitchFamily="18" charset="0"/>
               </a:rPr>
-              <a:t>Phần 2: Nghiên cứu, xây dựng</a:t>
-            </a:r>
-            <a:br>
+              <a:t>Phần 3: </a:t>
+            </a:r>
+            <a:r>
               <a:rPr lang="en-US" smtClean="0">
                 <a:latin typeface="Palatino Linotype" panose="02040502050505030304" pitchFamily="18" charset="0"/>
               </a:rPr>
-            </a:br>
-            <a:r>
-              <a:rPr lang="en-US">
-                <a:latin typeface="Palatino Linotype" panose="02040502050505030304" pitchFamily="18" charset="0"/>
-              </a:rPr>
-              <a:t>	</a:t>
-            </a:r>
-            <a:r>
-              <a:rPr lang="en-US" smtClean="0">
-                <a:latin typeface="Palatino Linotype" panose="02040502050505030304" pitchFamily="18" charset="0"/>
-              </a:rPr>
-              <a:t>hệ cơ sở dữ liệu.</a:t>
+              <a:t>Xây dựng ứng dụng.</a:t>
             </a:r>
             <a:endParaRPr lang="en-US">
               <a:latin typeface="Palatino Linotype" panose="02040502050505030304" pitchFamily="18" charset="0"/>
@@ -11190,41 +10772,78 @@
           </a:p>
         </p:txBody>
       </p:sp>
-      <p:sp>
-        <p:nvSpPr>
-          <p:cNvPr id="3" name="Content Placeholder 2"/>
-          <p:cNvSpPr>
-            <a:spLocks noGrp="1"/>
-          </p:cNvSpPr>
+      <p:pic>
+        <p:nvPicPr>
+          <p:cNvPr id="1026" name="Picture 2" descr="màn hình đăng nhập tài khoản.png"/>
+          <p:cNvPicPr>
+            <a:picLocks noGrp="1" noChangeAspect="1" noChangeArrowheads="1"/>
+          </p:cNvPicPr>
           <p:nvPr>
             <p:ph idx="1"/>
           </p:nvPr>
-        </p:nvSpPr>
-        <p:spPr/>
-        <p:txBody>
-          <a:bodyPr>
-            <a:normAutofit/>
+        </p:nvPicPr>
+        <p:blipFill>
+          <a:blip r:embed="rId3">
+            <a:extLst>
+              <a:ext uri="{28A0092B-C50C-407E-A947-70E740481C1C}">
+                <a14:useLocalDpi xmlns:a14="http://schemas.microsoft.com/office/drawing/2010/main" val="0"/>
+              </a:ext>
+            </a:extLst>
+          </a:blip>
+          <a:srcRect/>
+          <a:stretch>
+            <a:fillRect/>
+          </a:stretch>
+        </p:blipFill>
+        <p:spPr bwMode="auto">
+          <a:xfrm>
+            <a:off x="3486110" y="2194613"/>
+            <a:ext cx="5421407" cy="2564967"/>
+          </a:xfrm>
+          <a:prstGeom prst="rect">
+            <a:avLst/>
+          </a:prstGeom>
+          <a:noFill/>
+          <a:extLst>
+            <a:ext uri="{909E8E84-426E-40DD-AFC4-6F175D3DCCD1}">
+              <a14:hiddenFill xmlns:a14="http://schemas.microsoft.com/office/drawing/2010/main">
+                <a:solidFill>
+                  <a:srgbClr val="FFFFFF"/>
+                </a:solidFill>
+              </a14:hiddenFill>
+            </a:ext>
+          </a:extLst>
+        </p:spPr>
+      </p:pic>
+      <p:sp>
+        <p:nvSpPr>
+          <p:cNvPr id="6" name="TextBox 5"/>
+          <p:cNvSpPr txBox="1"/>
+          <p:nvPr/>
+        </p:nvSpPr>
+        <p:spPr>
+          <a:xfrm>
+            <a:off x="3208600" y="5218387"/>
+            <a:ext cx="8229600" cy="369332"/>
+          </a:xfrm>
+          <a:prstGeom prst="rect">
+            <a:avLst/>
+          </a:prstGeom>
+          <a:noFill/>
+        </p:spPr>
+        <p:txBody>
+          <a:bodyPr wrap="square" rtlCol="0">
+            <a:spAutoFit/>
           </a:bodyPr>
           <a:lstStyle/>
           <a:p>
-            <a:pPr marL="457200" lvl="1" indent="0">
-              <a:buNone/>
-            </a:pPr>
-            <a:r>
-              <a:rPr lang="en-US" sz="2800" smtClean="0">
-                <a:latin typeface="Palatino Linotype" panose="02040502050505030304" pitchFamily="18" charset="0"/>
-              </a:rPr>
-              <a:t>Tăng hiệu năng của cơ sở dữ liệu.</a:t>
-            </a:r>
-            <a:endParaRPr lang="en-US" sz="2800">
-              <a:latin typeface="Palatino Linotype" panose="02040502050505030304" pitchFamily="18" charset="0"/>
-            </a:endParaRPr>
-          </a:p>
-          <a:p>
-            <a:pPr marL="457200" lvl="1" indent="0">
-              <a:buNone/>
-            </a:pPr>
-            <a:endParaRPr lang="en-US" sz="2600" smtClean="0">
+            <a:r>
+              <a:rPr lang="en-US" smtClean="0">
+                <a:latin typeface="Palatino Linotype" panose="02040502050505030304" pitchFamily="18" charset="0"/>
+              </a:rPr>
+              <a:t>Phần giao diện liên quan đến đăng nhập của người dùng.</a:t>
+            </a:r>
+            <a:endParaRPr lang="en-US">
               <a:latin typeface="Palatino Linotype" panose="02040502050505030304" pitchFamily="18" charset="0"/>
             </a:endParaRPr>
           </a:p>
@@ -11233,7 +10852,7 @@
     </p:spTree>
     <p:extLst>
       <p:ext uri="{BB962C8B-B14F-4D97-AF65-F5344CB8AC3E}">
-        <p14:creationId xmlns:p14="http://schemas.microsoft.com/office/powerpoint/2010/main" val="1848806026"/>
+        <p14:creationId xmlns:p14="http://schemas.microsoft.com/office/powerpoint/2010/main" val="4104415139"/>
       </p:ext>
     </p:extLst>
   </p:cSld>
@@ -11286,7 +10905,13 @@
               <a:rPr lang="en-US" smtClean="0">
                 <a:latin typeface="Palatino Linotype" panose="02040502050505030304" pitchFamily="18" charset="0"/>
               </a:rPr>
-              <a:t>Phần 3: Xây dựng ứng dụng.</a:t>
+              <a:t>Phần 3: </a:t>
+            </a:r>
+            <a:r>
+              <a:rPr lang="en-US" smtClean="0">
+                <a:latin typeface="Palatino Linotype" panose="02040502050505030304" pitchFamily="18" charset="0"/>
+              </a:rPr>
+              <a:t>Xây dựng ứng dụng.</a:t>
             </a:r>
             <a:endParaRPr lang="en-US">
               <a:latin typeface="Palatino Linotype" panose="02040502050505030304" pitchFamily="18" charset="0"/>
@@ -11296,34 +10921,85 @@
       </p:sp>
       <p:sp>
         <p:nvSpPr>
-          <p:cNvPr id="3" name="Content Placeholder 2"/>
-          <p:cNvSpPr>
-            <a:spLocks noGrp="1"/>
-          </p:cNvSpPr>
-          <p:nvPr>
-            <p:ph idx="1"/>
-          </p:nvPr>
-        </p:nvSpPr>
-        <p:spPr/>
-        <p:txBody>
-          <a:bodyPr>
-            <a:normAutofit/>
+          <p:cNvPr id="6" name="TextBox 5"/>
+          <p:cNvSpPr txBox="1"/>
+          <p:nvPr/>
+        </p:nvSpPr>
+        <p:spPr>
+          <a:xfrm>
+            <a:off x="2861758" y="5644056"/>
+            <a:ext cx="8229600" cy="369332"/>
+          </a:xfrm>
+          <a:prstGeom prst="rect">
+            <a:avLst/>
+          </a:prstGeom>
+          <a:noFill/>
+        </p:spPr>
+        <p:txBody>
+          <a:bodyPr wrap="square" rtlCol="0">
+            <a:spAutoFit/>
           </a:bodyPr>
           <a:lstStyle/>
           <a:p>
-            <a:pPr marL="457200" lvl="1" indent="0">
-              <a:buNone/>
-            </a:pPr>
-            <a:endParaRPr lang="en-US" sz="2600" smtClean="0">
+            <a:r>
+              <a:rPr lang="en-US" smtClean="0">
+                <a:latin typeface="Palatino Linotype" panose="02040502050505030304" pitchFamily="18" charset="0"/>
+              </a:rPr>
+              <a:t>Phần giao diện liên quan đến các chức năng nhập thông tin.</a:t>
+            </a:r>
+            <a:endParaRPr lang="en-US">
               <a:latin typeface="Palatino Linotype" panose="02040502050505030304" pitchFamily="18" charset="0"/>
             </a:endParaRPr>
           </a:p>
         </p:txBody>
       </p:sp>
+      <p:pic>
+        <p:nvPicPr>
+          <p:cNvPr id="2050" name="Picture 2" descr="màn hình thêm mặt hàng.png"/>
+          <p:cNvPicPr>
+            <a:picLocks noGrp="1" noChangeAspect="1" noChangeArrowheads="1"/>
+          </p:cNvPicPr>
+          <p:nvPr>
+            <p:ph idx="1"/>
+          </p:nvPr>
+        </p:nvPicPr>
+        <p:blipFill>
+          <a:blip r:embed="rId3">
+            <a:extLst>
+              <a:ext uri="{28A0092B-C50C-407E-A947-70E740481C1C}">
+                <a14:useLocalDpi xmlns:a14="http://schemas.microsoft.com/office/drawing/2010/main" val="0"/>
+              </a:ext>
+            </a:extLst>
+          </a:blip>
+          <a:srcRect/>
+          <a:stretch>
+            <a:fillRect/>
+          </a:stretch>
+        </p:blipFill>
+        <p:spPr bwMode="auto">
+          <a:xfrm>
+            <a:off x="3042745" y="1459703"/>
+            <a:ext cx="5754412" cy="3943350"/>
+          </a:xfrm>
+          <a:prstGeom prst="rect">
+            <a:avLst/>
+          </a:prstGeom>
+          <a:noFill/>
+          <a:extLst>
+            <a:ext uri="{909E8E84-426E-40DD-AFC4-6F175D3DCCD1}">
+              <a14:hiddenFill xmlns:a14="http://schemas.microsoft.com/office/drawing/2010/main">
+                <a:solidFill>
+                  <a:srgbClr val="FFFFFF"/>
+                </a:solidFill>
+              </a14:hiddenFill>
+            </a:ext>
+          </a:extLst>
+        </p:spPr>
+      </p:pic>
     </p:spTree>
     <p:extLst>
       <p:ext uri="{BB962C8B-B14F-4D97-AF65-F5344CB8AC3E}">
-        <p14:creationId xmlns:p14="http://schemas.microsoft.com/office/powerpoint/2010/main" val="3423261724"/>
+        <p14:creationId xmlns:p14="http://schemas.microsoft.com/office/powerpoint/2010/main" val="3688964667"/>
       </p:ext>
     </p:extLst>
   </p:cSld>
@@ -11427,7 +11103,13 @@
               <a:rPr lang="en-US" sz="2800" smtClean="0">
                 <a:latin typeface="Palatino Linotype" panose="02040502050505030304" pitchFamily="18" charset="0"/>
               </a:rPr>
-              <a:t>Phần 2: Nghiên cứu, xây dựng hệ cơ sở dữ liệu.</a:t>
+              <a:t>Phần 2: Nghiên cứu, xây dựng hệ cơ sở dữ liệu</a:t>
+            </a:r>
+            <a:r>
+              <a:rPr lang="en-US" sz="2800" smtClean="0">
+                <a:latin typeface="Palatino Linotype" panose="02040502050505030304" pitchFamily="18" charset="0"/>
+              </a:rPr>
+              <a:t>.</a:t>
             </a:r>
           </a:p>
           <a:p>
@@ -11448,6 +11130,9 @@
               </a:rPr>
               <a:t>Phần 3: Thiết kế, xây dựng phần mềm.</a:t>
             </a:r>
+            <a:endParaRPr lang="en-US" sz="2800" smtClean="0">
+              <a:latin typeface="Palatino Linotype" panose="02040502050505030304" pitchFamily="18" charset="0"/>
+            </a:endParaRPr>
           </a:p>
           <a:p>
             <a:pPr marL="457200" lvl="1" indent="0">
@@ -11465,7 +11150,25 @@
               <a:rPr lang="en-US" sz="2800" smtClean="0">
                 <a:latin typeface="Palatino Linotype" panose="02040502050505030304" pitchFamily="18" charset="0"/>
               </a:rPr>
-              <a:t>Phần 4: Giới thiệu sản phẩm.</a:t>
+              <a:t>Phần </a:t>
+            </a:r>
+            <a:r>
+              <a:rPr lang="en-US" sz="2800" smtClean="0">
+                <a:latin typeface="Palatino Linotype" panose="02040502050505030304" pitchFamily="18" charset="0"/>
+              </a:rPr>
+              <a:t>4: </a:t>
+            </a:r>
+            <a:r>
+              <a:rPr lang="en-US" sz="2800" smtClean="0">
+                <a:latin typeface="Palatino Linotype" panose="02040502050505030304" pitchFamily="18" charset="0"/>
+              </a:rPr>
+              <a:t>Giới thiệu sản phẩm</a:t>
+            </a:r>
+            <a:r>
+              <a:rPr lang="en-US" sz="2800" smtClean="0">
+                <a:latin typeface="Palatino Linotype" panose="02040502050505030304" pitchFamily="18" charset="0"/>
+              </a:rPr>
+              <a:t>.</a:t>
             </a:r>
           </a:p>
           <a:p>
@@ -11486,6 +11189,9 @@
               </a:rPr>
               <a:t>Phần 5: Hướng phát triển phần mềm.</a:t>
             </a:r>
+            <a:endParaRPr lang="en-US" sz="2800" smtClean="0">
+              <a:latin typeface="Palatino Linotype" panose="02040502050505030304" pitchFamily="18" charset="0"/>
+            </a:endParaRPr>
           </a:p>
           <a:p>
             <a:pPr lvl="1">
@@ -11554,289 +11260,13 @@
               <a:rPr lang="en-US" smtClean="0">
                 <a:latin typeface="Palatino Linotype" panose="02040502050505030304" pitchFamily="18" charset="0"/>
               </a:rPr>
-              <a:t>Phần 3: Xây dựng ứng dụng.</a:t>
-            </a:r>
-            <a:endParaRPr lang="en-US">
-              <a:latin typeface="Palatino Linotype" panose="02040502050505030304" pitchFamily="18" charset="0"/>
-            </a:endParaRPr>
-          </a:p>
-        </p:txBody>
-      </p:sp>
-      <p:pic>
-        <p:nvPicPr>
-          <p:cNvPr id="1026" name="Picture 2" descr="màn hình đăng nhập tài khoản.png"/>
-          <p:cNvPicPr>
-            <a:picLocks noGrp="1" noChangeAspect="1" noChangeArrowheads="1"/>
-          </p:cNvPicPr>
-          <p:nvPr>
-            <p:ph idx="1"/>
-          </p:nvPr>
-        </p:nvPicPr>
-        <p:blipFill>
-          <a:blip r:embed="rId3">
-            <a:extLst>
-              <a:ext uri="{28A0092B-C50C-407E-A947-70E740481C1C}">
-                <a14:useLocalDpi xmlns:a14="http://schemas.microsoft.com/office/drawing/2010/main" val="0"/>
-              </a:ext>
-            </a:extLst>
-          </a:blip>
-          <a:srcRect/>
-          <a:stretch>
-            <a:fillRect/>
-          </a:stretch>
-        </p:blipFill>
-        <p:spPr bwMode="auto">
-          <a:xfrm>
-            <a:off x="3486110" y="2194613"/>
-            <a:ext cx="5421407" cy="2564967"/>
-          </a:xfrm>
-          <a:prstGeom prst="rect">
-            <a:avLst/>
-          </a:prstGeom>
-          <a:noFill/>
-          <a:extLst>
-            <a:ext uri="{909E8E84-426E-40DD-AFC4-6F175D3DCCD1}">
-              <a14:hiddenFill xmlns:a14="http://schemas.microsoft.com/office/drawing/2010/main">
-                <a:solidFill>
-                  <a:srgbClr val="FFFFFF"/>
-                </a:solidFill>
-              </a14:hiddenFill>
-            </a:ext>
-          </a:extLst>
-        </p:spPr>
-      </p:pic>
-      <p:sp>
-        <p:nvSpPr>
-          <p:cNvPr id="6" name="TextBox 5"/>
-          <p:cNvSpPr txBox="1"/>
-          <p:nvPr/>
-        </p:nvSpPr>
-        <p:spPr>
-          <a:xfrm>
-            <a:off x="3208600" y="5218387"/>
-            <a:ext cx="8229600" cy="369332"/>
-          </a:xfrm>
-          <a:prstGeom prst="rect">
-            <a:avLst/>
-          </a:prstGeom>
-          <a:noFill/>
-        </p:spPr>
-        <p:txBody>
-          <a:bodyPr wrap="square" rtlCol="0">
-            <a:spAutoFit/>
-          </a:bodyPr>
-          <a:lstStyle/>
-          <a:p>
+              <a:t>Phần 3: </a:t>
+            </a:r>
             <a:r>
               <a:rPr lang="en-US" smtClean="0">
                 <a:latin typeface="Palatino Linotype" panose="02040502050505030304" pitchFamily="18" charset="0"/>
               </a:rPr>
-              <a:t>Phần giao diện liên quan đến đăng nhập của người dùng.</a:t>
-            </a:r>
-            <a:endParaRPr lang="en-US">
-              <a:latin typeface="Palatino Linotype" panose="02040502050505030304" pitchFamily="18" charset="0"/>
-            </a:endParaRPr>
-          </a:p>
-        </p:txBody>
-      </p:sp>
-    </p:spTree>
-    <p:extLst>
-      <p:ext uri="{BB962C8B-B14F-4D97-AF65-F5344CB8AC3E}">
-        <p14:creationId xmlns:p14="http://schemas.microsoft.com/office/powerpoint/2010/main" val="4104415139"/>
-      </p:ext>
-    </p:extLst>
-  </p:cSld>
-  <p:clrMapOvr>
-    <a:masterClrMapping/>
-  </p:clrMapOvr>
-  <p:timing>
-    <p:tnLst>
-      <p:par>
-        <p:cTn id="1" dur="indefinite" restart="never" nodeType="tmRoot"/>
-      </p:par>
-    </p:tnLst>
-  </p:timing>
-</p:sld>
-</file>
-
-<file path=ppt/slides/slide21.xml><?xml version="1.0" encoding="utf-8"?>
-<p:sld xmlns:a="http://schemas.openxmlformats.org/drawingml/2006/main" xmlns:r="http://schemas.openxmlformats.org/officeDocument/2006/relationships" xmlns:p="http://schemas.openxmlformats.org/presentationml/2006/main">
-  <p:cSld>
-    <p:spTree>
-      <p:nvGrpSpPr>
-        <p:cNvPr id="1" name=""/>
-        <p:cNvGrpSpPr/>
-        <p:nvPr/>
-      </p:nvGrpSpPr>
-      <p:grpSpPr>
-        <a:xfrm>
-          <a:off x="0" y="0"/>
-          <a:ext cx="0" cy="0"/>
-          <a:chOff x="0" y="0"/>
-          <a:chExt cx="0" cy="0"/>
-        </a:xfrm>
-      </p:grpSpPr>
-      <p:sp>
-        <p:nvSpPr>
-          <p:cNvPr id="2" name="Title 1"/>
-          <p:cNvSpPr>
-            <a:spLocks noGrp="1"/>
-          </p:cNvSpPr>
-          <p:nvPr>
-            <p:ph type="title"/>
-          </p:nvPr>
-        </p:nvSpPr>
-        <p:spPr/>
-        <p:txBody>
-          <a:bodyPr/>
-          <a:lstStyle/>
-          <a:p>
-            <a:r>
-              <a:rPr lang="en-US" smtClean="0">
-                <a:latin typeface="Palatino Linotype" panose="02040502050505030304" pitchFamily="18" charset="0"/>
-              </a:rPr>
-              <a:t>Phần 3: Xây dựng ứng dụng.</a:t>
-            </a:r>
-            <a:endParaRPr lang="en-US">
-              <a:latin typeface="Palatino Linotype" panose="02040502050505030304" pitchFamily="18" charset="0"/>
-            </a:endParaRPr>
-          </a:p>
-        </p:txBody>
-      </p:sp>
-      <p:sp>
-        <p:nvSpPr>
-          <p:cNvPr id="6" name="TextBox 5"/>
-          <p:cNvSpPr txBox="1"/>
-          <p:nvPr/>
-        </p:nvSpPr>
-        <p:spPr>
-          <a:xfrm>
-            <a:off x="3571206" y="5691352"/>
-            <a:ext cx="8229600" cy="369332"/>
-          </a:xfrm>
-          <a:prstGeom prst="rect">
-            <a:avLst/>
-          </a:prstGeom>
-          <a:noFill/>
-        </p:spPr>
-        <p:txBody>
-          <a:bodyPr wrap="square" rtlCol="0">
-            <a:spAutoFit/>
-          </a:bodyPr>
-          <a:lstStyle/>
-          <a:p>
-            <a:r>
-              <a:rPr lang="en-US" smtClean="0">
-                <a:latin typeface="Palatino Linotype" panose="02040502050505030304" pitchFamily="18" charset="0"/>
-              </a:rPr>
-              <a:t>Phần giao diện chọn các chứn năng quản lý.</a:t>
-            </a:r>
-            <a:endParaRPr lang="en-US">
-              <a:latin typeface="Palatino Linotype" panose="02040502050505030304" pitchFamily="18" charset="0"/>
-            </a:endParaRPr>
-          </a:p>
-        </p:txBody>
-      </p:sp>
-      <p:pic>
-        <p:nvPicPr>
-          <p:cNvPr id="1026" name="Picture 2" descr="màn hình store manager.png"/>
-          <p:cNvPicPr>
-            <a:picLocks noGrp="1" noChangeAspect="1" noChangeArrowheads="1"/>
-          </p:cNvPicPr>
-          <p:nvPr>
-            <p:ph idx="1"/>
-          </p:nvPr>
-        </p:nvPicPr>
-        <p:blipFill>
-          <a:blip r:embed="rId3">
-            <a:extLst>
-              <a:ext uri="{28A0092B-C50C-407E-A947-70E740481C1C}">
-                <a14:useLocalDpi xmlns:a14="http://schemas.microsoft.com/office/drawing/2010/main" val="0"/>
-              </a:ext>
-            </a:extLst>
-          </a:blip>
-          <a:srcRect/>
-          <a:stretch>
-            <a:fillRect/>
-          </a:stretch>
-        </p:blipFill>
-        <p:spPr bwMode="auto">
-          <a:xfrm>
-            <a:off x="3044715" y="1853247"/>
-            <a:ext cx="5878568" cy="3669985"/>
-          </a:xfrm>
-          <a:prstGeom prst="rect">
-            <a:avLst/>
-          </a:prstGeom>
-          <a:noFill/>
-          <a:extLst>
-            <a:ext uri="{909E8E84-426E-40DD-AFC4-6F175D3DCCD1}">
-              <a14:hiddenFill xmlns:a14="http://schemas.microsoft.com/office/drawing/2010/main">
-                <a:solidFill>
-                  <a:srgbClr val="FFFFFF"/>
-                </a:solidFill>
-              </a14:hiddenFill>
-            </a:ext>
-          </a:extLst>
-        </p:spPr>
-      </p:pic>
-    </p:spTree>
-    <p:extLst>
-      <p:ext uri="{BB962C8B-B14F-4D97-AF65-F5344CB8AC3E}">
-        <p14:creationId xmlns:p14="http://schemas.microsoft.com/office/powerpoint/2010/main" val="3688964667"/>
-      </p:ext>
-    </p:extLst>
-  </p:cSld>
-  <p:clrMapOvr>
-    <a:masterClrMapping/>
-  </p:clrMapOvr>
-  <p:timing>
-    <p:tnLst>
-      <p:par>
-        <p:cTn id="1" dur="indefinite" restart="never" nodeType="tmRoot"/>
-      </p:par>
-    </p:tnLst>
-  </p:timing>
-</p:sld>
-</file>
-
-<file path=ppt/slides/slide22.xml><?xml version="1.0" encoding="utf-8"?>
-<p:sld xmlns:a="http://schemas.openxmlformats.org/drawingml/2006/main" xmlns:r="http://schemas.openxmlformats.org/officeDocument/2006/relationships" xmlns:p="http://schemas.openxmlformats.org/presentationml/2006/main">
-  <p:cSld>
-    <p:spTree>
-      <p:nvGrpSpPr>
-        <p:cNvPr id="1" name=""/>
-        <p:cNvGrpSpPr/>
-        <p:nvPr/>
-      </p:nvGrpSpPr>
-      <p:grpSpPr>
-        <a:xfrm>
-          <a:off x="0" y="0"/>
-          <a:ext cx="0" cy="0"/>
-          <a:chOff x="0" y="0"/>
-          <a:chExt cx="0" cy="0"/>
-        </a:xfrm>
-      </p:grpSpPr>
-      <p:sp>
-        <p:nvSpPr>
-          <p:cNvPr id="2" name="Title 1"/>
-          <p:cNvSpPr>
-            <a:spLocks noGrp="1"/>
-          </p:cNvSpPr>
-          <p:nvPr>
-            <p:ph type="title"/>
-          </p:nvPr>
-        </p:nvSpPr>
-        <p:spPr/>
-        <p:txBody>
-          <a:bodyPr/>
-          <a:lstStyle/>
-          <a:p>
-            <a:r>
-              <a:rPr lang="en-US" smtClean="0">
-                <a:latin typeface="Palatino Linotype" panose="02040502050505030304" pitchFamily="18" charset="0"/>
-              </a:rPr>
-              <a:t>Phần 3: Xây dựng ứng dụng.</a:t>
+              <a:t>Xây dựng ứng dụng.</a:t>
             </a:r>
             <a:endParaRPr lang="en-US">
               <a:latin typeface="Palatino Linotype" panose="02040502050505030304" pitchFamily="18" charset="0"/>
@@ -11941,6 +11371,271 @@
 </p:sld>
 </file>
 
+<file path=ppt/slides/slide21.xml><?xml version="1.0" encoding="utf-8"?>
+<p:sld xmlns:a="http://schemas.openxmlformats.org/drawingml/2006/main" xmlns:r="http://schemas.openxmlformats.org/officeDocument/2006/relationships" xmlns:p="http://schemas.openxmlformats.org/presentationml/2006/main">
+  <p:cSld>
+    <p:spTree>
+      <p:nvGrpSpPr>
+        <p:cNvPr id="1" name=""/>
+        <p:cNvGrpSpPr/>
+        <p:nvPr/>
+      </p:nvGrpSpPr>
+      <p:grpSpPr>
+        <a:xfrm>
+          <a:off x="0" y="0"/>
+          <a:ext cx="0" cy="0"/>
+          <a:chOff x="0" y="0"/>
+          <a:chExt cx="0" cy="0"/>
+        </a:xfrm>
+      </p:grpSpPr>
+      <p:sp>
+        <p:nvSpPr>
+          <p:cNvPr id="2" name="Title 1"/>
+          <p:cNvSpPr>
+            <a:spLocks noGrp="1"/>
+          </p:cNvSpPr>
+          <p:nvPr>
+            <p:ph type="title"/>
+          </p:nvPr>
+        </p:nvSpPr>
+        <p:spPr/>
+        <p:txBody>
+          <a:bodyPr/>
+          <a:lstStyle/>
+          <a:p>
+            <a:r>
+              <a:rPr lang="en-US">
+                <a:latin typeface="Palatino Linotype" panose="02040502050505030304" pitchFamily="18" charset="0"/>
+              </a:rPr>
+              <a:t>Phần 3: Xây dựng ứng dụng.</a:t>
+            </a:r>
+            <a:endParaRPr lang="en-US">
+              <a:latin typeface="Palatino Linotype" panose="02040502050505030304" pitchFamily="18" charset="0"/>
+            </a:endParaRPr>
+          </a:p>
+        </p:txBody>
+      </p:sp>
+      <p:sp>
+        <p:nvSpPr>
+          <p:cNvPr id="3" name="Content Placeholder 2"/>
+          <p:cNvSpPr>
+            <a:spLocks noGrp="1"/>
+          </p:cNvSpPr>
+          <p:nvPr>
+            <p:ph idx="1"/>
+          </p:nvPr>
+        </p:nvSpPr>
+        <p:spPr/>
+        <p:txBody>
+          <a:bodyPr>
+            <a:normAutofit/>
+          </a:bodyPr>
+          <a:lstStyle/>
+          <a:p>
+            <a:pPr lvl="1">
+              <a:buFont typeface="Wingdings" panose="05000000000000000000" pitchFamily="2" charset="2"/>
+              <a:buChar char="v"/>
+            </a:pPr>
+            <a:r>
+              <a:rPr lang="en-US" sz="3200" smtClean="0">
+                <a:latin typeface="Palatino Linotype" panose="02040502050505030304" pitchFamily="18" charset="0"/>
+              </a:rPr>
+              <a:t>Kiến thức sử dụng.</a:t>
+            </a:r>
+          </a:p>
+          <a:p>
+            <a:pPr lvl="2">
+              <a:buFont typeface="Wingdings" panose="05000000000000000000" pitchFamily="2" charset="2"/>
+              <a:buChar char="v"/>
+            </a:pPr>
+            <a:r>
+              <a:rPr lang="en-US" sz="2800" smtClean="0">
+                <a:latin typeface="Palatino Linotype" panose="02040502050505030304" pitchFamily="18" charset="0"/>
+              </a:rPr>
+              <a:t>Lập trình hướng đối tượng.</a:t>
+            </a:r>
+          </a:p>
+          <a:p>
+            <a:pPr lvl="2">
+              <a:buFont typeface="Wingdings" panose="05000000000000000000" pitchFamily="2" charset="2"/>
+              <a:buChar char="v"/>
+            </a:pPr>
+            <a:r>
+              <a:rPr lang="en-US" sz="2800" smtClean="0">
+                <a:latin typeface="Palatino Linotype" panose="02040502050505030304" pitchFamily="18" charset="0"/>
+              </a:rPr>
+              <a:t>Ngôn ngữ lập trình Java.</a:t>
+            </a:r>
+          </a:p>
+          <a:p>
+            <a:pPr lvl="2">
+              <a:buFont typeface="Wingdings" panose="05000000000000000000" pitchFamily="2" charset="2"/>
+              <a:buChar char="v"/>
+            </a:pPr>
+            <a:r>
+              <a:rPr lang="en-US" sz="2800" smtClean="0">
+                <a:latin typeface="Palatino Linotype" panose="02040502050505030304" pitchFamily="18" charset="0"/>
+              </a:rPr>
+              <a:t>Thư viện đồ họa Swing.</a:t>
+            </a:r>
+          </a:p>
+          <a:p>
+            <a:pPr lvl="2">
+              <a:buFont typeface="Wingdings" panose="05000000000000000000" pitchFamily="2" charset="2"/>
+              <a:buChar char="v"/>
+            </a:pPr>
+            <a:r>
+              <a:rPr lang="en-US" sz="2800" smtClean="0">
+                <a:latin typeface="Palatino Linotype" panose="02040502050505030304" pitchFamily="18" charset="0"/>
+              </a:rPr>
+              <a:t>Kết nối cơ sở dữ liệu bằng JDBC.</a:t>
+            </a:r>
+          </a:p>
+          <a:p>
+            <a:pPr lvl="2">
+              <a:buFont typeface="Wingdings" panose="05000000000000000000" pitchFamily="2" charset="2"/>
+              <a:buChar char="v"/>
+            </a:pPr>
+            <a:r>
+              <a:rPr lang="en-US" sz="2800" smtClean="0">
+                <a:latin typeface="Palatino Linotype" panose="02040502050505030304" pitchFamily="18" charset="0"/>
+              </a:rPr>
+              <a:t>Gửi nhận dữ liệu qua mạng LAN sử dụng socket.</a:t>
+            </a:r>
+          </a:p>
+          <a:p>
+            <a:pPr lvl="2">
+              <a:buFont typeface="Wingdings" panose="05000000000000000000" pitchFamily="2" charset="2"/>
+              <a:buChar char="v"/>
+            </a:pPr>
+            <a:endParaRPr lang="en-US" sz="2400" smtClean="0">
+              <a:latin typeface="Palatino Linotype" panose="02040502050505030304" pitchFamily="18" charset="0"/>
+            </a:endParaRPr>
+          </a:p>
+        </p:txBody>
+      </p:sp>
+    </p:spTree>
+    <p:extLst>
+      <p:ext uri="{BB962C8B-B14F-4D97-AF65-F5344CB8AC3E}">
+        <p14:creationId xmlns:p14="http://schemas.microsoft.com/office/powerpoint/2010/main" val="3470720185"/>
+      </p:ext>
+    </p:extLst>
+  </p:cSld>
+  <p:clrMapOvr>
+    <a:masterClrMapping/>
+  </p:clrMapOvr>
+  <p:timing>
+    <p:tnLst>
+      <p:par>
+        <p:cTn id="1" dur="indefinite" restart="never" nodeType="tmRoot"/>
+      </p:par>
+    </p:tnLst>
+  </p:timing>
+</p:sld>
+</file>
+
+<file path=ppt/slides/slide22.xml><?xml version="1.0" encoding="utf-8"?>
+<p:sld xmlns:a="http://schemas.openxmlformats.org/drawingml/2006/main" xmlns:r="http://schemas.openxmlformats.org/officeDocument/2006/relationships" xmlns:p="http://schemas.openxmlformats.org/presentationml/2006/main">
+  <p:cSld>
+    <p:spTree>
+      <p:nvGrpSpPr>
+        <p:cNvPr id="1" name=""/>
+        <p:cNvGrpSpPr/>
+        <p:nvPr/>
+      </p:nvGrpSpPr>
+      <p:grpSpPr>
+        <a:xfrm>
+          <a:off x="0" y="0"/>
+          <a:ext cx="0" cy="0"/>
+          <a:chOff x="0" y="0"/>
+          <a:chExt cx="0" cy="0"/>
+        </a:xfrm>
+      </p:grpSpPr>
+      <p:sp>
+        <p:nvSpPr>
+          <p:cNvPr id="2" name="Title 1"/>
+          <p:cNvSpPr>
+            <a:spLocks noGrp="1"/>
+          </p:cNvSpPr>
+          <p:nvPr>
+            <p:ph type="title"/>
+          </p:nvPr>
+        </p:nvSpPr>
+        <p:spPr/>
+        <p:txBody>
+          <a:bodyPr/>
+          <a:lstStyle/>
+          <a:p>
+            <a:r>
+              <a:rPr lang="en-US" smtClean="0">
+                <a:latin typeface="Palatino Linotype" panose="02040502050505030304" pitchFamily="18" charset="0"/>
+              </a:rPr>
+              <a:t>Phần </a:t>
+            </a:r>
+            <a:r>
+              <a:rPr lang="en-US" smtClean="0">
+                <a:latin typeface="Palatino Linotype" panose="02040502050505030304" pitchFamily="18" charset="0"/>
+              </a:rPr>
+              <a:t>4: </a:t>
+            </a:r>
+            <a:r>
+              <a:rPr lang="en-US" smtClean="0">
+                <a:latin typeface="Palatino Linotype" panose="02040502050505030304" pitchFamily="18" charset="0"/>
+              </a:rPr>
+              <a:t>Giới thiệu ứng dụng.</a:t>
+            </a:r>
+            <a:endParaRPr lang="en-US">
+              <a:latin typeface="Palatino Linotype" panose="02040502050505030304" pitchFamily="18" charset="0"/>
+            </a:endParaRPr>
+          </a:p>
+        </p:txBody>
+      </p:sp>
+      <p:sp>
+        <p:nvSpPr>
+          <p:cNvPr id="3" name="Content Placeholder 2"/>
+          <p:cNvSpPr>
+            <a:spLocks noGrp="1"/>
+          </p:cNvSpPr>
+          <p:nvPr>
+            <p:ph idx="1"/>
+          </p:nvPr>
+        </p:nvSpPr>
+        <p:spPr/>
+        <p:txBody>
+          <a:bodyPr>
+            <a:normAutofit/>
+          </a:bodyPr>
+          <a:lstStyle/>
+          <a:p>
+            <a:pPr marL="457200" lvl="1" indent="0">
+              <a:buNone/>
+            </a:pPr>
+            <a:endParaRPr lang="en-US" sz="2600" smtClean="0">
+              <a:latin typeface="Palatino Linotype" panose="02040502050505030304" pitchFamily="18" charset="0"/>
+            </a:endParaRPr>
+          </a:p>
+        </p:txBody>
+      </p:sp>
+    </p:spTree>
+    <p:extLst>
+      <p:ext uri="{BB962C8B-B14F-4D97-AF65-F5344CB8AC3E}">
+        <p14:creationId xmlns:p14="http://schemas.microsoft.com/office/powerpoint/2010/main" val="1733864808"/>
+      </p:ext>
+    </p:extLst>
+  </p:cSld>
+  <p:clrMapOvr>
+    <a:masterClrMapping/>
+  </p:clrMapOvr>
+  <p:timing>
+    <p:tnLst>
+      <p:par>
+        <p:cTn id="1" dur="indefinite" restart="never" nodeType="tmRoot"/>
+      </p:par>
+    </p:tnLst>
+  </p:timing>
+</p:sld>
+</file>
+
 <file path=ppt/slides/slide23.xml><?xml version="1.0" encoding="utf-8"?>
 <p:sld xmlns:a="http://schemas.openxmlformats.org/drawingml/2006/main" xmlns:r="http://schemas.openxmlformats.org/officeDocument/2006/relationships" xmlns:p="http://schemas.openxmlformats.org/presentationml/2006/main">
   <p:cSld>
@@ -11974,11 +11669,26 @@
           <a:lstStyle/>
           <a:p>
             <a:r>
+              <a:rPr lang="en-US" smtClean="0">
+                <a:latin typeface="Palatino Linotype" panose="02040502050505030304" pitchFamily="18" charset="0"/>
+              </a:rPr>
+              <a:t>Phần </a:t>
+            </a:r>
+            <a:r>
               <a:rPr lang="en-US">
                 <a:latin typeface="Palatino Linotype" panose="02040502050505030304" pitchFamily="18" charset="0"/>
               </a:rPr>
-              <a:t>Phần 3: Xây dựng ứng dụng.</a:t>
-            </a:r>
+              <a:t>5</a:t>
+            </a:r>
+            <a:r>
+              <a:rPr lang="en-US" smtClean="0">
+                <a:latin typeface="Palatino Linotype" panose="02040502050505030304" pitchFamily="18" charset="0"/>
+              </a:rPr>
+              <a:t>: Hướng phát triển phần mềm.</a:t>
+            </a:r>
+            <a:endParaRPr lang="en-US">
+              <a:latin typeface="Palatino Linotype" panose="02040502050505030304" pitchFamily="18" charset="0"/>
+            </a:endParaRPr>
           </a:p>
         </p:txBody>
       </p:sp>
@@ -12004,10 +11714,10 @@
               <a:buChar char="v"/>
             </a:pPr>
             <a:r>
-              <a:rPr lang="en-US" sz="3200" smtClean="0">
-                <a:latin typeface="Palatino Linotype" panose="02040502050505030304" pitchFamily="18" charset="0"/>
-              </a:rPr>
-              <a:t>Kiến thức sử dụng.</a:t>
+              <a:rPr lang="en-US" sz="2600" smtClean="0">
+                <a:latin typeface="Palatino Linotype" panose="02040502050505030304" pitchFamily="18" charset="0"/>
+              </a:rPr>
+              <a:t>Hướng phát triển mở rộng của cơ sở dữ liệu.</a:t>
             </a:r>
           </a:p>
           <a:p>
@@ -12016,10 +11726,10 @@
               <a:buChar char="v"/>
             </a:pPr>
             <a:r>
-              <a:rPr lang="en-US" sz="2800" smtClean="0">
-                <a:latin typeface="Palatino Linotype" panose="02040502050505030304" pitchFamily="18" charset="0"/>
-              </a:rPr>
-              <a:t>Lập trình hướng đối tượng.</a:t>
+              <a:rPr lang="en-US" sz="2400" smtClean="0">
+                <a:latin typeface="Palatino Linotype" panose="02040502050505030304" pitchFamily="18" charset="0"/>
+              </a:rPr>
+              <a:t>Tùy thuộc theo mục đích của mỗi của hàng. Cho phép quản lý thêm các trường dữ liệu cho phù hợp.</a:t>
             </a:r>
           </a:p>
           <a:p>
@@ -12028,53 +11738,11 @@
               <a:buChar char="v"/>
             </a:pPr>
             <a:r>
-              <a:rPr lang="en-US" sz="2800" smtClean="0">
-                <a:latin typeface="Palatino Linotype" panose="02040502050505030304" pitchFamily="18" charset="0"/>
-              </a:rPr>
-              <a:t>Ngôn ngữ lập trình Java.</a:t>
-            </a:r>
-          </a:p>
-          <a:p>
-            <a:pPr lvl="2">
-              <a:buFont typeface="Wingdings" panose="05000000000000000000" pitchFamily="2" charset="2"/>
-              <a:buChar char="v"/>
-            </a:pPr>
-            <a:r>
-              <a:rPr lang="en-US" sz="2800" smtClean="0">
-                <a:latin typeface="Palatino Linotype" panose="02040502050505030304" pitchFamily="18" charset="0"/>
-              </a:rPr>
-              <a:t>Thư viện đồ họa Swing.</a:t>
-            </a:r>
-          </a:p>
-          <a:p>
-            <a:pPr lvl="2">
-              <a:buFont typeface="Wingdings" panose="05000000000000000000" pitchFamily="2" charset="2"/>
-              <a:buChar char="v"/>
-            </a:pPr>
-            <a:r>
-              <a:rPr lang="en-US" sz="2800" smtClean="0">
-                <a:latin typeface="Palatino Linotype" panose="02040502050505030304" pitchFamily="18" charset="0"/>
-              </a:rPr>
-              <a:t>Kết nối cơ sở dữ liệu bằng JDBC.</a:t>
-            </a:r>
-          </a:p>
-          <a:p>
-            <a:pPr lvl="2">
-              <a:buFont typeface="Wingdings" panose="05000000000000000000" pitchFamily="2" charset="2"/>
-              <a:buChar char="v"/>
-            </a:pPr>
-            <a:r>
-              <a:rPr lang="en-US" sz="2800" smtClean="0">
-                <a:latin typeface="Palatino Linotype" panose="02040502050505030304" pitchFamily="18" charset="0"/>
-              </a:rPr>
-              <a:t>Gửi nhận dữ liệu qua mạng LAN sử dụng socket.</a:t>
-            </a:r>
-          </a:p>
-          <a:p>
-            <a:pPr lvl="2">
-              <a:buFont typeface="Wingdings" panose="05000000000000000000" pitchFamily="2" charset="2"/>
-              <a:buChar char="v"/>
-            </a:pPr>
+              <a:rPr lang="en-US" sz="2400" smtClean="0">
+                <a:latin typeface="Palatino Linotype" panose="02040502050505030304" pitchFamily="18" charset="0"/>
+              </a:rPr>
+              <a:t>Khi lượng dữ liệu trở nên lớn hơn thì ta có thể thuê sử dụng các máy chủ ảo, điện toán đám mây để làm tăng không gian lưu trữ cũng như hiệu năng phần cứng.</a:t>
+            </a:r>
             <a:endParaRPr lang="en-US" sz="2400" smtClean="0">
               <a:latin typeface="Palatino Linotype" panose="02040502050505030304" pitchFamily="18" charset="0"/>
             </a:endParaRPr>
@@ -12084,7 +11752,7 @@
     </p:spTree>
     <p:extLst>
       <p:ext uri="{BB962C8B-B14F-4D97-AF65-F5344CB8AC3E}">
-        <p14:creationId xmlns:p14="http://schemas.microsoft.com/office/powerpoint/2010/main" val="3470720185"/>
+        <p14:creationId xmlns:p14="http://schemas.microsoft.com/office/powerpoint/2010/main" val="2142150559"/>
       </p:ext>
     </p:extLst>
   </p:cSld>
@@ -12137,96 +11805,6 @@
               <a:rPr lang="en-US" smtClean="0">
                 <a:latin typeface="Palatino Linotype" panose="02040502050505030304" pitchFamily="18" charset="0"/>
               </a:rPr>
-              <a:t>Phần 4: Giới thiệu ứng dụng.</a:t>
-            </a:r>
-            <a:endParaRPr lang="en-US">
-              <a:latin typeface="Palatino Linotype" panose="02040502050505030304" pitchFamily="18" charset="0"/>
-            </a:endParaRPr>
-          </a:p>
-        </p:txBody>
-      </p:sp>
-      <p:sp>
-        <p:nvSpPr>
-          <p:cNvPr id="3" name="Content Placeholder 2"/>
-          <p:cNvSpPr>
-            <a:spLocks noGrp="1"/>
-          </p:cNvSpPr>
-          <p:nvPr>
-            <p:ph idx="1"/>
-          </p:nvPr>
-        </p:nvSpPr>
-        <p:spPr/>
-        <p:txBody>
-          <a:bodyPr>
-            <a:normAutofit/>
-          </a:bodyPr>
-          <a:lstStyle/>
-          <a:p>
-            <a:pPr marL="457200" lvl="1" indent="0">
-              <a:buNone/>
-            </a:pPr>
-            <a:endParaRPr lang="en-US" sz="2600" smtClean="0">
-              <a:latin typeface="Palatino Linotype" panose="02040502050505030304" pitchFamily="18" charset="0"/>
-            </a:endParaRPr>
-          </a:p>
-        </p:txBody>
-      </p:sp>
-    </p:spTree>
-    <p:extLst>
-      <p:ext uri="{BB962C8B-B14F-4D97-AF65-F5344CB8AC3E}">
-        <p14:creationId xmlns:p14="http://schemas.microsoft.com/office/powerpoint/2010/main" val="1733864808"/>
-      </p:ext>
-    </p:extLst>
-  </p:cSld>
-  <p:clrMapOvr>
-    <a:masterClrMapping/>
-  </p:clrMapOvr>
-  <p:timing>
-    <p:tnLst>
-      <p:par>
-        <p:cTn id="1" dur="indefinite" restart="never" nodeType="tmRoot"/>
-      </p:par>
-    </p:tnLst>
-  </p:timing>
-</p:sld>
-</file>
-
-<file path=ppt/slides/slide25.xml><?xml version="1.0" encoding="utf-8"?>
-<p:sld xmlns:a="http://schemas.openxmlformats.org/drawingml/2006/main" xmlns:r="http://schemas.openxmlformats.org/officeDocument/2006/relationships" xmlns:p="http://schemas.openxmlformats.org/presentationml/2006/main">
-  <p:cSld>
-    <p:spTree>
-      <p:nvGrpSpPr>
-        <p:cNvPr id="1" name=""/>
-        <p:cNvGrpSpPr/>
-        <p:nvPr/>
-      </p:nvGrpSpPr>
-      <p:grpSpPr>
-        <a:xfrm>
-          <a:off x="0" y="0"/>
-          <a:ext cx="0" cy="0"/>
-          <a:chOff x="0" y="0"/>
-          <a:chExt cx="0" cy="0"/>
-        </a:xfrm>
-      </p:grpSpPr>
-      <p:sp>
-        <p:nvSpPr>
-          <p:cNvPr id="2" name="Title 1"/>
-          <p:cNvSpPr>
-            <a:spLocks noGrp="1"/>
-          </p:cNvSpPr>
-          <p:nvPr>
-            <p:ph type="title"/>
-          </p:nvPr>
-        </p:nvSpPr>
-        <p:spPr/>
-        <p:txBody>
-          <a:bodyPr/>
-          <a:lstStyle/>
-          <a:p>
-            <a:r>
-              <a:rPr lang="en-US" smtClean="0">
-                <a:latin typeface="Palatino Linotype" panose="02040502050505030304" pitchFamily="18" charset="0"/>
-              </a:rPr>
               <a:t>Phần </a:t>
             </a:r>
             <a:r>
@@ -12272,7 +11850,7 @@
               <a:rPr lang="en-US" sz="2600" smtClean="0">
                 <a:latin typeface="Palatino Linotype" panose="02040502050505030304" pitchFamily="18" charset="0"/>
               </a:rPr>
-              <a:t>Hướng phát triển mở rộng của cơ sở dữ liệu.</a:t>
+              <a:t>Hướng phát triển chức năng của phần mềm.</a:t>
             </a:r>
           </a:p>
           <a:p>
@@ -12284,7 +11862,7 @@
               <a:rPr lang="en-US" sz="2400" smtClean="0">
                 <a:latin typeface="Palatino Linotype" panose="02040502050505030304" pitchFamily="18" charset="0"/>
               </a:rPr>
-              <a:t>Tùy thuộc theo mục đích của mỗi của hàng. Cho phép quản lý thêm các trường dữ liệu cho phù hợp.</a:t>
+              <a:t>Phần mềm sẽ cần phải mở rộng them các chức năng để phù hợp với nhiều loại cửa hàng hơn.</a:t>
             </a:r>
           </a:p>
           <a:p>
@@ -12296,113 +11874,7 @@
               <a:rPr lang="en-US" sz="2400" smtClean="0">
                 <a:latin typeface="Palatino Linotype" panose="02040502050505030304" pitchFamily="18" charset="0"/>
               </a:rPr>
-              <a:t>Khi lượng dữ liệu trở nên lớn hơn thì ta có thể thuê sử dụng các máy chủ ảo, điện toán đám mây để làm tăng không gian lưu trữ cũng như hiệu năng phần cứng.</a:t>
-            </a:r>
-          </a:p>
-        </p:txBody>
-      </p:sp>
-    </p:spTree>
-    <p:extLst>
-      <p:ext uri="{BB962C8B-B14F-4D97-AF65-F5344CB8AC3E}">
-        <p14:creationId xmlns:p14="http://schemas.microsoft.com/office/powerpoint/2010/main" val="2142150559"/>
-      </p:ext>
-    </p:extLst>
-  </p:cSld>
-  <p:clrMapOvr>
-    <a:masterClrMapping/>
-  </p:clrMapOvr>
-  <p:timing>
-    <p:tnLst>
-      <p:par>
-        <p:cTn id="1" dur="indefinite" restart="never" nodeType="tmRoot"/>
-      </p:par>
-    </p:tnLst>
-  </p:timing>
-</p:sld>
-</file>
-
-<file path=ppt/slides/slide26.xml><?xml version="1.0" encoding="utf-8"?>
-<p:sld xmlns:a="http://schemas.openxmlformats.org/drawingml/2006/main" xmlns:r="http://schemas.openxmlformats.org/officeDocument/2006/relationships" xmlns:p="http://schemas.openxmlformats.org/presentationml/2006/main">
-  <p:cSld>
-    <p:spTree>
-      <p:nvGrpSpPr>
-        <p:cNvPr id="1" name=""/>
-        <p:cNvGrpSpPr/>
-        <p:nvPr/>
-      </p:nvGrpSpPr>
-      <p:grpSpPr>
-        <a:xfrm>
-          <a:off x="0" y="0"/>
-          <a:ext cx="0" cy="0"/>
-          <a:chOff x="0" y="0"/>
-          <a:chExt cx="0" cy="0"/>
-        </a:xfrm>
-      </p:grpSpPr>
-      <p:sp>
-        <p:nvSpPr>
-          <p:cNvPr id="2" name="Title 1"/>
-          <p:cNvSpPr>
-            <a:spLocks noGrp="1"/>
-          </p:cNvSpPr>
-          <p:nvPr>
-            <p:ph type="title"/>
-          </p:nvPr>
-        </p:nvSpPr>
-        <p:spPr/>
-        <p:txBody>
-          <a:bodyPr/>
-          <a:lstStyle/>
-          <a:p>
-            <a:r>
-              <a:rPr lang="en-US" smtClean="0">
-                <a:latin typeface="Palatino Linotype" panose="02040502050505030304" pitchFamily="18" charset="0"/>
-              </a:rPr>
-              <a:t>Phần </a:t>
-            </a:r>
-            <a:r>
-              <a:rPr lang="en-US">
-                <a:latin typeface="Palatino Linotype" panose="02040502050505030304" pitchFamily="18" charset="0"/>
-              </a:rPr>
-              <a:t>5</a:t>
-            </a:r>
-            <a:r>
-              <a:rPr lang="en-US" smtClean="0">
-                <a:latin typeface="Palatino Linotype" panose="02040502050505030304" pitchFamily="18" charset="0"/>
-              </a:rPr>
-              <a:t>: Hướng phát triển phần mềm.</a:t>
-            </a:r>
-            <a:endParaRPr lang="en-US">
-              <a:latin typeface="Palatino Linotype" panose="02040502050505030304" pitchFamily="18" charset="0"/>
-            </a:endParaRPr>
-          </a:p>
-        </p:txBody>
-      </p:sp>
-      <p:sp>
-        <p:nvSpPr>
-          <p:cNvPr id="3" name="Content Placeholder 2"/>
-          <p:cNvSpPr>
-            <a:spLocks noGrp="1"/>
-          </p:cNvSpPr>
-          <p:nvPr>
-            <p:ph idx="1"/>
-          </p:nvPr>
-        </p:nvSpPr>
-        <p:spPr/>
-        <p:txBody>
-          <a:bodyPr>
-            <a:normAutofit/>
-          </a:bodyPr>
-          <a:lstStyle/>
-          <a:p>
-            <a:pPr lvl="1">
-              <a:buFont typeface="Wingdings" panose="05000000000000000000" pitchFamily="2" charset="2"/>
-              <a:buChar char="v"/>
-            </a:pPr>
-            <a:r>
-              <a:rPr lang="en-US" sz="2600" smtClean="0">
-                <a:latin typeface="Palatino Linotype" panose="02040502050505030304" pitchFamily="18" charset="0"/>
-              </a:rPr>
-              <a:t>Hướng phát triển chức năng của phần mềm.</a:t>
+              <a:t>Phát triển chức năng online để một cửa hàng có nhiều chi nhánh thì vẫn đồng nhất được một cơ sở dữ liệu.</a:t>
             </a:r>
           </a:p>
           <a:p>
@@ -12414,7 +11886,7 @@
               <a:rPr lang="en-US" sz="2400" smtClean="0">
                 <a:latin typeface="Palatino Linotype" panose="02040502050505030304" pitchFamily="18" charset="0"/>
               </a:rPr>
-              <a:t>Phần mềm sẽ cần phải mở rộng them các chức năng để phù hợp với nhiều loại cửa hàng hơn.</a:t>
+              <a:t>Phát triển thêm chức năng để người mua cũng có thể xem sản phẩm.</a:t>
             </a:r>
           </a:p>
           <a:p>
@@ -12422,36 +11894,9 @@
               <a:buFont typeface="Wingdings" panose="05000000000000000000" pitchFamily="2" charset="2"/>
               <a:buChar char="v"/>
             </a:pPr>
-            <a:r>
-              <a:rPr lang="en-US" sz="2400" smtClean="0">
-                <a:latin typeface="Palatino Linotype" panose="02040502050505030304" pitchFamily="18" charset="0"/>
-              </a:rPr>
-              <a:t>Phát triển chức năng online để một cửa hàng có nhiều chi nhánh thì vẫn đồng nhất được một cơ sở dữ liệu.</a:t>
-            </a:r>
-          </a:p>
-          <a:p>
-            <a:pPr lvl="2">
-              <a:buFont typeface="Wingdings" panose="05000000000000000000" pitchFamily="2" charset="2"/>
-              <a:buChar char="v"/>
-            </a:pPr>
-            <a:r>
-              <a:rPr lang="en-US" sz="2400" smtClean="0">
-                <a:latin typeface="Palatino Linotype" panose="02040502050505030304" pitchFamily="18" charset="0"/>
-              </a:rPr>
-              <a:t>Phát triển thêm chức năng để người mua cũng có thể xem sản phẩm.</a:t>
-            </a:r>
-          </a:p>
-          <a:p>
-            <a:pPr lvl="2">
-              <a:buFont typeface="Wingdings" panose="05000000000000000000" pitchFamily="2" charset="2"/>
-              <a:buChar char="v"/>
-            </a:pPr>
-            <a:r>
-              <a:rPr lang="en-US" sz="2400" smtClean="0">
-                <a:latin typeface="Palatino Linotype" panose="02040502050505030304" pitchFamily="18" charset="0"/>
-              </a:rPr>
-              <a:t>Phát triển ứng dụng thu ngân trên các nền tảng di động.</a:t>
-            </a:r>
+            <a:endParaRPr lang="en-US" sz="2400" smtClean="0">
+              <a:latin typeface="Palatino Linotype" panose="02040502050505030304" pitchFamily="18" charset="0"/>
+            </a:endParaRPr>
           </a:p>
         </p:txBody>
       </p:sp>

--- a/Slide.pptx
+++ b/Slide.pptx
@@ -10284,43 +10284,7 @@
                           <a:ea typeface="+mn-ea"/>
                           <a:cs typeface="+mn-cs"/>
                         </a:rPr>
-                        <a:t> số  và tên của </a:t>
-                      </a:r>
-                      <a:r>
-                        <a:rPr lang="en-US" sz="1600" b="0" i="0" u="none" strike="noStrike" kern="1200" baseline="0" smtClean="0">
-                          <a:solidFill>
-                            <a:schemeClr val="dk1"/>
-                          </a:solidFill>
-                          <a:effectLst/>
-                          <a:latin typeface="Palatino Linotype" panose="02040502050505030304" pitchFamily="18" charset="0"/>
-                          <a:ea typeface="+mn-ea"/>
-                          <a:cs typeface="+mn-cs"/>
-                        </a:rPr>
-                        <a:t>tài khoản không </a:t>
-                      </a:r>
-                      <a:r>
-                        <a:rPr lang="en-US" sz="1600" b="0" i="0" u="none" strike="noStrike" kern="1200" baseline="0" smtClean="0">
-                          <a:solidFill>
-                            <a:schemeClr val="dk1"/>
-                          </a:solidFill>
-                          <a:effectLst/>
-                          <a:latin typeface="Palatino Linotype" panose="02040502050505030304" pitchFamily="18" charset="0"/>
-                          <a:ea typeface="+mn-ea"/>
-                          <a:cs typeface="+mn-cs"/>
-                        </a:rPr>
-                        <a:t>được trùng nhau</a:t>
-                      </a:r>
-                      <a:r>
-                        <a:rPr lang="en-US" sz="1600" b="0" i="0" u="none" strike="noStrike" kern="1200" baseline="0" smtClean="0">
-                          <a:solidFill>
-                            <a:schemeClr val="dk1"/>
-                          </a:solidFill>
-                          <a:effectLst/>
-                          <a:latin typeface="Palatino Linotype" panose="02040502050505030304" pitchFamily="18" charset="0"/>
-                          <a:ea typeface="+mn-ea"/>
-                          <a:cs typeface="+mn-cs"/>
-                        </a:rPr>
-                        <a:t>.</a:t>
+                        <a:t> số  và tên của tài khoản không được trùng nhau.</a:t>
                       </a:r>
                     </a:p>
                     <a:p>
@@ -10845,7 +10809,6 @@
               <a:rPr lang="en-US"/>
               <a:t>PROCEDURE setindex ( in tablename varchar(20) )</a:t>
             </a:r>
-            <a:endParaRPr lang="en-US"/>
           </a:p>
           <a:p>
             <a:pPr marL="0" indent="0">
@@ -10855,7 +10818,6 @@
               <a:rPr lang="en-US"/>
               <a:t>BEGIN</a:t>
             </a:r>
-            <a:endParaRPr lang="en-US"/>
           </a:p>
           <a:p>
             <a:pPr marL="400050" lvl="1" indent="0">
@@ -10865,7 +10827,6 @@
               <a:rPr lang="en-US"/>
               <a:t>   IF(tablename ='account') THEN ALTER TABLE account ADD INDEX (ID_Account, username);</a:t>
             </a:r>
-            <a:endParaRPr lang="en-US"/>
           </a:p>
           <a:p>
             <a:pPr marL="400050" lvl="1" indent="0">
@@ -10875,7 +10836,6 @@
               <a:rPr lang="en-US"/>
               <a:t>   END IF;</a:t>
             </a:r>
-            <a:endParaRPr lang="en-US"/>
           </a:p>
           <a:p>
             <a:pPr marL="400050" lvl="1" indent="0">
@@ -10885,7 +10845,6 @@
               <a:rPr lang="en-US"/>
               <a:t>   IF(tablename = 'ncc') THEN ALTER TABLE ncc ADD INDEX (Id_NCC);</a:t>
             </a:r>
-            <a:endParaRPr lang="en-US"/>
           </a:p>
           <a:p>
             <a:pPr marL="400050" lvl="1" indent="0">
@@ -10895,7 +10854,6 @@
               <a:rPr lang="en-US"/>
               <a:t>   END IF;</a:t>
             </a:r>
-            <a:endParaRPr lang="en-US"/>
           </a:p>
           <a:p>
             <a:pPr marL="400050" lvl="1" indent="0">
@@ -10905,7 +10863,6 @@
               <a:rPr lang="en-US"/>
               <a:t>   IF (tablename ='mat_hang') THEN ALTER TABLE mat_hang ADD INDEX (ID_MatHang);</a:t>
             </a:r>
-            <a:endParaRPr lang="en-US"/>
           </a:p>
           <a:p>
             <a:pPr marL="400050" lvl="1" indent="0">
@@ -10915,7 +10872,6 @@
               <a:rPr lang="en-US"/>
               <a:t>   END IF;</a:t>
             </a:r>
-            <a:endParaRPr lang="en-US"/>
           </a:p>
           <a:p>
             <a:pPr marL="400050" lvl="1" indent="0">
@@ -10925,7 +10881,6 @@
               <a:rPr lang="en-US"/>
               <a:t>   IF (tablename = 'nhomhang') THEN ALTER TABLE nhomhang ADD INDEX (ID_NhomHang);</a:t>
             </a:r>
-            <a:endParaRPr lang="en-US"/>
           </a:p>
           <a:p>
             <a:pPr marL="400050" lvl="1" indent="0">
@@ -10935,7 +10890,6 @@
               <a:rPr lang="en-US"/>
               <a:t>   END IF;</a:t>
             </a:r>
-            <a:endParaRPr lang="en-US"/>
           </a:p>
           <a:p>
             <a:pPr marL="0" indent="0">
@@ -10945,7 +10899,6 @@
               <a:rPr lang="en-US"/>
               <a:t>END $$</a:t>
             </a:r>
-            <a:endParaRPr lang="en-US"/>
           </a:p>
           <a:p>
             <a:r>
